--- a/docs/valodasprez_2_ag21201_je21033.pptx
+++ b/docs/valodasprez_2_ag21201_je21033.pptx
@@ -5,21 +5,19 @@
     <p:sldMasterId id="2147483648" r:id="rId1"/>
   </p:sldMasterIdLst>
   <p:notesMasterIdLst>
-    <p:notesMasterId r:id="rId11"/>
+    <p:notesMasterId r:id="rId9"/>
   </p:notesMasterIdLst>
   <p:handoutMasterIdLst>
-    <p:handoutMasterId r:id="rId12"/>
+    <p:handoutMasterId r:id="rId10"/>
   </p:handoutMasterIdLst>
   <p:sldIdLst>
     <p:sldId id="256" r:id="rId2"/>
-    <p:sldId id="257" r:id="rId3"/>
-    <p:sldId id="258" r:id="rId4"/>
-    <p:sldId id="259" r:id="rId5"/>
-    <p:sldId id="263" r:id="rId6"/>
-    <p:sldId id="264" r:id="rId7"/>
-    <p:sldId id="266" r:id="rId8"/>
-    <p:sldId id="269" r:id="rId9"/>
-    <p:sldId id="268" r:id="rId10"/>
+    <p:sldId id="270" r:id="rId3"/>
+    <p:sldId id="271" r:id="rId4"/>
+    <p:sldId id="272" r:id="rId5"/>
+    <p:sldId id="273" r:id="rId6"/>
+    <p:sldId id="274" r:id="rId7"/>
+    <p:sldId id="268" r:id="rId8"/>
   </p:sldIdLst>
   <p:sldSz cx="12192000" cy="6858000"/>
   <p:notesSz cx="6858000" cy="9144000"/>
@@ -167,7 +165,7 @@
           <p:cNvPr id="2" name="Header Placeholder 1">
             <a:extLst>
               <a:ext uri="{FF2B5EF4-FFF2-40B4-BE49-F238E27FC236}">
-                <a16:creationId xmlns:a16="http://schemas.microsoft.com/office/drawing/2014/main" xmlns="" id="{1F282B2A-05B9-DA43-B020-0E17B4309905}"/>
+                <a16:creationId xmlns:a16="http://schemas.microsoft.com/office/drawing/2014/main" id="{1F282B2A-05B9-DA43-B020-0E17B4309905}"/>
               </a:ext>
             </a:extLst>
           </p:cNvPr>
@@ -204,7 +202,7 @@
           <p:cNvPr id="3" name="Date Placeholder 2">
             <a:extLst>
               <a:ext uri="{FF2B5EF4-FFF2-40B4-BE49-F238E27FC236}">
-                <a16:creationId xmlns:a16="http://schemas.microsoft.com/office/drawing/2014/main" xmlns="" id="{CE880F47-F956-A04A-B651-0BD4539C2043}"/>
+                <a16:creationId xmlns:a16="http://schemas.microsoft.com/office/drawing/2014/main" id="{CE880F47-F956-A04A-B651-0BD4539C2043}"/>
               </a:ext>
             </a:extLst>
           </p:cNvPr>
@@ -234,7 +232,7 @@
           <a:p>
             <a:fld id="{A33D6820-C90F-314A-B635-C792A02598A9}" type="datetimeFigureOut">
               <a:rPr lang="en-US" smtClean="0"/>
-              <a:t>8/19/2020</a:t>
+              <a:t>6/18/2024</a:t>
             </a:fld>
             <a:endParaRPr lang="en-US"/>
           </a:p>
@@ -245,7 +243,7 @@
           <p:cNvPr id="4" name="Footer Placeholder 3">
             <a:extLst>
               <a:ext uri="{FF2B5EF4-FFF2-40B4-BE49-F238E27FC236}">
-                <a16:creationId xmlns:a16="http://schemas.microsoft.com/office/drawing/2014/main" xmlns="" id="{790E4E16-EE10-FD4C-BD38-5D3EA4A7802F}"/>
+                <a16:creationId xmlns:a16="http://schemas.microsoft.com/office/drawing/2014/main" id="{790E4E16-EE10-FD4C-BD38-5D3EA4A7802F}"/>
               </a:ext>
             </a:extLst>
           </p:cNvPr>
@@ -282,7 +280,7 @@
           <p:cNvPr id="5" name="Slide Number Placeholder 4">
             <a:extLst>
               <a:ext uri="{FF2B5EF4-FFF2-40B4-BE49-F238E27FC236}">
-                <a16:creationId xmlns:a16="http://schemas.microsoft.com/office/drawing/2014/main" xmlns="" id="{05E22654-B272-734A-8F53-4FAFEF8572E0}"/>
+                <a16:creationId xmlns:a16="http://schemas.microsoft.com/office/drawing/2014/main" id="{05E22654-B272-734A-8F53-4FAFEF8572E0}"/>
               </a:ext>
             </a:extLst>
           </p:cNvPr>
@@ -411,7 +409,7 @@
           <a:p>
             <a:fld id="{4A4DD683-F048-40F2-8F8B-BB5C49C79AC2}" type="datetimeFigureOut">
               <a:rPr lang="en-US" smtClean="0"/>
-              <a:t>8/19/2020</a:t>
+              <a:t>6/18/2024</a:t>
             </a:fld>
             <a:endParaRPr lang="en-US"/>
           </a:p>
@@ -763,6 +761,536 @@
 </p:notes>
 </file>
 
+<file path=ppt/notesSlides/notesSlide2.xml><?xml version="1.0" encoding="utf-8"?>
+<p:notes xmlns:a="http://schemas.openxmlformats.org/drawingml/2006/main" xmlns:r="http://schemas.openxmlformats.org/officeDocument/2006/relationships" xmlns:p="http://schemas.openxmlformats.org/presentationml/2006/main" showMasterSp="0" showMasterPhAnim="0">
+  <p:cSld>
+    <p:spTree>
+      <p:nvGrpSpPr>
+        <p:cNvPr id="1" name="Shape 87"/>
+        <p:cNvGrpSpPr/>
+        <p:nvPr/>
+      </p:nvGrpSpPr>
+      <p:grpSpPr>
+        <a:xfrm>
+          <a:off x="0" y="0"/>
+          <a:ext cx="0" cy="0"/>
+          <a:chOff x="0" y="0"/>
+          <a:chExt cx="0" cy="0"/>
+        </a:xfrm>
+      </p:grpSpPr>
+      <p:sp>
+        <p:nvSpPr>
+          <p:cNvPr id="88" name="Google Shape;88;p2:notes"/>
+          <p:cNvSpPr txBox="1">
+            <a:spLocks noGrp="1"/>
+          </p:cNvSpPr>
+          <p:nvPr>
+            <p:ph type="body" idx="1"/>
+          </p:nvPr>
+        </p:nvSpPr>
+        <p:spPr>
+          <a:xfrm>
+            <a:off x="685800" y="4400550"/>
+            <a:ext cx="5486400" cy="3600450"/>
+          </a:xfrm>
+          <a:prstGeom prst="rect">
+            <a:avLst/>
+          </a:prstGeom>
+        </p:spPr>
+        <p:txBody>
+          <a:bodyPr spcFirstLastPara="1" wrap="square" lIns="91425" tIns="45700" rIns="91425" bIns="45700" anchor="t" anchorCtr="0">
+            <a:noAutofit/>
+          </a:bodyPr>
+          <a:lstStyle/>
+          <a:p>
+            <a:pPr marL="0" lvl="0" indent="0" algn="l" rtl="0">
+              <a:spcBef>
+                <a:spcPts val="0"/>
+              </a:spcBef>
+              <a:spcAft>
+                <a:spcPts val="0"/>
+              </a:spcAft>
+              <a:buNone/>
+            </a:pPr>
+            <a:endParaRPr/>
+          </a:p>
+        </p:txBody>
+      </p:sp>
+      <p:sp>
+        <p:nvSpPr>
+          <p:cNvPr id="89" name="Google Shape;89;p2:notes"/>
+          <p:cNvSpPr>
+            <a:spLocks noGrp="1" noRot="1" noChangeAspect="1"/>
+          </p:cNvSpPr>
+          <p:nvPr>
+            <p:ph type="sldImg" idx="2"/>
+          </p:nvPr>
+        </p:nvSpPr>
+        <p:spPr>
+          <a:xfrm>
+            <a:off x="685800" y="1143000"/>
+            <a:ext cx="5486400" cy="3086100"/>
+          </a:xfrm>
+          <a:custGeom>
+            <a:avLst/>
+            <a:gdLst/>
+            <a:ahLst/>
+            <a:cxnLst/>
+            <a:rect l="l" t="t" r="r" b="b"/>
+            <a:pathLst>
+              <a:path w="120000" h="120000" extrusionOk="0">
+                <a:moveTo>
+                  <a:pt x="0" y="0"/>
+                </a:moveTo>
+                <a:lnTo>
+                  <a:pt x="120000" y="0"/>
+                </a:lnTo>
+                <a:lnTo>
+                  <a:pt x="120000" y="120000"/>
+                </a:lnTo>
+                <a:lnTo>
+                  <a:pt x="0" y="120000"/>
+                </a:lnTo>
+                <a:close/>
+              </a:path>
+            </a:pathLst>
+          </a:custGeom>
+        </p:spPr>
+      </p:sp>
+    </p:spTree>
+  </p:cSld>
+  <p:clrMapOvr>
+    <a:masterClrMapping/>
+  </p:clrMapOvr>
+</p:notes>
+</file>
+
+<file path=ppt/notesSlides/notesSlide3.xml><?xml version="1.0" encoding="utf-8"?>
+<p:notes xmlns:a="http://schemas.openxmlformats.org/drawingml/2006/main" xmlns:r="http://schemas.openxmlformats.org/officeDocument/2006/relationships" xmlns:p="http://schemas.openxmlformats.org/presentationml/2006/main" showMasterSp="0" showMasterPhAnim="0">
+  <p:cSld>
+    <p:spTree>
+      <p:nvGrpSpPr>
+        <p:cNvPr id="1" name="Shape 101"/>
+        <p:cNvGrpSpPr/>
+        <p:nvPr/>
+      </p:nvGrpSpPr>
+      <p:grpSpPr>
+        <a:xfrm>
+          <a:off x="0" y="0"/>
+          <a:ext cx="0" cy="0"/>
+          <a:chOff x="0" y="0"/>
+          <a:chExt cx="0" cy="0"/>
+        </a:xfrm>
+      </p:grpSpPr>
+      <p:sp>
+        <p:nvSpPr>
+          <p:cNvPr id="102" name="Google Shape;102;p4:notes"/>
+          <p:cNvSpPr txBox="1">
+            <a:spLocks noGrp="1"/>
+          </p:cNvSpPr>
+          <p:nvPr>
+            <p:ph type="body" idx="1"/>
+          </p:nvPr>
+        </p:nvSpPr>
+        <p:spPr>
+          <a:xfrm>
+            <a:off x="685800" y="4400550"/>
+            <a:ext cx="5486400" cy="3600450"/>
+          </a:xfrm>
+          <a:prstGeom prst="rect">
+            <a:avLst/>
+          </a:prstGeom>
+        </p:spPr>
+        <p:txBody>
+          <a:bodyPr spcFirstLastPara="1" wrap="square" lIns="91425" tIns="45700" rIns="91425" bIns="45700" anchor="t" anchorCtr="0">
+            <a:noAutofit/>
+          </a:bodyPr>
+          <a:lstStyle/>
+          <a:p>
+            <a:pPr marL="0" lvl="0" indent="0" algn="l" rtl="0">
+              <a:spcBef>
+                <a:spcPts val="0"/>
+              </a:spcBef>
+              <a:spcAft>
+                <a:spcPts val="0"/>
+              </a:spcAft>
+              <a:buNone/>
+            </a:pPr>
+            <a:endParaRPr/>
+          </a:p>
+        </p:txBody>
+      </p:sp>
+      <p:sp>
+        <p:nvSpPr>
+          <p:cNvPr id="103" name="Google Shape;103;p4:notes"/>
+          <p:cNvSpPr>
+            <a:spLocks noGrp="1" noRot="1" noChangeAspect="1"/>
+          </p:cNvSpPr>
+          <p:nvPr>
+            <p:ph type="sldImg" idx="2"/>
+          </p:nvPr>
+        </p:nvSpPr>
+        <p:spPr>
+          <a:xfrm>
+            <a:off x="685800" y="1143000"/>
+            <a:ext cx="5486400" cy="3086100"/>
+          </a:xfrm>
+          <a:custGeom>
+            <a:avLst/>
+            <a:gdLst/>
+            <a:ahLst/>
+            <a:cxnLst/>
+            <a:rect l="l" t="t" r="r" b="b"/>
+            <a:pathLst>
+              <a:path w="120000" h="120000" extrusionOk="0">
+                <a:moveTo>
+                  <a:pt x="0" y="0"/>
+                </a:moveTo>
+                <a:lnTo>
+                  <a:pt x="120000" y="0"/>
+                </a:lnTo>
+                <a:lnTo>
+                  <a:pt x="120000" y="120000"/>
+                </a:lnTo>
+                <a:lnTo>
+                  <a:pt x="0" y="120000"/>
+                </a:lnTo>
+                <a:close/>
+              </a:path>
+            </a:pathLst>
+          </a:custGeom>
+        </p:spPr>
+      </p:sp>
+    </p:spTree>
+  </p:cSld>
+  <p:clrMapOvr>
+    <a:masterClrMapping/>
+  </p:clrMapOvr>
+</p:notes>
+</file>
+
+<file path=ppt/notesSlides/notesSlide4.xml><?xml version="1.0" encoding="utf-8"?>
+<p:notes xmlns:a="http://schemas.openxmlformats.org/drawingml/2006/main" xmlns:r="http://schemas.openxmlformats.org/officeDocument/2006/relationships" xmlns:p="http://schemas.openxmlformats.org/presentationml/2006/main" showMasterSp="0" showMasterPhAnim="0">
+  <p:cSld>
+    <p:spTree>
+      <p:nvGrpSpPr>
+        <p:cNvPr id="1" name="Shape 101"/>
+        <p:cNvGrpSpPr/>
+        <p:nvPr/>
+      </p:nvGrpSpPr>
+      <p:grpSpPr>
+        <a:xfrm>
+          <a:off x="0" y="0"/>
+          <a:ext cx="0" cy="0"/>
+          <a:chOff x="0" y="0"/>
+          <a:chExt cx="0" cy="0"/>
+        </a:xfrm>
+      </p:grpSpPr>
+      <p:sp>
+        <p:nvSpPr>
+          <p:cNvPr id="102" name="Google Shape;102;p4:notes"/>
+          <p:cNvSpPr txBox="1">
+            <a:spLocks noGrp="1"/>
+          </p:cNvSpPr>
+          <p:nvPr>
+            <p:ph type="body" idx="1"/>
+          </p:nvPr>
+        </p:nvSpPr>
+        <p:spPr>
+          <a:xfrm>
+            <a:off x="685800" y="4400550"/>
+            <a:ext cx="5486400" cy="3600450"/>
+          </a:xfrm>
+          <a:prstGeom prst="rect">
+            <a:avLst/>
+          </a:prstGeom>
+        </p:spPr>
+        <p:txBody>
+          <a:bodyPr spcFirstLastPara="1" wrap="square" lIns="91425" tIns="45700" rIns="91425" bIns="45700" anchor="t" anchorCtr="0">
+            <a:noAutofit/>
+          </a:bodyPr>
+          <a:lstStyle/>
+          <a:p>
+            <a:pPr marL="0" lvl="0" indent="0" algn="l" rtl="0">
+              <a:spcBef>
+                <a:spcPts val="0"/>
+              </a:spcBef>
+              <a:spcAft>
+                <a:spcPts val="0"/>
+              </a:spcAft>
+              <a:buNone/>
+            </a:pPr>
+            <a:endParaRPr/>
+          </a:p>
+        </p:txBody>
+      </p:sp>
+      <p:sp>
+        <p:nvSpPr>
+          <p:cNvPr id="103" name="Google Shape;103;p4:notes"/>
+          <p:cNvSpPr>
+            <a:spLocks noGrp="1" noRot="1" noChangeAspect="1"/>
+          </p:cNvSpPr>
+          <p:nvPr>
+            <p:ph type="sldImg" idx="2"/>
+          </p:nvPr>
+        </p:nvSpPr>
+        <p:spPr>
+          <a:xfrm>
+            <a:off x="685800" y="1143000"/>
+            <a:ext cx="5486400" cy="3086100"/>
+          </a:xfrm>
+          <a:custGeom>
+            <a:avLst/>
+            <a:gdLst/>
+            <a:ahLst/>
+            <a:cxnLst/>
+            <a:rect l="l" t="t" r="r" b="b"/>
+            <a:pathLst>
+              <a:path w="120000" h="120000" extrusionOk="0">
+                <a:moveTo>
+                  <a:pt x="0" y="0"/>
+                </a:moveTo>
+                <a:lnTo>
+                  <a:pt x="120000" y="0"/>
+                </a:lnTo>
+                <a:lnTo>
+                  <a:pt x="120000" y="120000"/>
+                </a:lnTo>
+                <a:lnTo>
+                  <a:pt x="0" y="120000"/>
+                </a:lnTo>
+                <a:close/>
+              </a:path>
+            </a:pathLst>
+          </a:custGeom>
+        </p:spPr>
+      </p:sp>
+    </p:spTree>
+  </p:cSld>
+  <p:clrMapOvr>
+    <a:masterClrMapping/>
+  </p:clrMapOvr>
+</p:notes>
+</file>
+
+<file path=ppt/notesSlides/notesSlide5.xml><?xml version="1.0" encoding="utf-8"?>
+<p:notes xmlns:a="http://schemas.openxmlformats.org/drawingml/2006/main" xmlns:r="http://schemas.openxmlformats.org/officeDocument/2006/relationships" xmlns:p="http://schemas.openxmlformats.org/presentationml/2006/main" showMasterSp="0" showMasterPhAnim="0">
+  <p:cSld>
+    <p:spTree>
+      <p:nvGrpSpPr>
+        <p:cNvPr id="1" name="Shape 101"/>
+        <p:cNvGrpSpPr/>
+        <p:nvPr/>
+      </p:nvGrpSpPr>
+      <p:grpSpPr>
+        <a:xfrm>
+          <a:off x="0" y="0"/>
+          <a:ext cx="0" cy="0"/>
+          <a:chOff x="0" y="0"/>
+          <a:chExt cx="0" cy="0"/>
+        </a:xfrm>
+      </p:grpSpPr>
+      <p:sp>
+        <p:nvSpPr>
+          <p:cNvPr id="102" name="Google Shape;102;p4:notes"/>
+          <p:cNvSpPr txBox="1">
+            <a:spLocks noGrp="1"/>
+          </p:cNvSpPr>
+          <p:nvPr>
+            <p:ph type="body" idx="1"/>
+          </p:nvPr>
+        </p:nvSpPr>
+        <p:spPr>
+          <a:xfrm>
+            <a:off x="685800" y="4400550"/>
+            <a:ext cx="5486400" cy="3600450"/>
+          </a:xfrm>
+          <a:prstGeom prst="rect">
+            <a:avLst/>
+          </a:prstGeom>
+        </p:spPr>
+        <p:txBody>
+          <a:bodyPr spcFirstLastPara="1" wrap="square" lIns="91425" tIns="45700" rIns="91425" bIns="45700" anchor="t" anchorCtr="0">
+            <a:noAutofit/>
+          </a:bodyPr>
+          <a:lstStyle/>
+          <a:p>
+            <a:pPr marL="0" lvl="0" indent="0" algn="l" rtl="0">
+              <a:spcBef>
+                <a:spcPts val="0"/>
+              </a:spcBef>
+              <a:spcAft>
+                <a:spcPts val="0"/>
+              </a:spcAft>
+              <a:buNone/>
+            </a:pPr>
+            <a:endParaRPr/>
+          </a:p>
+        </p:txBody>
+      </p:sp>
+      <p:sp>
+        <p:nvSpPr>
+          <p:cNvPr id="103" name="Google Shape;103;p4:notes"/>
+          <p:cNvSpPr>
+            <a:spLocks noGrp="1" noRot="1" noChangeAspect="1"/>
+          </p:cNvSpPr>
+          <p:nvPr>
+            <p:ph type="sldImg" idx="2"/>
+          </p:nvPr>
+        </p:nvSpPr>
+        <p:spPr>
+          <a:xfrm>
+            <a:off x="685800" y="1143000"/>
+            <a:ext cx="5486400" cy="3086100"/>
+          </a:xfrm>
+          <a:custGeom>
+            <a:avLst/>
+            <a:gdLst/>
+            <a:ahLst/>
+            <a:cxnLst/>
+            <a:rect l="l" t="t" r="r" b="b"/>
+            <a:pathLst>
+              <a:path w="120000" h="120000" extrusionOk="0">
+                <a:moveTo>
+                  <a:pt x="0" y="0"/>
+                </a:moveTo>
+                <a:lnTo>
+                  <a:pt x="120000" y="0"/>
+                </a:lnTo>
+                <a:lnTo>
+                  <a:pt x="120000" y="120000"/>
+                </a:lnTo>
+                <a:lnTo>
+                  <a:pt x="0" y="120000"/>
+                </a:lnTo>
+                <a:close/>
+              </a:path>
+            </a:pathLst>
+          </a:custGeom>
+        </p:spPr>
+      </p:sp>
+    </p:spTree>
+    <p:extLst>
+      <p:ext uri="{BB962C8B-B14F-4D97-AF65-F5344CB8AC3E}">
+        <p14:creationId xmlns:p14="http://schemas.microsoft.com/office/powerpoint/2010/main" val="4280763249"/>
+      </p:ext>
+    </p:extLst>
+  </p:cSld>
+  <p:clrMapOvr>
+    <a:masterClrMapping/>
+  </p:clrMapOvr>
+</p:notes>
+</file>
+
+<file path=ppt/notesSlides/notesSlide6.xml><?xml version="1.0" encoding="utf-8"?>
+<p:notes xmlns:a="http://schemas.openxmlformats.org/drawingml/2006/main" xmlns:r="http://schemas.openxmlformats.org/officeDocument/2006/relationships" xmlns:p="http://schemas.openxmlformats.org/presentationml/2006/main" showMasterSp="0" showMasterPhAnim="0">
+  <p:cSld>
+    <p:spTree>
+      <p:nvGrpSpPr>
+        <p:cNvPr id="1" name="Shape 101"/>
+        <p:cNvGrpSpPr/>
+        <p:nvPr/>
+      </p:nvGrpSpPr>
+      <p:grpSpPr>
+        <a:xfrm>
+          <a:off x="0" y="0"/>
+          <a:ext cx="0" cy="0"/>
+          <a:chOff x="0" y="0"/>
+          <a:chExt cx="0" cy="0"/>
+        </a:xfrm>
+      </p:grpSpPr>
+      <p:sp>
+        <p:nvSpPr>
+          <p:cNvPr id="102" name="Google Shape;102;p4:notes"/>
+          <p:cNvSpPr txBox="1">
+            <a:spLocks noGrp="1"/>
+          </p:cNvSpPr>
+          <p:nvPr>
+            <p:ph type="body" idx="1"/>
+          </p:nvPr>
+        </p:nvSpPr>
+        <p:spPr>
+          <a:xfrm>
+            <a:off x="685800" y="4400550"/>
+            <a:ext cx="5486400" cy="3600450"/>
+          </a:xfrm>
+          <a:prstGeom prst="rect">
+            <a:avLst/>
+          </a:prstGeom>
+        </p:spPr>
+        <p:txBody>
+          <a:bodyPr spcFirstLastPara="1" wrap="square" lIns="91425" tIns="45700" rIns="91425" bIns="45700" anchor="t" anchorCtr="0">
+            <a:noAutofit/>
+          </a:bodyPr>
+          <a:lstStyle/>
+          <a:p>
+            <a:pPr marL="0" lvl="0" indent="0" algn="l" rtl="0">
+              <a:spcBef>
+                <a:spcPts val="0"/>
+              </a:spcBef>
+              <a:spcAft>
+                <a:spcPts val="0"/>
+              </a:spcAft>
+              <a:buNone/>
+            </a:pPr>
+            <a:endParaRPr/>
+          </a:p>
+        </p:txBody>
+      </p:sp>
+      <p:sp>
+        <p:nvSpPr>
+          <p:cNvPr id="103" name="Google Shape;103;p4:notes"/>
+          <p:cNvSpPr>
+            <a:spLocks noGrp="1" noRot="1" noChangeAspect="1"/>
+          </p:cNvSpPr>
+          <p:nvPr>
+            <p:ph type="sldImg" idx="2"/>
+          </p:nvPr>
+        </p:nvSpPr>
+        <p:spPr>
+          <a:xfrm>
+            <a:off x="685800" y="1143000"/>
+            <a:ext cx="5486400" cy="3086100"/>
+          </a:xfrm>
+          <a:custGeom>
+            <a:avLst/>
+            <a:gdLst/>
+            <a:ahLst/>
+            <a:cxnLst/>
+            <a:rect l="l" t="t" r="r" b="b"/>
+            <a:pathLst>
+              <a:path w="120000" h="120000" extrusionOk="0">
+                <a:moveTo>
+                  <a:pt x="0" y="0"/>
+                </a:moveTo>
+                <a:lnTo>
+                  <a:pt x="120000" y="0"/>
+                </a:lnTo>
+                <a:lnTo>
+                  <a:pt x="120000" y="120000"/>
+                </a:lnTo>
+                <a:lnTo>
+                  <a:pt x="0" y="120000"/>
+                </a:lnTo>
+                <a:close/>
+              </a:path>
+            </a:pathLst>
+          </a:custGeom>
+        </p:spPr>
+      </p:sp>
+    </p:spTree>
+    <p:extLst>
+      <p:ext uri="{BB962C8B-B14F-4D97-AF65-F5344CB8AC3E}">
+        <p14:creationId xmlns:p14="http://schemas.microsoft.com/office/powerpoint/2010/main" val="1778717075"/>
+      </p:ext>
+    </p:extLst>
+  </p:cSld>
+  <p:clrMapOvr>
+    <a:masterClrMapping/>
+  </p:clrMapOvr>
+</p:notes>
+</file>
+
 <file path=ppt/slideLayouts/slideLayout1.xml><?xml version="1.0" encoding="utf-8"?>
 <p:sldLayout xmlns:a="http://schemas.openxmlformats.org/drawingml/2006/main" xmlns:r="http://schemas.openxmlformats.org/officeDocument/2006/relationships" xmlns:p="http://schemas.openxmlformats.org/presentationml/2006/main" preserve="1" userDrawn="1">
   <p:cSld name="Virsraksta slaids">
@@ -882,7 +1410,7 @@
           <p:cNvPr id="4" name="Rectangle 3">
             <a:extLst>
               <a:ext uri="{FF2B5EF4-FFF2-40B4-BE49-F238E27FC236}">
-                <a16:creationId xmlns:a16="http://schemas.microsoft.com/office/drawing/2014/main" xmlns="" id="{3518C710-B841-284D-A600-58291455ABCB}"/>
+                <a16:creationId xmlns:a16="http://schemas.microsoft.com/office/drawing/2014/main" id="{3518C710-B841-284D-A600-58291455ABCB}"/>
               </a:ext>
             </a:extLst>
           </p:cNvPr>
@@ -934,7 +1462,7 @@
           <p:cNvPr id="6" name="Picture 1">
             <a:extLst>
               <a:ext uri="{FF2B5EF4-FFF2-40B4-BE49-F238E27FC236}">
-                <a16:creationId xmlns:a16="http://schemas.microsoft.com/office/drawing/2014/main" xmlns="" id="{BA99B71F-918A-0E40-9971-A475596C8339}"/>
+                <a16:creationId xmlns:a16="http://schemas.microsoft.com/office/drawing/2014/main" id="{BA99B71F-918A-0E40-9971-A475596C8339}"/>
               </a:ext>
             </a:extLst>
           </p:cNvPr>
@@ -970,7 +1498,7 @@
           <p:cNvPr id="8" name="Rectangle 7">
             <a:extLst>
               <a:ext uri="{FF2B5EF4-FFF2-40B4-BE49-F238E27FC236}">
-                <a16:creationId xmlns:a16="http://schemas.microsoft.com/office/drawing/2014/main" xmlns="" id="{8B9B900A-6B68-0342-8952-BF3D282C41F1}"/>
+                <a16:creationId xmlns:a16="http://schemas.microsoft.com/office/drawing/2014/main" id="{8B9B900A-6B68-0342-8952-BF3D282C41F1}"/>
               </a:ext>
             </a:extLst>
           </p:cNvPr>
@@ -3444,7 +3972,7 @@
           <p:cNvPr id="9" name="Rectangle 8">
             <a:extLst>
               <a:ext uri="{FF2B5EF4-FFF2-40B4-BE49-F238E27FC236}">
-                <a16:creationId xmlns:a16="http://schemas.microsoft.com/office/drawing/2014/main" xmlns="" id="{5CC4F950-DFF2-F042-952F-DAC967054040}"/>
+                <a16:creationId xmlns:a16="http://schemas.microsoft.com/office/drawing/2014/main" id="{5CC4F950-DFF2-F042-952F-DAC967054040}"/>
               </a:ext>
             </a:extLst>
           </p:cNvPr>
@@ -3498,7 +4026,7 @@
           <p:cNvPr id="10" name="Rectangle 9">
             <a:extLst>
               <a:ext uri="{FF2B5EF4-FFF2-40B4-BE49-F238E27FC236}">
-                <a16:creationId xmlns:a16="http://schemas.microsoft.com/office/drawing/2014/main" xmlns="" id="{8B8235B9-3821-BA42-BA6A-FE61809AEEA0}"/>
+                <a16:creationId xmlns:a16="http://schemas.microsoft.com/office/drawing/2014/main" id="{8B8235B9-3821-BA42-BA6A-FE61809AEEA0}"/>
               </a:ext>
             </a:extLst>
           </p:cNvPr>
@@ -3971,7 +4499,7 @@
   <p:cSld>
     <p:spTree>
       <p:nvGrpSpPr>
-        <p:cNvPr id="1" name=""/>
+        <p:cNvPr id="1" name="Shape 90"/>
         <p:cNvGrpSpPr/>
         <p:nvPr/>
       </p:nvGrpSpPr>
@@ -3985,8 +4513,8 @@
       </p:grpSpPr>
       <p:sp>
         <p:nvSpPr>
-          <p:cNvPr id="2" name="Virsraksts 1"/>
-          <p:cNvSpPr>
+          <p:cNvPr id="91" name="Google Shape;91;p2"/>
+          <p:cNvSpPr txBox="1">
             <a:spLocks noGrp="1"/>
           </p:cNvSpPr>
           <p:nvPr>
@@ -3998,101 +4526,69 @@
             <a:off x="418011" y="440937"/>
             <a:ext cx="11399520" cy="1099996"/>
           </a:xfrm>
+          <a:prstGeom prst="rect">
+            <a:avLst/>
+          </a:prstGeom>
+          <a:noFill/>
+          <a:ln>
+            <a:noFill/>
+          </a:ln>
         </p:spPr>
         <p:txBody>
-          <a:bodyPr>
+          <a:bodyPr spcFirstLastPara="1" wrap="square" lIns="91425" tIns="45700" rIns="91425" bIns="45700" anchor="ctr" anchorCtr="0">
             <a:noAutofit/>
           </a:bodyPr>
           <a:lstStyle/>
           <a:p>
-            <a:r>
-              <a:rPr lang="lv-LV" dirty="0">
+            <a:pPr marL="0" lvl="0" indent="0" algn="l" rtl="0">
+              <a:lnSpc>
+                <a:spcPct val="90000"/>
+              </a:lnSpc>
+              <a:spcBef>
+                <a:spcPts val="0"/>
+              </a:spcBef>
+              <a:spcAft>
+                <a:spcPts val="0"/>
+              </a:spcAft>
+              <a:buClr>
+                <a:srgbClr val="1B5089"/>
+              </a:buClr>
+              <a:buSzPts val="4400"/>
+              <a:buFont typeface="Arial"/>
+              <a:buNone/>
+            </a:pPr>
+            <a:r>
+              <a:rPr lang="en-US" dirty="0" err="1">
                 <a:solidFill>
                   <a:srgbClr val="1B5089"/>
                 </a:solidFill>
-                <a:latin typeface="Arial" panose="020B0604020202020204" pitchFamily="34" charset="0"/>
-                <a:cs typeface="Arial" panose="020B0604020202020204" pitchFamily="34" charset="0"/>
-              </a:rPr>
-              <a:t>Virsraksts slaidam </a:t>
-            </a:r>
-            <a:r>
-              <a:rPr lang="lv-LV" dirty="0" err="1">
-                <a:solidFill>
-                  <a:srgbClr val="1B5089"/>
-                </a:solidFill>
-                <a:latin typeface="Arial" panose="020B0604020202020204" pitchFamily="34" charset="0"/>
-                <a:cs typeface="Arial" panose="020B0604020202020204" pitchFamily="34" charset="0"/>
-              </a:rPr>
-              <a:t>Arial</a:t>
-            </a:r>
-            <a:r>
-              <a:rPr lang="lv-LV" dirty="0">
-                <a:solidFill>
-                  <a:srgbClr val="1B5089"/>
-                </a:solidFill>
-                <a:latin typeface="Arial" panose="020B0604020202020204" pitchFamily="34" charset="0"/>
-                <a:cs typeface="Arial" panose="020B0604020202020204" pitchFamily="34" charset="0"/>
-              </a:rPr>
-              <a:t> </a:t>
-            </a:r>
-            <a:r>
-              <a:rPr lang="lv-LV" dirty="0" err="1">
-                <a:solidFill>
-                  <a:srgbClr val="1B5089"/>
-                </a:solidFill>
-                <a:latin typeface="Arial" panose="020B0604020202020204" pitchFamily="34" charset="0"/>
-                <a:cs typeface="Arial" panose="020B0604020202020204" pitchFamily="34" charset="0"/>
-              </a:rPr>
-              <a:t>bold</a:t>
-            </a:r>
-            <a:r>
-              <a:rPr lang="lv-LV" dirty="0">
-                <a:solidFill>
-                  <a:srgbClr val="1B5089"/>
-                </a:solidFill>
-                <a:latin typeface="Arial" panose="020B0604020202020204" pitchFamily="34" charset="0"/>
-                <a:cs typeface="Arial" panose="020B0604020202020204" pitchFamily="34" charset="0"/>
-              </a:rPr>
-              <a:t> 44 </a:t>
-            </a:r>
-            <a:r>
-              <a:rPr lang="lv-LV" dirty="0" err="1">
-                <a:solidFill>
-                  <a:srgbClr val="1B5089"/>
-                </a:solidFill>
-                <a:latin typeface="Arial" panose="020B0604020202020204" pitchFamily="34" charset="0"/>
-                <a:cs typeface="Arial" panose="020B0604020202020204" pitchFamily="34" charset="0"/>
-              </a:rPr>
-              <a:t>pt</a:t>
-            </a:r>
-            <a:r>
-              <a:rPr lang="lv-LV" dirty="0">
-                <a:solidFill>
-                  <a:srgbClr val="1B5089"/>
-                </a:solidFill>
-                <a:latin typeface="Arial" panose="020B0604020202020204" pitchFamily="34" charset="0"/>
-                <a:cs typeface="Arial" panose="020B0604020202020204" pitchFamily="34" charset="0"/>
-              </a:rPr>
-              <a:t> LU zils </a:t>
-            </a:r>
-            <a:endParaRPr lang="en-US" dirty="0">
+                <a:latin typeface="Arial"/>
+                <a:ea typeface="Arial"/>
+                <a:cs typeface="Arial"/>
+                <a:sym typeface="Arial"/>
+              </a:rPr>
+              <a:t>Mērķis</a:t>
+            </a:r>
+            <a:endParaRPr dirty="0">
               <a:solidFill>
                 <a:srgbClr val="1B5089"/>
               </a:solidFill>
-              <a:latin typeface="Arial" panose="020B0604020202020204" pitchFamily="34" charset="0"/>
-              <a:cs typeface="Arial" panose="020B0604020202020204" pitchFamily="34" charset="0"/>
+              <a:latin typeface="Arial"/>
+              <a:ea typeface="Arial"/>
+              <a:cs typeface="Arial"/>
+              <a:sym typeface="Arial"/>
             </a:endParaRPr>
           </a:p>
         </p:txBody>
       </p:sp>
       <p:sp>
         <p:nvSpPr>
-          <p:cNvPr id="3" name="Satura vietturis 2"/>
-          <p:cNvSpPr>
+          <p:cNvPr id="92" name="Google Shape;92;p2"/>
+          <p:cNvSpPr txBox="1">
             <a:spLocks noGrp="1"/>
           </p:cNvSpPr>
           <p:nvPr>
-            <p:ph idx="4294967295"/>
+            <p:ph type="body" idx="4294967295"/>
           </p:nvPr>
         </p:nvSpPr>
         <p:spPr>
@@ -4100,87 +4596,910 @@
             <a:off x="418011" y="1709530"/>
             <a:ext cx="11618971" cy="4264549"/>
           </a:xfrm>
+          <a:prstGeom prst="rect">
+            <a:avLst/>
+          </a:prstGeom>
+          <a:noFill/>
+          <a:ln>
+            <a:noFill/>
+          </a:ln>
         </p:spPr>
         <p:txBody>
-          <a:bodyPr/>
+          <a:bodyPr spcFirstLastPara="1" wrap="square" lIns="91425" tIns="45700" rIns="91425" bIns="45700" anchor="t" anchorCtr="0">
+            <a:normAutofit/>
+          </a:bodyPr>
           <a:lstStyle/>
           <a:p>
-            <a:pPr marL="0" indent="0">
+            <a:pPr marL="0" lvl="0" indent="0" algn="l" rtl="0">
+              <a:lnSpc>
+                <a:spcPct val="100000"/>
+              </a:lnSpc>
+              <a:spcBef>
+                <a:spcPts val="0"/>
+              </a:spcBef>
+              <a:spcAft>
+                <a:spcPts val="0"/>
+              </a:spcAft>
+              <a:buClr>
+                <a:schemeClr val="dk1"/>
+              </a:buClr>
+              <a:buSzPts val="2800"/>
+              <a:buNone/>
+            </a:pPr>
+            <a:r>
+              <a:rPr lang="en-US" dirty="0" err="1">
+                <a:latin typeface="Arial"/>
+                <a:ea typeface="Arial"/>
+                <a:cs typeface="Arial"/>
+                <a:sym typeface="Arial"/>
+              </a:rPr>
+              <a:t>Izveidot</a:t>
+            </a:r>
+            <a:r>
+              <a:rPr lang="en-US" dirty="0">
+                <a:latin typeface="Arial"/>
+                <a:ea typeface="Arial"/>
+                <a:cs typeface="Arial"/>
+                <a:sym typeface="Arial"/>
+              </a:rPr>
+              <a:t> </a:t>
+            </a:r>
+            <a:r>
+              <a:rPr lang="en-US" dirty="0" err="1">
+                <a:latin typeface="Arial"/>
+                <a:ea typeface="Arial"/>
+                <a:cs typeface="Arial"/>
+                <a:sym typeface="Arial"/>
+              </a:rPr>
+              <a:t>sistēmu</a:t>
+            </a:r>
+            <a:r>
+              <a:rPr lang="en-US" dirty="0">
+                <a:latin typeface="Arial"/>
+                <a:ea typeface="Arial"/>
+                <a:cs typeface="Arial"/>
+                <a:sym typeface="Arial"/>
+              </a:rPr>
+              <a:t>, kas </a:t>
+            </a:r>
+            <a:r>
+              <a:rPr lang="en-US" dirty="0" err="1">
+                <a:latin typeface="Arial"/>
+                <a:ea typeface="Arial"/>
+                <a:cs typeface="Arial"/>
+                <a:sym typeface="Arial"/>
+              </a:rPr>
+              <a:t>spēj</a:t>
+            </a:r>
+            <a:r>
+              <a:rPr lang="en-US" dirty="0">
+                <a:latin typeface="Arial"/>
+                <a:ea typeface="Arial"/>
+                <a:cs typeface="Arial"/>
+                <a:sym typeface="Arial"/>
+              </a:rPr>
+              <a:t> </a:t>
+            </a:r>
+            <a:r>
+              <a:rPr lang="en-US" dirty="0" err="1">
+                <a:latin typeface="Arial"/>
+                <a:ea typeface="Arial"/>
+                <a:cs typeface="Arial"/>
+                <a:sym typeface="Arial"/>
+              </a:rPr>
+              <a:t>radīt</a:t>
+            </a:r>
+            <a:r>
+              <a:rPr lang="en-US" dirty="0">
+                <a:latin typeface="Arial"/>
+                <a:ea typeface="Arial"/>
+                <a:cs typeface="Arial"/>
+                <a:sym typeface="Arial"/>
+              </a:rPr>
+              <a:t> </a:t>
+            </a:r>
+            <a:r>
+              <a:rPr lang="en-US" dirty="0" err="1">
+                <a:latin typeface="Arial"/>
+                <a:ea typeface="Arial"/>
+                <a:cs typeface="Arial"/>
+                <a:sym typeface="Arial"/>
+              </a:rPr>
+              <a:t>latviešu</a:t>
+            </a:r>
+            <a:r>
+              <a:rPr lang="en-US" dirty="0">
+                <a:latin typeface="Arial"/>
+                <a:ea typeface="Arial"/>
+                <a:cs typeface="Arial"/>
+                <a:sym typeface="Arial"/>
+              </a:rPr>
+              <a:t> </a:t>
+            </a:r>
+            <a:r>
+              <a:rPr lang="en-US" dirty="0" err="1">
+                <a:latin typeface="Arial"/>
+                <a:ea typeface="Arial"/>
+                <a:cs typeface="Arial"/>
+                <a:sym typeface="Arial"/>
+              </a:rPr>
+              <a:t>valodas</a:t>
+            </a:r>
+            <a:r>
+              <a:rPr lang="en-US" dirty="0">
+                <a:latin typeface="Arial"/>
+                <a:ea typeface="Arial"/>
+                <a:cs typeface="Arial"/>
+                <a:sym typeface="Arial"/>
+              </a:rPr>
+              <a:t> </a:t>
+            </a:r>
+            <a:r>
+              <a:rPr lang="en-US" dirty="0" err="1">
+                <a:latin typeface="Arial"/>
+                <a:ea typeface="Arial"/>
+                <a:cs typeface="Arial"/>
+                <a:sym typeface="Arial"/>
+              </a:rPr>
+              <a:t>atveidi</a:t>
+            </a:r>
+            <a:r>
+              <a:rPr lang="en-US" dirty="0">
+                <a:latin typeface="Arial"/>
+                <a:ea typeface="Arial"/>
+                <a:cs typeface="Arial"/>
+                <a:sym typeface="Arial"/>
+              </a:rPr>
+              <a:t> </a:t>
+            </a:r>
+            <a:r>
+              <a:rPr lang="en-US" dirty="0" err="1">
+                <a:latin typeface="Arial"/>
+                <a:ea typeface="Arial"/>
+                <a:cs typeface="Arial"/>
+                <a:sym typeface="Arial"/>
+              </a:rPr>
+              <a:t>svešvalodu</a:t>
+            </a:r>
+            <a:r>
+              <a:rPr lang="en-US" dirty="0">
+                <a:latin typeface="Arial"/>
+                <a:ea typeface="Arial"/>
+                <a:cs typeface="Arial"/>
+                <a:sym typeface="Arial"/>
+              </a:rPr>
+              <a:t> </a:t>
+            </a:r>
+            <a:r>
+              <a:rPr lang="en-US" dirty="0" err="1">
+                <a:latin typeface="Arial"/>
+                <a:ea typeface="Arial"/>
+                <a:cs typeface="Arial"/>
+                <a:sym typeface="Arial"/>
+              </a:rPr>
+              <a:t>īpašvārdiem</a:t>
+            </a:r>
+            <a:r>
+              <a:rPr lang="en-US" dirty="0">
+                <a:latin typeface="Arial"/>
+                <a:ea typeface="Arial"/>
+                <a:cs typeface="Arial"/>
+                <a:sym typeface="Arial"/>
+              </a:rPr>
+              <a:t>, </a:t>
+            </a:r>
+            <a:r>
+              <a:rPr lang="en-US" dirty="0" err="1">
+                <a:latin typeface="Arial"/>
+                <a:ea typeface="Arial"/>
+                <a:cs typeface="Arial"/>
+                <a:sym typeface="Arial"/>
+              </a:rPr>
+              <a:t>balstoties</a:t>
+            </a:r>
+            <a:r>
+              <a:rPr lang="en-US" dirty="0">
+                <a:latin typeface="Arial"/>
+                <a:ea typeface="Arial"/>
+                <a:cs typeface="Arial"/>
+                <a:sym typeface="Arial"/>
+              </a:rPr>
+              <a:t> </a:t>
+            </a:r>
+            <a:r>
+              <a:rPr lang="en-US" dirty="0" err="1">
+                <a:latin typeface="Arial"/>
+                <a:ea typeface="Arial"/>
+                <a:cs typeface="Arial"/>
+                <a:sym typeface="Arial"/>
+              </a:rPr>
+              <a:t>uz</a:t>
+            </a:r>
+            <a:r>
+              <a:rPr lang="en-US" dirty="0">
+                <a:latin typeface="Arial"/>
+                <a:ea typeface="Arial"/>
+                <a:cs typeface="Arial"/>
+                <a:sym typeface="Arial"/>
+              </a:rPr>
+              <a:t> </a:t>
+            </a:r>
+            <a:r>
+              <a:rPr lang="en-US" dirty="0" err="1">
+                <a:latin typeface="Arial"/>
+                <a:ea typeface="Arial"/>
+                <a:cs typeface="Arial"/>
+                <a:sym typeface="Arial"/>
+              </a:rPr>
+              <a:t>oriģinālvalodas</a:t>
+            </a:r>
+            <a:r>
+              <a:rPr lang="en-US" dirty="0">
+                <a:latin typeface="Arial"/>
+                <a:ea typeface="Arial"/>
+                <a:cs typeface="Arial"/>
+                <a:sym typeface="Arial"/>
+              </a:rPr>
+              <a:t> </a:t>
+            </a:r>
+            <a:r>
+              <a:rPr lang="en-US" dirty="0" err="1">
+                <a:latin typeface="Arial"/>
+                <a:ea typeface="Arial"/>
+                <a:cs typeface="Arial"/>
+                <a:sym typeface="Arial"/>
+              </a:rPr>
+              <a:t>izrunas</a:t>
+            </a:r>
+            <a:r>
+              <a:rPr lang="en-US" dirty="0">
+                <a:latin typeface="Arial"/>
+                <a:ea typeface="Arial"/>
+                <a:cs typeface="Arial"/>
+                <a:sym typeface="Arial"/>
+              </a:rPr>
+              <a:t> </a:t>
+            </a:r>
+            <a:r>
+              <a:rPr lang="en-US" dirty="0" err="1">
+                <a:latin typeface="Arial"/>
+                <a:ea typeface="Arial"/>
+                <a:cs typeface="Arial"/>
+                <a:sym typeface="Arial"/>
+              </a:rPr>
+              <a:t>transliterāciju</a:t>
+            </a:r>
+            <a:r>
+              <a:rPr lang="en-US" dirty="0">
+                <a:latin typeface="Arial"/>
+                <a:ea typeface="Arial"/>
+                <a:cs typeface="Arial"/>
+                <a:sym typeface="Arial"/>
+              </a:rPr>
+              <a:t> </a:t>
+            </a:r>
+            <a:r>
+              <a:rPr lang="en-US" dirty="0" err="1">
+                <a:latin typeface="Arial"/>
+                <a:ea typeface="Arial"/>
+                <a:cs typeface="Arial"/>
+                <a:sym typeface="Arial"/>
+              </a:rPr>
+              <a:t>starptautiskajā</a:t>
+            </a:r>
+            <a:r>
+              <a:rPr lang="en-US" dirty="0">
+                <a:latin typeface="Arial"/>
+                <a:ea typeface="Arial"/>
+                <a:cs typeface="Arial"/>
+                <a:sym typeface="Arial"/>
+              </a:rPr>
+              <a:t> </a:t>
+            </a:r>
+            <a:r>
+              <a:rPr lang="en-US" dirty="0" err="1">
+                <a:latin typeface="Arial"/>
+                <a:ea typeface="Arial"/>
+                <a:cs typeface="Arial"/>
+                <a:sym typeface="Arial"/>
+              </a:rPr>
+              <a:t>fonētiskajā</a:t>
+            </a:r>
+            <a:r>
+              <a:rPr lang="en-US" dirty="0">
+                <a:latin typeface="Arial"/>
+                <a:ea typeface="Arial"/>
+                <a:cs typeface="Arial"/>
+                <a:sym typeface="Arial"/>
+              </a:rPr>
+              <a:t> </a:t>
+            </a:r>
+            <a:r>
+              <a:rPr lang="en-US" dirty="0" err="1">
+                <a:latin typeface="Arial"/>
+                <a:ea typeface="Arial"/>
+                <a:cs typeface="Arial"/>
+                <a:sym typeface="Arial"/>
+              </a:rPr>
+              <a:t>alfabētā</a:t>
+            </a:r>
+            <a:r>
+              <a:rPr lang="en-US" dirty="0">
+                <a:latin typeface="Arial"/>
+                <a:ea typeface="Arial"/>
+                <a:cs typeface="Arial"/>
+                <a:sym typeface="Arial"/>
+              </a:rPr>
+              <a:t> (IPA).</a:t>
+            </a:r>
+            <a:endParaRPr dirty="0"/>
+          </a:p>
+          <a:p>
+            <a:pPr marL="0" lvl="0" indent="0" algn="l" rtl="0">
               <a:lnSpc>
                 <a:spcPct val="100000"/>
               </a:lnSpc>
               <a:spcBef>
                 <a:spcPts val="600"/>
               </a:spcBef>
+              <a:spcAft>
+                <a:spcPts val="0"/>
+              </a:spcAft>
+              <a:buClr>
+                <a:schemeClr val="dk1"/>
+              </a:buClr>
+              <a:buSzPts val="2800"/>
               <a:buNone/>
             </a:pPr>
-            <a:r>
-              <a:rPr lang="lv-LV" dirty="0">
-                <a:latin typeface="Arial" panose="020B0604020202020204" pitchFamily="34" charset="0"/>
-                <a:cs typeface="Arial" panose="020B0604020202020204" pitchFamily="34" charset="0"/>
-              </a:rPr>
-              <a:t>Izvēles teksts </a:t>
-            </a:r>
-            <a:r>
-              <a:rPr lang="lv-LV" dirty="0" err="1">
-                <a:latin typeface="Arial" panose="020B0604020202020204" pitchFamily="34" charset="0"/>
-                <a:cs typeface="Arial" panose="020B0604020202020204" pitchFamily="34" charset="0"/>
-              </a:rPr>
-              <a:t>Arial</a:t>
-            </a:r>
-            <a:r>
-              <a:rPr lang="lv-LV" dirty="0">
-                <a:latin typeface="Arial" panose="020B0604020202020204" pitchFamily="34" charset="0"/>
-                <a:cs typeface="Arial" panose="020B0604020202020204" pitchFamily="34" charset="0"/>
-              </a:rPr>
-              <a:t> 28 </a:t>
-            </a:r>
-            <a:r>
-              <a:rPr lang="lv-LV" dirty="0" err="1">
-                <a:latin typeface="Arial" panose="020B0604020202020204" pitchFamily="34" charset="0"/>
-                <a:cs typeface="Arial" panose="020B0604020202020204" pitchFamily="34" charset="0"/>
-              </a:rPr>
-              <a:t>pt</a:t>
-            </a:r>
-            <a:r>
-              <a:rPr lang="lv-LV" dirty="0">
-                <a:latin typeface="Arial" panose="020B0604020202020204" pitchFamily="34" charset="0"/>
-                <a:cs typeface="Arial" panose="020B0604020202020204" pitchFamily="34" charset="0"/>
-              </a:rPr>
-              <a:t> melns </a:t>
-            </a:r>
+            <a:endParaRPr dirty="0">
+              <a:latin typeface="Arial"/>
+              <a:ea typeface="Arial"/>
+              <a:cs typeface="Arial"/>
+              <a:sym typeface="Arial"/>
+            </a:endParaRPr>
+          </a:p>
+          <a:p>
+            <a:pPr marL="0" lvl="0" indent="0" algn="l" rtl="0">
+              <a:lnSpc>
+                <a:spcPct val="100000"/>
+              </a:lnSpc>
+              <a:spcBef>
+                <a:spcPts val="600"/>
+              </a:spcBef>
+              <a:spcAft>
+                <a:spcPts val="0"/>
+              </a:spcAft>
+              <a:buClr>
+                <a:schemeClr val="dk1"/>
+              </a:buClr>
+              <a:buSzPts val="2800"/>
+              <a:buNone/>
+            </a:pPr>
+            <a:r>
+              <a:rPr lang="en-US" dirty="0" err="1">
+                <a:latin typeface="Arial"/>
+                <a:ea typeface="Arial"/>
+                <a:cs typeface="Arial"/>
+                <a:sym typeface="Arial"/>
+              </a:rPr>
+              <a:t>Sistēmu</a:t>
+            </a:r>
+            <a:r>
+              <a:rPr lang="en-US" dirty="0">
+                <a:latin typeface="Arial"/>
+                <a:ea typeface="Arial"/>
+                <a:cs typeface="Arial"/>
+                <a:sym typeface="Arial"/>
+              </a:rPr>
+              <a:t> </a:t>
+            </a:r>
+            <a:r>
+              <a:rPr lang="en-US" dirty="0" err="1">
+                <a:latin typeface="Arial"/>
+                <a:ea typeface="Arial"/>
+                <a:cs typeface="Arial"/>
+                <a:sym typeface="Arial"/>
+              </a:rPr>
+              <a:t>varētu</a:t>
+            </a:r>
+            <a:r>
+              <a:rPr lang="en-US" dirty="0">
+                <a:latin typeface="Arial"/>
+                <a:ea typeface="Arial"/>
+                <a:cs typeface="Arial"/>
+                <a:sym typeface="Arial"/>
+              </a:rPr>
+              <a:t> </a:t>
+            </a:r>
+            <a:r>
+              <a:rPr lang="en-US" dirty="0" err="1">
+                <a:latin typeface="Arial"/>
+                <a:ea typeface="Arial"/>
+                <a:cs typeface="Arial"/>
+                <a:sym typeface="Arial"/>
+              </a:rPr>
+              <a:t>lietot</a:t>
+            </a:r>
+            <a:r>
+              <a:rPr lang="en-US" dirty="0">
+                <a:latin typeface="Arial"/>
+                <a:ea typeface="Arial"/>
+                <a:cs typeface="Arial"/>
+                <a:sym typeface="Arial"/>
+              </a:rPr>
+              <a:t> </a:t>
+            </a:r>
+            <a:r>
+              <a:rPr lang="en-US" dirty="0" err="1">
+                <a:latin typeface="Arial"/>
+                <a:ea typeface="Arial"/>
+                <a:cs typeface="Arial"/>
+                <a:sym typeface="Arial"/>
+              </a:rPr>
+              <a:t>gan</a:t>
+            </a:r>
+            <a:r>
+              <a:rPr lang="en-US" dirty="0">
+                <a:latin typeface="Arial"/>
+                <a:ea typeface="Arial"/>
+                <a:cs typeface="Arial"/>
+                <a:sym typeface="Arial"/>
+              </a:rPr>
+              <a:t> </a:t>
+            </a:r>
+            <a:r>
+              <a:rPr lang="en-US" dirty="0" err="1">
+                <a:latin typeface="Arial"/>
+                <a:ea typeface="Arial"/>
+                <a:cs typeface="Arial"/>
+                <a:sym typeface="Arial"/>
+              </a:rPr>
+              <a:t>akadēmiskos</a:t>
+            </a:r>
+            <a:r>
+              <a:rPr lang="en-US" dirty="0">
+                <a:latin typeface="Arial"/>
+                <a:ea typeface="Arial"/>
+                <a:cs typeface="Arial"/>
+                <a:sym typeface="Arial"/>
+              </a:rPr>
+              <a:t>, </a:t>
+            </a:r>
+            <a:r>
+              <a:rPr lang="en-US" dirty="0" err="1">
+                <a:latin typeface="Arial"/>
+                <a:ea typeface="Arial"/>
+                <a:cs typeface="Arial"/>
+                <a:sym typeface="Arial"/>
+              </a:rPr>
+              <a:t>gan</a:t>
+            </a:r>
+            <a:r>
+              <a:rPr lang="en-US" dirty="0">
+                <a:latin typeface="Arial"/>
+                <a:ea typeface="Arial"/>
+                <a:cs typeface="Arial"/>
+                <a:sym typeface="Arial"/>
+              </a:rPr>
+              <a:t> </a:t>
+            </a:r>
+            <a:r>
+              <a:rPr lang="en-US" dirty="0" err="1">
+                <a:latin typeface="Arial"/>
+                <a:ea typeface="Arial"/>
+                <a:cs typeface="Arial"/>
+                <a:sym typeface="Arial"/>
+              </a:rPr>
+              <a:t>mediju</a:t>
+            </a:r>
+            <a:r>
+              <a:rPr lang="en-US" dirty="0">
+                <a:latin typeface="Arial"/>
+                <a:ea typeface="Arial"/>
+                <a:cs typeface="Arial"/>
+                <a:sym typeface="Arial"/>
+              </a:rPr>
+              <a:t> </a:t>
+            </a:r>
+            <a:r>
+              <a:rPr lang="en-US" dirty="0" err="1">
+                <a:latin typeface="Arial"/>
+                <a:ea typeface="Arial"/>
+                <a:cs typeface="Arial"/>
+                <a:sym typeface="Arial"/>
+              </a:rPr>
+              <a:t>nolūkos</a:t>
+            </a:r>
+            <a:r>
+              <a:rPr lang="en-US" dirty="0">
+                <a:latin typeface="Arial"/>
+                <a:ea typeface="Arial"/>
+                <a:cs typeface="Arial"/>
+                <a:sym typeface="Arial"/>
+              </a:rPr>
+              <a:t>, </a:t>
+            </a:r>
+            <a:r>
+              <a:rPr lang="en-US" dirty="0" err="1">
+                <a:latin typeface="Arial"/>
+                <a:ea typeface="Arial"/>
+                <a:cs typeface="Arial"/>
+                <a:sym typeface="Arial"/>
+              </a:rPr>
+              <a:t>lai</a:t>
+            </a:r>
+            <a:r>
+              <a:rPr lang="en-US" dirty="0">
+                <a:latin typeface="Arial"/>
+                <a:ea typeface="Arial"/>
+                <a:cs typeface="Arial"/>
+                <a:sym typeface="Arial"/>
+              </a:rPr>
+              <a:t> </a:t>
+            </a:r>
+            <a:r>
+              <a:rPr lang="en-US" dirty="0" err="1">
+                <a:latin typeface="Arial"/>
+                <a:ea typeface="Arial"/>
+                <a:cs typeface="Arial"/>
+                <a:sym typeface="Arial"/>
+              </a:rPr>
+              <a:t>rakstītu</a:t>
+            </a:r>
+            <a:r>
+              <a:rPr lang="en-US" dirty="0">
+                <a:latin typeface="Arial"/>
+                <a:ea typeface="Arial"/>
+                <a:cs typeface="Arial"/>
+                <a:sym typeface="Arial"/>
+              </a:rPr>
+              <a:t> par </a:t>
+            </a:r>
+            <a:r>
+              <a:rPr lang="en-US" dirty="0" err="1">
+                <a:latin typeface="Arial"/>
+                <a:ea typeface="Arial"/>
+                <a:cs typeface="Arial"/>
+                <a:sym typeface="Arial"/>
+              </a:rPr>
+              <a:t>ārzemju</a:t>
+            </a:r>
+            <a:r>
+              <a:rPr lang="en-US" dirty="0">
+                <a:latin typeface="Arial"/>
+                <a:ea typeface="Arial"/>
+                <a:cs typeface="Arial"/>
+                <a:sym typeface="Arial"/>
+              </a:rPr>
+              <a:t> </a:t>
+            </a:r>
+            <a:r>
+              <a:rPr lang="en-US" dirty="0" err="1">
+                <a:latin typeface="Arial"/>
+                <a:ea typeface="Arial"/>
+                <a:cs typeface="Arial"/>
+                <a:sym typeface="Arial"/>
+              </a:rPr>
+              <a:t>cilvēkiem</a:t>
+            </a:r>
+            <a:r>
+              <a:rPr lang="en-US" dirty="0">
+                <a:latin typeface="Arial"/>
+                <a:ea typeface="Arial"/>
+                <a:cs typeface="Arial"/>
+                <a:sym typeface="Arial"/>
+              </a:rPr>
+              <a:t> </a:t>
+            </a:r>
+            <a:r>
+              <a:rPr lang="en-US" dirty="0" err="1">
+                <a:latin typeface="Arial"/>
+                <a:ea typeface="Arial"/>
+                <a:cs typeface="Arial"/>
+                <a:sym typeface="Arial"/>
+              </a:rPr>
+              <a:t>vai</a:t>
+            </a:r>
+            <a:r>
+              <a:rPr lang="en-US" dirty="0">
+                <a:latin typeface="Arial"/>
+                <a:ea typeface="Arial"/>
+                <a:cs typeface="Arial"/>
+                <a:sym typeface="Arial"/>
+              </a:rPr>
+              <a:t> </a:t>
+            </a:r>
+            <a:r>
+              <a:rPr lang="en-US" dirty="0" err="1">
+                <a:latin typeface="Arial"/>
+                <a:ea typeface="Arial"/>
+                <a:cs typeface="Arial"/>
+                <a:sym typeface="Arial"/>
+              </a:rPr>
+              <a:t>pilsētām</a:t>
+            </a:r>
+            <a:r>
+              <a:rPr lang="en-US" dirty="0">
+                <a:latin typeface="Arial"/>
+                <a:ea typeface="Arial"/>
+                <a:cs typeface="Arial"/>
+                <a:sym typeface="Arial"/>
+              </a:rPr>
+              <a:t>.</a:t>
+            </a:r>
+            <a:endParaRPr dirty="0"/>
+          </a:p>
+          <a:p>
+            <a:pPr marL="0" lvl="0" indent="0" algn="l" rtl="0">
+              <a:lnSpc>
+                <a:spcPct val="100000"/>
+              </a:lnSpc>
+              <a:spcBef>
+                <a:spcPts val="600"/>
+              </a:spcBef>
+              <a:spcAft>
+                <a:spcPts val="0"/>
+              </a:spcAft>
+              <a:buClr>
+                <a:schemeClr val="dk1"/>
+              </a:buClr>
+              <a:buSzPts val="2800"/>
+              <a:buNone/>
+            </a:pPr>
+            <a:r>
+              <a:rPr lang="en-US" dirty="0" err="1">
+                <a:latin typeface="Arial"/>
+                <a:ea typeface="Arial"/>
+                <a:cs typeface="Arial"/>
+                <a:sym typeface="Arial"/>
+              </a:rPr>
+              <a:t>Sistēma</a:t>
+            </a:r>
+            <a:r>
+              <a:rPr lang="en-US" dirty="0">
+                <a:latin typeface="Arial"/>
+                <a:ea typeface="Arial"/>
+                <a:cs typeface="Arial"/>
+                <a:sym typeface="Arial"/>
+              </a:rPr>
+              <a:t> </a:t>
+            </a:r>
+            <a:r>
+              <a:rPr lang="en-US" dirty="0" err="1">
+                <a:latin typeface="Arial"/>
+                <a:ea typeface="Arial"/>
+                <a:cs typeface="Arial"/>
+                <a:sym typeface="Arial"/>
+              </a:rPr>
+              <a:t>ir</a:t>
+            </a:r>
+            <a:r>
+              <a:rPr lang="en-US" dirty="0">
+                <a:latin typeface="Arial"/>
+                <a:ea typeface="Arial"/>
+                <a:cs typeface="Arial"/>
+                <a:sym typeface="Arial"/>
+              </a:rPr>
+              <a:t> </a:t>
+            </a:r>
+            <a:r>
+              <a:rPr lang="en-US" dirty="0" err="1">
+                <a:latin typeface="Arial"/>
+                <a:ea typeface="Arial"/>
+                <a:cs typeface="Arial"/>
+                <a:sym typeface="Arial"/>
+              </a:rPr>
+              <a:t>vajadzīga</a:t>
+            </a:r>
+            <a:r>
+              <a:rPr lang="en-US" dirty="0">
+                <a:latin typeface="Arial"/>
+                <a:ea typeface="Arial"/>
+                <a:cs typeface="Arial"/>
+                <a:sym typeface="Arial"/>
+              </a:rPr>
+              <a:t>, jo </a:t>
+            </a:r>
+            <a:r>
+              <a:rPr lang="en-US" dirty="0" err="1">
+                <a:latin typeface="Arial"/>
+                <a:ea typeface="Arial"/>
+                <a:cs typeface="Arial"/>
+                <a:sym typeface="Arial"/>
+              </a:rPr>
+              <a:t>latviešu</a:t>
+            </a:r>
+            <a:r>
+              <a:rPr lang="en-US" dirty="0">
+                <a:latin typeface="Arial"/>
+                <a:ea typeface="Arial"/>
+                <a:cs typeface="Arial"/>
+                <a:sym typeface="Arial"/>
+              </a:rPr>
+              <a:t> </a:t>
+            </a:r>
+            <a:r>
+              <a:rPr lang="en-US" dirty="0" err="1">
+                <a:latin typeface="Arial"/>
+                <a:ea typeface="Arial"/>
+                <a:cs typeface="Arial"/>
+                <a:sym typeface="Arial"/>
+              </a:rPr>
+              <a:t>valodā</a:t>
+            </a:r>
+            <a:r>
+              <a:rPr lang="en-US" dirty="0">
+                <a:latin typeface="Arial"/>
+                <a:ea typeface="Arial"/>
+                <a:cs typeface="Arial"/>
+                <a:sym typeface="Arial"/>
+              </a:rPr>
+              <a:t> </a:t>
+            </a:r>
+            <a:r>
+              <a:rPr lang="en-US" dirty="0" err="1">
+                <a:latin typeface="Arial"/>
+                <a:ea typeface="Arial"/>
+                <a:cs typeface="Arial"/>
+                <a:sym typeface="Arial"/>
+              </a:rPr>
+              <a:t>eksistē</a:t>
+            </a:r>
+            <a:r>
+              <a:rPr lang="en-US" dirty="0">
+                <a:latin typeface="Arial"/>
+                <a:ea typeface="Arial"/>
+                <a:cs typeface="Arial"/>
+                <a:sym typeface="Arial"/>
+              </a:rPr>
+              <a:t> </a:t>
+            </a:r>
+            <a:r>
+              <a:rPr lang="en-US" dirty="0" err="1">
+                <a:latin typeface="Arial"/>
+                <a:ea typeface="Arial"/>
+                <a:cs typeface="Arial"/>
+                <a:sym typeface="Arial"/>
+              </a:rPr>
+              <a:t>likums</a:t>
+            </a:r>
+            <a:r>
+              <a:rPr lang="en-US" dirty="0">
+                <a:latin typeface="Arial"/>
+                <a:ea typeface="Arial"/>
+                <a:cs typeface="Arial"/>
+                <a:sym typeface="Arial"/>
+              </a:rPr>
+              <a:t> par </a:t>
+            </a:r>
+            <a:r>
+              <a:rPr lang="en-US" dirty="0" err="1">
+                <a:latin typeface="Arial"/>
+                <a:ea typeface="Arial"/>
+                <a:cs typeface="Arial"/>
+                <a:sym typeface="Arial"/>
+              </a:rPr>
+              <a:t>personvārdu</a:t>
+            </a:r>
+            <a:r>
+              <a:rPr lang="en-US" dirty="0">
+                <a:latin typeface="Arial"/>
+                <a:ea typeface="Arial"/>
+                <a:cs typeface="Arial"/>
+                <a:sym typeface="Arial"/>
+              </a:rPr>
+              <a:t> </a:t>
+            </a:r>
+            <a:r>
+              <a:rPr lang="en-US" dirty="0" err="1">
+                <a:latin typeface="Arial"/>
+                <a:ea typeface="Arial"/>
+                <a:cs typeface="Arial"/>
+                <a:sym typeface="Arial"/>
+              </a:rPr>
+              <a:t>latviskošanu</a:t>
+            </a:r>
+            <a:r>
+              <a:rPr lang="en-US" dirty="0">
+                <a:latin typeface="Arial"/>
+                <a:ea typeface="Arial"/>
+                <a:cs typeface="Arial"/>
+                <a:sym typeface="Arial"/>
+              </a:rPr>
+              <a:t> </a:t>
+            </a:r>
+            <a:r>
+              <a:rPr lang="en-US" dirty="0" err="1">
+                <a:latin typeface="Arial"/>
+                <a:ea typeface="Arial"/>
+                <a:cs typeface="Arial"/>
+                <a:sym typeface="Arial"/>
+              </a:rPr>
+              <a:t>publiskos</a:t>
+            </a:r>
+            <a:r>
+              <a:rPr lang="en-US" dirty="0">
+                <a:latin typeface="Arial"/>
+                <a:ea typeface="Arial"/>
+                <a:cs typeface="Arial"/>
+                <a:sym typeface="Arial"/>
+              </a:rPr>
+              <a:t> </a:t>
+            </a:r>
+            <a:r>
+              <a:rPr lang="en-US" dirty="0" err="1">
+                <a:latin typeface="Arial"/>
+                <a:ea typeface="Arial"/>
+                <a:cs typeface="Arial"/>
+                <a:sym typeface="Arial"/>
+              </a:rPr>
+              <a:t>dokumentos</a:t>
+            </a:r>
+            <a:r>
+              <a:rPr lang="en-US" dirty="0">
+                <a:latin typeface="Arial"/>
+                <a:ea typeface="Arial"/>
+                <a:cs typeface="Arial"/>
+                <a:sym typeface="Arial"/>
+              </a:rPr>
+              <a:t>.</a:t>
+            </a:r>
+            <a:endParaRPr dirty="0">
+              <a:latin typeface="Arial"/>
+              <a:ea typeface="Arial"/>
+              <a:cs typeface="Arial"/>
+              <a:sym typeface="Arial"/>
+            </a:endParaRPr>
           </a:p>
         </p:txBody>
       </p:sp>
       <p:sp>
         <p:nvSpPr>
-          <p:cNvPr id="4" name="Slaida numura vietturis 3"/>
-          <p:cNvSpPr>
+          <p:cNvPr id="93" name="Google Shape;93;p2"/>
+          <p:cNvSpPr txBox="1">
             <a:spLocks noGrp="1"/>
           </p:cNvSpPr>
           <p:nvPr>
-            <p:ph type="sldNum" sz="quarter" idx="12"/>
-          </p:nvPr>
-        </p:nvSpPr>
-        <p:spPr/>
+            <p:ph type="sldNum" idx="12"/>
+          </p:nvPr>
+        </p:nvSpPr>
+        <p:spPr>
+          <a:xfrm>
+            <a:off x="11645929" y="6256960"/>
+            <a:ext cx="605110" cy="332685"/>
+          </a:xfrm>
+          <a:prstGeom prst="rect">
+            <a:avLst/>
+          </a:prstGeom>
+          <a:noFill/>
+          <a:ln>
+            <a:noFill/>
+          </a:ln>
+        </p:spPr>
         <p:txBody>
-          <a:bodyPr/>
+          <a:bodyPr spcFirstLastPara="1" wrap="square" lIns="91425" tIns="45700" rIns="91425" bIns="45700" anchor="t" anchorCtr="0">
+            <a:noAutofit/>
+          </a:bodyPr>
           <a:lstStyle/>
           <a:p>
-            <a:fld id="{52874D3B-0145-4B40-BC41-2631D243DCC0}" type="slidenum">
-              <a:rPr lang="en-US" smtClean="0"/>
+            <a:pPr marL="0" lvl="0" indent="0" algn="ctr" rtl="0">
+              <a:spcBef>
+                <a:spcPts val="0"/>
+              </a:spcBef>
+              <a:spcAft>
+                <a:spcPts val="0"/>
+              </a:spcAft>
+              <a:buNone/>
+            </a:pPr>
+            <a:fld id="{00000000-1234-1234-1234-123412341234}" type="slidenum">
+              <a:rPr lang="en-US"/>
               <a:t>2</a:t>
             </a:fld>
-            <a:endParaRPr lang="en-US" dirty="0"/>
+            <a:endParaRPr/>
           </a:p>
         </p:txBody>
       </p:sp>
     </p:spTree>
-    <p:extLst>
-      <p:ext uri="{BB962C8B-B14F-4D97-AF65-F5344CB8AC3E}">
-        <p14:creationId xmlns:p14="http://schemas.microsoft.com/office/powerpoint/2010/main" val="3079387534"/>
-      </p:ext>
-    </p:extLst>
   </p:cSld>
   <p:clrMapOvr>
     <a:masterClrMapping/>
@@ -4193,7 +5512,7 @@
   <p:cSld>
     <p:spTree>
       <p:nvGrpSpPr>
-        <p:cNvPr id="1" name=""/>
+        <p:cNvPr id="1" name="Shape 104"/>
         <p:cNvGrpSpPr/>
         <p:nvPr/>
       </p:nvGrpSpPr>
@@ -4207,327 +5526,455 @@
       </p:grpSpPr>
       <p:sp>
         <p:nvSpPr>
-          <p:cNvPr id="4" name="Slide Number Placeholder 3">
-            <a:extLst>
-              <a:ext uri="{FF2B5EF4-FFF2-40B4-BE49-F238E27FC236}">
-                <a16:creationId xmlns:a16="http://schemas.microsoft.com/office/drawing/2014/main" xmlns="" id="{0F2D7DBB-B319-534E-8C65-39B3E9CF0F54}"/>
-              </a:ext>
-            </a:extLst>
-          </p:cNvPr>
-          <p:cNvSpPr>
+          <p:cNvPr id="105" name="Google Shape;105;p4"/>
+          <p:cNvSpPr txBox="1">
             <a:spLocks noGrp="1"/>
           </p:cNvSpPr>
           <p:nvPr>
-            <p:ph type="sldNum" sz="quarter" idx="12"/>
-          </p:nvPr>
-        </p:nvSpPr>
-        <p:spPr/>
+            <p:ph type="sldNum" idx="12"/>
+          </p:nvPr>
+        </p:nvSpPr>
+        <p:spPr>
+          <a:xfrm>
+            <a:off x="11645929" y="6256960"/>
+            <a:ext cx="605110" cy="332685"/>
+          </a:xfrm>
+          <a:prstGeom prst="rect">
+            <a:avLst/>
+          </a:prstGeom>
+          <a:noFill/>
+          <a:ln>
+            <a:noFill/>
+          </a:ln>
+        </p:spPr>
         <p:txBody>
-          <a:bodyPr/>
-          <a:lstStyle/>
-          <a:p>
-            <a:fld id="{52874D3B-0145-4B40-BC41-2631D243DCC0}" type="slidenum">
-              <a:rPr lang="en-US" smtClean="0"/>
-              <a:pPr/>
-              <a:t>3</a:t>
-            </a:fld>
-            <a:endParaRPr lang="en-US" dirty="0"/>
-          </a:p>
-        </p:txBody>
-      </p:sp>
-      <p:sp>
-        <p:nvSpPr>
-          <p:cNvPr id="5" name="Virsraksts 1">
-            <a:extLst>
-              <a:ext uri="{FF2B5EF4-FFF2-40B4-BE49-F238E27FC236}">
-                <a16:creationId xmlns:a16="http://schemas.microsoft.com/office/drawing/2014/main" xmlns="" id="{5EFE301D-05C8-B744-9765-6E9987CB7436}"/>
-              </a:ext>
-            </a:extLst>
-          </p:cNvPr>
-          <p:cNvSpPr>
-            <a:spLocks noGrp="1"/>
-          </p:cNvSpPr>
-          <p:nvPr>
-            <p:ph type="title" idx="4294967295"/>
-          </p:nvPr>
-        </p:nvSpPr>
-        <p:spPr>
-          <a:xfrm>
-            <a:off x="418011" y="440937"/>
-            <a:ext cx="11399520" cy="1099996"/>
-          </a:xfrm>
-        </p:spPr>
-        <p:txBody>
-          <a:bodyPr>
+          <a:bodyPr spcFirstLastPara="1" wrap="square" lIns="91425" tIns="45700" rIns="91425" bIns="45700" anchor="t" anchorCtr="0">
             <a:noAutofit/>
           </a:bodyPr>
           <a:lstStyle/>
           <a:p>
-            <a:r>
-              <a:rPr lang="lv-LV" dirty="0">
-                <a:solidFill>
-                  <a:srgbClr val="1B5089"/>
-                </a:solidFill>
-                <a:latin typeface="Arial" panose="020B0604020202020204" pitchFamily="34" charset="0"/>
-                <a:cs typeface="Arial" panose="020B0604020202020204" pitchFamily="34" charset="0"/>
-              </a:rPr>
-              <a:t>Virsraksts slaidam </a:t>
-            </a:r>
-            <a:r>
-              <a:rPr lang="lv-LV" dirty="0" err="1">
-                <a:solidFill>
-                  <a:srgbClr val="1B5089"/>
-                </a:solidFill>
-                <a:latin typeface="Arial" panose="020B0604020202020204" pitchFamily="34" charset="0"/>
-                <a:cs typeface="Arial" panose="020B0604020202020204" pitchFamily="34" charset="0"/>
-              </a:rPr>
-              <a:t>Arial</a:t>
-            </a:r>
-            <a:r>
-              <a:rPr lang="lv-LV" dirty="0">
-                <a:solidFill>
-                  <a:srgbClr val="1B5089"/>
-                </a:solidFill>
-                <a:latin typeface="Arial" panose="020B0604020202020204" pitchFamily="34" charset="0"/>
-                <a:cs typeface="Arial" panose="020B0604020202020204" pitchFamily="34" charset="0"/>
-              </a:rPr>
-              <a:t> </a:t>
-            </a:r>
-            <a:r>
-              <a:rPr lang="lv-LV" dirty="0" err="1">
-                <a:solidFill>
-                  <a:srgbClr val="1B5089"/>
-                </a:solidFill>
-                <a:latin typeface="Arial" panose="020B0604020202020204" pitchFamily="34" charset="0"/>
-                <a:cs typeface="Arial" panose="020B0604020202020204" pitchFamily="34" charset="0"/>
-              </a:rPr>
-              <a:t>bold</a:t>
-            </a:r>
-            <a:r>
-              <a:rPr lang="lv-LV" dirty="0">
-                <a:solidFill>
-                  <a:srgbClr val="1B5089"/>
-                </a:solidFill>
-                <a:latin typeface="Arial" panose="020B0604020202020204" pitchFamily="34" charset="0"/>
-                <a:cs typeface="Arial" panose="020B0604020202020204" pitchFamily="34" charset="0"/>
-              </a:rPr>
-              <a:t> 44 </a:t>
-            </a:r>
-            <a:r>
-              <a:rPr lang="lv-LV" dirty="0" err="1">
-                <a:solidFill>
-                  <a:srgbClr val="1B5089"/>
-                </a:solidFill>
-                <a:latin typeface="Arial" panose="020B0604020202020204" pitchFamily="34" charset="0"/>
-                <a:cs typeface="Arial" panose="020B0604020202020204" pitchFamily="34" charset="0"/>
-              </a:rPr>
-              <a:t>pt</a:t>
-            </a:r>
-            <a:r>
-              <a:rPr lang="lv-LV" dirty="0">
-                <a:solidFill>
-                  <a:srgbClr val="1B5089"/>
-                </a:solidFill>
-                <a:latin typeface="Arial" panose="020B0604020202020204" pitchFamily="34" charset="0"/>
-                <a:cs typeface="Arial" panose="020B0604020202020204" pitchFamily="34" charset="0"/>
-              </a:rPr>
-              <a:t> LU zils </a:t>
-            </a:r>
-            <a:endParaRPr lang="en-US" dirty="0">
-              <a:solidFill>
-                <a:srgbClr val="1B5089"/>
-              </a:solidFill>
-              <a:latin typeface="Arial" panose="020B0604020202020204" pitchFamily="34" charset="0"/>
-              <a:cs typeface="Arial" panose="020B0604020202020204" pitchFamily="34" charset="0"/>
-            </a:endParaRPr>
-          </a:p>
-        </p:txBody>
-      </p:sp>
-      <p:sp>
-        <p:nvSpPr>
-          <p:cNvPr id="6" name="Satura vietturis 2">
-            <a:extLst>
-              <a:ext uri="{FF2B5EF4-FFF2-40B4-BE49-F238E27FC236}">
-                <a16:creationId xmlns:a16="http://schemas.microsoft.com/office/drawing/2014/main" xmlns="" id="{3F263BF3-41E8-E943-8590-2EFB6BC2EFFE}"/>
-              </a:ext>
-            </a:extLst>
-          </p:cNvPr>
-          <p:cNvSpPr>
-            <a:spLocks noGrp="1"/>
-          </p:cNvSpPr>
-          <p:nvPr>
-            <p:ph idx="4294967295"/>
-          </p:nvPr>
-        </p:nvSpPr>
-        <p:spPr>
-          <a:xfrm>
-            <a:off x="418011" y="1709530"/>
-            <a:ext cx="11618971" cy="4264549"/>
-          </a:xfrm>
-        </p:spPr>
-        <p:txBody>
-          <a:bodyPr/>
-          <a:lstStyle/>
-          <a:p>
-            <a:pPr marL="0" indent="0">
+            <a:pPr marL="0" lvl="0" indent="0" algn="ctr" rtl="0">
+              <a:spcBef>
+                <a:spcPts val="0"/>
+              </a:spcBef>
               <a:spcAft>
-                <a:spcPts val="600"/>
+                <a:spcPts val="0"/>
               </a:spcAft>
               <a:buNone/>
             </a:pPr>
-            <a:r>
-              <a:rPr lang="lv-LV" dirty="0">
-                <a:latin typeface="Arial" panose="020B0604020202020204" pitchFamily="34" charset="0"/>
-                <a:cs typeface="Arial" panose="020B0604020202020204" pitchFamily="34" charset="0"/>
-              </a:rPr>
-              <a:t>Izvēles teksts </a:t>
-            </a:r>
-            <a:r>
-              <a:rPr lang="lv-LV" dirty="0" err="1">
-                <a:latin typeface="Arial" panose="020B0604020202020204" pitchFamily="34" charset="0"/>
-                <a:cs typeface="Arial" panose="020B0604020202020204" pitchFamily="34" charset="0"/>
-              </a:rPr>
-              <a:t>Arial</a:t>
-            </a:r>
-            <a:r>
-              <a:rPr lang="lv-LV" dirty="0">
-                <a:latin typeface="Arial" panose="020B0604020202020204" pitchFamily="34" charset="0"/>
-                <a:cs typeface="Arial" panose="020B0604020202020204" pitchFamily="34" charset="0"/>
-              </a:rPr>
-              <a:t> 28 </a:t>
-            </a:r>
-            <a:r>
-              <a:rPr lang="lv-LV" dirty="0" err="1">
-                <a:latin typeface="Arial" panose="020B0604020202020204" pitchFamily="34" charset="0"/>
-                <a:cs typeface="Arial" panose="020B0604020202020204" pitchFamily="34" charset="0"/>
-              </a:rPr>
-              <a:t>pt</a:t>
-            </a:r>
-            <a:r>
-              <a:rPr lang="lv-LV" dirty="0">
-                <a:latin typeface="Arial" panose="020B0604020202020204" pitchFamily="34" charset="0"/>
-                <a:cs typeface="Arial" panose="020B0604020202020204" pitchFamily="34" charset="0"/>
-              </a:rPr>
-              <a:t> melns </a:t>
-            </a:r>
-          </a:p>
-          <a:p>
-            <a:pPr marL="355600" indent="-355600">
+            <a:fld id="{00000000-1234-1234-1234-123412341234}" type="slidenum">
+              <a:rPr lang="en-US"/>
+              <a:t>3</a:t>
+            </a:fld>
+            <a:endParaRPr/>
+          </a:p>
+        </p:txBody>
+      </p:sp>
+      <p:sp>
+        <p:nvSpPr>
+          <p:cNvPr id="106" name="Google Shape;106;p4"/>
+          <p:cNvSpPr txBox="1">
+            <a:spLocks noGrp="1"/>
+          </p:cNvSpPr>
+          <p:nvPr>
+            <p:ph type="title" idx="4294967295"/>
+          </p:nvPr>
+        </p:nvSpPr>
+        <p:spPr>
+          <a:xfrm>
+            <a:off x="418011" y="440937"/>
+            <a:ext cx="11399520" cy="1099996"/>
+          </a:xfrm>
+          <a:prstGeom prst="rect">
+            <a:avLst/>
+          </a:prstGeom>
+          <a:noFill/>
+          <a:ln>
+            <a:noFill/>
+          </a:ln>
+        </p:spPr>
+        <p:txBody>
+          <a:bodyPr spcFirstLastPara="1" wrap="square" lIns="91425" tIns="45700" rIns="91425" bIns="45700" anchor="ctr" anchorCtr="0">
+            <a:noAutofit/>
+          </a:bodyPr>
+          <a:lstStyle/>
+          <a:p>
+            <a:pPr marL="0" lvl="0" indent="0" algn="l" rtl="0">
+              <a:lnSpc>
+                <a:spcPct val="90000"/>
+              </a:lnSpc>
               <a:spcBef>
-                <a:spcPts val="600"/>
+                <a:spcPts val="0"/>
               </a:spcBef>
               <a:spcAft>
-                <a:spcPts val="600"/>
+                <a:spcPts val="0"/>
               </a:spcAft>
               <a:buClr>
                 <a:srgbClr val="1B5089"/>
               </a:buClr>
-              <a:buFont typeface="Wingdings" pitchFamily="2" charset="2"/>
-              <a:buChar char="§"/>
+              <a:buSzPts val="4400"/>
+              <a:buFont typeface="Arial"/>
+              <a:buNone/>
             </a:pPr>
             <a:r>
-              <a:rPr lang="lv-LV" dirty="0">
-                <a:latin typeface="Arial" panose="020B0604020202020204" pitchFamily="34" charset="0"/>
-                <a:cs typeface="Arial" panose="020B0604020202020204" pitchFamily="34" charset="0"/>
-              </a:rPr>
-              <a:t>Uzskaitījums </a:t>
-            </a:r>
-            <a:r>
-              <a:rPr lang="lv-LV" dirty="0" err="1">
-                <a:latin typeface="Arial" panose="020B0604020202020204" pitchFamily="34" charset="0"/>
-                <a:cs typeface="Arial" panose="020B0604020202020204" pitchFamily="34" charset="0"/>
-              </a:rPr>
-              <a:t>Arial</a:t>
-            </a:r>
-            <a:r>
-              <a:rPr lang="lv-LV" dirty="0">
-                <a:latin typeface="Arial" panose="020B0604020202020204" pitchFamily="34" charset="0"/>
-                <a:cs typeface="Arial" panose="020B0604020202020204" pitchFamily="34" charset="0"/>
-              </a:rPr>
-              <a:t> 28 </a:t>
-            </a:r>
-            <a:r>
-              <a:rPr lang="lv-LV" dirty="0" err="1">
-                <a:latin typeface="Arial" panose="020B0604020202020204" pitchFamily="34" charset="0"/>
-                <a:cs typeface="Arial" panose="020B0604020202020204" pitchFamily="34" charset="0"/>
-              </a:rPr>
-              <a:t>pt</a:t>
-            </a:r>
-            <a:r>
-              <a:rPr lang="lv-LV" dirty="0">
-                <a:latin typeface="Arial" panose="020B0604020202020204" pitchFamily="34" charset="0"/>
-                <a:cs typeface="Arial" panose="020B0604020202020204" pitchFamily="34" charset="0"/>
-              </a:rPr>
-              <a:t> melns</a:t>
-            </a:r>
-          </a:p>
-          <a:p>
-            <a:pPr marL="355600" indent="-355600">
+              <a:rPr lang="en-US" dirty="0" err="1">
+                <a:solidFill>
+                  <a:srgbClr val="1B5089"/>
+                </a:solidFill>
+                <a:latin typeface="Arial"/>
+                <a:ea typeface="Arial"/>
+                <a:cs typeface="Arial"/>
+                <a:sym typeface="Arial"/>
+              </a:rPr>
+              <a:t>Darba</a:t>
+            </a:r>
+            <a:r>
+              <a:rPr lang="en-US" dirty="0">
+                <a:solidFill>
+                  <a:srgbClr val="1B5089"/>
+                </a:solidFill>
+                <a:latin typeface="Arial"/>
+                <a:ea typeface="Arial"/>
+                <a:cs typeface="Arial"/>
+                <a:sym typeface="Arial"/>
+              </a:rPr>
+              <a:t> </a:t>
+            </a:r>
+            <a:r>
+              <a:rPr lang="en-US" dirty="0" err="1">
+                <a:solidFill>
+                  <a:srgbClr val="1B5089"/>
+                </a:solidFill>
+                <a:latin typeface="Arial"/>
+                <a:ea typeface="Arial"/>
+                <a:cs typeface="Arial"/>
+                <a:sym typeface="Arial"/>
+              </a:rPr>
+              <a:t>plāns</a:t>
+            </a:r>
+            <a:r>
+              <a:rPr lang="en-US" dirty="0">
+                <a:solidFill>
+                  <a:srgbClr val="1B5089"/>
+                </a:solidFill>
+                <a:latin typeface="Arial"/>
+                <a:ea typeface="Arial"/>
+                <a:cs typeface="Arial"/>
+                <a:sym typeface="Arial"/>
+              </a:rPr>
+              <a:t>/</a:t>
+            </a:r>
+            <a:r>
+              <a:rPr lang="en-US" dirty="0" err="1">
+                <a:solidFill>
+                  <a:srgbClr val="1B5089"/>
+                </a:solidFill>
+                <a:latin typeface="Arial"/>
+                <a:ea typeface="Arial"/>
+                <a:cs typeface="Arial"/>
+                <a:sym typeface="Arial"/>
+              </a:rPr>
+              <a:t>metodes</a:t>
+            </a:r>
+            <a:endParaRPr dirty="0">
+              <a:solidFill>
+                <a:srgbClr val="1B5089"/>
+              </a:solidFill>
+              <a:latin typeface="Arial"/>
+              <a:ea typeface="Arial"/>
+              <a:cs typeface="Arial"/>
+              <a:sym typeface="Arial"/>
+            </a:endParaRPr>
+          </a:p>
+        </p:txBody>
+      </p:sp>
+      <p:sp>
+        <p:nvSpPr>
+          <p:cNvPr id="107" name="Google Shape;107;p4"/>
+          <p:cNvSpPr txBox="1">
+            <a:spLocks noGrp="1"/>
+          </p:cNvSpPr>
+          <p:nvPr>
+            <p:ph type="body" idx="4294967295"/>
+          </p:nvPr>
+        </p:nvSpPr>
+        <p:spPr>
+          <a:xfrm>
+            <a:off x="418011" y="1709530"/>
+            <a:ext cx="11618971" cy="4264549"/>
+          </a:xfrm>
+          <a:prstGeom prst="rect">
+            <a:avLst/>
+          </a:prstGeom>
+          <a:noFill/>
+          <a:ln>
+            <a:noFill/>
+          </a:ln>
+        </p:spPr>
+        <p:txBody>
+          <a:bodyPr spcFirstLastPara="1" wrap="square" lIns="72000" tIns="45700" rIns="144000" bIns="45700" anchor="t" anchorCtr="0">
+            <a:noAutofit/>
+          </a:bodyPr>
+          <a:lstStyle/>
+          <a:p>
+            <a:pPr marL="355600" lvl="0" indent="-355600" algn="l" rtl="0">
+              <a:lnSpc>
+                <a:spcPct val="90000"/>
+              </a:lnSpc>
               <a:spcBef>
-                <a:spcPts val="600"/>
+                <a:spcPts val="0"/>
               </a:spcBef>
               <a:spcAft>
-                <a:spcPts val="600"/>
+                <a:spcPts val="0"/>
               </a:spcAft>
               <a:buClr>
                 <a:srgbClr val="1B5089"/>
               </a:buClr>
-              <a:buFont typeface="Wingdings" pitchFamily="2" charset="2"/>
-              <a:buChar char="§"/>
+              <a:buSzPts val="2880"/>
+              <a:buFont typeface="Noto Sans Symbols"/>
+              <a:buChar char="▪"/>
             </a:pPr>
             <a:r>
-              <a:rPr lang="lv-LV" dirty="0">
-                <a:latin typeface="Arial" panose="020B0604020202020204" pitchFamily="34" charset="0"/>
-                <a:cs typeface="Arial" panose="020B0604020202020204" pitchFamily="34" charset="0"/>
-              </a:rPr>
-              <a:t>Uzskaitījums </a:t>
-            </a:r>
-            <a:r>
-              <a:rPr lang="lv-LV" dirty="0" err="1">
-                <a:latin typeface="Arial" panose="020B0604020202020204" pitchFamily="34" charset="0"/>
-                <a:cs typeface="Arial" panose="020B0604020202020204" pitchFamily="34" charset="0"/>
-              </a:rPr>
-              <a:t>Arial</a:t>
-            </a:r>
-            <a:r>
-              <a:rPr lang="lv-LV" dirty="0">
-                <a:latin typeface="Arial" panose="020B0604020202020204" pitchFamily="34" charset="0"/>
-                <a:cs typeface="Arial" panose="020B0604020202020204" pitchFamily="34" charset="0"/>
-              </a:rPr>
-              <a:t> 28 </a:t>
-            </a:r>
-            <a:r>
-              <a:rPr lang="lv-LV" dirty="0" err="1">
-                <a:latin typeface="Arial" panose="020B0604020202020204" pitchFamily="34" charset="0"/>
-                <a:cs typeface="Arial" panose="020B0604020202020204" pitchFamily="34" charset="0"/>
-              </a:rPr>
-              <a:t>pt</a:t>
-            </a:r>
-            <a:r>
-              <a:rPr lang="lv-LV" dirty="0">
-                <a:latin typeface="Arial" panose="020B0604020202020204" pitchFamily="34" charset="0"/>
-                <a:cs typeface="Arial" panose="020B0604020202020204" pitchFamily="34" charset="0"/>
-              </a:rPr>
-              <a:t> melns</a:t>
-            </a:r>
-          </a:p>
-          <a:p>
-            <a:pPr marL="0" indent="0">
+              <a:rPr lang="en-US" sz="2400">
+                <a:latin typeface="Arial"/>
+                <a:ea typeface="Arial"/>
+                <a:cs typeface="Arial"/>
+                <a:sym typeface="Arial"/>
+              </a:rPr>
+              <a:t>Programmēšanas valoda – Python</a:t>
+            </a:r>
+            <a:endParaRPr/>
+          </a:p>
+          <a:p>
+            <a:pPr marL="355600" lvl="0" indent="-355600" algn="l" rtl="0">
+              <a:lnSpc>
+                <a:spcPct val="90000"/>
+              </a:lnSpc>
+              <a:spcBef>
+                <a:spcPts val="1200"/>
+              </a:spcBef>
+              <a:spcAft>
+                <a:spcPts val="0"/>
+              </a:spcAft>
+              <a:buClr>
+                <a:srgbClr val="1B5089"/>
+              </a:buClr>
+              <a:buSzPts val="2880"/>
+              <a:buFont typeface="Noto Sans Symbols"/>
+              <a:buChar char="▪"/>
+            </a:pPr>
+            <a:r>
+              <a:rPr lang="en-US" sz="2400">
+                <a:latin typeface="Arial"/>
+                <a:ea typeface="Arial"/>
+                <a:cs typeface="Arial"/>
+                <a:sym typeface="Arial"/>
+              </a:rPr>
+              <a:t>Divdaļīga sistēma</a:t>
+            </a:r>
+            <a:endParaRPr sz="2400">
+              <a:latin typeface="Arial"/>
+              <a:ea typeface="Arial"/>
+              <a:cs typeface="Arial"/>
+              <a:sym typeface="Arial"/>
+            </a:endParaRPr>
+          </a:p>
+          <a:p>
+            <a:pPr marL="812800" lvl="1" indent="-355600" algn="l" rtl="0">
+              <a:lnSpc>
+                <a:spcPct val="90000"/>
+              </a:lnSpc>
+              <a:spcBef>
+                <a:spcPts val="1200"/>
+              </a:spcBef>
+              <a:spcAft>
+                <a:spcPts val="0"/>
+              </a:spcAft>
+              <a:buClr>
+                <a:srgbClr val="1B5089"/>
+              </a:buClr>
+              <a:buSzPts val="2400"/>
+              <a:buFont typeface="Noto Sans Symbols"/>
+              <a:buChar char="▪"/>
+            </a:pPr>
+            <a:r>
+              <a:rPr lang="en-US" sz="2000">
+                <a:latin typeface="Arial"/>
+                <a:ea typeface="Arial"/>
+                <a:cs typeface="Arial"/>
+                <a:sym typeface="Arial"/>
+              </a:rPr>
+              <a:t>Pirmā daļa iegūst lietotāja ievadi, meklē atbilstošo šķirkli angļu Vikipēdijā, un ar web scraping metodi iegūst IPA no šķirkļa.</a:t>
+            </a:r>
+            <a:endParaRPr/>
+          </a:p>
+          <a:p>
+            <a:pPr marL="812800" lvl="1" indent="-355600" algn="l" rtl="0">
+              <a:lnSpc>
+                <a:spcPct val="90000"/>
+              </a:lnSpc>
+              <a:spcBef>
+                <a:spcPts val="1200"/>
+              </a:spcBef>
+              <a:spcAft>
+                <a:spcPts val="0"/>
+              </a:spcAft>
+              <a:buClr>
+                <a:srgbClr val="1B5089"/>
+              </a:buClr>
+              <a:buSzPts val="2400"/>
+              <a:buFont typeface="Noto Sans Symbols"/>
+              <a:buChar char="▪"/>
+            </a:pPr>
+            <a:r>
+              <a:rPr lang="en-US" sz="2000">
+                <a:latin typeface="Arial"/>
+                <a:ea typeface="Arial"/>
+                <a:cs typeface="Arial"/>
+                <a:sym typeface="Arial"/>
+              </a:rPr>
+              <a:t>Otrā daļa pārvērš IPA virkni latviešu valodā ar atbilstošo dzimtes galotni, izmantojot simbolu aizvietošanu un FST pareizas galotnes iegūšanai.</a:t>
+            </a:r>
+            <a:endParaRPr/>
+          </a:p>
+          <a:p>
+            <a:pPr marL="355600" lvl="0" indent="-355600" algn="l" rtl="0">
+              <a:lnSpc>
+                <a:spcPct val="90000"/>
+              </a:lnSpc>
+              <a:spcBef>
+                <a:spcPts val="1200"/>
+              </a:spcBef>
+              <a:spcAft>
+                <a:spcPts val="0"/>
+              </a:spcAft>
+              <a:buClr>
+                <a:srgbClr val="1B5089"/>
+              </a:buClr>
+              <a:buSzPts val="2880"/>
+              <a:buFont typeface="Noto Sans Symbols"/>
+              <a:buChar char="▪"/>
+            </a:pPr>
+            <a:r>
+              <a:rPr lang="en-US" sz="2400">
+                <a:latin typeface="Arial"/>
+                <a:ea typeface="Arial"/>
+                <a:cs typeface="Arial"/>
+                <a:sym typeface="Arial"/>
+              </a:rPr>
+              <a:t>Jāizveido standarts IPA-latviešu transliterācijai, balstoties uz eksistējošiem valodas likumiem un autoru informēta viedokļa</a:t>
+            </a:r>
+            <a:endParaRPr sz="2400">
+              <a:latin typeface="Arial"/>
+              <a:ea typeface="Arial"/>
+              <a:cs typeface="Arial"/>
+              <a:sym typeface="Arial"/>
+            </a:endParaRPr>
+          </a:p>
+          <a:p>
+            <a:pPr marL="355600" lvl="0" indent="-355600" algn="l" rtl="0">
+              <a:lnSpc>
+                <a:spcPct val="90000"/>
+              </a:lnSpc>
+              <a:spcBef>
+                <a:spcPts val="1200"/>
+              </a:spcBef>
+              <a:spcAft>
+                <a:spcPts val="0"/>
+              </a:spcAft>
+              <a:buClr>
+                <a:srgbClr val="1B5089"/>
+              </a:buClr>
+              <a:buSzPts val="2880"/>
+              <a:buFont typeface="Noto Sans Symbols"/>
+              <a:buChar char="▪"/>
+            </a:pPr>
+            <a:r>
+              <a:rPr lang="en-US" sz="2400">
+                <a:latin typeface="Arial"/>
+                <a:ea typeface="Arial"/>
+                <a:cs typeface="Arial"/>
+                <a:sym typeface="Arial"/>
+              </a:rPr>
+              <a:t>Zināmi ierobežojumi – sistēma nespēs radīt pareizu transkripciju vēsturiski pieņemtiem nosaukumiem (piem. Parīze), kā arī varētu atšķirties no jau eksistējošām transkripcijām (piem. Fudzijama).</a:t>
+            </a:r>
+            <a:endParaRPr/>
+          </a:p>
+          <a:p>
+            <a:pPr marL="457200" lvl="1" indent="0" algn="l" rtl="0">
+              <a:lnSpc>
+                <a:spcPct val="90000"/>
+              </a:lnSpc>
+              <a:spcBef>
+                <a:spcPts val="1100"/>
+              </a:spcBef>
+              <a:spcAft>
+                <a:spcPts val="0"/>
+              </a:spcAft>
+              <a:buClr>
+                <a:schemeClr val="dk1"/>
+              </a:buClr>
+              <a:buSzPts val="2400"/>
               <a:buNone/>
             </a:pPr>
-            <a:endParaRPr lang="lv-LV" dirty="0">
-              <a:latin typeface="Arial" panose="020B0604020202020204" pitchFamily="34" charset="0"/>
-              <a:cs typeface="Arial" panose="020B0604020202020204" pitchFamily="34" charset="0"/>
+            <a:endParaRPr>
+              <a:latin typeface="Arial"/>
+              <a:ea typeface="Arial"/>
+              <a:cs typeface="Arial"/>
+              <a:sym typeface="Arial"/>
             </a:endParaRPr>
           </a:p>
+          <a:p>
+            <a:pPr marL="0" lvl="0" indent="0" algn="l" rtl="0">
+              <a:lnSpc>
+                <a:spcPct val="90000"/>
+              </a:lnSpc>
+              <a:spcBef>
+                <a:spcPts val="1000"/>
+              </a:spcBef>
+              <a:spcAft>
+                <a:spcPts val="0"/>
+              </a:spcAft>
+              <a:buClr>
+                <a:schemeClr val="dk1"/>
+              </a:buClr>
+              <a:buSzPts val="2400"/>
+              <a:buNone/>
+            </a:pPr>
+            <a:endParaRPr sz="2400">
+              <a:latin typeface="Arial"/>
+              <a:ea typeface="Arial"/>
+              <a:cs typeface="Arial"/>
+              <a:sym typeface="Arial"/>
+            </a:endParaRPr>
+          </a:p>
+          <a:p>
+            <a:pPr marL="0" lvl="0" indent="0" algn="l" rtl="0">
+              <a:lnSpc>
+                <a:spcPct val="90000"/>
+              </a:lnSpc>
+              <a:spcBef>
+                <a:spcPts val="1000"/>
+              </a:spcBef>
+              <a:spcAft>
+                <a:spcPts val="0"/>
+              </a:spcAft>
+              <a:buClr>
+                <a:schemeClr val="dk1"/>
+              </a:buClr>
+              <a:buSzPts val="2400"/>
+              <a:buNone/>
+            </a:pPr>
+            <a:endParaRPr sz="2400">
+              <a:latin typeface="Arial"/>
+              <a:ea typeface="Arial"/>
+              <a:cs typeface="Arial"/>
+              <a:sym typeface="Arial"/>
+            </a:endParaRPr>
+          </a:p>
         </p:txBody>
       </p:sp>
     </p:spTree>
-    <p:extLst>
-      <p:ext uri="{BB962C8B-B14F-4D97-AF65-F5344CB8AC3E}">
-        <p14:creationId xmlns:p14="http://schemas.microsoft.com/office/powerpoint/2010/main" val="23713107"/>
-      </p:ext>
-    </p:extLst>
   </p:cSld>
   <p:clrMapOvr>
     <a:masterClrMapping/>
@@ -4540,7 +5987,7 @@
   <p:cSld>
     <p:spTree>
       <p:nvGrpSpPr>
-        <p:cNvPr id="1" name=""/>
+        <p:cNvPr id="1" name="Shape 104"/>
         <p:cNvGrpSpPr/>
         <p:nvPr/>
       </p:nvGrpSpPr>
@@ -4554,156 +6001,152 @@
       </p:grpSpPr>
       <p:sp>
         <p:nvSpPr>
-          <p:cNvPr id="4" name="Slide Number Placeholder 3">
-            <a:extLst>
-              <a:ext uri="{FF2B5EF4-FFF2-40B4-BE49-F238E27FC236}">
-                <a16:creationId xmlns:a16="http://schemas.microsoft.com/office/drawing/2014/main" xmlns="" id="{7FB0595A-203F-AE45-A9C0-EEDA18B895AA}"/>
-              </a:ext>
-            </a:extLst>
-          </p:cNvPr>
-          <p:cNvSpPr>
+          <p:cNvPr id="105" name="Google Shape;105;p4"/>
+          <p:cNvSpPr txBox="1">
             <a:spLocks noGrp="1"/>
           </p:cNvSpPr>
           <p:nvPr>
-            <p:ph type="sldNum" sz="quarter" idx="12"/>
-          </p:nvPr>
-        </p:nvSpPr>
-        <p:spPr/>
+            <p:ph type="sldNum" idx="12"/>
+          </p:nvPr>
+        </p:nvSpPr>
+        <p:spPr>
+          <a:xfrm>
+            <a:off x="11645929" y="6256960"/>
+            <a:ext cx="605110" cy="332685"/>
+          </a:xfrm>
+          <a:prstGeom prst="rect">
+            <a:avLst/>
+          </a:prstGeom>
+          <a:noFill/>
+          <a:ln>
+            <a:noFill/>
+          </a:ln>
+        </p:spPr>
         <p:txBody>
-          <a:bodyPr/>
-          <a:lstStyle/>
-          <a:p>
-            <a:fld id="{52874D3B-0145-4B40-BC41-2631D243DCC0}" type="slidenum">
-              <a:rPr lang="en-US" smtClean="0"/>
-              <a:pPr/>
-              <a:t>4</a:t>
-            </a:fld>
-            <a:endParaRPr lang="en-US" dirty="0"/>
-          </a:p>
-        </p:txBody>
-      </p:sp>
-      <p:sp>
-        <p:nvSpPr>
-          <p:cNvPr id="5" name="Virsraksts 1">
-            <a:extLst>
-              <a:ext uri="{FF2B5EF4-FFF2-40B4-BE49-F238E27FC236}">
-                <a16:creationId xmlns:a16="http://schemas.microsoft.com/office/drawing/2014/main" xmlns="" id="{320D2C57-23A8-A448-9E58-E9E2AA3B11CC}"/>
-              </a:ext>
-            </a:extLst>
-          </p:cNvPr>
-          <p:cNvSpPr>
-            <a:spLocks noGrp="1"/>
-          </p:cNvSpPr>
-          <p:nvPr>
-            <p:ph type="title" idx="4294967295"/>
-          </p:nvPr>
-        </p:nvSpPr>
-        <p:spPr>
-          <a:xfrm>
-            <a:off x="418011" y="440937"/>
-            <a:ext cx="11399520" cy="1099996"/>
-          </a:xfrm>
-        </p:spPr>
-        <p:txBody>
-          <a:bodyPr>
+          <a:bodyPr spcFirstLastPara="1" wrap="square" lIns="91425" tIns="45700" rIns="91425" bIns="45700" anchor="t" anchorCtr="0">
             <a:noAutofit/>
           </a:bodyPr>
           <a:lstStyle/>
           <a:p>
+            <a:pPr marL="0" lvl="0" indent="0" algn="ctr" rtl="0">
+              <a:spcBef>
+                <a:spcPts val="0"/>
+              </a:spcBef>
+              <a:spcAft>
+                <a:spcPts val="0"/>
+              </a:spcAft>
+              <a:buNone/>
+            </a:pPr>
+            <a:fld id="{00000000-1234-1234-1234-123412341234}" type="slidenum">
+              <a:rPr lang="en-US"/>
+              <a:t>4</a:t>
+            </a:fld>
+            <a:endParaRPr/>
+          </a:p>
+        </p:txBody>
+      </p:sp>
+      <p:sp>
+        <p:nvSpPr>
+          <p:cNvPr id="106" name="Google Shape;106;p4"/>
+          <p:cNvSpPr txBox="1">
+            <a:spLocks noGrp="1"/>
+          </p:cNvSpPr>
+          <p:nvPr>
+            <p:ph type="title" idx="4294967295"/>
+          </p:nvPr>
+        </p:nvSpPr>
+        <p:spPr>
+          <a:xfrm>
+            <a:off x="418011" y="440937"/>
+            <a:ext cx="11399520" cy="1099996"/>
+          </a:xfrm>
+          <a:prstGeom prst="rect">
+            <a:avLst/>
+          </a:prstGeom>
+          <a:noFill/>
+          <a:ln>
+            <a:noFill/>
+          </a:ln>
+        </p:spPr>
+        <p:txBody>
+          <a:bodyPr spcFirstLastPara="1" wrap="square" lIns="91425" tIns="45700" rIns="91425" bIns="45700" anchor="ctr" anchorCtr="0">
+            <a:noAutofit/>
+          </a:bodyPr>
+          <a:lstStyle/>
+          <a:p>
+            <a:pPr marL="0" lvl="0" indent="0" algn="l" rtl="0">
+              <a:lnSpc>
+                <a:spcPct val="90000"/>
+              </a:lnSpc>
+              <a:spcBef>
+                <a:spcPts val="0"/>
+              </a:spcBef>
+              <a:spcAft>
+                <a:spcPts val="0"/>
+              </a:spcAft>
+              <a:buClr>
+                <a:srgbClr val="1B5089"/>
+              </a:buClr>
+              <a:buSzPts val="4400"/>
+              <a:buFont typeface="Arial"/>
+              <a:buNone/>
+            </a:pPr>
+            <a:r>
+              <a:rPr lang="en-US" dirty="0" err="1">
+                <a:solidFill>
+                  <a:srgbClr val="1B5089"/>
+                </a:solidFill>
+                <a:latin typeface="Arial"/>
+                <a:ea typeface="Arial"/>
+                <a:cs typeface="Arial"/>
+                <a:sym typeface="Arial"/>
+              </a:rPr>
+              <a:t>Darba</a:t>
+            </a:r>
+            <a:r>
+              <a:rPr lang="en-US" dirty="0">
+                <a:solidFill>
+                  <a:srgbClr val="1B5089"/>
+                </a:solidFill>
+                <a:latin typeface="Arial"/>
+                <a:ea typeface="Arial"/>
+                <a:cs typeface="Arial"/>
+                <a:sym typeface="Arial"/>
+              </a:rPr>
+              <a:t> </a:t>
+            </a:r>
             <a:r>
               <a:rPr lang="lv-LV" dirty="0">
                 <a:solidFill>
                   <a:srgbClr val="1B5089"/>
                 </a:solidFill>
-                <a:latin typeface="Arial" panose="020B0604020202020204" pitchFamily="34" charset="0"/>
-                <a:cs typeface="Arial" panose="020B0604020202020204" pitchFamily="34" charset="0"/>
-              </a:rPr>
-              <a:t>Virsraksts slaidam </a:t>
-            </a:r>
-            <a:r>
-              <a:rPr lang="lv-LV" dirty="0" err="1">
-                <a:solidFill>
-                  <a:srgbClr val="1B5089"/>
-                </a:solidFill>
-                <a:latin typeface="Arial" panose="020B0604020202020204" pitchFamily="34" charset="0"/>
-                <a:cs typeface="Arial" panose="020B0604020202020204" pitchFamily="34" charset="0"/>
-              </a:rPr>
-              <a:t>Arial</a:t>
-            </a:r>
-            <a:r>
-              <a:rPr lang="lv-LV" dirty="0">
-                <a:solidFill>
-                  <a:srgbClr val="1B5089"/>
-                </a:solidFill>
-                <a:latin typeface="Arial" panose="020B0604020202020204" pitchFamily="34" charset="0"/>
-                <a:cs typeface="Arial" panose="020B0604020202020204" pitchFamily="34" charset="0"/>
-              </a:rPr>
-              <a:t> </a:t>
-            </a:r>
-            <a:r>
-              <a:rPr lang="lv-LV" dirty="0" err="1">
-                <a:solidFill>
-                  <a:srgbClr val="1B5089"/>
-                </a:solidFill>
-                <a:latin typeface="Arial" panose="020B0604020202020204" pitchFamily="34" charset="0"/>
-                <a:cs typeface="Arial" panose="020B0604020202020204" pitchFamily="34" charset="0"/>
-              </a:rPr>
-              <a:t>bold</a:t>
-            </a:r>
-            <a:r>
-              <a:rPr lang="lv-LV" dirty="0">
-                <a:solidFill>
-                  <a:srgbClr val="1B5089"/>
-                </a:solidFill>
-                <a:latin typeface="Arial" panose="020B0604020202020204" pitchFamily="34" charset="0"/>
-                <a:cs typeface="Arial" panose="020B0604020202020204" pitchFamily="34" charset="0"/>
-              </a:rPr>
-              <a:t> 44 </a:t>
-            </a:r>
-            <a:r>
-              <a:rPr lang="lv-LV" dirty="0" err="1">
-                <a:solidFill>
-                  <a:srgbClr val="1B5089"/>
-                </a:solidFill>
-                <a:latin typeface="Arial" panose="020B0604020202020204" pitchFamily="34" charset="0"/>
-                <a:cs typeface="Arial" panose="020B0604020202020204" pitchFamily="34" charset="0"/>
-              </a:rPr>
-              <a:t>pt</a:t>
-            </a:r>
-            <a:r>
-              <a:rPr lang="lv-LV" dirty="0">
-                <a:solidFill>
-                  <a:srgbClr val="1B5089"/>
-                </a:solidFill>
-                <a:latin typeface="Arial" panose="020B0604020202020204" pitchFamily="34" charset="0"/>
-                <a:cs typeface="Arial" panose="020B0604020202020204" pitchFamily="34" charset="0"/>
-              </a:rPr>
-              <a:t> LU zils </a:t>
-            </a:r>
-            <a:endParaRPr lang="en-US" dirty="0">
+                <a:latin typeface="Arial"/>
+                <a:ea typeface="Arial"/>
+                <a:cs typeface="Arial"/>
+                <a:sym typeface="Arial"/>
+              </a:rPr>
+              <a:t>izstrāde</a:t>
+            </a:r>
+            <a:endParaRPr dirty="0">
               <a:solidFill>
                 <a:srgbClr val="1B5089"/>
               </a:solidFill>
-              <a:latin typeface="Arial" panose="020B0604020202020204" pitchFamily="34" charset="0"/>
-              <a:cs typeface="Arial" panose="020B0604020202020204" pitchFamily="34" charset="0"/>
+              <a:latin typeface="Arial"/>
+              <a:ea typeface="Arial"/>
+              <a:cs typeface="Arial"/>
+              <a:sym typeface="Arial"/>
             </a:endParaRPr>
           </a:p>
         </p:txBody>
       </p:sp>
       <p:sp>
         <p:nvSpPr>
-          <p:cNvPr id="6" name="Satura vietturis 2">
-            <a:extLst>
-              <a:ext uri="{FF2B5EF4-FFF2-40B4-BE49-F238E27FC236}">
-                <a16:creationId xmlns:a16="http://schemas.microsoft.com/office/drawing/2014/main" xmlns="" id="{2B665608-5D39-F24D-BA49-11B32431DC50}"/>
-              </a:ext>
-            </a:extLst>
-          </p:cNvPr>
-          <p:cNvSpPr>
+          <p:cNvPr id="107" name="Google Shape;107;p4"/>
+          <p:cNvSpPr txBox="1">
             <a:spLocks noGrp="1"/>
           </p:cNvSpPr>
           <p:nvPr>
-            <p:ph idx="4294967295"/>
+            <p:ph type="body" idx="4294967295"/>
           </p:nvPr>
         </p:nvSpPr>
         <p:spPr>
@@ -4711,367 +6154,506 @@
             <a:off x="418011" y="1709530"/>
             <a:ext cx="11618971" cy="4264549"/>
           </a:xfrm>
+          <a:prstGeom prst="rect">
+            <a:avLst/>
+          </a:prstGeom>
+          <a:noFill/>
+          <a:ln>
+            <a:noFill/>
+          </a:ln>
         </p:spPr>
         <p:txBody>
-          <a:bodyPr lIns="72000" rIns="144000">
+          <a:bodyPr spcFirstLastPara="1" wrap="square" lIns="72000" tIns="45700" rIns="144000" bIns="45700" anchor="t" anchorCtr="0">
             <a:noAutofit/>
           </a:bodyPr>
           <a:lstStyle/>
           <a:p>
-            <a:pPr marL="355600" indent="-355600">
+            <a:pPr marL="355600" lvl="0" indent="-355600" algn="l" rtl="0">
+              <a:lnSpc>
+                <a:spcPct val="90000"/>
+              </a:lnSpc>
               <a:spcBef>
-                <a:spcPts val="600"/>
+                <a:spcPts val="0"/>
               </a:spcBef>
               <a:spcAft>
-                <a:spcPts val="600"/>
+                <a:spcPts val="0"/>
               </a:spcAft>
               <a:buClr>
                 <a:srgbClr val="1B5089"/>
               </a:buClr>
-              <a:buSzPct val="120000"/>
-              <a:buFont typeface="Wingdings" pitchFamily="2" charset="2"/>
-              <a:buChar char="§"/>
+              <a:buSzPts val="2880"/>
+              <a:buFont typeface="Noto Sans Symbols"/>
+              <a:buChar char="▪"/>
             </a:pPr>
             <a:r>
-              <a:rPr lang="lv-LV" dirty="0">
-                <a:latin typeface="Arial" panose="020B0604020202020204" pitchFamily="34" charset="0"/>
-                <a:cs typeface="Arial" panose="020B0604020202020204" pitchFamily="34" charset="0"/>
-              </a:rPr>
-              <a:t>Uzskaitījums </a:t>
-            </a:r>
-            <a:r>
-              <a:rPr lang="lv-LV" dirty="0" err="1">
-                <a:latin typeface="Arial" panose="020B0604020202020204" pitchFamily="34" charset="0"/>
-                <a:cs typeface="Arial" panose="020B0604020202020204" pitchFamily="34" charset="0"/>
-              </a:rPr>
-              <a:t>Arial</a:t>
-            </a:r>
-            <a:r>
-              <a:rPr lang="lv-LV" dirty="0">
-                <a:latin typeface="Arial" panose="020B0604020202020204" pitchFamily="34" charset="0"/>
-                <a:cs typeface="Arial" panose="020B0604020202020204" pitchFamily="34" charset="0"/>
-              </a:rPr>
-              <a:t> 28 </a:t>
-            </a:r>
-            <a:r>
-              <a:rPr lang="lv-LV" dirty="0" err="1">
-                <a:latin typeface="Arial" panose="020B0604020202020204" pitchFamily="34" charset="0"/>
-                <a:cs typeface="Arial" panose="020B0604020202020204" pitchFamily="34" charset="0"/>
-              </a:rPr>
-              <a:t>pt</a:t>
-            </a:r>
-            <a:r>
-              <a:rPr lang="lv-LV" dirty="0">
-                <a:latin typeface="Arial" panose="020B0604020202020204" pitchFamily="34" charset="0"/>
-                <a:cs typeface="Arial" panose="020B0604020202020204" pitchFamily="34" charset="0"/>
-              </a:rPr>
-              <a:t> melns</a:t>
-            </a:r>
-          </a:p>
-          <a:p>
-            <a:pPr marL="355600" indent="-355600">
+              <a:rPr lang="lv-LV" sz="2400" dirty="0">
+                <a:latin typeface="Arial"/>
+                <a:ea typeface="Arial"/>
+                <a:cs typeface="Arial"/>
+                <a:sym typeface="Arial"/>
+              </a:rPr>
+              <a:t>Programmēšanas valoda – </a:t>
+            </a:r>
+            <a:r>
+              <a:rPr lang="lv-LV" sz="2400" dirty="0" err="1">
+                <a:latin typeface="Arial"/>
+                <a:ea typeface="Arial"/>
+                <a:cs typeface="Arial"/>
+                <a:sym typeface="Arial"/>
+              </a:rPr>
+              <a:t>Python</a:t>
+            </a:r>
+            <a:endParaRPr lang="lv-LV" sz="2400" dirty="0">
+              <a:latin typeface="Arial"/>
+              <a:ea typeface="Arial"/>
+              <a:cs typeface="Arial"/>
+              <a:sym typeface="Arial"/>
+            </a:endParaRPr>
+          </a:p>
+          <a:p>
+            <a:pPr marL="355600" lvl="0" indent="-355600" algn="l" rtl="0">
+              <a:lnSpc>
+                <a:spcPct val="90000"/>
+              </a:lnSpc>
               <a:spcBef>
-                <a:spcPts val="600"/>
+                <a:spcPts val="0"/>
               </a:spcBef>
               <a:spcAft>
-                <a:spcPts val="600"/>
+                <a:spcPts val="0"/>
               </a:spcAft>
               <a:buClr>
                 <a:srgbClr val="1B5089"/>
               </a:buClr>
-              <a:buSzPct val="120000"/>
-              <a:buFont typeface="Wingdings" pitchFamily="2" charset="2"/>
-              <a:buChar char="§"/>
+              <a:buSzPts val="2880"/>
+              <a:buFont typeface="Noto Sans Symbols"/>
+              <a:buChar char="▪"/>
             </a:pPr>
             <a:r>
+              <a:rPr lang="lv-LV" sz="2400" dirty="0">
+                <a:latin typeface="Arial"/>
+                <a:cs typeface="Arial"/>
+                <a:sym typeface="Arial"/>
+              </a:rPr>
+              <a:t>Izmantotās kodu bibliotēkas:</a:t>
+            </a:r>
+          </a:p>
+          <a:p>
+            <a:pPr marL="812800" lvl="1" indent="-355600">
+              <a:spcBef>
+                <a:spcPts val="0"/>
+              </a:spcBef>
+              <a:buClr>
+                <a:srgbClr val="1B5089"/>
+              </a:buClr>
+              <a:buSzPts val="2880"/>
+              <a:buFont typeface="Noto Sans Symbols"/>
+              <a:buChar char="▪"/>
+            </a:pPr>
+            <a:r>
+              <a:rPr lang="lv-LV" dirty="0" err="1">
+                <a:latin typeface="Arial"/>
+                <a:cs typeface="Arial"/>
+                <a:sym typeface="Arial"/>
+              </a:rPr>
+              <a:t>Reguest</a:t>
+            </a:r>
+            <a:endParaRPr lang="lv-LV" dirty="0">
+              <a:latin typeface="Arial"/>
+              <a:cs typeface="Arial"/>
+              <a:sym typeface="Arial"/>
+            </a:endParaRPr>
+          </a:p>
+          <a:p>
+            <a:pPr marL="812800" lvl="1" indent="-355600">
+              <a:spcBef>
+                <a:spcPts val="0"/>
+              </a:spcBef>
+              <a:buClr>
+                <a:srgbClr val="1B5089"/>
+              </a:buClr>
+              <a:buSzPts val="2880"/>
+              <a:buFont typeface="Noto Sans Symbols"/>
+              <a:buChar char="▪"/>
+            </a:pPr>
+            <a:r>
               <a:rPr lang="lv-LV" dirty="0">
-                <a:latin typeface="Arial" panose="020B0604020202020204" pitchFamily="34" charset="0"/>
-                <a:cs typeface="Arial" panose="020B0604020202020204" pitchFamily="34" charset="0"/>
-              </a:rPr>
-              <a:t>Uzskaitījums </a:t>
-            </a:r>
+                <a:latin typeface="Arial"/>
+                <a:cs typeface="Arial"/>
+                <a:sym typeface="Arial"/>
+              </a:rPr>
+              <a:t>Beautifulsoup4</a:t>
+            </a:r>
+          </a:p>
+          <a:p>
+            <a:pPr marL="812800" lvl="1" indent="-355600">
+              <a:spcBef>
+                <a:spcPts val="0"/>
+              </a:spcBef>
+              <a:buClr>
+                <a:srgbClr val="1B5089"/>
+              </a:buClr>
+              <a:buSzPts val="2880"/>
+              <a:buFont typeface="Noto Sans Symbols"/>
+              <a:buChar char="▪"/>
+            </a:pPr>
             <a:r>
               <a:rPr lang="lv-LV" dirty="0" err="1">
-                <a:latin typeface="Arial" panose="020B0604020202020204" pitchFamily="34" charset="0"/>
-                <a:cs typeface="Arial" panose="020B0604020202020204" pitchFamily="34" charset="0"/>
-              </a:rPr>
-              <a:t>Arial</a:t>
-            </a:r>
-            <a:r>
-              <a:rPr lang="lv-LV" dirty="0">
-                <a:latin typeface="Arial" panose="020B0604020202020204" pitchFamily="34" charset="0"/>
-                <a:cs typeface="Arial" panose="020B0604020202020204" pitchFamily="34" charset="0"/>
-              </a:rPr>
-              <a:t> 28 </a:t>
-            </a:r>
+                <a:latin typeface="Arial"/>
+                <a:cs typeface="Arial"/>
+                <a:sym typeface="Arial"/>
+              </a:rPr>
+              <a:t>Regex</a:t>
+            </a:r>
+            <a:endParaRPr lang="lv-LV" dirty="0">
+              <a:latin typeface="Arial"/>
+              <a:cs typeface="Arial"/>
+              <a:sym typeface="Arial"/>
+            </a:endParaRPr>
+          </a:p>
+          <a:p>
+            <a:pPr marL="812800" lvl="1" indent="-355600">
+              <a:spcBef>
+                <a:spcPts val="0"/>
+              </a:spcBef>
+              <a:buClr>
+                <a:srgbClr val="1B5089"/>
+              </a:buClr>
+              <a:buSzPts val="2880"/>
+              <a:buFont typeface="Noto Sans Symbols"/>
+              <a:buChar char="▪"/>
+            </a:pPr>
             <a:r>
               <a:rPr lang="lv-LV" dirty="0" err="1">
-                <a:latin typeface="Arial" panose="020B0604020202020204" pitchFamily="34" charset="0"/>
-                <a:cs typeface="Arial" panose="020B0604020202020204" pitchFamily="34" charset="0"/>
-              </a:rPr>
-              <a:t>pt</a:t>
-            </a:r>
-            <a:r>
-              <a:rPr lang="lv-LV" dirty="0">
-                <a:latin typeface="Arial" panose="020B0604020202020204" pitchFamily="34" charset="0"/>
-                <a:cs typeface="Arial" panose="020B0604020202020204" pitchFamily="34" charset="0"/>
-              </a:rPr>
-              <a:t> melns</a:t>
-            </a:r>
-            <a:endParaRPr lang="en-US" dirty="0">
-              <a:latin typeface="Arial" panose="020B0604020202020204" pitchFamily="34" charset="0"/>
-              <a:cs typeface="Arial" panose="020B0604020202020204" pitchFamily="34" charset="0"/>
-            </a:endParaRPr>
-          </a:p>
-          <a:p>
-            <a:pPr marL="355600" indent="-355600">
+                <a:latin typeface="Arial"/>
+                <a:cs typeface="Arial"/>
+                <a:sym typeface="Arial"/>
+              </a:rPr>
+              <a:t>Ipapy</a:t>
+            </a:r>
+            <a:endParaRPr lang="lv-LV" dirty="0"/>
+          </a:p>
+          <a:p>
+            <a:pPr marL="355600" lvl="0" indent="-355600" algn="l" rtl="0">
+              <a:lnSpc>
+                <a:spcPct val="90000"/>
+              </a:lnSpc>
               <a:spcBef>
-                <a:spcPts val="600"/>
+                <a:spcPts val="1200"/>
               </a:spcBef>
               <a:spcAft>
-                <a:spcPts val="600"/>
+                <a:spcPts val="0"/>
               </a:spcAft>
               <a:buClr>
                 <a:srgbClr val="1B5089"/>
               </a:buClr>
-              <a:buSzPct val="120000"/>
-              <a:buFont typeface="Wingdings" pitchFamily="2" charset="2"/>
-              <a:buChar char="§"/>
+              <a:buSzPts val="2880"/>
+              <a:buFont typeface="Noto Sans Symbols"/>
+              <a:buChar char="▪"/>
             </a:pPr>
-            <a:r>
-              <a:rPr lang="lv-LV" dirty="0">
-                <a:latin typeface="Arial" panose="020B0604020202020204" pitchFamily="34" charset="0"/>
-                <a:cs typeface="Arial" panose="020B0604020202020204" pitchFamily="34" charset="0"/>
-              </a:rPr>
-              <a:t>Uzskaitījums </a:t>
-            </a:r>
-            <a:r>
-              <a:rPr lang="lv-LV" dirty="0" err="1">
-                <a:latin typeface="Arial" panose="020B0604020202020204" pitchFamily="34" charset="0"/>
-                <a:cs typeface="Arial" panose="020B0604020202020204" pitchFamily="34" charset="0"/>
-              </a:rPr>
-              <a:t>Arial</a:t>
-            </a:r>
-            <a:r>
-              <a:rPr lang="lv-LV" dirty="0">
-                <a:latin typeface="Arial" panose="020B0604020202020204" pitchFamily="34" charset="0"/>
-                <a:cs typeface="Arial" panose="020B0604020202020204" pitchFamily="34" charset="0"/>
-              </a:rPr>
-              <a:t> 28 </a:t>
-            </a:r>
-            <a:r>
-              <a:rPr lang="lv-LV" dirty="0" err="1">
-                <a:latin typeface="Arial" panose="020B0604020202020204" pitchFamily="34" charset="0"/>
-                <a:cs typeface="Arial" panose="020B0604020202020204" pitchFamily="34" charset="0"/>
-              </a:rPr>
-              <a:t>pt</a:t>
-            </a:r>
-            <a:r>
-              <a:rPr lang="lv-LV" dirty="0">
-                <a:latin typeface="Arial" panose="020B0604020202020204" pitchFamily="34" charset="0"/>
-                <a:cs typeface="Arial" panose="020B0604020202020204" pitchFamily="34" charset="0"/>
-              </a:rPr>
-              <a:t> melns</a:t>
-            </a:r>
-          </a:p>
-          <a:p>
-            <a:pPr marL="890588" lvl="1" indent="-433388">
+            <a:endParaRPr lang="lv-LV" sz="2400" dirty="0">
+              <a:latin typeface="Arial"/>
+              <a:ea typeface="Arial"/>
+              <a:cs typeface="Arial"/>
+              <a:sym typeface="Arial"/>
+            </a:endParaRPr>
+          </a:p>
+          <a:p>
+            <a:pPr marL="355600" lvl="0" indent="-355600" algn="l" rtl="0">
+              <a:lnSpc>
+                <a:spcPct val="90000"/>
+              </a:lnSpc>
               <a:spcBef>
-                <a:spcPts val="600"/>
+                <a:spcPts val="1200"/>
               </a:spcBef>
               <a:spcAft>
-                <a:spcPts val="600"/>
+                <a:spcPts val="0"/>
               </a:spcAft>
               <a:buClr>
                 <a:srgbClr val="1B5089"/>
               </a:buClr>
-              <a:buFont typeface="Wingdings" pitchFamily="2" charset="2"/>
-              <a:buChar char="ü"/>
+              <a:buSzPts val="2880"/>
+              <a:buFont typeface="Noto Sans Symbols"/>
+              <a:buChar char="▪"/>
             </a:pPr>
-            <a:r>
-              <a:rPr lang="lv-LV" dirty="0">
-                <a:latin typeface="Arial" panose="020B0604020202020204" pitchFamily="34" charset="0"/>
-                <a:cs typeface="Arial" panose="020B0604020202020204" pitchFamily="34" charset="0"/>
-              </a:rPr>
-              <a:t>Otrās pakāpes uzskaitījums </a:t>
-            </a:r>
-            <a:r>
-              <a:rPr lang="lv-LV" dirty="0" err="1">
-                <a:latin typeface="Arial" panose="020B0604020202020204" pitchFamily="34" charset="0"/>
-                <a:cs typeface="Arial" panose="020B0604020202020204" pitchFamily="34" charset="0"/>
-              </a:rPr>
-              <a:t>Arial</a:t>
-            </a:r>
-            <a:r>
-              <a:rPr lang="lv-LV" dirty="0">
-                <a:latin typeface="Arial" panose="020B0604020202020204" pitchFamily="34" charset="0"/>
-                <a:cs typeface="Arial" panose="020B0604020202020204" pitchFamily="34" charset="0"/>
-              </a:rPr>
-              <a:t> 24 </a:t>
-            </a:r>
-            <a:r>
-              <a:rPr lang="lv-LV" dirty="0" err="1">
-                <a:latin typeface="Arial" panose="020B0604020202020204" pitchFamily="34" charset="0"/>
-                <a:cs typeface="Arial" panose="020B0604020202020204" pitchFamily="34" charset="0"/>
-              </a:rPr>
-              <a:t>pt</a:t>
-            </a:r>
-            <a:r>
-              <a:rPr lang="lv-LV" dirty="0">
-                <a:latin typeface="Arial" panose="020B0604020202020204" pitchFamily="34" charset="0"/>
-                <a:cs typeface="Arial" panose="020B0604020202020204" pitchFamily="34" charset="0"/>
-              </a:rPr>
-              <a:t> melns</a:t>
-            </a:r>
-          </a:p>
-          <a:p>
-            <a:pPr marL="890588" lvl="1" indent="-433388">
+            <a:endParaRPr lang="lv-LV" sz="2400" dirty="0">
+              <a:latin typeface="Arial"/>
+              <a:ea typeface="Arial"/>
+              <a:cs typeface="Arial"/>
+              <a:sym typeface="Arial"/>
+            </a:endParaRPr>
+          </a:p>
+          <a:p>
+            <a:pPr marL="355600" lvl="0" indent="-355600" algn="l" rtl="0">
+              <a:lnSpc>
+                <a:spcPct val="90000"/>
+              </a:lnSpc>
               <a:spcBef>
-                <a:spcPts val="600"/>
+                <a:spcPts val="1200"/>
               </a:spcBef>
               <a:spcAft>
-                <a:spcPts val="600"/>
+                <a:spcPts val="0"/>
               </a:spcAft>
               <a:buClr>
                 <a:srgbClr val="1B5089"/>
               </a:buClr>
-              <a:buFont typeface="Wingdings" pitchFamily="2" charset="2"/>
-              <a:buChar char="ü"/>
+              <a:buSzPts val="2880"/>
+              <a:buFont typeface="Noto Sans Symbols"/>
+              <a:buChar char="▪"/>
             </a:pPr>
             <a:r>
-              <a:rPr lang="lv-LV" dirty="0">
-                <a:latin typeface="Arial" panose="020B0604020202020204" pitchFamily="34" charset="0"/>
-                <a:cs typeface="Arial" panose="020B0604020202020204" pitchFamily="34" charset="0"/>
-              </a:rPr>
-              <a:t>Otrās pakāpes uzskaitījums </a:t>
-            </a:r>
-            <a:r>
-              <a:rPr lang="lv-LV" dirty="0" err="1">
-                <a:latin typeface="Arial" panose="020B0604020202020204" pitchFamily="34" charset="0"/>
-                <a:cs typeface="Arial" panose="020B0604020202020204" pitchFamily="34" charset="0"/>
-              </a:rPr>
-              <a:t>Arial</a:t>
-            </a:r>
-            <a:r>
-              <a:rPr lang="lv-LV" dirty="0">
-                <a:latin typeface="Arial" panose="020B0604020202020204" pitchFamily="34" charset="0"/>
-                <a:cs typeface="Arial" panose="020B0604020202020204" pitchFamily="34" charset="0"/>
-              </a:rPr>
-              <a:t> 24 </a:t>
-            </a:r>
-            <a:r>
-              <a:rPr lang="lv-LV" dirty="0" err="1">
-                <a:latin typeface="Arial" panose="020B0604020202020204" pitchFamily="34" charset="0"/>
-                <a:cs typeface="Arial" panose="020B0604020202020204" pitchFamily="34" charset="0"/>
-              </a:rPr>
-              <a:t>pt</a:t>
-            </a:r>
-            <a:r>
-              <a:rPr lang="lv-LV" dirty="0">
-                <a:latin typeface="Arial" panose="020B0604020202020204" pitchFamily="34" charset="0"/>
-                <a:cs typeface="Arial" panose="020B0604020202020204" pitchFamily="34" charset="0"/>
-              </a:rPr>
-              <a:t> melns</a:t>
-            </a:r>
-          </a:p>
-          <a:p>
-            <a:pPr marL="890588" lvl="1" indent="-433388">
+              <a:rPr lang="lv-LV" sz="2400" dirty="0">
+                <a:latin typeface="Arial"/>
+                <a:ea typeface="Arial"/>
+                <a:cs typeface="Arial"/>
+                <a:sym typeface="Arial"/>
+              </a:rPr>
+              <a:t>Divdaļīga sistēma</a:t>
+            </a:r>
+          </a:p>
+          <a:p>
+            <a:pPr marL="812800" lvl="1" indent="-355600" algn="l" rtl="0">
+              <a:lnSpc>
+                <a:spcPct val="90000"/>
+              </a:lnSpc>
               <a:spcBef>
-                <a:spcPts val="600"/>
+                <a:spcPts val="1200"/>
               </a:spcBef>
               <a:spcAft>
-                <a:spcPts val="600"/>
+                <a:spcPts val="0"/>
               </a:spcAft>
               <a:buClr>
                 <a:srgbClr val="1B5089"/>
               </a:buClr>
-              <a:buFont typeface="Wingdings" pitchFamily="2" charset="2"/>
-              <a:buChar char="ü"/>
+              <a:buSzPts val="2400"/>
+              <a:buFont typeface="Noto Sans Symbols"/>
+              <a:buChar char="▪"/>
             </a:pPr>
             <a:r>
-              <a:rPr lang="lv-LV" dirty="0">
-                <a:latin typeface="Arial" panose="020B0604020202020204" pitchFamily="34" charset="0"/>
-                <a:cs typeface="Arial" panose="020B0604020202020204" pitchFamily="34" charset="0"/>
-              </a:rPr>
-              <a:t>Otrās pakāpes uzskaitījums </a:t>
-            </a:r>
-            <a:r>
-              <a:rPr lang="lv-LV" dirty="0" err="1">
-                <a:latin typeface="Arial" panose="020B0604020202020204" pitchFamily="34" charset="0"/>
-                <a:cs typeface="Arial" panose="020B0604020202020204" pitchFamily="34" charset="0"/>
-              </a:rPr>
-              <a:t>Arial</a:t>
-            </a:r>
-            <a:r>
-              <a:rPr lang="lv-LV" dirty="0">
-                <a:latin typeface="Arial" panose="020B0604020202020204" pitchFamily="34" charset="0"/>
-                <a:cs typeface="Arial" panose="020B0604020202020204" pitchFamily="34" charset="0"/>
-              </a:rPr>
-              <a:t> 24 </a:t>
-            </a:r>
-            <a:r>
-              <a:rPr lang="lv-LV" dirty="0" err="1">
-                <a:latin typeface="Arial" panose="020B0604020202020204" pitchFamily="34" charset="0"/>
-                <a:cs typeface="Arial" panose="020B0604020202020204" pitchFamily="34" charset="0"/>
-              </a:rPr>
-              <a:t>pt</a:t>
-            </a:r>
-            <a:r>
-              <a:rPr lang="lv-LV" dirty="0">
-                <a:latin typeface="Arial" panose="020B0604020202020204" pitchFamily="34" charset="0"/>
-                <a:cs typeface="Arial" panose="020B0604020202020204" pitchFamily="34" charset="0"/>
-              </a:rPr>
-              <a:t> melns</a:t>
-            </a:r>
-            <a:endParaRPr lang="en-US" dirty="0">
-              <a:latin typeface="Arial" panose="020B0604020202020204" pitchFamily="34" charset="0"/>
-              <a:cs typeface="Arial" panose="020B0604020202020204" pitchFamily="34" charset="0"/>
-            </a:endParaRPr>
-          </a:p>
-          <a:p>
-            <a:pPr marL="457200" lvl="1" indent="0">
+              <a:rPr lang="lv-LV" sz="2000" dirty="0">
+                <a:latin typeface="Arial"/>
+                <a:ea typeface="Arial"/>
+                <a:cs typeface="Arial"/>
+                <a:sym typeface="Arial"/>
+              </a:rPr>
+              <a:t>Pirmā daļa iegūst lietotāja ievadi, meklē atbilstošo šķirkli angļu </a:t>
+            </a:r>
+            <a:r>
+              <a:rPr lang="lv-LV" sz="2000" dirty="0" err="1">
+                <a:latin typeface="Arial"/>
+                <a:ea typeface="Arial"/>
+                <a:cs typeface="Arial"/>
+                <a:sym typeface="Arial"/>
+              </a:rPr>
+              <a:t>Vikipēdijā</a:t>
+            </a:r>
+            <a:r>
+              <a:rPr lang="lv-LV" sz="2000" dirty="0">
+                <a:latin typeface="Arial"/>
+                <a:ea typeface="Arial"/>
+                <a:cs typeface="Arial"/>
+                <a:sym typeface="Arial"/>
+              </a:rPr>
+              <a:t>, un ar </a:t>
+            </a:r>
+            <a:r>
+              <a:rPr lang="lv-LV" sz="2000" dirty="0" err="1">
+                <a:latin typeface="Arial"/>
+                <a:ea typeface="Arial"/>
+                <a:cs typeface="Arial"/>
+                <a:sym typeface="Arial"/>
+              </a:rPr>
+              <a:t>web</a:t>
+            </a:r>
+            <a:r>
+              <a:rPr lang="lv-LV" sz="2000" dirty="0">
+                <a:latin typeface="Arial"/>
+                <a:ea typeface="Arial"/>
+                <a:cs typeface="Arial"/>
+                <a:sym typeface="Arial"/>
+              </a:rPr>
+              <a:t> </a:t>
+            </a:r>
+            <a:r>
+              <a:rPr lang="lv-LV" sz="2000" dirty="0" err="1">
+                <a:latin typeface="Arial"/>
+                <a:ea typeface="Arial"/>
+                <a:cs typeface="Arial"/>
+                <a:sym typeface="Arial"/>
+              </a:rPr>
+              <a:t>scraping</a:t>
+            </a:r>
+            <a:r>
+              <a:rPr lang="lv-LV" sz="2000" dirty="0">
+                <a:latin typeface="Arial"/>
+                <a:ea typeface="Arial"/>
+                <a:cs typeface="Arial"/>
+                <a:sym typeface="Arial"/>
+              </a:rPr>
+              <a:t> metodi iegūst IPA no šķirkļa.</a:t>
+            </a:r>
+            <a:endParaRPr lang="lv-LV" dirty="0"/>
+          </a:p>
+          <a:p>
+            <a:pPr marL="812800" lvl="1" indent="-355600" algn="l" rtl="0">
+              <a:lnSpc>
+                <a:spcPct val="90000"/>
+              </a:lnSpc>
+              <a:spcBef>
+                <a:spcPts val="1200"/>
+              </a:spcBef>
+              <a:spcAft>
+                <a:spcPts val="0"/>
+              </a:spcAft>
+              <a:buClr>
+                <a:srgbClr val="1B5089"/>
+              </a:buClr>
+              <a:buSzPts val="2400"/>
+              <a:buFont typeface="Noto Sans Symbols"/>
+              <a:buChar char="▪"/>
+            </a:pPr>
+            <a:r>
+              <a:rPr lang="lv-LV" sz="2000" dirty="0">
+                <a:latin typeface="Arial"/>
+                <a:ea typeface="Arial"/>
+                <a:cs typeface="Arial"/>
+                <a:sym typeface="Arial"/>
+              </a:rPr>
+              <a:t>Otrā daļa pārvērš IPA virkni latviešu valodā ar atbilstošo dzimtes galotni, izmantojot simbolu aizvietošanu un FST pareizas galotnes iegūšanai.</a:t>
+            </a:r>
+            <a:endParaRPr lang="lv-LV" dirty="0"/>
+          </a:p>
+          <a:p>
+            <a:pPr marL="355600" lvl="0" indent="-355600" algn="l" rtl="0">
+              <a:lnSpc>
+                <a:spcPct val="90000"/>
+              </a:lnSpc>
+              <a:spcBef>
+                <a:spcPts val="1200"/>
+              </a:spcBef>
+              <a:spcAft>
+                <a:spcPts val="0"/>
+              </a:spcAft>
+              <a:buClr>
+                <a:srgbClr val="1B5089"/>
+              </a:buClr>
+              <a:buSzPts val="2880"/>
+              <a:buFont typeface="Noto Sans Symbols"/>
+              <a:buChar char="▪"/>
+            </a:pPr>
+            <a:r>
+              <a:rPr lang="lv-LV" sz="2400" dirty="0">
+                <a:latin typeface="Arial"/>
+                <a:ea typeface="Arial"/>
+                <a:cs typeface="Arial"/>
+                <a:sym typeface="Arial"/>
+              </a:rPr>
+              <a:t>Jāizveido standarts IPA-latviešu transliterācijai, balstoties uz eksistējošiem valodas likumiem un autoru informēta viedokļa</a:t>
+            </a:r>
+          </a:p>
+          <a:p>
+            <a:pPr marL="355600" lvl="0" indent="-355600" algn="l" rtl="0">
+              <a:lnSpc>
+                <a:spcPct val="90000"/>
+              </a:lnSpc>
+              <a:spcBef>
+                <a:spcPts val="1200"/>
+              </a:spcBef>
+              <a:spcAft>
+                <a:spcPts val="0"/>
+              </a:spcAft>
+              <a:buClr>
+                <a:srgbClr val="1B5089"/>
+              </a:buClr>
+              <a:buSzPts val="2880"/>
+              <a:buFont typeface="Noto Sans Symbols"/>
+              <a:buChar char="▪"/>
+            </a:pPr>
+            <a:r>
+              <a:rPr lang="lv-LV" sz="2400" dirty="0">
+                <a:latin typeface="Arial"/>
+                <a:ea typeface="Arial"/>
+                <a:cs typeface="Arial"/>
+                <a:sym typeface="Arial"/>
+              </a:rPr>
+              <a:t>Zināmi ierobežojumi – sistēma nespēs radīt pareizu transkripciju vēsturiski pieņemtiem nosaukumiem (piem. Parīze), kā arī varētu atšķirties no jau eksistējošām transkripcijām (piem. Fudzijama).</a:t>
+            </a:r>
+            <a:endParaRPr lang="lv-LV" dirty="0"/>
+          </a:p>
+          <a:p>
+            <a:pPr marL="457200" lvl="1" indent="0" algn="l" rtl="0">
+              <a:lnSpc>
+                <a:spcPct val="90000"/>
+              </a:lnSpc>
+              <a:spcBef>
+                <a:spcPts val="1100"/>
+              </a:spcBef>
+              <a:spcAft>
+                <a:spcPts val="0"/>
+              </a:spcAft>
+              <a:buClr>
+                <a:schemeClr val="dk1"/>
+              </a:buClr>
+              <a:buSzPts val="2400"/>
               <a:buNone/>
             </a:pPr>
-            <a:endParaRPr lang="en-US" dirty="0">
-              <a:latin typeface="Arial" panose="020B0604020202020204" pitchFamily="34" charset="0"/>
-              <a:cs typeface="Arial" panose="020B0604020202020204" pitchFamily="34" charset="0"/>
+            <a:endParaRPr lang="lv-LV" dirty="0">
+              <a:latin typeface="Arial"/>
+              <a:ea typeface="Arial"/>
+              <a:cs typeface="Arial"/>
+              <a:sym typeface="Arial"/>
             </a:endParaRPr>
           </a:p>
           <a:p>
-            <a:pPr marL="457200" lvl="1" indent="0">
+            <a:pPr marL="0" lvl="0" indent="0" algn="l" rtl="0">
+              <a:lnSpc>
+                <a:spcPct val="90000"/>
+              </a:lnSpc>
+              <a:spcBef>
+                <a:spcPts val="1000"/>
+              </a:spcBef>
+              <a:spcAft>
+                <a:spcPts val="0"/>
+              </a:spcAft>
+              <a:buClr>
+                <a:schemeClr val="dk1"/>
+              </a:buClr>
+              <a:buSzPts val="2400"/>
               <a:buNone/>
             </a:pPr>
-            <a:endParaRPr lang="en-US" dirty="0">
-              <a:latin typeface="Arial" panose="020B0604020202020204" pitchFamily="34" charset="0"/>
-              <a:cs typeface="Arial" panose="020B0604020202020204" pitchFamily="34" charset="0"/>
+            <a:endParaRPr lang="lv-LV" sz="2400" dirty="0">
+              <a:latin typeface="Arial"/>
+              <a:ea typeface="Arial"/>
+              <a:cs typeface="Arial"/>
+              <a:sym typeface="Arial"/>
             </a:endParaRPr>
           </a:p>
           <a:p>
-            <a:pPr marL="0" indent="0">
+            <a:pPr marL="0" lvl="0" indent="0" algn="l" rtl="0">
+              <a:lnSpc>
+                <a:spcPct val="90000"/>
+              </a:lnSpc>
+              <a:spcBef>
+                <a:spcPts val="1000"/>
+              </a:spcBef>
+              <a:spcAft>
+                <a:spcPts val="0"/>
+              </a:spcAft>
+              <a:buClr>
+                <a:schemeClr val="dk1"/>
+              </a:buClr>
+              <a:buSzPts val="2400"/>
               <a:buNone/>
             </a:pPr>
-            <a:endParaRPr lang="en-US" dirty="0">
-              <a:latin typeface="Arial" panose="020B0604020202020204" pitchFamily="34" charset="0"/>
-              <a:cs typeface="Arial" panose="020B0604020202020204" pitchFamily="34" charset="0"/>
+            <a:endParaRPr lang="lv-LV" sz="2400" dirty="0">
+              <a:latin typeface="Arial"/>
+              <a:ea typeface="Arial"/>
+              <a:cs typeface="Arial"/>
+              <a:sym typeface="Arial"/>
             </a:endParaRPr>
           </a:p>
-          <a:p>
-            <a:pPr marL="0" indent="0">
-              <a:buNone/>
-            </a:pPr>
-            <a:endParaRPr lang="en-US" dirty="0">
-              <a:latin typeface="Arial" panose="020B0604020202020204" pitchFamily="34" charset="0"/>
-              <a:cs typeface="Arial" panose="020B0604020202020204" pitchFamily="34" charset="0"/>
-            </a:endParaRPr>
-          </a:p>
         </p:txBody>
       </p:sp>
     </p:spTree>
-    <p:extLst>
-      <p:ext uri="{BB962C8B-B14F-4D97-AF65-F5344CB8AC3E}">
-        <p14:creationId xmlns:p14="http://schemas.microsoft.com/office/powerpoint/2010/main" val="3226792298"/>
-      </p:ext>
-    </p:extLst>
   </p:cSld>
   <p:clrMapOvr>
     <a:masterClrMapping/>
@@ -5084,7 +6666,7 @@
   <p:cSld>
     <p:spTree>
       <p:nvGrpSpPr>
-        <p:cNvPr id="1" name=""/>
+        <p:cNvPr id="1" name="Shape 104"/>
         <p:cNvGrpSpPr/>
         <p:nvPr/>
       </p:nvGrpSpPr>
@@ -5098,148 +6680,373 @@
       </p:grpSpPr>
       <p:sp>
         <p:nvSpPr>
-          <p:cNvPr id="2" name="Title 1">
-            <a:extLst>
-              <a:ext uri="{FF2B5EF4-FFF2-40B4-BE49-F238E27FC236}">
-                <a16:creationId xmlns:a16="http://schemas.microsoft.com/office/drawing/2014/main" xmlns="" id="{048C6787-D30C-D84A-A701-180BCEFEC8F6}"/>
-              </a:ext>
-            </a:extLst>
-          </p:cNvPr>
-          <p:cNvSpPr>
+          <p:cNvPr id="105" name="Google Shape;105;p4"/>
+          <p:cNvSpPr txBox="1">
             <a:spLocks noGrp="1"/>
           </p:cNvSpPr>
           <p:nvPr>
-            <p:ph type="title"/>
-          </p:nvPr>
-        </p:nvSpPr>
-        <p:spPr>
-          <a:xfrm>
-            <a:off x="423746" y="517138"/>
-            <a:ext cx="11452303" cy="794828"/>
-          </a:xfrm>
+            <p:ph type="sldNum" idx="12"/>
+          </p:nvPr>
+        </p:nvSpPr>
+        <p:spPr>
+          <a:xfrm>
+            <a:off x="11645929" y="6256960"/>
+            <a:ext cx="605110" cy="332685"/>
+          </a:xfrm>
+          <a:prstGeom prst="rect">
+            <a:avLst/>
+          </a:prstGeom>
+          <a:noFill/>
+          <a:ln>
+            <a:noFill/>
+          </a:ln>
         </p:spPr>
         <p:txBody>
-          <a:bodyPr/>
+          <a:bodyPr spcFirstLastPara="1" wrap="square" lIns="91425" tIns="45700" rIns="91425" bIns="45700" anchor="t" anchorCtr="0">
+            <a:noAutofit/>
+          </a:bodyPr>
           <a:lstStyle/>
           <a:p>
+            <a:pPr marL="0" lvl="0" indent="0" algn="ctr" rtl="0">
+              <a:spcBef>
+                <a:spcPts val="0"/>
+              </a:spcBef>
+              <a:spcAft>
+                <a:spcPts val="0"/>
+              </a:spcAft>
+              <a:buNone/>
+            </a:pPr>
+            <a:fld id="{00000000-1234-1234-1234-123412341234}" type="slidenum">
+              <a:rPr lang="en-US"/>
+              <a:t>5</a:t>
+            </a:fld>
+            <a:endParaRPr/>
+          </a:p>
+        </p:txBody>
+      </p:sp>
+      <p:sp>
+        <p:nvSpPr>
+          <p:cNvPr id="106" name="Google Shape;106;p4"/>
+          <p:cNvSpPr txBox="1">
+            <a:spLocks noGrp="1"/>
+          </p:cNvSpPr>
+          <p:nvPr>
+            <p:ph type="title" idx="4294967295"/>
+          </p:nvPr>
+        </p:nvSpPr>
+        <p:spPr>
+          <a:xfrm>
+            <a:off x="418011" y="440937"/>
+            <a:ext cx="11399520" cy="1099996"/>
+          </a:xfrm>
+          <a:prstGeom prst="rect">
+            <a:avLst/>
+          </a:prstGeom>
+          <a:noFill/>
+          <a:ln>
+            <a:noFill/>
+          </a:ln>
+        </p:spPr>
+        <p:txBody>
+          <a:bodyPr spcFirstLastPara="1" wrap="square" lIns="91425" tIns="45700" rIns="91425" bIns="45700" anchor="ctr" anchorCtr="0">
+            <a:noAutofit/>
+          </a:bodyPr>
+          <a:lstStyle/>
+          <a:p>
+            <a:pPr marL="0" lvl="0" indent="0" algn="l" rtl="0">
+              <a:lnSpc>
+                <a:spcPct val="90000"/>
+              </a:lnSpc>
+              <a:spcBef>
+                <a:spcPts val="0"/>
+              </a:spcBef>
+              <a:spcAft>
+                <a:spcPts val="0"/>
+              </a:spcAft>
+              <a:buClr>
+                <a:srgbClr val="1B5089"/>
+              </a:buClr>
+              <a:buSzPts val="4400"/>
+              <a:buFont typeface="Arial"/>
+              <a:buNone/>
+            </a:pPr>
+            <a:r>
+              <a:rPr lang="lv-LV" dirty="0" err="1">
+                <a:solidFill>
+                  <a:srgbClr val="1B5089"/>
+                </a:solidFill>
+                <a:latin typeface="Arial"/>
+                <a:ea typeface="Arial"/>
+                <a:cs typeface="Arial"/>
+                <a:sym typeface="Arial"/>
+              </a:rPr>
+              <a:t>Ierobēžojumi</a:t>
+            </a:r>
             <a:r>
               <a:rPr lang="lv-LV" dirty="0">
                 <a:solidFill>
                   <a:srgbClr val="1B5089"/>
                 </a:solidFill>
-                <a:latin typeface="Arial" panose="020B0604020202020204" pitchFamily="34" charset="0"/>
-                <a:cs typeface="Arial" panose="020B0604020202020204" pitchFamily="34" charset="0"/>
-              </a:rPr>
-              <a:t>Tabulas, diagrammas, formas, attēli</a:t>
-            </a:r>
-            <a:endParaRPr lang="en-US" dirty="0"/>
+                <a:latin typeface="Arial"/>
+                <a:ea typeface="Arial"/>
+                <a:cs typeface="Arial"/>
+                <a:sym typeface="Arial"/>
+              </a:rPr>
+              <a:t> un </a:t>
+            </a:r>
+            <a:r>
+              <a:rPr lang="lv-LV" dirty="0" err="1">
+                <a:solidFill>
+                  <a:srgbClr val="1B5089"/>
+                </a:solidFill>
+                <a:latin typeface="Arial"/>
+                <a:ea typeface="Arial"/>
+                <a:cs typeface="Arial"/>
+                <a:sym typeface="Arial"/>
+              </a:rPr>
+              <a:t>sarežģijumi</a:t>
+            </a:r>
+            <a:endParaRPr dirty="0">
+              <a:solidFill>
+                <a:srgbClr val="1B5089"/>
+              </a:solidFill>
+              <a:latin typeface="Arial"/>
+              <a:ea typeface="Arial"/>
+              <a:cs typeface="Arial"/>
+              <a:sym typeface="Arial"/>
+            </a:endParaRPr>
           </a:p>
         </p:txBody>
       </p:sp>
       <p:sp>
         <p:nvSpPr>
-          <p:cNvPr id="3" name="Content Placeholder 2">
-            <a:extLst>
-              <a:ext uri="{FF2B5EF4-FFF2-40B4-BE49-F238E27FC236}">
-                <a16:creationId xmlns:a16="http://schemas.microsoft.com/office/drawing/2014/main" xmlns="" id="{1D5FDAFB-8B9A-0740-A13B-636568A286F0}"/>
-              </a:ext>
-            </a:extLst>
-          </p:cNvPr>
-          <p:cNvSpPr>
+          <p:cNvPr id="107" name="Google Shape;107;p4"/>
+          <p:cNvSpPr txBox="1">
             <a:spLocks noGrp="1"/>
           </p:cNvSpPr>
           <p:nvPr>
-            <p:ph sz="half" idx="1"/>
-          </p:nvPr>
-        </p:nvSpPr>
-        <p:spPr>
-          <a:xfrm>
-            <a:off x="449696" y="1483112"/>
-            <a:ext cx="5482753" cy="4516244"/>
-          </a:xfrm>
+            <p:ph type="body" idx="4294967295"/>
+          </p:nvPr>
+        </p:nvSpPr>
+        <p:spPr>
+          <a:xfrm>
+            <a:off x="418011" y="1709530"/>
+            <a:ext cx="11618971" cy="4264549"/>
+          </a:xfrm>
+          <a:prstGeom prst="rect">
+            <a:avLst/>
+          </a:prstGeom>
+          <a:noFill/>
+          <a:ln>
+            <a:noFill/>
+          </a:ln>
         </p:spPr>
         <p:txBody>
-          <a:bodyPr/>
+          <a:bodyPr spcFirstLastPara="1" wrap="square" lIns="72000" tIns="45700" rIns="144000" bIns="45700" anchor="t" anchorCtr="0">
+            <a:noAutofit/>
+          </a:bodyPr>
           <a:lstStyle/>
           <a:p>
-            <a:endParaRPr lang="en-US" dirty="0"/>
-          </a:p>
-        </p:txBody>
-      </p:sp>
-      <p:sp>
-        <p:nvSpPr>
-          <p:cNvPr id="4" name="Content Placeholder 3">
-            <a:extLst>
-              <a:ext uri="{FF2B5EF4-FFF2-40B4-BE49-F238E27FC236}">
-                <a16:creationId xmlns:a16="http://schemas.microsoft.com/office/drawing/2014/main" xmlns="" id="{4C62E9F4-E522-E94E-96CB-70BD87F1CC0C}"/>
-              </a:ext>
-            </a:extLst>
-          </p:cNvPr>
-          <p:cNvSpPr>
-            <a:spLocks noGrp="1"/>
-          </p:cNvSpPr>
-          <p:nvPr>
-            <p:ph sz="half" idx="2"/>
-          </p:nvPr>
-        </p:nvSpPr>
-        <p:spPr>
-          <a:xfrm>
-            <a:off x="6172200" y="1483112"/>
-            <a:ext cx="5703849" cy="4516244"/>
-          </a:xfrm>
-        </p:spPr>
-        <p:txBody>
-          <a:bodyPr/>
-          <a:lstStyle/>
-          <a:p>
-            <a:endParaRPr lang="en-US" dirty="0"/>
-          </a:p>
-        </p:txBody>
-      </p:sp>
-      <p:sp>
-        <p:nvSpPr>
-          <p:cNvPr id="5" name="Slide Number Placeholder 4">
-            <a:extLst>
-              <a:ext uri="{FF2B5EF4-FFF2-40B4-BE49-F238E27FC236}">
-                <a16:creationId xmlns:a16="http://schemas.microsoft.com/office/drawing/2014/main" xmlns="" id="{3E15A692-A9BE-124E-9693-C999C09EFEB9}"/>
-              </a:ext>
-            </a:extLst>
-          </p:cNvPr>
-          <p:cNvSpPr>
-            <a:spLocks noGrp="1"/>
-          </p:cNvSpPr>
-          <p:nvPr>
-            <p:ph type="sldNum" sz="quarter" idx="12"/>
-          </p:nvPr>
-        </p:nvSpPr>
-        <p:spPr>
-          <a:xfrm>
-            <a:off x="11653024" y="6258177"/>
-            <a:ext cx="538976" cy="365125"/>
-          </a:xfrm>
-        </p:spPr>
-        <p:txBody>
-          <a:bodyPr/>
-          <a:lstStyle/>
-          <a:p>
-            <a:pPr algn="ctr"/>
-            <a:fld id="{52874D3B-0145-4B40-BC41-2631D243DCC0}" type="slidenum">
-              <a:rPr lang="en-US" smtClean="0">
-                <a:solidFill>
-                  <a:schemeClr val="bg1"/>
-                </a:solidFill>
-                <a:latin typeface="Arial" panose="020B0604020202020204" pitchFamily="34" charset="0"/>
-                <a:cs typeface="Arial" panose="020B0604020202020204" pitchFamily="34" charset="0"/>
-              </a:rPr>
-              <a:pPr algn="ctr"/>
-              <a:t>5</a:t>
-            </a:fld>
-            <a:endParaRPr lang="en-US" dirty="0">
-              <a:solidFill>
-                <a:schemeClr val="bg1"/>
-              </a:solidFill>
-              <a:latin typeface="Arial" panose="020B0604020202020204" pitchFamily="34" charset="0"/>
-              <a:cs typeface="Arial" panose="020B0604020202020204" pitchFamily="34" charset="0"/>
+            <a:pPr marL="355600" lvl="0" indent="-355600" algn="l" rtl="0">
+              <a:lnSpc>
+                <a:spcPct val="90000"/>
+              </a:lnSpc>
+              <a:spcBef>
+                <a:spcPts val="0"/>
+              </a:spcBef>
+              <a:spcAft>
+                <a:spcPts val="0"/>
+              </a:spcAft>
+              <a:buClr>
+                <a:srgbClr val="1B5089"/>
+              </a:buClr>
+              <a:buSzPts val="2880"/>
+              <a:buFont typeface="Noto Sans Symbols"/>
+              <a:buChar char="▪"/>
+            </a:pPr>
+            <a:r>
+              <a:rPr lang="lv-LV" dirty="0" err="1">
+                <a:latin typeface="Arial"/>
+                <a:ea typeface="Arial"/>
+                <a:cs typeface="Arial"/>
+                <a:sym typeface="Arial"/>
+              </a:rPr>
+              <a:t>Ipapy</a:t>
+            </a:r>
+            <a:r>
+              <a:rPr lang="lv-LV" dirty="0">
+                <a:latin typeface="Arial"/>
+                <a:ea typeface="Arial"/>
+                <a:cs typeface="Arial"/>
+                <a:sym typeface="Arial"/>
+              </a:rPr>
+              <a:t> koda bibliotēka bija nedaudz novecojusi un ilgu laiku nebija atjaunināta, kas to salauza, bet, pateicoties </a:t>
+            </a:r>
+            <a:r>
+              <a:rPr lang="lv-LV" dirty="0" err="1">
+                <a:latin typeface="Arial"/>
+                <a:ea typeface="Arial"/>
+                <a:cs typeface="Arial"/>
+                <a:sym typeface="Arial"/>
+              </a:rPr>
+              <a:t>GitHub</a:t>
+            </a:r>
+            <a:r>
+              <a:rPr lang="lv-LV" dirty="0">
+                <a:latin typeface="Arial"/>
+                <a:ea typeface="Arial"/>
+                <a:cs typeface="Arial"/>
+                <a:sym typeface="Arial"/>
+              </a:rPr>
+              <a:t> </a:t>
+            </a:r>
+            <a:r>
+              <a:rPr lang="lv-LV" dirty="0" err="1">
+                <a:latin typeface="Arial"/>
+                <a:ea typeface="Arial"/>
+                <a:cs typeface="Arial"/>
+                <a:sym typeface="Arial"/>
+              </a:rPr>
+              <a:t>issues</a:t>
+            </a:r>
+            <a:r>
+              <a:rPr lang="lv-LV" dirty="0">
+                <a:latin typeface="Arial"/>
+                <a:ea typeface="Arial"/>
+                <a:cs typeface="Arial"/>
+                <a:sym typeface="Arial"/>
+              </a:rPr>
+              <a:t>, atradām atrisinājumu un izvēlējāmies iekļaut koda bibliotēku lokāli.</a:t>
+            </a:r>
+          </a:p>
+          <a:p>
+            <a:pPr marL="355600" lvl="0" indent="-355600" algn="l" rtl="0">
+              <a:lnSpc>
+                <a:spcPct val="90000"/>
+              </a:lnSpc>
+              <a:spcBef>
+                <a:spcPts val="0"/>
+              </a:spcBef>
+              <a:spcAft>
+                <a:spcPts val="0"/>
+              </a:spcAft>
+              <a:buClr>
+                <a:srgbClr val="1B5089"/>
+              </a:buClr>
+              <a:buSzPts val="2880"/>
+              <a:buFont typeface="Noto Sans Symbols"/>
+              <a:buChar char="▪"/>
+            </a:pPr>
+            <a:r>
+              <a:rPr lang="lv-LV" dirty="0">
+                <a:latin typeface="Arial"/>
+                <a:ea typeface="Arial"/>
+                <a:cs typeface="Arial"/>
+                <a:sym typeface="Arial"/>
+              </a:rPr>
+              <a:t>Bija doma izmantot FST </a:t>
+            </a:r>
+            <a:r>
+              <a:rPr lang="lv-LV" dirty="0" err="1">
+                <a:latin typeface="Arial"/>
+                <a:ea typeface="Arial"/>
+                <a:cs typeface="Arial"/>
+                <a:sym typeface="Arial"/>
+              </a:rPr>
+              <a:t>hfst</a:t>
+            </a:r>
+            <a:r>
+              <a:rPr lang="lv-LV" dirty="0">
+                <a:latin typeface="Arial"/>
+                <a:ea typeface="Arial"/>
+                <a:cs typeface="Arial"/>
+                <a:sym typeface="Arial"/>
+              </a:rPr>
+              <a:t> veidā, bet </a:t>
+            </a:r>
+            <a:r>
+              <a:rPr lang="lv-LV" dirty="0" err="1">
+                <a:latin typeface="Arial"/>
+                <a:ea typeface="Arial"/>
+                <a:cs typeface="Arial"/>
+                <a:sym typeface="Arial"/>
+              </a:rPr>
+              <a:t>hfst</a:t>
+            </a:r>
+            <a:r>
+              <a:rPr lang="lv-LV" dirty="0">
+                <a:latin typeface="Arial"/>
+                <a:ea typeface="Arial"/>
+                <a:cs typeface="Arial"/>
+                <a:sym typeface="Arial"/>
+              </a:rPr>
+              <a:t> ir izmantojams tikai UNIX sistēmās, tādēļ izvēlējāmies izlaist, jo mums nebija UNIX sistēmas. Kā arī sapratām, ka mums </a:t>
+            </a:r>
+            <a:r>
+              <a:rPr lang="lv-LV" dirty="0" err="1">
+                <a:latin typeface="Arial"/>
+                <a:ea typeface="Arial"/>
+                <a:cs typeface="Arial"/>
+                <a:sym typeface="Arial"/>
+              </a:rPr>
+              <a:t>hfst</a:t>
+            </a:r>
+            <a:r>
+              <a:rPr lang="lv-LV" dirty="0">
+                <a:latin typeface="Arial"/>
+                <a:ea typeface="Arial"/>
+                <a:cs typeface="Arial"/>
+                <a:sym typeface="Arial"/>
+              </a:rPr>
+              <a:t> nevajag, lai izstrādātu lielāko daļu no darba.</a:t>
+            </a:r>
+          </a:p>
+          <a:p>
+            <a:pPr marL="0" lvl="0" indent="0" algn="l" rtl="0">
+              <a:lnSpc>
+                <a:spcPct val="90000"/>
+              </a:lnSpc>
+              <a:spcBef>
+                <a:spcPts val="1000"/>
+              </a:spcBef>
+              <a:spcAft>
+                <a:spcPts val="0"/>
+              </a:spcAft>
+              <a:buClr>
+                <a:schemeClr val="dk1"/>
+              </a:buClr>
+              <a:buSzPts val="2400"/>
+              <a:buNone/>
+            </a:pPr>
+            <a:endParaRPr sz="2400" dirty="0">
+              <a:latin typeface="Arial"/>
+              <a:ea typeface="Arial"/>
+              <a:cs typeface="Arial"/>
+              <a:sym typeface="Arial"/>
+            </a:endParaRPr>
+          </a:p>
+          <a:p>
+            <a:pPr marL="0" lvl="0" indent="0" algn="l" rtl="0">
+              <a:lnSpc>
+                <a:spcPct val="90000"/>
+              </a:lnSpc>
+              <a:spcBef>
+                <a:spcPts val="1000"/>
+              </a:spcBef>
+              <a:spcAft>
+                <a:spcPts val="0"/>
+              </a:spcAft>
+              <a:buClr>
+                <a:schemeClr val="dk1"/>
+              </a:buClr>
+              <a:buSzPts val="2400"/>
+              <a:buNone/>
+            </a:pPr>
+            <a:endParaRPr sz="2400" dirty="0">
+              <a:latin typeface="Arial"/>
+              <a:ea typeface="Arial"/>
+              <a:cs typeface="Arial"/>
+              <a:sym typeface="Arial"/>
             </a:endParaRPr>
           </a:p>
         </p:txBody>
@@ -5247,7 +7054,7 @@
     </p:spTree>
     <p:extLst>
       <p:ext uri="{BB962C8B-B14F-4D97-AF65-F5344CB8AC3E}">
-        <p14:creationId xmlns:p14="http://schemas.microsoft.com/office/powerpoint/2010/main" val="797003639"/>
+        <p14:creationId xmlns:p14="http://schemas.microsoft.com/office/powerpoint/2010/main" val="1623864212"/>
       </p:ext>
     </p:extLst>
   </p:cSld>
@@ -5262,7 +7069,7 @@
   <p:cSld>
     <p:spTree>
       <p:nvGrpSpPr>
-        <p:cNvPr id="1" name=""/>
+        <p:cNvPr id="1" name="Shape 104"/>
         <p:cNvGrpSpPr/>
         <p:nvPr/>
       </p:nvGrpSpPr>
@@ -5276,359 +7083,1198 @@
       </p:grpSpPr>
       <p:sp>
         <p:nvSpPr>
-          <p:cNvPr id="2" name="Title 1">
-            <a:extLst>
-              <a:ext uri="{FF2B5EF4-FFF2-40B4-BE49-F238E27FC236}">
-                <a16:creationId xmlns:a16="http://schemas.microsoft.com/office/drawing/2014/main" xmlns="" id="{E1BE1D90-F83D-234A-9BEE-74277E458280}"/>
-              </a:ext>
-            </a:extLst>
-          </p:cNvPr>
-          <p:cNvSpPr>
+          <p:cNvPr id="105" name="Google Shape;105;p4"/>
+          <p:cNvSpPr txBox="1">
             <a:spLocks noGrp="1"/>
           </p:cNvSpPr>
           <p:nvPr>
-            <p:ph type="title"/>
-          </p:nvPr>
-        </p:nvSpPr>
-        <p:spPr>
-          <a:xfrm>
-            <a:off x="401444" y="457200"/>
-            <a:ext cx="5658044" cy="613317"/>
-          </a:xfrm>
+            <p:ph type="sldNum" idx="12"/>
+          </p:nvPr>
+        </p:nvSpPr>
+        <p:spPr>
+          <a:xfrm>
+            <a:off x="11645929" y="6256960"/>
+            <a:ext cx="605110" cy="332685"/>
+          </a:xfrm>
+          <a:prstGeom prst="rect">
+            <a:avLst/>
+          </a:prstGeom>
+          <a:noFill/>
+          <a:ln>
+            <a:noFill/>
+          </a:ln>
         </p:spPr>
         <p:txBody>
-          <a:bodyPr>
+          <a:bodyPr spcFirstLastPara="1" wrap="square" lIns="91425" tIns="45700" rIns="91425" bIns="45700" anchor="t" anchorCtr="0">
             <a:noAutofit/>
           </a:bodyPr>
           <a:lstStyle/>
           <a:p>
-            <a:r>
-              <a:rPr lang="lv-LV" sz="4400" dirty="0">
+            <a:pPr marL="0" lvl="0" indent="0" algn="ctr" rtl="0">
+              <a:spcBef>
+                <a:spcPts val="0"/>
+              </a:spcBef>
+              <a:spcAft>
+                <a:spcPts val="0"/>
+              </a:spcAft>
+              <a:buNone/>
+            </a:pPr>
+            <a:fld id="{00000000-1234-1234-1234-123412341234}" type="slidenum">
+              <a:rPr lang="en-US"/>
+              <a:t>6</a:t>
+            </a:fld>
+            <a:endParaRPr/>
+          </a:p>
+        </p:txBody>
+      </p:sp>
+      <p:sp>
+        <p:nvSpPr>
+          <p:cNvPr id="106" name="Google Shape;106;p4"/>
+          <p:cNvSpPr txBox="1">
+            <a:spLocks noGrp="1"/>
+          </p:cNvSpPr>
+          <p:nvPr>
+            <p:ph type="title" idx="4294967295"/>
+          </p:nvPr>
+        </p:nvSpPr>
+        <p:spPr>
+          <a:xfrm>
+            <a:off x="396240" y="22112"/>
+            <a:ext cx="11399520" cy="1099996"/>
+          </a:xfrm>
+          <a:prstGeom prst="rect">
+            <a:avLst/>
+          </a:prstGeom>
+          <a:noFill/>
+          <a:ln>
+            <a:noFill/>
+          </a:ln>
+        </p:spPr>
+        <p:txBody>
+          <a:bodyPr spcFirstLastPara="1" wrap="square" lIns="91425" tIns="45700" rIns="91425" bIns="45700" anchor="ctr" anchorCtr="0">
+            <a:noAutofit/>
+          </a:bodyPr>
+          <a:lstStyle/>
+          <a:p>
+            <a:pPr marL="0" lvl="0" indent="0" algn="l" rtl="0">
+              <a:lnSpc>
+                <a:spcPct val="90000"/>
+              </a:lnSpc>
+              <a:spcBef>
+                <a:spcPts val="0"/>
+              </a:spcBef>
+              <a:spcAft>
+                <a:spcPts val="0"/>
+              </a:spcAft>
+              <a:buClr>
+                <a:srgbClr val="1B5089"/>
+              </a:buClr>
+              <a:buSzPts val="4400"/>
+              <a:buFont typeface="Arial"/>
+              <a:buNone/>
+            </a:pPr>
+            <a:r>
+              <a:rPr lang="lv-LV" dirty="0">
                 <a:solidFill>
                   <a:srgbClr val="1B5089"/>
                 </a:solidFill>
-                <a:latin typeface="Arial" panose="020B0604020202020204" pitchFamily="34" charset="0"/>
-                <a:cs typeface="Arial" panose="020B0604020202020204" pitchFamily="34" charset="0"/>
-              </a:rPr>
-              <a:t>Foto virsraksts</a:t>
-            </a:r>
-            <a:endParaRPr lang="en-US" sz="4400" dirty="0"/>
+                <a:latin typeface="Arial"/>
+                <a:ea typeface="Arial"/>
+                <a:cs typeface="Arial"/>
+                <a:sym typeface="Arial"/>
+              </a:rPr>
+              <a:t>Testa datu piemēri:</a:t>
+            </a:r>
+            <a:endParaRPr dirty="0">
+              <a:solidFill>
+                <a:srgbClr val="1B5089"/>
+              </a:solidFill>
+              <a:latin typeface="Arial"/>
+              <a:ea typeface="Arial"/>
+              <a:cs typeface="Arial"/>
+              <a:sym typeface="Arial"/>
+            </a:endParaRPr>
           </a:p>
         </p:txBody>
       </p:sp>
       <p:sp>
         <p:nvSpPr>
-          <p:cNvPr id="3" name="Picture Placeholder 2">
-            <a:extLst>
-              <a:ext uri="{FF2B5EF4-FFF2-40B4-BE49-F238E27FC236}">
-                <a16:creationId xmlns:a16="http://schemas.microsoft.com/office/drawing/2014/main" xmlns="" id="{F4BF85FE-BA3E-1043-A6D8-84FFC6D31E21}"/>
-              </a:ext>
-            </a:extLst>
-          </p:cNvPr>
-          <p:cNvSpPr>
+          <p:cNvPr id="107" name="Google Shape;107;p4"/>
+          <p:cNvSpPr txBox="1">
             <a:spLocks noGrp="1"/>
           </p:cNvSpPr>
           <p:nvPr>
-            <p:ph type="pic" idx="1"/>
-          </p:nvPr>
-        </p:nvSpPr>
-        <p:spPr>
-          <a:xfrm>
-            <a:off x="6278137" y="457200"/>
-            <a:ext cx="5319132" cy="5411788"/>
-          </a:xfrm>
-        </p:spPr>
-      </p:sp>
-      <p:sp>
-        <p:nvSpPr>
-          <p:cNvPr id="5" name="Slide Number Placeholder 4">
-            <a:extLst>
-              <a:ext uri="{FF2B5EF4-FFF2-40B4-BE49-F238E27FC236}">
-                <a16:creationId xmlns:a16="http://schemas.microsoft.com/office/drawing/2014/main" xmlns="" id="{25295E47-5C5B-9B4B-B08B-6260314375D9}"/>
-              </a:ext>
-            </a:extLst>
-          </p:cNvPr>
-          <p:cNvSpPr>
-            <a:spLocks noGrp="1"/>
-          </p:cNvSpPr>
-          <p:nvPr>
-            <p:ph type="sldNum" sz="quarter" idx="12"/>
-          </p:nvPr>
-        </p:nvSpPr>
-        <p:spPr>
-          <a:xfrm>
-            <a:off x="11597268" y="6255991"/>
-            <a:ext cx="594731" cy="365125"/>
-          </a:xfrm>
-        </p:spPr>
-        <p:txBody>
-          <a:bodyPr/>
-          <a:lstStyle/>
-          <a:p>
-            <a:pPr algn="ctr"/>
-            <a:fld id="{52874D3B-0145-4B40-BC41-2631D243DCC0}" type="slidenum">
-              <a:rPr lang="en-US" smtClean="0">
-                <a:solidFill>
-                  <a:schemeClr val="bg1"/>
-                </a:solidFill>
-                <a:latin typeface="Arial" panose="020B0604020202020204" pitchFamily="34" charset="0"/>
-                <a:cs typeface="Arial" panose="020B0604020202020204" pitchFamily="34" charset="0"/>
-              </a:rPr>
-              <a:pPr algn="ctr"/>
-              <a:t>6</a:t>
-            </a:fld>
-            <a:endParaRPr lang="en-US" dirty="0">
-              <a:solidFill>
-                <a:schemeClr val="bg1"/>
-              </a:solidFill>
-              <a:latin typeface="Arial" panose="020B0604020202020204" pitchFamily="34" charset="0"/>
-              <a:cs typeface="Arial" panose="020B0604020202020204" pitchFamily="34" charset="0"/>
-            </a:endParaRPr>
-          </a:p>
-        </p:txBody>
-      </p:sp>
-      <p:sp>
-        <p:nvSpPr>
-          <p:cNvPr id="7" name="Satura vietturis 2">
-            <a:extLst>
-              <a:ext uri="{FF2B5EF4-FFF2-40B4-BE49-F238E27FC236}">
-                <a16:creationId xmlns:a16="http://schemas.microsoft.com/office/drawing/2014/main" xmlns="" id="{A7F5D4FD-C437-2842-8B4A-7CB97C8E65E9}"/>
-              </a:ext>
-            </a:extLst>
-          </p:cNvPr>
-          <p:cNvSpPr txBox="1">
-            <a:spLocks/>
-          </p:cNvSpPr>
-          <p:nvPr/>
-        </p:nvSpPr>
-        <p:spPr>
-          <a:xfrm>
-            <a:off x="418011" y="1449659"/>
-            <a:ext cx="5380623" cy="4419329"/>
+            <p:ph type="body" idx="4294967295"/>
+          </p:nvPr>
+        </p:nvSpPr>
+        <p:spPr>
+          <a:xfrm>
+            <a:off x="418011" y="1709530"/>
+            <a:ext cx="11618971" cy="4264549"/>
           </a:xfrm>
           <a:prstGeom prst="rect">
             <a:avLst/>
           </a:prstGeom>
+          <a:noFill/>
+          <a:ln>
+            <a:noFill/>
+          </a:ln>
         </p:spPr>
         <p:txBody>
-          <a:bodyPr vert="horz" lIns="91440" tIns="45720" rIns="91440" bIns="45720" rtlCol="0">
-            <a:normAutofit/>
+          <a:bodyPr spcFirstLastPara="1" wrap="square" lIns="72000" tIns="45700" rIns="144000" bIns="45700" anchor="t" anchorCtr="0">
+            <a:noAutofit/>
           </a:bodyPr>
-          <a:lstStyle>
-            <a:lvl1pPr marL="0" indent="0" algn="l" defTabSz="914400" rtl="0" eaLnBrk="1" latinLnBrk="0" hangingPunct="1">
+          <a:lstStyle/>
+          <a:p>
+            <a:pPr marL="0" lvl="0" indent="0" algn="l" rtl="0">
               <a:lnSpc>
                 <a:spcPct val="90000"/>
               </a:lnSpc>
               <a:spcBef>
                 <a:spcPts val="1000"/>
               </a:spcBef>
-              <a:buFont typeface="Arial" panose="020B0604020202020204" pitchFamily="34" charset="0"/>
+              <a:spcAft>
+                <a:spcPts val="0"/>
+              </a:spcAft>
+              <a:buClr>
+                <a:schemeClr val="dk1"/>
+              </a:buClr>
+              <a:buSzPts val="2400"/>
               <a:buNone/>
-              <a:defRPr sz="3200" kern="1200">
-                <a:solidFill>
-                  <a:schemeClr val="tx1"/>
-                </a:solidFill>
-                <a:latin typeface="+mn-lt"/>
-                <a:ea typeface="+mn-ea"/>
-                <a:cs typeface="+mn-cs"/>
-              </a:defRPr>
-            </a:lvl1pPr>
-            <a:lvl2pPr marL="457200" indent="0" algn="l" defTabSz="914400" rtl="0" eaLnBrk="1" latinLnBrk="0" hangingPunct="1">
+            </a:pPr>
+            <a:endParaRPr sz="2400" dirty="0">
+              <a:latin typeface="Arial"/>
+              <a:ea typeface="Arial"/>
+              <a:cs typeface="Arial"/>
+              <a:sym typeface="Arial"/>
+            </a:endParaRPr>
+          </a:p>
+          <a:p>
+            <a:pPr marL="0" lvl="0" indent="0" algn="l" rtl="0">
               <a:lnSpc>
                 <a:spcPct val="90000"/>
               </a:lnSpc>
               <a:spcBef>
-                <a:spcPts val="500"/>
+                <a:spcPts val="1000"/>
               </a:spcBef>
-              <a:buFont typeface="Arial" panose="020B0604020202020204" pitchFamily="34" charset="0"/>
+              <a:spcAft>
+                <a:spcPts val="0"/>
+              </a:spcAft>
+              <a:buClr>
+                <a:schemeClr val="dk1"/>
+              </a:buClr>
+              <a:buSzPts val="2400"/>
               <a:buNone/>
-              <a:defRPr sz="2800" kern="1200">
-                <a:solidFill>
-                  <a:schemeClr val="tx1"/>
-                </a:solidFill>
-                <a:latin typeface="+mn-lt"/>
-                <a:ea typeface="+mn-ea"/>
-                <a:cs typeface="+mn-cs"/>
-              </a:defRPr>
-            </a:lvl2pPr>
-            <a:lvl3pPr marL="914400" indent="0" algn="l" defTabSz="914400" rtl="0" eaLnBrk="1" latinLnBrk="0" hangingPunct="1">
-              <a:lnSpc>
-                <a:spcPct val="90000"/>
-              </a:lnSpc>
-              <a:spcBef>
-                <a:spcPts val="500"/>
-              </a:spcBef>
-              <a:buFont typeface="Arial" panose="020B0604020202020204" pitchFamily="34" charset="0"/>
-              <a:buNone/>
-              <a:defRPr sz="2400" kern="1200">
-                <a:solidFill>
-                  <a:schemeClr val="tx1"/>
-                </a:solidFill>
-                <a:latin typeface="+mn-lt"/>
-                <a:ea typeface="+mn-ea"/>
-                <a:cs typeface="+mn-cs"/>
-              </a:defRPr>
-            </a:lvl3pPr>
-            <a:lvl4pPr marL="1371600" indent="0" algn="l" defTabSz="914400" rtl="0" eaLnBrk="1" latinLnBrk="0" hangingPunct="1">
-              <a:lnSpc>
-                <a:spcPct val="90000"/>
-              </a:lnSpc>
-              <a:spcBef>
-                <a:spcPts val="500"/>
-              </a:spcBef>
-              <a:buFont typeface="Arial" panose="020B0604020202020204" pitchFamily="34" charset="0"/>
-              <a:buNone/>
-              <a:defRPr sz="2000" kern="1200">
-                <a:solidFill>
-                  <a:schemeClr val="tx1"/>
-                </a:solidFill>
-                <a:latin typeface="+mn-lt"/>
-                <a:ea typeface="+mn-ea"/>
-                <a:cs typeface="+mn-cs"/>
-              </a:defRPr>
-            </a:lvl4pPr>
-            <a:lvl5pPr marL="1828800" indent="0" algn="l" defTabSz="914400" rtl="0" eaLnBrk="1" latinLnBrk="0" hangingPunct="1">
-              <a:lnSpc>
-                <a:spcPct val="90000"/>
-              </a:lnSpc>
-              <a:spcBef>
-                <a:spcPts val="500"/>
-              </a:spcBef>
-              <a:buFont typeface="Arial" panose="020B0604020202020204" pitchFamily="34" charset="0"/>
-              <a:buNone/>
-              <a:defRPr sz="2000" kern="1200">
-                <a:solidFill>
-                  <a:schemeClr val="tx1"/>
-                </a:solidFill>
-                <a:latin typeface="+mn-lt"/>
-                <a:ea typeface="+mn-ea"/>
-                <a:cs typeface="+mn-cs"/>
-              </a:defRPr>
-            </a:lvl5pPr>
-            <a:lvl6pPr marL="2286000" indent="0" algn="l" defTabSz="914400" rtl="0" eaLnBrk="1" latinLnBrk="0" hangingPunct="1">
-              <a:lnSpc>
-                <a:spcPct val="90000"/>
-              </a:lnSpc>
-              <a:spcBef>
-                <a:spcPts val="500"/>
-              </a:spcBef>
-              <a:buFont typeface="Arial" panose="020B0604020202020204" pitchFamily="34" charset="0"/>
-              <a:buNone/>
-              <a:defRPr sz="2000" kern="1200">
-                <a:solidFill>
-                  <a:schemeClr val="tx1"/>
-                </a:solidFill>
-                <a:latin typeface="+mn-lt"/>
-                <a:ea typeface="+mn-ea"/>
-                <a:cs typeface="+mn-cs"/>
-              </a:defRPr>
-            </a:lvl6pPr>
-            <a:lvl7pPr marL="2743200" indent="0" algn="l" defTabSz="914400" rtl="0" eaLnBrk="1" latinLnBrk="0" hangingPunct="1">
-              <a:lnSpc>
-                <a:spcPct val="90000"/>
-              </a:lnSpc>
-              <a:spcBef>
-                <a:spcPts val="500"/>
-              </a:spcBef>
-              <a:buFont typeface="Arial" panose="020B0604020202020204" pitchFamily="34" charset="0"/>
-              <a:buNone/>
-              <a:defRPr sz="2000" kern="1200">
-                <a:solidFill>
-                  <a:schemeClr val="tx1"/>
-                </a:solidFill>
-                <a:latin typeface="+mn-lt"/>
-                <a:ea typeface="+mn-ea"/>
-                <a:cs typeface="+mn-cs"/>
-              </a:defRPr>
-            </a:lvl7pPr>
-            <a:lvl8pPr marL="3200400" indent="0" algn="l" defTabSz="914400" rtl="0" eaLnBrk="1" latinLnBrk="0" hangingPunct="1">
-              <a:lnSpc>
-                <a:spcPct val="90000"/>
-              </a:lnSpc>
-              <a:spcBef>
-                <a:spcPts val="500"/>
-              </a:spcBef>
-              <a:buFont typeface="Arial" panose="020B0604020202020204" pitchFamily="34" charset="0"/>
-              <a:buNone/>
-              <a:defRPr sz="2000" kern="1200">
-                <a:solidFill>
-                  <a:schemeClr val="tx1"/>
-                </a:solidFill>
-                <a:latin typeface="+mn-lt"/>
-                <a:ea typeface="+mn-ea"/>
-                <a:cs typeface="+mn-cs"/>
-              </a:defRPr>
-            </a:lvl8pPr>
-            <a:lvl9pPr marL="3657600" indent="0" algn="l" defTabSz="914400" rtl="0" eaLnBrk="1" latinLnBrk="0" hangingPunct="1">
-              <a:lnSpc>
-                <a:spcPct val="90000"/>
-              </a:lnSpc>
-              <a:spcBef>
-                <a:spcPts val="500"/>
-              </a:spcBef>
-              <a:buFont typeface="Arial" panose="020B0604020202020204" pitchFamily="34" charset="0"/>
-              <a:buNone/>
-              <a:defRPr sz="2000" kern="1200">
-                <a:solidFill>
-                  <a:schemeClr val="tx1"/>
-                </a:solidFill>
-                <a:latin typeface="+mn-lt"/>
-                <a:ea typeface="+mn-ea"/>
-                <a:cs typeface="+mn-cs"/>
-              </a:defRPr>
-            </a:lvl9pPr>
-          </a:lstStyle>
-          <a:p>
-            <a:pPr>
-              <a:lnSpc>
-                <a:spcPct val="100000"/>
-              </a:lnSpc>
-              <a:spcBef>
-                <a:spcPts val="600"/>
-              </a:spcBef>
             </a:pPr>
-            <a:r>
-              <a:rPr lang="lv-LV" sz="2800" dirty="0">
-                <a:latin typeface="Arial" panose="020B0604020202020204" pitchFamily="34" charset="0"/>
-                <a:cs typeface="Arial" panose="020B0604020202020204" pitchFamily="34" charset="0"/>
-              </a:rPr>
-              <a:t>Izvēles teksts </a:t>
-            </a:r>
-            <a:r>
-              <a:rPr lang="lv-LV" sz="2800" dirty="0" err="1">
-                <a:latin typeface="Arial" panose="020B0604020202020204" pitchFamily="34" charset="0"/>
-                <a:cs typeface="Arial" panose="020B0604020202020204" pitchFamily="34" charset="0"/>
-              </a:rPr>
-              <a:t>Arial</a:t>
-            </a:r>
-            <a:r>
-              <a:rPr lang="lv-LV" sz="2800" dirty="0">
-                <a:latin typeface="Arial" panose="020B0604020202020204" pitchFamily="34" charset="0"/>
-                <a:cs typeface="Arial" panose="020B0604020202020204" pitchFamily="34" charset="0"/>
-              </a:rPr>
-              <a:t> 28 </a:t>
-            </a:r>
-            <a:r>
-              <a:rPr lang="lv-LV" sz="2800" dirty="0" err="1">
-                <a:latin typeface="Arial" panose="020B0604020202020204" pitchFamily="34" charset="0"/>
-                <a:cs typeface="Arial" panose="020B0604020202020204" pitchFamily="34" charset="0"/>
-              </a:rPr>
-              <a:t>pt</a:t>
-            </a:r>
-            <a:r>
-              <a:rPr lang="lv-LV" sz="2800" dirty="0">
-                <a:latin typeface="Arial" panose="020B0604020202020204" pitchFamily="34" charset="0"/>
-                <a:cs typeface="Arial" panose="020B0604020202020204" pitchFamily="34" charset="0"/>
-              </a:rPr>
-              <a:t> melns </a:t>
-            </a:r>
+            <a:endParaRPr sz="2400" dirty="0">
+              <a:latin typeface="Arial"/>
+              <a:ea typeface="Arial"/>
+              <a:cs typeface="Arial"/>
+              <a:sym typeface="Arial"/>
+            </a:endParaRPr>
           </a:p>
         </p:txBody>
       </p:sp>
+      <p:graphicFrame>
+        <p:nvGraphicFramePr>
+          <p:cNvPr id="2" name="Table 2">
+            <a:extLst>
+              <a:ext uri="{FF2B5EF4-FFF2-40B4-BE49-F238E27FC236}">
+                <a16:creationId xmlns:a16="http://schemas.microsoft.com/office/drawing/2014/main" id="{3B464E8C-9BD6-4996-B98F-6F2F784D8240}"/>
+              </a:ext>
+            </a:extLst>
+          </p:cNvPr>
+          <p:cNvGraphicFramePr>
+            <a:graphicFrameLocks noGrp="1"/>
+          </p:cNvGraphicFramePr>
+          <p:nvPr>
+            <p:extLst>
+              <p:ext uri="{D42A27DB-BD31-4B8C-83A1-F6EECF244321}">
+                <p14:modId xmlns:p14="http://schemas.microsoft.com/office/powerpoint/2010/main" val="3002648821"/>
+              </p:ext>
+            </p:extLst>
+          </p:nvPr>
+        </p:nvGraphicFramePr>
+        <p:xfrm>
+          <a:off x="2032000" y="908105"/>
+          <a:ext cx="8128000" cy="5913120"/>
+        </p:xfrm>
+        <a:graphic>
+          <a:graphicData uri="http://schemas.openxmlformats.org/drawingml/2006/table">
+            <a:tbl>
+              <a:tblPr firstRow="1" bandRow="1">
+                <a:tableStyleId>{5C22544A-7EE6-4342-B048-85BDC9FD1C3A}</a:tableStyleId>
+              </a:tblPr>
+              <a:tblGrid>
+                <a:gridCol w="8128000">
+                  <a:extLst>
+                    <a:ext uri="{9D8B030D-6E8A-4147-A177-3AD203B41FA5}">
+                      <a16:colId xmlns:a16="http://schemas.microsoft.com/office/drawing/2014/main" val="753052942"/>
+                    </a:ext>
+                  </a:extLst>
+                </a:gridCol>
+              </a:tblGrid>
+              <a:tr h="5348856">
+                <a:tc>
+                  <a:txBody>
+                    <a:bodyPr/>
+                    <a:lstStyle/>
+                    <a:p>
+                      <a:r>
+                        <a:rPr lang="lv-LV" sz="1400" b="0" kern="1200" dirty="0">
+                          <a:solidFill>
+                            <a:schemeClr val="tx1"/>
+                          </a:solidFill>
+                          <a:effectLst/>
+                          <a:latin typeface="+mn-lt"/>
+                          <a:ea typeface="+mn-ea"/>
+                          <a:cs typeface="+mn-cs"/>
+                        </a:rPr>
+                        <a:t>{</a:t>
+                      </a:r>
+                    </a:p>
+                    <a:p>
+                      <a:r>
+                        <a:rPr lang="lv-LV" sz="1400" b="0" kern="1200" dirty="0">
+                          <a:solidFill>
+                            <a:schemeClr val="tx1"/>
+                          </a:solidFill>
+                          <a:effectLst/>
+                          <a:latin typeface="+mn-lt"/>
+                          <a:ea typeface="+mn-ea"/>
+                          <a:cs typeface="+mn-cs"/>
+                        </a:rPr>
+                        <a:t>    "</a:t>
+                      </a:r>
+                      <a:r>
+                        <a:rPr lang="lv-LV" sz="1400" b="0" kern="1200" dirty="0" err="1">
+                          <a:solidFill>
+                            <a:schemeClr val="tx1"/>
+                          </a:solidFill>
+                          <a:effectLst/>
+                          <a:latin typeface="+mn-lt"/>
+                          <a:ea typeface="+mn-ea"/>
+                          <a:cs typeface="+mn-cs"/>
+                        </a:rPr>
+                        <a:t>city</a:t>
+                      </a:r>
+                      <a:r>
+                        <a:rPr lang="lv-LV" sz="1400" b="0" kern="1200" dirty="0">
+                          <a:solidFill>
+                            <a:schemeClr val="tx1"/>
+                          </a:solidFill>
+                          <a:effectLst/>
+                          <a:latin typeface="+mn-lt"/>
+                          <a:ea typeface="+mn-ea"/>
+                          <a:cs typeface="+mn-cs"/>
+                        </a:rPr>
+                        <a:t>": {</a:t>
+                      </a:r>
+                    </a:p>
+                    <a:p>
+                      <a:r>
+                        <a:rPr lang="lv-LV" sz="1400" b="0" kern="1200" dirty="0">
+                          <a:solidFill>
+                            <a:schemeClr val="tx1"/>
+                          </a:solidFill>
+                          <a:effectLst/>
+                          <a:latin typeface="+mn-lt"/>
+                          <a:ea typeface="+mn-ea"/>
+                          <a:cs typeface="+mn-cs"/>
+                        </a:rPr>
+                        <a:t>        "</a:t>
+                      </a:r>
+                      <a:r>
+                        <a:rPr lang="lv-LV" sz="1400" b="0" kern="1200" dirty="0" err="1">
+                          <a:solidFill>
+                            <a:schemeClr val="tx1"/>
+                          </a:solidFill>
+                          <a:effectLst/>
+                          <a:latin typeface="+mn-lt"/>
+                          <a:ea typeface="+mn-ea"/>
+                          <a:cs typeface="+mn-cs"/>
+                        </a:rPr>
+                        <a:t>noun_class</a:t>
+                      </a:r>
+                      <a:r>
+                        <a:rPr lang="lv-LV" sz="1400" b="0" kern="1200" dirty="0">
+                          <a:solidFill>
+                            <a:schemeClr val="tx1"/>
+                          </a:solidFill>
+                          <a:effectLst/>
+                          <a:latin typeface="+mn-lt"/>
+                          <a:ea typeface="+mn-ea"/>
+                          <a:cs typeface="+mn-cs"/>
+                        </a:rPr>
+                        <a:t>": "</a:t>
+                      </a:r>
+                      <a:r>
+                        <a:rPr lang="lv-LV" sz="1400" b="0" kern="1200" dirty="0" err="1">
+                          <a:solidFill>
+                            <a:schemeClr val="tx1"/>
+                          </a:solidFill>
+                          <a:effectLst/>
+                          <a:latin typeface="+mn-lt"/>
+                          <a:ea typeface="+mn-ea"/>
+                          <a:cs typeface="+mn-cs"/>
+                        </a:rPr>
+                        <a:t>pi</a:t>
+                      </a:r>
+                      <a:r>
+                        <a:rPr lang="lv-LV" sz="1400" b="0" kern="1200" dirty="0">
+                          <a:solidFill>
+                            <a:schemeClr val="tx1"/>
+                          </a:solidFill>
+                          <a:effectLst/>
+                          <a:latin typeface="+mn-lt"/>
+                          <a:ea typeface="+mn-ea"/>
+                          <a:cs typeface="+mn-cs"/>
+                        </a:rPr>
+                        <a:t>",</a:t>
+                      </a:r>
+                    </a:p>
+                    <a:p>
+                      <a:r>
+                        <a:rPr lang="lv-LV" sz="1400" b="0" kern="1200" dirty="0">
+                          <a:solidFill>
+                            <a:schemeClr val="tx1"/>
+                          </a:solidFill>
+                          <a:effectLst/>
+                          <a:latin typeface="+mn-lt"/>
+                          <a:ea typeface="+mn-ea"/>
+                          <a:cs typeface="+mn-cs"/>
+                        </a:rPr>
+                        <a:t>        "</a:t>
+                      </a:r>
+                      <a:r>
+                        <a:rPr lang="lv-LV" sz="1400" b="0" kern="1200" dirty="0" err="1">
+                          <a:solidFill>
+                            <a:schemeClr val="tx1"/>
+                          </a:solidFill>
+                          <a:effectLst/>
+                          <a:latin typeface="+mn-lt"/>
+                          <a:ea typeface="+mn-ea"/>
+                          <a:cs typeface="+mn-cs"/>
+                        </a:rPr>
+                        <a:t>gender</a:t>
+                      </a:r>
+                      <a:r>
+                        <a:rPr lang="lv-LV" sz="1400" b="0" kern="1200" dirty="0">
+                          <a:solidFill>
+                            <a:schemeClr val="tx1"/>
+                          </a:solidFill>
+                          <a:effectLst/>
+                          <a:latin typeface="+mn-lt"/>
+                          <a:ea typeface="+mn-ea"/>
+                          <a:cs typeface="+mn-cs"/>
+                        </a:rPr>
+                        <a:t>": "s",</a:t>
+                      </a:r>
+                    </a:p>
+                    <a:p>
+                      <a:r>
+                        <a:rPr lang="lv-LV" sz="1400" b="0" kern="1200" dirty="0">
+                          <a:solidFill>
+                            <a:schemeClr val="tx1"/>
+                          </a:solidFill>
+                          <a:effectLst/>
+                          <a:latin typeface="+mn-lt"/>
+                          <a:ea typeface="+mn-ea"/>
+                          <a:cs typeface="+mn-cs"/>
+                        </a:rPr>
+                        <a:t>        "</a:t>
+                      </a:r>
+                      <a:r>
+                        <a:rPr lang="lv-LV" sz="1400" b="0" kern="1200" dirty="0" err="1">
+                          <a:solidFill>
+                            <a:schemeClr val="tx1"/>
+                          </a:solidFill>
+                          <a:effectLst/>
+                          <a:latin typeface="+mn-lt"/>
+                          <a:ea typeface="+mn-ea"/>
+                          <a:cs typeface="+mn-cs"/>
+                        </a:rPr>
+                        <a:t>raw_proper_noun_arr</a:t>
+                      </a:r>
+                      <a:r>
+                        <a:rPr lang="lv-LV" sz="1400" b="0" kern="1200" dirty="0">
+                          <a:solidFill>
+                            <a:schemeClr val="tx1"/>
+                          </a:solidFill>
+                          <a:effectLst/>
+                          <a:latin typeface="+mn-lt"/>
+                          <a:ea typeface="+mn-ea"/>
+                          <a:cs typeface="+mn-cs"/>
+                        </a:rPr>
+                        <a:t>": [</a:t>
+                      </a:r>
+                    </a:p>
+                    <a:p>
+                      <a:r>
+                        <a:rPr lang="lv-LV" sz="1400" b="0" kern="1200" dirty="0">
+                          <a:solidFill>
+                            <a:schemeClr val="tx1"/>
+                          </a:solidFill>
+                          <a:effectLst/>
+                          <a:latin typeface="+mn-lt"/>
+                          <a:ea typeface="+mn-ea"/>
+                          <a:cs typeface="+mn-cs"/>
+                        </a:rPr>
+                        <a:t>            "</a:t>
+                      </a:r>
+                      <a:r>
+                        <a:rPr lang="lv-LV" sz="1400" b="0" kern="1200" dirty="0" err="1">
+                          <a:solidFill>
+                            <a:schemeClr val="tx1"/>
+                          </a:solidFill>
+                          <a:effectLst/>
+                          <a:latin typeface="+mn-lt"/>
+                          <a:ea typeface="+mn-ea"/>
+                          <a:cs typeface="+mn-cs"/>
+                        </a:rPr>
+                        <a:t>dublin</a:t>
+                      </a:r>
+                      <a:r>
+                        <a:rPr lang="lv-LV" sz="1400" b="0" kern="1200" dirty="0">
+                          <a:solidFill>
+                            <a:schemeClr val="tx1"/>
+                          </a:solidFill>
+                          <a:effectLst/>
+                          <a:latin typeface="+mn-lt"/>
+                          <a:ea typeface="+mn-ea"/>
+                          <a:cs typeface="+mn-cs"/>
+                        </a:rPr>
+                        <a:t>"</a:t>
+                      </a:r>
+                    </a:p>
+                    <a:p>
+                      <a:r>
+                        <a:rPr lang="lv-LV" sz="1400" b="0" kern="1200" dirty="0">
+                          <a:solidFill>
+                            <a:schemeClr val="tx1"/>
+                          </a:solidFill>
+                          <a:effectLst/>
+                          <a:latin typeface="+mn-lt"/>
+                          <a:ea typeface="+mn-ea"/>
+                          <a:cs typeface="+mn-cs"/>
+                        </a:rPr>
+                        <a:t>        ]</a:t>
+                      </a:r>
+                    </a:p>
+                    <a:p>
+                      <a:r>
+                        <a:rPr lang="lv-LV" sz="1400" b="0" kern="1200" dirty="0">
+                          <a:solidFill>
+                            <a:schemeClr val="tx1"/>
+                          </a:solidFill>
+                          <a:effectLst/>
+                          <a:latin typeface="+mn-lt"/>
+                          <a:ea typeface="+mn-ea"/>
+                          <a:cs typeface="+mn-cs"/>
+                        </a:rPr>
+                        <a:t>    },</a:t>
+                      </a:r>
+                    </a:p>
+                    <a:p>
+                      <a:r>
+                        <a:rPr lang="lv-LV" sz="1400" b="0" kern="1200" dirty="0">
+                          <a:solidFill>
+                            <a:schemeClr val="tx1"/>
+                          </a:solidFill>
+                          <a:effectLst/>
+                          <a:latin typeface="+mn-lt"/>
+                          <a:ea typeface="+mn-ea"/>
+                          <a:cs typeface="+mn-cs"/>
+                        </a:rPr>
+                        <a:t>    "</a:t>
+                      </a:r>
+                      <a:r>
+                        <a:rPr lang="lv-LV" sz="1400" b="0" kern="1200" dirty="0" err="1">
+                          <a:solidFill>
+                            <a:schemeClr val="tx1"/>
+                          </a:solidFill>
+                          <a:effectLst/>
+                          <a:latin typeface="+mn-lt"/>
+                          <a:ea typeface="+mn-ea"/>
+                          <a:cs typeface="+mn-cs"/>
+                        </a:rPr>
+                        <a:t>person_male</a:t>
+                      </a:r>
+                      <a:r>
+                        <a:rPr lang="lv-LV" sz="1400" b="0" kern="1200" dirty="0">
+                          <a:solidFill>
+                            <a:schemeClr val="tx1"/>
+                          </a:solidFill>
+                          <a:effectLst/>
+                          <a:latin typeface="+mn-lt"/>
+                          <a:ea typeface="+mn-ea"/>
+                          <a:cs typeface="+mn-cs"/>
+                        </a:rPr>
+                        <a:t>": {</a:t>
+                      </a:r>
+                    </a:p>
+                    <a:p>
+                      <a:r>
+                        <a:rPr lang="lv-LV" sz="1400" b="0" kern="1200" dirty="0">
+                          <a:solidFill>
+                            <a:schemeClr val="tx1"/>
+                          </a:solidFill>
+                          <a:effectLst/>
+                          <a:latin typeface="+mn-lt"/>
+                          <a:ea typeface="+mn-ea"/>
+                          <a:cs typeface="+mn-cs"/>
+                        </a:rPr>
+                        <a:t>        "</a:t>
+                      </a:r>
+                      <a:r>
+                        <a:rPr lang="lv-LV" sz="1400" b="0" kern="1200" dirty="0" err="1">
+                          <a:solidFill>
+                            <a:schemeClr val="tx1"/>
+                          </a:solidFill>
+                          <a:effectLst/>
+                          <a:latin typeface="+mn-lt"/>
+                          <a:ea typeface="+mn-ea"/>
+                          <a:cs typeface="+mn-cs"/>
+                        </a:rPr>
+                        <a:t>noun_class</a:t>
+                      </a:r>
+                      <a:r>
+                        <a:rPr lang="lv-LV" sz="1400" b="0" kern="1200" dirty="0">
+                          <a:solidFill>
+                            <a:schemeClr val="tx1"/>
+                          </a:solidFill>
+                          <a:effectLst/>
+                          <a:latin typeface="+mn-lt"/>
+                          <a:ea typeface="+mn-ea"/>
+                          <a:cs typeface="+mn-cs"/>
+                        </a:rPr>
+                        <a:t>": "</a:t>
+                      </a:r>
+                      <a:r>
+                        <a:rPr lang="lv-LV" sz="1400" b="0" kern="1200" dirty="0" err="1">
+                          <a:solidFill>
+                            <a:schemeClr val="tx1"/>
+                          </a:solidFill>
+                          <a:effectLst/>
+                          <a:latin typeface="+mn-lt"/>
+                          <a:ea typeface="+mn-ea"/>
+                          <a:cs typeface="+mn-cs"/>
+                        </a:rPr>
+                        <a:t>pv</a:t>
+                      </a:r>
+                      <a:r>
+                        <a:rPr lang="lv-LV" sz="1400" b="0" kern="1200" dirty="0">
+                          <a:solidFill>
+                            <a:schemeClr val="tx1"/>
+                          </a:solidFill>
+                          <a:effectLst/>
+                          <a:latin typeface="+mn-lt"/>
+                          <a:ea typeface="+mn-ea"/>
+                          <a:cs typeface="+mn-cs"/>
+                        </a:rPr>
+                        <a:t>",</a:t>
+                      </a:r>
+                    </a:p>
+                    <a:p>
+                      <a:r>
+                        <a:rPr lang="lv-LV" sz="1400" b="0" kern="1200" dirty="0">
+                          <a:solidFill>
+                            <a:schemeClr val="tx1"/>
+                          </a:solidFill>
+                          <a:effectLst/>
+                          <a:latin typeface="+mn-lt"/>
+                          <a:ea typeface="+mn-ea"/>
+                          <a:cs typeface="+mn-cs"/>
+                        </a:rPr>
+                        <a:t>        "</a:t>
+                      </a:r>
+                      <a:r>
+                        <a:rPr lang="lv-LV" sz="1400" b="0" kern="1200" dirty="0" err="1">
+                          <a:solidFill>
+                            <a:schemeClr val="tx1"/>
+                          </a:solidFill>
+                          <a:effectLst/>
+                          <a:latin typeface="+mn-lt"/>
+                          <a:ea typeface="+mn-ea"/>
+                          <a:cs typeface="+mn-cs"/>
+                        </a:rPr>
+                        <a:t>gender</a:t>
+                      </a:r>
+                      <a:r>
+                        <a:rPr lang="lv-LV" sz="1400" b="0" kern="1200" dirty="0">
+                          <a:solidFill>
+                            <a:schemeClr val="tx1"/>
+                          </a:solidFill>
+                          <a:effectLst/>
+                          <a:latin typeface="+mn-lt"/>
+                          <a:ea typeface="+mn-ea"/>
+                          <a:cs typeface="+mn-cs"/>
+                        </a:rPr>
+                        <a:t>": "v",</a:t>
+                      </a:r>
+                    </a:p>
+                    <a:p>
+                      <a:r>
+                        <a:rPr lang="lv-LV" sz="1400" b="0" kern="1200" dirty="0">
+                          <a:solidFill>
+                            <a:schemeClr val="tx1"/>
+                          </a:solidFill>
+                          <a:effectLst/>
+                          <a:latin typeface="+mn-lt"/>
+                          <a:ea typeface="+mn-ea"/>
+                          <a:cs typeface="+mn-cs"/>
+                        </a:rPr>
+                        <a:t>        "</a:t>
+                      </a:r>
+                      <a:r>
+                        <a:rPr lang="lv-LV" sz="1400" b="0" kern="1200" dirty="0" err="1">
+                          <a:solidFill>
+                            <a:schemeClr val="tx1"/>
+                          </a:solidFill>
+                          <a:effectLst/>
+                          <a:latin typeface="+mn-lt"/>
+                          <a:ea typeface="+mn-ea"/>
+                          <a:cs typeface="+mn-cs"/>
+                        </a:rPr>
+                        <a:t>raw_proper_noun_arr</a:t>
+                      </a:r>
+                      <a:r>
+                        <a:rPr lang="lv-LV" sz="1400" b="0" kern="1200" dirty="0">
+                          <a:solidFill>
+                            <a:schemeClr val="tx1"/>
+                          </a:solidFill>
+                          <a:effectLst/>
+                          <a:latin typeface="+mn-lt"/>
+                          <a:ea typeface="+mn-ea"/>
+                          <a:cs typeface="+mn-cs"/>
+                        </a:rPr>
+                        <a:t>": [</a:t>
+                      </a:r>
+                    </a:p>
+                    <a:p>
+                      <a:r>
+                        <a:rPr lang="lv-LV" sz="1400" b="0" kern="1200" dirty="0">
+                          <a:solidFill>
+                            <a:schemeClr val="tx1"/>
+                          </a:solidFill>
+                          <a:effectLst/>
+                          <a:latin typeface="+mn-lt"/>
+                          <a:ea typeface="+mn-ea"/>
+                          <a:cs typeface="+mn-cs"/>
+                        </a:rPr>
+                        <a:t>            </a:t>
+                      </a:r>
+                    </a:p>
+                    <a:p>
+                      <a:r>
+                        <a:rPr lang="lv-LV" sz="1400" b="0" kern="1200" dirty="0">
+                          <a:solidFill>
+                            <a:schemeClr val="tx1"/>
+                          </a:solidFill>
+                          <a:effectLst/>
+                          <a:latin typeface="+mn-lt"/>
+                          <a:ea typeface="+mn-ea"/>
+                          <a:cs typeface="+mn-cs"/>
+                        </a:rPr>
+                        <a:t>        ]</a:t>
+                      </a:r>
+                    </a:p>
+                    <a:p>
+                      <a:r>
+                        <a:rPr lang="lv-LV" sz="1400" b="0" kern="1200" dirty="0">
+                          <a:solidFill>
+                            <a:schemeClr val="tx1"/>
+                          </a:solidFill>
+                          <a:effectLst/>
+                          <a:latin typeface="+mn-lt"/>
+                          <a:ea typeface="+mn-ea"/>
+                          <a:cs typeface="+mn-cs"/>
+                        </a:rPr>
+                        <a:t>    },</a:t>
+                      </a:r>
+                    </a:p>
+                    <a:p>
+                      <a:r>
+                        <a:rPr lang="lv-LV" sz="1400" b="0" kern="1200" dirty="0">
+                          <a:solidFill>
+                            <a:schemeClr val="tx1"/>
+                          </a:solidFill>
+                          <a:effectLst/>
+                          <a:latin typeface="+mn-lt"/>
+                          <a:ea typeface="+mn-ea"/>
+                          <a:cs typeface="+mn-cs"/>
+                        </a:rPr>
+                        <a:t>    "</a:t>
+                      </a:r>
+                      <a:r>
+                        <a:rPr lang="lv-LV" sz="1400" b="0" kern="1200" dirty="0" err="1">
+                          <a:solidFill>
+                            <a:schemeClr val="tx1"/>
+                          </a:solidFill>
+                          <a:effectLst/>
+                          <a:latin typeface="+mn-lt"/>
+                          <a:ea typeface="+mn-ea"/>
+                          <a:cs typeface="+mn-cs"/>
+                        </a:rPr>
+                        <a:t>person_female</a:t>
+                      </a:r>
+                      <a:r>
+                        <a:rPr lang="lv-LV" sz="1400" b="0" kern="1200" dirty="0">
+                          <a:solidFill>
+                            <a:schemeClr val="tx1"/>
+                          </a:solidFill>
+                          <a:effectLst/>
+                          <a:latin typeface="+mn-lt"/>
+                          <a:ea typeface="+mn-ea"/>
+                          <a:cs typeface="+mn-cs"/>
+                        </a:rPr>
+                        <a:t>": {</a:t>
+                      </a:r>
+                    </a:p>
+                    <a:p>
+                      <a:r>
+                        <a:rPr lang="lv-LV" sz="1400" b="0" kern="1200" dirty="0">
+                          <a:solidFill>
+                            <a:schemeClr val="tx1"/>
+                          </a:solidFill>
+                          <a:effectLst/>
+                          <a:latin typeface="+mn-lt"/>
+                          <a:ea typeface="+mn-ea"/>
+                          <a:cs typeface="+mn-cs"/>
+                        </a:rPr>
+                        <a:t>        "</a:t>
+                      </a:r>
+                      <a:r>
+                        <a:rPr lang="lv-LV" sz="1400" b="0" kern="1200" dirty="0" err="1">
+                          <a:solidFill>
+                            <a:schemeClr val="tx1"/>
+                          </a:solidFill>
+                          <a:effectLst/>
+                          <a:latin typeface="+mn-lt"/>
+                          <a:ea typeface="+mn-ea"/>
+                          <a:cs typeface="+mn-cs"/>
+                        </a:rPr>
+                        <a:t>noun_class</a:t>
+                      </a:r>
+                      <a:r>
+                        <a:rPr lang="lv-LV" sz="1400" b="0" kern="1200" dirty="0">
+                          <a:solidFill>
+                            <a:schemeClr val="tx1"/>
+                          </a:solidFill>
+                          <a:effectLst/>
+                          <a:latin typeface="+mn-lt"/>
+                          <a:ea typeface="+mn-ea"/>
+                          <a:cs typeface="+mn-cs"/>
+                        </a:rPr>
+                        <a:t>": "</a:t>
+                      </a:r>
+                      <a:r>
+                        <a:rPr lang="lv-LV" sz="1400" b="0" kern="1200" dirty="0" err="1">
+                          <a:solidFill>
+                            <a:schemeClr val="tx1"/>
+                          </a:solidFill>
+                          <a:effectLst/>
+                          <a:latin typeface="+mn-lt"/>
+                          <a:ea typeface="+mn-ea"/>
+                          <a:cs typeface="+mn-cs"/>
+                        </a:rPr>
+                        <a:t>pv</a:t>
+                      </a:r>
+                      <a:r>
+                        <a:rPr lang="lv-LV" sz="1400" b="0" kern="1200" dirty="0">
+                          <a:solidFill>
+                            <a:schemeClr val="tx1"/>
+                          </a:solidFill>
+                          <a:effectLst/>
+                          <a:latin typeface="+mn-lt"/>
+                          <a:ea typeface="+mn-ea"/>
+                          <a:cs typeface="+mn-cs"/>
+                        </a:rPr>
+                        <a:t>",</a:t>
+                      </a:r>
+                    </a:p>
+                    <a:p>
+                      <a:r>
+                        <a:rPr lang="lv-LV" sz="1400" b="0" kern="1200" dirty="0">
+                          <a:solidFill>
+                            <a:schemeClr val="tx1"/>
+                          </a:solidFill>
+                          <a:effectLst/>
+                          <a:latin typeface="+mn-lt"/>
+                          <a:ea typeface="+mn-ea"/>
+                          <a:cs typeface="+mn-cs"/>
+                        </a:rPr>
+                        <a:t>        "</a:t>
+                      </a:r>
+                      <a:r>
+                        <a:rPr lang="lv-LV" sz="1400" b="0" kern="1200" dirty="0" err="1">
+                          <a:solidFill>
+                            <a:schemeClr val="tx1"/>
+                          </a:solidFill>
+                          <a:effectLst/>
+                          <a:latin typeface="+mn-lt"/>
+                          <a:ea typeface="+mn-ea"/>
+                          <a:cs typeface="+mn-cs"/>
+                        </a:rPr>
+                        <a:t>gender</a:t>
+                      </a:r>
+                      <a:r>
+                        <a:rPr lang="lv-LV" sz="1400" b="0" kern="1200" dirty="0">
+                          <a:solidFill>
+                            <a:schemeClr val="tx1"/>
+                          </a:solidFill>
+                          <a:effectLst/>
+                          <a:latin typeface="+mn-lt"/>
+                          <a:ea typeface="+mn-ea"/>
+                          <a:cs typeface="+mn-cs"/>
+                        </a:rPr>
+                        <a:t>": "s",</a:t>
+                      </a:r>
+                    </a:p>
+                    <a:p>
+                      <a:r>
+                        <a:rPr lang="lv-LV" sz="1400" b="0" kern="1200" dirty="0">
+                          <a:solidFill>
+                            <a:schemeClr val="tx1"/>
+                          </a:solidFill>
+                          <a:effectLst/>
+                          <a:latin typeface="+mn-lt"/>
+                          <a:ea typeface="+mn-ea"/>
+                          <a:cs typeface="+mn-cs"/>
+                        </a:rPr>
+                        <a:t>        "</a:t>
+                      </a:r>
+                      <a:r>
+                        <a:rPr lang="lv-LV" sz="1400" b="0" kern="1200" dirty="0" err="1">
+                          <a:solidFill>
+                            <a:schemeClr val="tx1"/>
+                          </a:solidFill>
+                          <a:effectLst/>
+                          <a:latin typeface="+mn-lt"/>
+                          <a:ea typeface="+mn-ea"/>
+                          <a:cs typeface="+mn-cs"/>
+                        </a:rPr>
+                        <a:t>raw_proper_noun_arr</a:t>
+                      </a:r>
+                      <a:r>
+                        <a:rPr lang="lv-LV" sz="1400" b="0" kern="1200" dirty="0">
+                          <a:solidFill>
+                            <a:schemeClr val="tx1"/>
+                          </a:solidFill>
+                          <a:effectLst/>
+                          <a:latin typeface="+mn-lt"/>
+                          <a:ea typeface="+mn-ea"/>
+                          <a:cs typeface="+mn-cs"/>
+                        </a:rPr>
+                        <a:t>": [</a:t>
+                      </a:r>
+                    </a:p>
+                    <a:p>
+                      <a:r>
+                        <a:rPr lang="lv-LV" sz="1400" b="0" kern="1200" dirty="0">
+                          <a:solidFill>
+                            <a:schemeClr val="tx1"/>
+                          </a:solidFill>
+                          <a:effectLst/>
+                          <a:latin typeface="+mn-lt"/>
+                          <a:ea typeface="+mn-ea"/>
+                          <a:cs typeface="+mn-cs"/>
+                        </a:rPr>
+                        <a:t>            "</a:t>
+                      </a:r>
+                      <a:r>
+                        <a:rPr lang="lv-LV" sz="1400" b="0" kern="1200" dirty="0" err="1">
+                          <a:solidFill>
+                            <a:schemeClr val="tx1"/>
+                          </a:solidFill>
+                          <a:effectLst/>
+                          <a:latin typeface="+mn-lt"/>
+                          <a:ea typeface="+mn-ea"/>
+                          <a:cs typeface="+mn-cs"/>
+                        </a:rPr>
+                        <a:t>angelina</a:t>
+                      </a:r>
+                      <a:r>
+                        <a:rPr lang="lv-LV" sz="1400" b="0" kern="1200" dirty="0">
+                          <a:solidFill>
+                            <a:schemeClr val="tx1"/>
+                          </a:solidFill>
+                          <a:effectLst/>
+                          <a:latin typeface="+mn-lt"/>
+                          <a:ea typeface="+mn-ea"/>
+                          <a:cs typeface="+mn-cs"/>
+                        </a:rPr>
+                        <a:t> </a:t>
+                      </a:r>
+                      <a:r>
+                        <a:rPr lang="lv-LV" sz="1400" b="0" kern="1200" dirty="0" err="1">
+                          <a:solidFill>
+                            <a:schemeClr val="tx1"/>
+                          </a:solidFill>
+                          <a:effectLst/>
+                          <a:latin typeface="+mn-lt"/>
+                          <a:ea typeface="+mn-ea"/>
+                          <a:cs typeface="+mn-cs"/>
+                        </a:rPr>
+                        <a:t>jolie</a:t>
+                      </a:r>
+                      <a:r>
+                        <a:rPr lang="lv-LV" sz="1400" b="0" kern="1200" dirty="0">
+                          <a:solidFill>
+                            <a:schemeClr val="tx1"/>
+                          </a:solidFill>
+                          <a:effectLst/>
+                          <a:latin typeface="+mn-lt"/>
+                          <a:ea typeface="+mn-ea"/>
+                          <a:cs typeface="+mn-cs"/>
+                        </a:rPr>
+                        <a:t>",</a:t>
+                      </a:r>
+                    </a:p>
+                    <a:p>
+                      <a:r>
+                        <a:rPr lang="lv-LV" sz="1400" b="0" kern="1200" dirty="0">
+                          <a:solidFill>
+                            <a:schemeClr val="tx1"/>
+                          </a:solidFill>
+                          <a:effectLst/>
+                          <a:latin typeface="+mn-lt"/>
+                          <a:ea typeface="+mn-ea"/>
+                          <a:cs typeface="+mn-cs"/>
+                        </a:rPr>
+                        <a:t>            "</a:t>
+                      </a:r>
+                      <a:r>
+                        <a:rPr lang="lv-LV" sz="1400" b="0" kern="1200" dirty="0" err="1">
+                          <a:solidFill>
+                            <a:schemeClr val="tx1"/>
+                          </a:solidFill>
+                          <a:effectLst/>
+                          <a:latin typeface="+mn-lt"/>
+                          <a:ea typeface="+mn-ea"/>
+                          <a:cs typeface="+mn-cs"/>
+                        </a:rPr>
+                        <a:t>scarlett</a:t>
+                      </a:r>
+                      <a:r>
+                        <a:rPr lang="lv-LV" sz="1400" b="0" kern="1200" dirty="0">
+                          <a:solidFill>
+                            <a:schemeClr val="tx1"/>
+                          </a:solidFill>
+                          <a:effectLst/>
+                          <a:latin typeface="+mn-lt"/>
+                          <a:ea typeface="+mn-ea"/>
+                          <a:cs typeface="+mn-cs"/>
+                        </a:rPr>
+                        <a:t> </a:t>
+                      </a:r>
+                      <a:r>
+                        <a:rPr lang="lv-LV" sz="1400" b="0" kern="1200" dirty="0" err="1">
+                          <a:solidFill>
+                            <a:schemeClr val="tx1"/>
+                          </a:solidFill>
+                          <a:effectLst/>
+                          <a:latin typeface="+mn-lt"/>
+                          <a:ea typeface="+mn-ea"/>
+                          <a:cs typeface="+mn-cs"/>
+                        </a:rPr>
+                        <a:t>johansson</a:t>
+                      </a:r>
+                      <a:r>
+                        <a:rPr lang="lv-LV" sz="1400" b="0" kern="1200" dirty="0">
+                          <a:solidFill>
+                            <a:schemeClr val="tx1"/>
+                          </a:solidFill>
+                          <a:effectLst/>
+                          <a:latin typeface="+mn-lt"/>
+                          <a:ea typeface="+mn-ea"/>
+                          <a:cs typeface="+mn-cs"/>
+                        </a:rPr>
+                        <a:t>",</a:t>
+                      </a:r>
+                    </a:p>
+                    <a:p>
+                      <a:r>
+                        <a:rPr lang="lv-LV" sz="1400" b="0" kern="1200" dirty="0">
+                          <a:solidFill>
+                            <a:schemeClr val="tx1"/>
+                          </a:solidFill>
+                          <a:effectLst/>
+                          <a:latin typeface="+mn-lt"/>
+                          <a:ea typeface="+mn-ea"/>
+                          <a:cs typeface="+mn-cs"/>
+                        </a:rPr>
+                        <a:t>            "</a:t>
+                      </a:r>
+                      <a:r>
+                        <a:rPr lang="lv-LV" sz="1400" b="0" kern="1200" dirty="0" err="1">
+                          <a:solidFill>
+                            <a:schemeClr val="tx1"/>
+                          </a:solidFill>
+                          <a:effectLst/>
+                          <a:latin typeface="+mn-lt"/>
+                          <a:ea typeface="+mn-ea"/>
+                          <a:cs typeface="+mn-cs"/>
+                        </a:rPr>
+                        <a:t>adele</a:t>
+                      </a:r>
+                      <a:r>
+                        <a:rPr lang="lv-LV" sz="1400" b="0" kern="1200" dirty="0">
+                          <a:solidFill>
+                            <a:schemeClr val="tx1"/>
+                          </a:solidFill>
+                          <a:effectLst/>
+                          <a:latin typeface="+mn-lt"/>
+                          <a:ea typeface="+mn-ea"/>
+                          <a:cs typeface="+mn-cs"/>
+                        </a:rPr>
+                        <a:t>",</a:t>
+                      </a:r>
+                    </a:p>
+                    <a:p>
+                      <a:r>
+                        <a:rPr lang="lv-LV" sz="1400" b="0" kern="1200" dirty="0">
+                          <a:solidFill>
+                            <a:schemeClr val="tx1"/>
+                          </a:solidFill>
+                          <a:effectLst/>
+                          <a:latin typeface="+mn-lt"/>
+                          <a:ea typeface="+mn-ea"/>
+                          <a:cs typeface="+mn-cs"/>
+                        </a:rPr>
+                        <a:t>            "</a:t>
+                      </a:r>
+                      <a:r>
+                        <a:rPr lang="lv-LV" sz="1400" b="0" kern="1200" dirty="0" err="1">
+                          <a:solidFill>
+                            <a:schemeClr val="tx1"/>
+                          </a:solidFill>
+                          <a:effectLst/>
+                          <a:latin typeface="+mn-lt"/>
+                          <a:ea typeface="+mn-ea"/>
+                          <a:cs typeface="+mn-cs"/>
+                        </a:rPr>
+                        <a:t>rihanna</a:t>
+                      </a:r>
+                      <a:r>
+                        <a:rPr lang="lv-LV" sz="1400" b="0" kern="1200" dirty="0">
+                          <a:solidFill>
+                            <a:schemeClr val="tx1"/>
+                          </a:solidFill>
+                          <a:effectLst/>
+                          <a:latin typeface="+mn-lt"/>
+                          <a:ea typeface="+mn-ea"/>
+                          <a:cs typeface="+mn-cs"/>
+                        </a:rPr>
+                        <a:t>"</a:t>
+                      </a:r>
+                    </a:p>
+                    <a:p>
+                      <a:r>
+                        <a:rPr lang="lv-LV" sz="1400" b="0" kern="1200" dirty="0">
+                          <a:solidFill>
+                            <a:schemeClr val="tx1"/>
+                          </a:solidFill>
+                          <a:effectLst/>
+                          <a:latin typeface="+mn-lt"/>
+                          <a:ea typeface="+mn-ea"/>
+                          <a:cs typeface="+mn-cs"/>
+                        </a:rPr>
+                        <a:t>        ]</a:t>
+                      </a:r>
+                    </a:p>
+                    <a:p>
+                      <a:r>
+                        <a:rPr lang="lv-LV" sz="1400" b="0" kern="1200" dirty="0">
+                          <a:solidFill>
+                            <a:schemeClr val="tx1"/>
+                          </a:solidFill>
+                          <a:effectLst/>
+                          <a:latin typeface="+mn-lt"/>
+                          <a:ea typeface="+mn-ea"/>
+                          <a:cs typeface="+mn-cs"/>
+                        </a:rPr>
+                        <a:t>    }</a:t>
+                      </a:r>
+                    </a:p>
+                    <a:p>
+                      <a:r>
+                        <a:rPr lang="lv-LV" sz="1400" b="0" kern="1200" dirty="0">
+                          <a:solidFill>
+                            <a:schemeClr val="tx1"/>
+                          </a:solidFill>
+                          <a:effectLst/>
+                          <a:latin typeface="+mn-lt"/>
+                          <a:ea typeface="+mn-ea"/>
+                          <a:cs typeface="+mn-cs"/>
+                        </a:rPr>
+                        <a:t>}</a:t>
+                      </a:r>
+                    </a:p>
+                    <a:p>
+                      <a:endParaRPr lang="lv-LV" dirty="0">
+                        <a:solidFill>
+                          <a:schemeClr val="tx1"/>
+                        </a:solidFill>
+                      </a:endParaRPr>
+                    </a:p>
+                  </a:txBody>
+                  <a:tcPr>
+                    <a:lnL w="12700" cap="flat" cmpd="sng" algn="ctr">
+                      <a:solidFill>
+                        <a:schemeClr val="tx1"/>
+                      </a:solidFill>
+                      <a:prstDash val="solid"/>
+                      <a:round/>
+                      <a:headEnd type="none" w="med" len="med"/>
+                      <a:tailEnd type="none" w="med" len="med"/>
+                    </a:lnL>
+                    <a:lnR w="12700" cap="flat" cmpd="sng" algn="ctr">
+                      <a:solidFill>
+                        <a:schemeClr val="tx1"/>
+                      </a:solidFill>
+                      <a:prstDash val="solid"/>
+                      <a:round/>
+                      <a:headEnd type="none" w="med" len="med"/>
+                      <a:tailEnd type="none" w="med" len="med"/>
+                    </a:lnR>
+                    <a:lnT w="12700" cap="flat" cmpd="sng" algn="ctr">
+                      <a:solidFill>
+                        <a:schemeClr val="tx1"/>
+                      </a:solidFill>
+                      <a:prstDash val="solid"/>
+                      <a:round/>
+                      <a:headEnd type="none" w="med" len="med"/>
+                      <a:tailEnd type="none" w="med" len="med"/>
+                    </a:lnT>
+                    <a:lnB w="12700" cap="flat" cmpd="sng" algn="ctr">
+                      <a:solidFill>
+                        <a:schemeClr val="tx1"/>
+                      </a:solidFill>
+                      <a:prstDash val="solid"/>
+                      <a:round/>
+                      <a:headEnd type="none" w="med" len="med"/>
+                      <a:tailEnd type="none" w="med" len="med"/>
+                    </a:lnB>
+                    <a:solidFill>
+                      <a:schemeClr val="bg1"/>
+                    </a:solidFill>
+                  </a:tcPr>
+                </a:tc>
+                <a:extLst>
+                  <a:ext uri="{0D108BD9-81ED-4DB2-BD59-A6C34878D82A}">
+                    <a16:rowId xmlns:a16="http://schemas.microsoft.com/office/drawing/2014/main" val="1748029898"/>
+                  </a:ext>
+                </a:extLst>
+              </a:tr>
+            </a:tbl>
+          </a:graphicData>
+        </a:graphic>
+      </p:graphicFrame>
     </p:spTree>
     <p:extLst>
       <p:ext uri="{BB962C8B-B14F-4D97-AF65-F5344CB8AC3E}">
-        <p14:creationId xmlns:p14="http://schemas.microsoft.com/office/powerpoint/2010/main" val="3579610437"/>
+        <p14:creationId xmlns:p14="http://schemas.microsoft.com/office/powerpoint/2010/main" val="1680134145"/>
       </p:ext>
     </p:extLst>
   </p:cSld>
@@ -5657,10 +8303,10 @@
       </p:grpSpPr>
       <p:sp>
         <p:nvSpPr>
-          <p:cNvPr id="3" name="Picture Placeholder 2">
+          <p:cNvPr id="2" name="Title 1">
             <a:extLst>
               <a:ext uri="{FF2B5EF4-FFF2-40B4-BE49-F238E27FC236}">
-                <a16:creationId xmlns:a16="http://schemas.microsoft.com/office/drawing/2014/main" xmlns="" id="{2C9BAE20-5564-0E4D-B333-CA97A52D2B69}"/>
+                <a16:creationId xmlns:a16="http://schemas.microsoft.com/office/drawing/2014/main" id="{61AD6E7B-050D-0A4C-8CE8-2A62913F6CB9}"/>
               </a:ext>
             </a:extLst>
           </p:cNvPr>
@@ -5668,36 +8314,13 @@
             <a:spLocks noGrp="1"/>
           </p:cNvSpPr>
           <p:nvPr>
-            <p:ph type="pic" idx="1"/>
-          </p:nvPr>
-        </p:nvSpPr>
-        <p:spPr>
-          <a:xfrm>
-            <a:off x="510988" y="1228165"/>
-            <a:ext cx="11143130" cy="4632885"/>
-          </a:xfrm>
-        </p:spPr>
-      </p:sp>
-      <p:sp>
-        <p:nvSpPr>
-          <p:cNvPr id="5" name="Slide Number Placeholder 4">
-            <a:extLst>
-              <a:ext uri="{FF2B5EF4-FFF2-40B4-BE49-F238E27FC236}">
-                <a16:creationId xmlns:a16="http://schemas.microsoft.com/office/drawing/2014/main" xmlns="" id="{F7A499E6-5574-0249-8D94-8B41521F33AD}"/>
-              </a:ext>
-            </a:extLst>
-          </p:cNvPr>
-          <p:cNvSpPr>
-            <a:spLocks noGrp="1"/>
-          </p:cNvSpPr>
-          <p:nvPr>
-            <p:ph type="sldNum" sz="quarter" idx="12"/>
-          </p:nvPr>
-        </p:nvSpPr>
-        <p:spPr>
-          <a:xfrm>
-            <a:off x="11654118" y="6257735"/>
-            <a:ext cx="537882" cy="365125"/>
+            <p:ph type="title"/>
+          </p:nvPr>
+        </p:nvSpPr>
+        <p:spPr>
+          <a:xfrm>
+            <a:off x="385482" y="914399"/>
+            <a:ext cx="5253317" cy="2805954"/>
           </a:xfrm>
         </p:spPr>
         <p:txBody>
@@ -5705,70 +8328,6 @@
           <a:lstStyle/>
           <a:p>
             <a:pPr algn="ctr"/>
-            <a:fld id="{52874D3B-0145-4B40-BC41-2631D243DCC0}" type="slidenum">
-              <a:rPr lang="en-US" smtClean="0">
-                <a:solidFill>
-                  <a:schemeClr val="bg1"/>
-                </a:solidFill>
-              </a:rPr>
-              <a:pPr algn="ctr"/>
-              <a:t>7</a:t>
-            </a:fld>
-            <a:endParaRPr lang="en-US" dirty="0">
-              <a:solidFill>
-                <a:schemeClr val="bg1"/>
-              </a:solidFill>
-            </a:endParaRPr>
-          </a:p>
-        </p:txBody>
-      </p:sp>
-      <p:sp>
-        <p:nvSpPr>
-          <p:cNvPr id="6" name="Title 1">
-            <a:extLst>
-              <a:ext uri="{FF2B5EF4-FFF2-40B4-BE49-F238E27FC236}">
-                <a16:creationId xmlns:a16="http://schemas.microsoft.com/office/drawing/2014/main" xmlns="" id="{4402F5D0-64FA-E548-8512-33885AC9E3F5}"/>
-              </a:ext>
-            </a:extLst>
-          </p:cNvPr>
-          <p:cNvSpPr txBox="1">
-            <a:spLocks/>
-          </p:cNvSpPr>
-          <p:nvPr/>
-        </p:nvSpPr>
-        <p:spPr>
-          <a:xfrm>
-            <a:off x="401444" y="457200"/>
-            <a:ext cx="5658044" cy="613317"/>
-          </a:xfrm>
-          <a:prstGeom prst="rect">
-            <a:avLst/>
-          </a:prstGeom>
-        </p:spPr>
-        <p:txBody>
-          <a:bodyPr>
-            <a:noAutofit/>
-          </a:bodyPr>
-          <a:lstStyle>
-            <a:lvl1pPr algn="l" defTabSz="914400" rtl="0" eaLnBrk="1" latinLnBrk="0" hangingPunct="1">
-              <a:lnSpc>
-                <a:spcPct val="90000"/>
-              </a:lnSpc>
-              <a:spcBef>
-                <a:spcPct val="0"/>
-              </a:spcBef>
-              <a:buNone/>
-              <a:defRPr sz="4400" b="1" kern="1200">
-                <a:solidFill>
-                  <a:schemeClr val="tx1"/>
-                </a:solidFill>
-                <a:latin typeface="+mj-lt"/>
-                <a:ea typeface="+mj-ea"/>
-                <a:cs typeface="+mj-cs"/>
-              </a:defRPr>
-            </a:lvl1pPr>
-          </a:lstStyle>
-          <a:p>
             <a:r>
               <a:rPr lang="lv-LV" dirty="0">
                 <a:solidFill>
@@ -5777,583 +8336,7 @@
                 <a:latin typeface="Arial" panose="020B0604020202020204" pitchFamily="34" charset="0"/>
                 <a:cs typeface="Arial" panose="020B0604020202020204" pitchFamily="34" charset="0"/>
               </a:rPr>
-              <a:t>Foto virsraksts</a:t>
-            </a:r>
-            <a:endParaRPr lang="en-US" dirty="0"/>
-          </a:p>
-        </p:txBody>
-      </p:sp>
-    </p:spTree>
-    <p:extLst>
-      <p:ext uri="{BB962C8B-B14F-4D97-AF65-F5344CB8AC3E}">
-        <p14:creationId xmlns:p14="http://schemas.microsoft.com/office/powerpoint/2010/main" val="1720940611"/>
-      </p:ext>
-    </p:extLst>
-  </p:cSld>
-  <p:clrMapOvr>
-    <a:masterClrMapping/>
-  </p:clrMapOvr>
-</p:sld>
-</file>
-
-<file path=ppt/slides/slide8.xml><?xml version="1.0" encoding="utf-8"?>
-<p:sld xmlns:a="http://schemas.openxmlformats.org/drawingml/2006/main" xmlns:r="http://schemas.openxmlformats.org/officeDocument/2006/relationships" xmlns:p="http://schemas.openxmlformats.org/presentationml/2006/main">
-  <p:cSld>
-    <p:spTree>
-      <p:nvGrpSpPr>
-        <p:cNvPr id="1" name=""/>
-        <p:cNvGrpSpPr/>
-        <p:nvPr/>
-      </p:nvGrpSpPr>
-      <p:grpSpPr>
-        <a:xfrm>
-          <a:off x="0" y="0"/>
-          <a:ext cx="0" cy="0"/>
-          <a:chOff x="0" y="0"/>
-          <a:chExt cx="0" cy="0"/>
-        </a:xfrm>
-      </p:grpSpPr>
-      <p:sp>
-        <p:nvSpPr>
-          <p:cNvPr id="3" name="Slide Number Placeholder 2">
-            <a:extLst>
-              <a:ext uri="{FF2B5EF4-FFF2-40B4-BE49-F238E27FC236}">
-                <a16:creationId xmlns:a16="http://schemas.microsoft.com/office/drawing/2014/main" xmlns="" id="{082ACE87-ED75-7B43-A701-F536DB07E84C}"/>
-              </a:ext>
-            </a:extLst>
-          </p:cNvPr>
-          <p:cNvSpPr>
-            <a:spLocks noGrp="1"/>
-          </p:cNvSpPr>
-          <p:nvPr>
-            <p:ph type="sldNum" sz="quarter" idx="12"/>
-          </p:nvPr>
-        </p:nvSpPr>
-        <p:spPr>
-          <a:xfrm>
-            <a:off x="11644438" y="6251154"/>
-            <a:ext cx="547561" cy="365125"/>
-          </a:xfrm>
-        </p:spPr>
-        <p:txBody>
-          <a:bodyPr/>
-          <a:lstStyle/>
-          <a:p>
-            <a:pPr algn="ctr"/>
-            <a:fld id="{52874D3B-0145-4B40-BC41-2631D243DCC0}" type="slidenum">
-              <a:rPr lang="en-US" smtClean="0">
-                <a:solidFill>
-                  <a:schemeClr val="bg1"/>
-                </a:solidFill>
-              </a:rPr>
-              <a:pPr algn="ctr"/>
-              <a:t>8</a:t>
-            </a:fld>
-            <a:endParaRPr lang="en-US" dirty="0">
-              <a:solidFill>
-                <a:schemeClr val="bg1"/>
-              </a:solidFill>
-            </a:endParaRPr>
-          </a:p>
-        </p:txBody>
-      </p:sp>
-      <p:sp>
-        <p:nvSpPr>
-          <p:cNvPr id="5" name="Title 4">
-            <a:extLst>
-              <a:ext uri="{FF2B5EF4-FFF2-40B4-BE49-F238E27FC236}">
-                <a16:creationId xmlns:a16="http://schemas.microsoft.com/office/drawing/2014/main" xmlns="" id="{DE561F35-B8D0-D743-A7D0-2D6F85913DAD}"/>
-              </a:ext>
-            </a:extLst>
-          </p:cNvPr>
-          <p:cNvSpPr>
-            <a:spLocks noGrp="1"/>
-          </p:cNvSpPr>
-          <p:nvPr>
-            <p:ph type="title"/>
-          </p:nvPr>
-        </p:nvSpPr>
-        <p:spPr>
-          <a:xfrm>
-            <a:off x="418011" y="517138"/>
-            <a:ext cx="11610504" cy="794828"/>
-          </a:xfrm>
-        </p:spPr>
-        <p:txBody>
-          <a:bodyPr/>
-          <a:lstStyle/>
-          <a:p>
-            <a:r>
-              <a:rPr lang="en-US" dirty="0" err="1">
-                <a:solidFill>
-                  <a:srgbClr val="1B5089"/>
-                </a:solidFill>
-                <a:latin typeface="Arial" panose="020B0604020202020204" pitchFamily="34" charset="0"/>
-                <a:cs typeface="Arial" panose="020B0604020202020204" pitchFamily="34" charset="0"/>
-              </a:rPr>
-              <a:t>Citu</a:t>
-            </a:r>
-            <a:r>
-              <a:rPr lang="en-US" dirty="0">
-                <a:solidFill>
-                  <a:srgbClr val="1B5089"/>
-                </a:solidFill>
-                <a:latin typeface="Arial" panose="020B0604020202020204" pitchFamily="34" charset="0"/>
-                <a:cs typeface="Arial" panose="020B0604020202020204" pitchFamily="34" charset="0"/>
-              </a:rPr>
-              <a:t> </a:t>
-            </a:r>
-            <a:r>
-              <a:rPr lang="en-US" dirty="0" err="1">
-                <a:solidFill>
-                  <a:srgbClr val="1B5089"/>
-                </a:solidFill>
-                <a:latin typeface="Arial" panose="020B0604020202020204" pitchFamily="34" charset="0"/>
-                <a:cs typeface="Arial" panose="020B0604020202020204" pitchFamily="34" charset="0"/>
-              </a:rPr>
-              <a:t>prezentācijas</a:t>
-            </a:r>
-            <a:r>
-              <a:rPr lang="en-US" dirty="0">
-                <a:solidFill>
-                  <a:srgbClr val="1B5089"/>
-                </a:solidFill>
-                <a:latin typeface="Arial" panose="020B0604020202020204" pitchFamily="34" charset="0"/>
-                <a:cs typeface="Arial" panose="020B0604020202020204" pitchFamily="34" charset="0"/>
-              </a:rPr>
-              <a:t> </a:t>
-            </a:r>
-            <a:r>
-              <a:rPr lang="en-US" dirty="0" err="1">
-                <a:solidFill>
-                  <a:srgbClr val="1B5089"/>
-                </a:solidFill>
-                <a:latin typeface="Arial" panose="020B0604020202020204" pitchFamily="34" charset="0"/>
-                <a:cs typeface="Arial" panose="020B0604020202020204" pitchFamily="34" charset="0"/>
-              </a:rPr>
-              <a:t>veidu</a:t>
-            </a:r>
-            <a:r>
-              <a:rPr lang="en-US" dirty="0">
-                <a:solidFill>
-                  <a:srgbClr val="1B5089"/>
-                </a:solidFill>
-                <a:latin typeface="Arial" panose="020B0604020202020204" pitchFamily="34" charset="0"/>
-                <a:cs typeface="Arial" panose="020B0604020202020204" pitchFamily="34" charset="0"/>
-              </a:rPr>
-              <a:t> </a:t>
-            </a:r>
-            <a:r>
-              <a:rPr lang="en-US" dirty="0" err="1">
-                <a:solidFill>
-                  <a:srgbClr val="1B5089"/>
-                </a:solidFill>
-                <a:latin typeface="Arial" panose="020B0604020202020204" pitchFamily="34" charset="0"/>
-                <a:cs typeface="Arial" panose="020B0604020202020204" pitchFamily="34" charset="0"/>
-              </a:rPr>
-              <a:t>pielāgošanai</a:t>
-            </a:r>
-            <a:endParaRPr lang="en-US" dirty="0">
-              <a:solidFill>
-                <a:srgbClr val="1B5089"/>
-              </a:solidFill>
-              <a:latin typeface="Arial" panose="020B0604020202020204" pitchFamily="34" charset="0"/>
-              <a:cs typeface="Arial" panose="020B0604020202020204" pitchFamily="34" charset="0"/>
-            </a:endParaRPr>
-          </a:p>
-        </p:txBody>
-      </p:sp>
-      <p:sp>
-        <p:nvSpPr>
-          <p:cNvPr id="7" name="Satura vietturis 2">
-            <a:extLst>
-              <a:ext uri="{FF2B5EF4-FFF2-40B4-BE49-F238E27FC236}">
-                <a16:creationId xmlns:a16="http://schemas.microsoft.com/office/drawing/2014/main" xmlns="" id="{3E1E3D8D-225C-F744-A8FD-6C935416316E}"/>
-              </a:ext>
-            </a:extLst>
-          </p:cNvPr>
-          <p:cNvSpPr txBox="1">
-            <a:spLocks/>
-          </p:cNvSpPr>
-          <p:nvPr/>
-        </p:nvSpPr>
-        <p:spPr>
-          <a:xfrm>
-            <a:off x="418011" y="1709530"/>
-            <a:ext cx="11618971" cy="4264549"/>
-          </a:xfrm>
-          <a:prstGeom prst="rect">
-            <a:avLst/>
-          </a:prstGeom>
-        </p:spPr>
-        <p:txBody>
-          <a:bodyPr vert="horz" lIns="91440" tIns="45720" rIns="91440" bIns="45720" rtlCol="0">
-            <a:normAutofit/>
-          </a:bodyPr>
-          <a:lstStyle>
-            <a:lvl1pPr marL="228600" indent="-228600" algn="l" defTabSz="914400" rtl="0" eaLnBrk="1" latinLnBrk="0" hangingPunct="1">
-              <a:lnSpc>
-                <a:spcPct val="90000"/>
-              </a:lnSpc>
-              <a:spcBef>
-                <a:spcPts val="1000"/>
-              </a:spcBef>
-              <a:buFont typeface="Arial" panose="020B0604020202020204" pitchFamily="34" charset="0"/>
-              <a:buChar char="•"/>
-              <a:defRPr sz="2800" kern="1200">
-                <a:solidFill>
-                  <a:schemeClr val="tx1"/>
-                </a:solidFill>
-                <a:latin typeface="+mn-lt"/>
-                <a:ea typeface="+mn-ea"/>
-                <a:cs typeface="+mn-cs"/>
-              </a:defRPr>
-            </a:lvl1pPr>
-            <a:lvl2pPr marL="685800" indent="-228600" algn="l" defTabSz="914400" rtl="0" eaLnBrk="1" latinLnBrk="0" hangingPunct="1">
-              <a:lnSpc>
-                <a:spcPct val="90000"/>
-              </a:lnSpc>
-              <a:spcBef>
-                <a:spcPts val="500"/>
-              </a:spcBef>
-              <a:buFont typeface="Arial" panose="020B0604020202020204" pitchFamily="34" charset="0"/>
-              <a:buChar char="•"/>
-              <a:defRPr sz="2400" kern="1200">
-                <a:solidFill>
-                  <a:schemeClr val="tx1"/>
-                </a:solidFill>
-                <a:latin typeface="+mn-lt"/>
-                <a:ea typeface="+mn-ea"/>
-                <a:cs typeface="+mn-cs"/>
-              </a:defRPr>
-            </a:lvl2pPr>
-            <a:lvl3pPr marL="1143000" indent="-228600" algn="l" defTabSz="914400" rtl="0" eaLnBrk="1" latinLnBrk="0" hangingPunct="1">
-              <a:lnSpc>
-                <a:spcPct val="90000"/>
-              </a:lnSpc>
-              <a:spcBef>
-                <a:spcPts val="500"/>
-              </a:spcBef>
-              <a:buFont typeface="Arial" panose="020B0604020202020204" pitchFamily="34" charset="0"/>
-              <a:buChar char="•"/>
-              <a:defRPr sz="2000" kern="1200">
-                <a:solidFill>
-                  <a:schemeClr val="tx1"/>
-                </a:solidFill>
-                <a:latin typeface="+mn-lt"/>
-                <a:ea typeface="+mn-ea"/>
-                <a:cs typeface="+mn-cs"/>
-              </a:defRPr>
-            </a:lvl3pPr>
-            <a:lvl4pPr marL="1600200" indent="-228600" algn="l" defTabSz="914400" rtl="0" eaLnBrk="1" latinLnBrk="0" hangingPunct="1">
-              <a:lnSpc>
-                <a:spcPct val="90000"/>
-              </a:lnSpc>
-              <a:spcBef>
-                <a:spcPts val="500"/>
-              </a:spcBef>
-              <a:buFont typeface="Arial" panose="020B0604020202020204" pitchFamily="34" charset="0"/>
-              <a:buChar char="•"/>
-              <a:defRPr sz="1800" kern="1200">
-                <a:solidFill>
-                  <a:schemeClr val="tx1"/>
-                </a:solidFill>
-                <a:latin typeface="+mn-lt"/>
-                <a:ea typeface="+mn-ea"/>
-                <a:cs typeface="+mn-cs"/>
-              </a:defRPr>
-            </a:lvl4pPr>
-            <a:lvl5pPr marL="2057400" indent="-228600" algn="l" defTabSz="914400" rtl="0" eaLnBrk="1" latinLnBrk="0" hangingPunct="1">
-              <a:lnSpc>
-                <a:spcPct val="90000"/>
-              </a:lnSpc>
-              <a:spcBef>
-                <a:spcPts val="500"/>
-              </a:spcBef>
-              <a:buFont typeface="Arial" panose="020B0604020202020204" pitchFamily="34" charset="0"/>
-              <a:buChar char="•"/>
-              <a:defRPr sz="1800" kern="1200">
-                <a:solidFill>
-                  <a:schemeClr val="tx1"/>
-                </a:solidFill>
-                <a:latin typeface="+mn-lt"/>
-                <a:ea typeface="+mn-ea"/>
-                <a:cs typeface="+mn-cs"/>
-              </a:defRPr>
-            </a:lvl5pPr>
-            <a:lvl6pPr marL="2514600" indent="-228600" algn="l" defTabSz="914400" rtl="0" eaLnBrk="1" latinLnBrk="0" hangingPunct="1">
-              <a:lnSpc>
-                <a:spcPct val="90000"/>
-              </a:lnSpc>
-              <a:spcBef>
-                <a:spcPts val="500"/>
-              </a:spcBef>
-              <a:buFont typeface="Arial" panose="020B0604020202020204" pitchFamily="34" charset="0"/>
-              <a:buChar char="•"/>
-              <a:defRPr sz="1800" kern="1200">
-                <a:solidFill>
-                  <a:schemeClr val="tx1"/>
-                </a:solidFill>
-                <a:latin typeface="+mn-lt"/>
-                <a:ea typeface="+mn-ea"/>
-                <a:cs typeface="+mn-cs"/>
-              </a:defRPr>
-            </a:lvl6pPr>
-            <a:lvl7pPr marL="2971800" indent="-228600" algn="l" defTabSz="914400" rtl="0" eaLnBrk="1" latinLnBrk="0" hangingPunct="1">
-              <a:lnSpc>
-                <a:spcPct val="90000"/>
-              </a:lnSpc>
-              <a:spcBef>
-                <a:spcPts val="500"/>
-              </a:spcBef>
-              <a:buFont typeface="Arial" panose="020B0604020202020204" pitchFamily="34" charset="0"/>
-              <a:buChar char="•"/>
-              <a:defRPr sz="1800" kern="1200">
-                <a:solidFill>
-                  <a:schemeClr val="tx1"/>
-                </a:solidFill>
-                <a:latin typeface="+mn-lt"/>
-                <a:ea typeface="+mn-ea"/>
-                <a:cs typeface="+mn-cs"/>
-              </a:defRPr>
-            </a:lvl7pPr>
-            <a:lvl8pPr marL="3429000" indent="-228600" algn="l" defTabSz="914400" rtl="0" eaLnBrk="1" latinLnBrk="0" hangingPunct="1">
-              <a:lnSpc>
-                <a:spcPct val="90000"/>
-              </a:lnSpc>
-              <a:spcBef>
-                <a:spcPts val="500"/>
-              </a:spcBef>
-              <a:buFont typeface="Arial" panose="020B0604020202020204" pitchFamily="34" charset="0"/>
-              <a:buChar char="•"/>
-              <a:defRPr sz="1800" kern="1200">
-                <a:solidFill>
-                  <a:schemeClr val="tx1"/>
-                </a:solidFill>
-                <a:latin typeface="+mn-lt"/>
-                <a:ea typeface="+mn-ea"/>
-                <a:cs typeface="+mn-cs"/>
-              </a:defRPr>
-            </a:lvl8pPr>
-            <a:lvl9pPr marL="3886200" indent="-228600" algn="l" defTabSz="914400" rtl="0" eaLnBrk="1" latinLnBrk="0" hangingPunct="1">
-              <a:lnSpc>
-                <a:spcPct val="90000"/>
-              </a:lnSpc>
-              <a:spcBef>
-                <a:spcPts val="500"/>
-              </a:spcBef>
-              <a:buFont typeface="Arial" panose="020B0604020202020204" pitchFamily="34" charset="0"/>
-              <a:buChar char="•"/>
-              <a:defRPr sz="1800" kern="1200">
-                <a:solidFill>
-                  <a:schemeClr val="tx1"/>
-                </a:solidFill>
-                <a:latin typeface="+mn-lt"/>
-                <a:ea typeface="+mn-ea"/>
-                <a:cs typeface="+mn-cs"/>
-              </a:defRPr>
-            </a:lvl9pPr>
-          </a:lstStyle>
-          <a:p>
-            <a:pPr marL="0" indent="0">
-              <a:lnSpc>
-                <a:spcPct val="100000"/>
-              </a:lnSpc>
-              <a:spcBef>
-                <a:spcPts val="600"/>
-              </a:spcBef>
-              <a:buNone/>
-            </a:pPr>
-            <a:r>
-              <a:rPr lang="lv-LV" dirty="0">
-                <a:latin typeface="Arial" panose="020B0604020202020204" pitchFamily="34" charset="0"/>
-                <a:cs typeface="Arial" panose="020B0604020202020204" pitchFamily="34" charset="0"/>
-              </a:rPr>
-              <a:t>Citu slaidu veidiem sagataves izvēlieties atbilstošo (Insert      </a:t>
-            </a:r>
-            <a:br>
-              <a:rPr lang="lv-LV" dirty="0">
-                <a:latin typeface="Arial" panose="020B0604020202020204" pitchFamily="34" charset="0"/>
-                <a:cs typeface="Arial" panose="020B0604020202020204" pitchFamily="34" charset="0"/>
-              </a:rPr>
-            </a:br>
-            <a:r>
-              <a:rPr lang="lv-LV" dirty="0" err="1">
-                <a:latin typeface="Arial" panose="020B0604020202020204" pitchFamily="34" charset="0"/>
-                <a:cs typeface="Arial" panose="020B0604020202020204" pitchFamily="34" charset="0"/>
-              </a:rPr>
-              <a:t>New</a:t>
-            </a:r>
-            <a:r>
-              <a:rPr lang="lv-LV" dirty="0">
-                <a:latin typeface="Arial" panose="020B0604020202020204" pitchFamily="34" charset="0"/>
-                <a:cs typeface="Arial" panose="020B0604020202020204" pitchFamily="34" charset="0"/>
-              </a:rPr>
-              <a:t> </a:t>
-            </a:r>
-            <a:r>
-              <a:rPr lang="lv-LV" dirty="0" err="1">
-                <a:latin typeface="Arial" panose="020B0604020202020204" pitchFamily="34" charset="0"/>
-                <a:cs typeface="Arial" panose="020B0604020202020204" pitchFamily="34" charset="0"/>
-              </a:rPr>
-              <a:t>Slide</a:t>
-            </a:r>
-            <a:r>
-              <a:rPr lang="lv-LV" dirty="0">
-                <a:latin typeface="Arial" panose="020B0604020202020204" pitchFamily="34" charset="0"/>
-                <a:cs typeface="Arial" panose="020B0604020202020204" pitchFamily="34" charset="0"/>
-              </a:rPr>
-              <a:t>). </a:t>
-            </a:r>
-          </a:p>
-          <a:p>
-            <a:pPr marL="0" indent="0">
-              <a:lnSpc>
-                <a:spcPct val="100000"/>
-              </a:lnSpc>
-              <a:spcBef>
-                <a:spcPts val="600"/>
-              </a:spcBef>
-              <a:buNone/>
-            </a:pPr>
-            <a:r>
-              <a:rPr lang="lv-LV" dirty="0">
-                <a:latin typeface="Arial" panose="020B0604020202020204" pitchFamily="34" charset="0"/>
-                <a:cs typeface="Arial" panose="020B0604020202020204" pitchFamily="34" charset="0"/>
-              </a:rPr>
-              <a:t>Nepiemirstiet nomainīt fontu un atbilstošo burtu izmēru (sk., piemēram, šīs sagataves 2. slaidu). </a:t>
-            </a:r>
-          </a:p>
-        </p:txBody>
-      </p:sp>
-      <p:sp>
-        <p:nvSpPr>
-          <p:cNvPr id="10" name="Right Arrow 9">
-            <a:extLst>
-              <a:ext uri="{FF2B5EF4-FFF2-40B4-BE49-F238E27FC236}">
-                <a16:creationId xmlns:a16="http://schemas.microsoft.com/office/drawing/2014/main" xmlns="" id="{D7057AA6-6F52-704E-A22F-931BDDB818AB}"/>
-              </a:ext>
-            </a:extLst>
-          </p:cNvPr>
-          <p:cNvSpPr/>
-          <p:nvPr/>
-        </p:nvSpPr>
-        <p:spPr>
-          <a:xfrm>
-            <a:off x="9637330" y="1885445"/>
-            <a:ext cx="457429" cy="226577"/>
-          </a:xfrm>
-          <a:prstGeom prst="rightArrow">
-            <a:avLst/>
-          </a:prstGeom>
-          <a:solidFill>
-            <a:srgbClr val="1B5089"/>
-          </a:solidFill>
-          <a:ln>
-            <a:noFill/>
-          </a:ln>
-        </p:spPr>
-        <p:style>
-          <a:lnRef idx="2">
-            <a:schemeClr val="accent1">
-              <a:shade val="50000"/>
-            </a:schemeClr>
-          </a:lnRef>
-          <a:fillRef idx="1">
-            <a:schemeClr val="accent1"/>
-          </a:fillRef>
-          <a:effectRef idx="0">
-            <a:schemeClr val="accent1"/>
-          </a:effectRef>
-          <a:fontRef idx="minor">
-            <a:schemeClr val="lt1"/>
-          </a:fontRef>
-        </p:style>
-        <p:txBody>
-          <a:bodyPr rtlCol="0" anchor="ctr"/>
-          <a:lstStyle/>
-          <a:p>
-            <a:pPr algn="ctr"/>
-            <a:endParaRPr lang="en-US"/>
-          </a:p>
-        </p:txBody>
-      </p:sp>
-    </p:spTree>
-    <p:extLst>
-      <p:ext uri="{BB962C8B-B14F-4D97-AF65-F5344CB8AC3E}">
-        <p14:creationId xmlns:p14="http://schemas.microsoft.com/office/powerpoint/2010/main" val="1043579939"/>
-      </p:ext>
-    </p:extLst>
-  </p:cSld>
-  <p:clrMapOvr>
-    <a:masterClrMapping/>
-  </p:clrMapOvr>
-</p:sld>
-</file>
-
-<file path=ppt/slides/slide9.xml><?xml version="1.0" encoding="utf-8"?>
-<p:sld xmlns:a="http://schemas.openxmlformats.org/drawingml/2006/main" xmlns:r="http://schemas.openxmlformats.org/officeDocument/2006/relationships" xmlns:p="http://schemas.openxmlformats.org/presentationml/2006/main">
-  <p:cSld>
-    <p:spTree>
-      <p:nvGrpSpPr>
-        <p:cNvPr id="1" name=""/>
-        <p:cNvGrpSpPr/>
-        <p:nvPr/>
-      </p:nvGrpSpPr>
-      <p:grpSpPr>
-        <a:xfrm>
-          <a:off x="0" y="0"/>
-          <a:ext cx="0" cy="0"/>
-          <a:chOff x="0" y="0"/>
-          <a:chExt cx="0" cy="0"/>
-        </a:xfrm>
-      </p:grpSpPr>
-      <p:sp>
-        <p:nvSpPr>
-          <p:cNvPr id="2" name="Title 1">
-            <a:extLst>
-              <a:ext uri="{FF2B5EF4-FFF2-40B4-BE49-F238E27FC236}">
-                <a16:creationId xmlns:a16="http://schemas.microsoft.com/office/drawing/2014/main" xmlns="" id="{61AD6E7B-050D-0A4C-8CE8-2A62913F6CB9}"/>
-              </a:ext>
-            </a:extLst>
-          </p:cNvPr>
-          <p:cNvSpPr>
-            <a:spLocks noGrp="1"/>
-          </p:cNvSpPr>
-          <p:nvPr>
-            <p:ph type="title"/>
-          </p:nvPr>
-        </p:nvSpPr>
-        <p:spPr>
-          <a:xfrm>
-            <a:off x="385482" y="914399"/>
-            <a:ext cx="5253317" cy="2805954"/>
-          </a:xfrm>
-        </p:spPr>
-        <p:txBody>
-          <a:bodyPr/>
-          <a:lstStyle/>
-          <a:p>
-            <a:pPr algn="ctr"/>
-            <a:r>
-              <a:rPr lang="lv-LV" dirty="0">
-                <a:solidFill>
-                  <a:srgbClr val="1B5089"/>
-                </a:solidFill>
-                <a:latin typeface="Arial" panose="020B0604020202020204" pitchFamily="34" charset="0"/>
-                <a:cs typeface="Arial" panose="020B0604020202020204" pitchFamily="34" charset="0"/>
-              </a:rPr>
               <a:t>Paldies par uzmanību!</a:t>
-            </a:r>
-            <a:r>
-              <a:rPr lang="en-US" dirty="0">
-                <a:solidFill>
-                  <a:srgbClr val="1B5089"/>
-                </a:solidFill>
-                <a:latin typeface="Arial" panose="020B0604020202020204" pitchFamily="34" charset="0"/>
-                <a:cs typeface="Arial" panose="020B0604020202020204" pitchFamily="34" charset="0"/>
-              </a:rPr>
-              <a:t/>
             </a:r>
             <a:br>
               <a:rPr lang="en-US" dirty="0">
@@ -6373,7 +8356,7 @@
           <p:cNvPr id="7" name="Picture Placeholder 6">
             <a:extLst>
               <a:ext uri="{FF2B5EF4-FFF2-40B4-BE49-F238E27FC236}">
-                <a16:creationId xmlns:a16="http://schemas.microsoft.com/office/drawing/2014/main" xmlns="" id="{44E1D927-5B7B-BE46-ACE5-CA830F4ED159}"/>
+                <a16:creationId xmlns:a16="http://schemas.microsoft.com/office/drawing/2014/main" id="{44E1D927-5B7B-BE46-ACE5-CA830F4ED159}"/>
               </a:ext>
             </a:extLst>
           </p:cNvPr>

--- a/docs/valodasprez_2_ag21201_je21033.pptx
+++ b/docs/valodasprez_2_ag21201_je21033.pptx
@@ -5,10 +5,10 @@
     <p:sldMasterId id="2147483648" r:id="rId1"/>
   </p:sldMasterIdLst>
   <p:notesMasterIdLst>
-    <p:notesMasterId r:id="rId9"/>
+    <p:notesMasterId r:id="rId14"/>
   </p:notesMasterIdLst>
   <p:handoutMasterIdLst>
-    <p:handoutMasterId r:id="rId10"/>
+    <p:handoutMasterId r:id="rId15"/>
   </p:handoutMasterIdLst>
   <p:sldIdLst>
     <p:sldId id="256" r:id="rId2"/>
@@ -16,8 +16,13 @@
     <p:sldId id="271" r:id="rId4"/>
     <p:sldId id="272" r:id="rId5"/>
     <p:sldId id="273" r:id="rId6"/>
-    <p:sldId id="274" r:id="rId7"/>
-    <p:sldId id="268" r:id="rId8"/>
+    <p:sldId id="280" r:id="rId7"/>
+    <p:sldId id="276" r:id="rId8"/>
+    <p:sldId id="277" r:id="rId9"/>
+    <p:sldId id="278" r:id="rId10"/>
+    <p:sldId id="275" r:id="rId11"/>
+    <p:sldId id="279" r:id="rId12"/>
+    <p:sldId id="268" r:id="rId13"/>
   </p:sldIdLst>
   <p:sldSz cx="12192000" cy="6858000"/>
   <p:notesSz cx="6858000" cy="9144000"/>
@@ -761,6 +766,224 @@
 </p:notes>
 </file>
 
+<file path=ppt/notesSlides/notesSlide10.xml><?xml version="1.0" encoding="utf-8"?>
+<p:notes xmlns:a="http://schemas.openxmlformats.org/drawingml/2006/main" xmlns:r="http://schemas.openxmlformats.org/officeDocument/2006/relationships" xmlns:p="http://schemas.openxmlformats.org/presentationml/2006/main" showMasterSp="0" showMasterPhAnim="0">
+  <p:cSld>
+    <p:spTree>
+      <p:nvGrpSpPr>
+        <p:cNvPr id="1" name="Shape 101"/>
+        <p:cNvGrpSpPr/>
+        <p:nvPr/>
+      </p:nvGrpSpPr>
+      <p:grpSpPr>
+        <a:xfrm>
+          <a:off x="0" y="0"/>
+          <a:ext cx="0" cy="0"/>
+          <a:chOff x="0" y="0"/>
+          <a:chExt cx="0" cy="0"/>
+        </a:xfrm>
+      </p:grpSpPr>
+      <p:sp>
+        <p:nvSpPr>
+          <p:cNvPr id="102" name="Google Shape;102;p4:notes"/>
+          <p:cNvSpPr txBox="1">
+            <a:spLocks noGrp="1"/>
+          </p:cNvSpPr>
+          <p:nvPr>
+            <p:ph type="body" idx="1"/>
+          </p:nvPr>
+        </p:nvSpPr>
+        <p:spPr>
+          <a:xfrm>
+            <a:off x="685800" y="4400550"/>
+            <a:ext cx="5486400" cy="3600450"/>
+          </a:xfrm>
+          <a:prstGeom prst="rect">
+            <a:avLst/>
+          </a:prstGeom>
+        </p:spPr>
+        <p:txBody>
+          <a:bodyPr spcFirstLastPara="1" wrap="square" lIns="91425" tIns="45700" rIns="91425" bIns="45700" anchor="t" anchorCtr="0">
+            <a:noAutofit/>
+          </a:bodyPr>
+          <a:lstStyle/>
+          <a:p>
+            <a:pPr marL="0" lvl="0" indent="0" algn="l" rtl="0">
+              <a:spcBef>
+                <a:spcPts val="0"/>
+              </a:spcBef>
+              <a:spcAft>
+                <a:spcPts val="0"/>
+              </a:spcAft>
+              <a:buNone/>
+            </a:pPr>
+            <a:endParaRPr/>
+          </a:p>
+        </p:txBody>
+      </p:sp>
+      <p:sp>
+        <p:nvSpPr>
+          <p:cNvPr id="103" name="Google Shape;103;p4:notes"/>
+          <p:cNvSpPr>
+            <a:spLocks noGrp="1" noRot="1" noChangeAspect="1"/>
+          </p:cNvSpPr>
+          <p:nvPr>
+            <p:ph type="sldImg" idx="2"/>
+          </p:nvPr>
+        </p:nvSpPr>
+        <p:spPr>
+          <a:xfrm>
+            <a:off x="685800" y="1143000"/>
+            <a:ext cx="5486400" cy="3086100"/>
+          </a:xfrm>
+          <a:custGeom>
+            <a:avLst/>
+            <a:gdLst/>
+            <a:ahLst/>
+            <a:cxnLst/>
+            <a:rect l="l" t="t" r="r" b="b"/>
+            <a:pathLst>
+              <a:path w="120000" h="120000" extrusionOk="0">
+                <a:moveTo>
+                  <a:pt x="0" y="0"/>
+                </a:moveTo>
+                <a:lnTo>
+                  <a:pt x="120000" y="0"/>
+                </a:lnTo>
+                <a:lnTo>
+                  <a:pt x="120000" y="120000"/>
+                </a:lnTo>
+                <a:lnTo>
+                  <a:pt x="0" y="120000"/>
+                </a:lnTo>
+                <a:close/>
+              </a:path>
+            </a:pathLst>
+          </a:custGeom>
+        </p:spPr>
+      </p:sp>
+    </p:spTree>
+    <p:extLst>
+      <p:ext uri="{BB962C8B-B14F-4D97-AF65-F5344CB8AC3E}">
+        <p14:creationId xmlns:p14="http://schemas.microsoft.com/office/powerpoint/2010/main" val="771573514"/>
+      </p:ext>
+    </p:extLst>
+  </p:cSld>
+  <p:clrMapOvr>
+    <a:masterClrMapping/>
+  </p:clrMapOvr>
+</p:notes>
+</file>
+
+<file path=ppt/notesSlides/notesSlide11.xml><?xml version="1.0" encoding="utf-8"?>
+<p:notes xmlns:a="http://schemas.openxmlformats.org/drawingml/2006/main" xmlns:r="http://schemas.openxmlformats.org/officeDocument/2006/relationships" xmlns:p="http://schemas.openxmlformats.org/presentationml/2006/main" showMasterSp="0" showMasterPhAnim="0">
+  <p:cSld>
+    <p:spTree>
+      <p:nvGrpSpPr>
+        <p:cNvPr id="1" name="Shape 101"/>
+        <p:cNvGrpSpPr/>
+        <p:nvPr/>
+      </p:nvGrpSpPr>
+      <p:grpSpPr>
+        <a:xfrm>
+          <a:off x="0" y="0"/>
+          <a:ext cx="0" cy="0"/>
+          <a:chOff x="0" y="0"/>
+          <a:chExt cx="0" cy="0"/>
+        </a:xfrm>
+      </p:grpSpPr>
+      <p:sp>
+        <p:nvSpPr>
+          <p:cNvPr id="102" name="Google Shape;102;p4:notes"/>
+          <p:cNvSpPr txBox="1">
+            <a:spLocks noGrp="1"/>
+          </p:cNvSpPr>
+          <p:nvPr>
+            <p:ph type="body" idx="1"/>
+          </p:nvPr>
+        </p:nvSpPr>
+        <p:spPr>
+          <a:xfrm>
+            <a:off x="685800" y="4400550"/>
+            <a:ext cx="5486400" cy="3600450"/>
+          </a:xfrm>
+          <a:prstGeom prst="rect">
+            <a:avLst/>
+          </a:prstGeom>
+        </p:spPr>
+        <p:txBody>
+          <a:bodyPr spcFirstLastPara="1" wrap="square" lIns="91425" tIns="45700" rIns="91425" bIns="45700" anchor="t" anchorCtr="0">
+            <a:noAutofit/>
+          </a:bodyPr>
+          <a:lstStyle/>
+          <a:p>
+            <a:pPr marL="0" lvl="0" indent="0" algn="l" rtl="0">
+              <a:spcBef>
+                <a:spcPts val="0"/>
+              </a:spcBef>
+              <a:spcAft>
+                <a:spcPts val="0"/>
+              </a:spcAft>
+              <a:buNone/>
+            </a:pPr>
+            <a:endParaRPr/>
+          </a:p>
+        </p:txBody>
+      </p:sp>
+      <p:sp>
+        <p:nvSpPr>
+          <p:cNvPr id="103" name="Google Shape;103;p4:notes"/>
+          <p:cNvSpPr>
+            <a:spLocks noGrp="1" noRot="1" noChangeAspect="1"/>
+          </p:cNvSpPr>
+          <p:nvPr>
+            <p:ph type="sldImg" idx="2"/>
+          </p:nvPr>
+        </p:nvSpPr>
+        <p:spPr>
+          <a:xfrm>
+            <a:off x="685800" y="1143000"/>
+            <a:ext cx="5486400" cy="3086100"/>
+          </a:xfrm>
+          <a:custGeom>
+            <a:avLst/>
+            <a:gdLst/>
+            <a:ahLst/>
+            <a:cxnLst/>
+            <a:rect l="l" t="t" r="r" b="b"/>
+            <a:pathLst>
+              <a:path w="120000" h="120000" extrusionOk="0">
+                <a:moveTo>
+                  <a:pt x="0" y="0"/>
+                </a:moveTo>
+                <a:lnTo>
+                  <a:pt x="120000" y="0"/>
+                </a:lnTo>
+                <a:lnTo>
+                  <a:pt x="120000" y="120000"/>
+                </a:lnTo>
+                <a:lnTo>
+                  <a:pt x="0" y="120000"/>
+                </a:lnTo>
+                <a:close/>
+              </a:path>
+            </a:pathLst>
+          </a:custGeom>
+        </p:spPr>
+      </p:sp>
+    </p:spTree>
+    <p:extLst>
+      <p:ext uri="{BB962C8B-B14F-4D97-AF65-F5344CB8AC3E}">
+        <p14:creationId xmlns:p14="http://schemas.microsoft.com/office/powerpoint/2010/main" val="1518848535"/>
+      </p:ext>
+    </p:extLst>
+  </p:cSld>
+  <p:clrMapOvr>
+    <a:masterClrMapping/>
+  </p:clrMapOvr>
+</p:notes>
+</file>
+
 <file path=ppt/notesSlides/notesSlide2.xml><?xml version="1.0" encoding="utf-8"?>
 <p:notes xmlns:a="http://schemas.openxmlformats.org/drawingml/2006/main" xmlns:r="http://schemas.openxmlformats.org/officeDocument/2006/relationships" xmlns:p="http://schemas.openxmlformats.org/presentationml/2006/main" showMasterSp="0" showMasterPhAnim="0">
   <p:cSld>
@@ -1281,7 +1504,334 @@
     </p:spTree>
     <p:extLst>
       <p:ext uri="{BB962C8B-B14F-4D97-AF65-F5344CB8AC3E}">
-        <p14:creationId xmlns:p14="http://schemas.microsoft.com/office/powerpoint/2010/main" val="1778717075"/>
+        <p14:creationId xmlns:p14="http://schemas.microsoft.com/office/powerpoint/2010/main" val="1614801725"/>
+      </p:ext>
+    </p:extLst>
+  </p:cSld>
+  <p:clrMapOvr>
+    <a:masterClrMapping/>
+  </p:clrMapOvr>
+</p:notes>
+</file>
+
+<file path=ppt/notesSlides/notesSlide7.xml><?xml version="1.0" encoding="utf-8"?>
+<p:notes xmlns:a="http://schemas.openxmlformats.org/drawingml/2006/main" xmlns:r="http://schemas.openxmlformats.org/officeDocument/2006/relationships" xmlns:p="http://schemas.openxmlformats.org/presentationml/2006/main" showMasterSp="0" showMasterPhAnim="0">
+  <p:cSld>
+    <p:spTree>
+      <p:nvGrpSpPr>
+        <p:cNvPr id="1" name="Shape 101"/>
+        <p:cNvGrpSpPr/>
+        <p:nvPr/>
+      </p:nvGrpSpPr>
+      <p:grpSpPr>
+        <a:xfrm>
+          <a:off x="0" y="0"/>
+          <a:ext cx="0" cy="0"/>
+          <a:chOff x="0" y="0"/>
+          <a:chExt cx="0" cy="0"/>
+        </a:xfrm>
+      </p:grpSpPr>
+      <p:sp>
+        <p:nvSpPr>
+          <p:cNvPr id="102" name="Google Shape;102;p4:notes"/>
+          <p:cNvSpPr txBox="1">
+            <a:spLocks noGrp="1"/>
+          </p:cNvSpPr>
+          <p:nvPr>
+            <p:ph type="body" idx="1"/>
+          </p:nvPr>
+        </p:nvSpPr>
+        <p:spPr>
+          <a:xfrm>
+            <a:off x="685800" y="4400550"/>
+            <a:ext cx="5486400" cy="3600450"/>
+          </a:xfrm>
+          <a:prstGeom prst="rect">
+            <a:avLst/>
+          </a:prstGeom>
+        </p:spPr>
+        <p:txBody>
+          <a:bodyPr spcFirstLastPara="1" wrap="square" lIns="91425" tIns="45700" rIns="91425" bIns="45700" anchor="t" anchorCtr="0">
+            <a:noAutofit/>
+          </a:bodyPr>
+          <a:lstStyle/>
+          <a:p>
+            <a:pPr marL="0" lvl="0" indent="0" algn="l" rtl="0">
+              <a:spcBef>
+                <a:spcPts val="0"/>
+              </a:spcBef>
+              <a:spcAft>
+                <a:spcPts val="0"/>
+              </a:spcAft>
+              <a:buNone/>
+            </a:pPr>
+            <a:endParaRPr/>
+          </a:p>
+        </p:txBody>
+      </p:sp>
+      <p:sp>
+        <p:nvSpPr>
+          <p:cNvPr id="103" name="Google Shape;103;p4:notes"/>
+          <p:cNvSpPr>
+            <a:spLocks noGrp="1" noRot="1" noChangeAspect="1"/>
+          </p:cNvSpPr>
+          <p:nvPr>
+            <p:ph type="sldImg" idx="2"/>
+          </p:nvPr>
+        </p:nvSpPr>
+        <p:spPr>
+          <a:xfrm>
+            <a:off x="685800" y="1143000"/>
+            <a:ext cx="5486400" cy="3086100"/>
+          </a:xfrm>
+          <a:custGeom>
+            <a:avLst/>
+            <a:gdLst/>
+            <a:ahLst/>
+            <a:cxnLst/>
+            <a:rect l="l" t="t" r="r" b="b"/>
+            <a:pathLst>
+              <a:path w="120000" h="120000" extrusionOk="0">
+                <a:moveTo>
+                  <a:pt x="0" y="0"/>
+                </a:moveTo>
+                <a:lnTo>
+                  <a:pt x="120000" y="0"/>
+                </a:lnTo>
+                <a:lnTo>
+                  <a:pt x="120000" y="120000"/>
+                </a:lnTo>
+                <a:lnTo>
+                  <a:pt x="0" y="120000"/>
+                </a:lnTo>
+                <a:close/>
+              </a:path>
+            </a:pathLst>
+          </a:custGeom>
+        </p:spPr>
+      </p:sp>
+    </p:spTree>
+    <p:extLst>
+      <p:ext uri="{BB962C8B-B14F-4D97-AF65-F5344CB8AC3E}">
+        <p14:creationId xmlns:p14="http://schemas.microsoft.com/office/powerpoint/2010/main" val="2460184393"/>
+      </p:ext>
+    </p:extLst>
+  </p:cSld>
+  <p:clrMapOvr>
+    <a:masterClrMapping/>
+  </p:clrMapOvr>
+</p:notes>
+</file>
+
+<file path=ppt/notesSlides/notesSlide8.xml><?xml version="1.0" encoding="utf-8"?>
+<p:notes xmlns:a="http://schemas.openxmlformats.org/drawingml/2006/main" xmlns:r="http://schemas.openxmlformats.org/officeDocument/2006/relationships" xmlns:p="http://schemas.openxmlformats.org/presentationml/2006/main" showMasterSp="0" showMasterPhAnim="0">
+  <p:cSld>
+    <p:spTree>
+      <p:nvGrpSpPr>
+        <p:cNvPr id="1" name="Shape 101"/>
+        <p:cNvGrpSpPr/>
+        <p:nvPr/>
+      </p:nvGrpSpPr>
+      <p:grpSpPr>
+        <a:xfrm>
+          <a:off x="0" y="0"/>
+          <a:ext cx="0" cy="0"/>
+          <a:chOff x="0" y="0"/>
+          <a:chExt cx="0" cy="0"/>
+        </a:xfrm>
+      </p:grpSpPr>
+      <p:sp>
+        <p:nvSpPr>
+          <p:cNvPr id="102" name="Google Shape;102;p4:notes"/>
+          <p:cNvSpPr txBox="1">
+            <a:spLocks noGrp="1"/>
+          </p:cNvSpPr>
+          <p:nvPr>
+            <p:ph type="body" idx="1"/>
+          </p:nvPr>
+        </p:nvSpPr>
+        <p:spPr>
+          <a:xfrm>
+            <a:off x="685800" y="4400550"/>
+            <a:ext cx="5486400" cy="3600450"/>
+          </a:xfrm>
+          <a:prstGeom prst="rect">
+            <a:avLst/>
+          </a:prstGeom>
+        </p:spPr>
+        <p:txBody>
+          <a:bodyPr spcFirstLastPara="1" wrap="square" lIns="91425" tIns="45700" rIns="91425" bIns="45700" anchor="t" anchorCtr="0">
+            <a:noAutofit/>
+          </a:bodyPr>
+          <a:lstStyle/>
+          <a:p>
+            <a:pPr marL="0" lvl="0" indent="0" algn="l" rtl="0">
+              <a:spcBef>
+                <a:spcPts val="0"/>
+              </a:spcBef>
+              <a:spcAft>
+                <a:spcPts val="0"/>
+              </a:spcAft>
+              <a:buNone/>
+            </a:pPr>
+            <a:endParaRPr/>
+          </a:p>
+        </p:txBody>
+      </p:sp>
+      <p:sp>
+        <p:nvSpPr>
+          <p:cNvPr id="103" name="Google Shape;103;p4:notes"/>
+          <p:cNvSpPr>
+            <a:spLocks noGrp="1" noRot="1" noChangeAspect="1"/>
+          </p:cNvSpPr>
+          <p:nvPr>
+            <p:ph type="sldImg" idx="2"/>
+          </p:nvPr>
+        </p:nvSpPr>
+        <p:spPr>
+          <a:xfrm>
+            <a:off x="685800" y="1143000"/>
+            <a:ext cx="5486400" cy="3086100"/>
+          </a:xfrm>
+          <a:custGeom>
+            <a:avLst/>
+            <a:gdLst/>
+            <a:ahLst/>
+            <a:cxnLst/>
+            <a:rect l="l" t="t" r="r" b="b"/>
+            <a:pathLst>
+              <a:path w="120000" h="120000" extrusionOk="0">
+                <a:moveTo>
+                  <a:pt x="0" y="0"/>
+                </a:moveTo>
+                <a:lnTo>
+                  <a:pt x="120000" y="0"/>
+                </a:lnTo>
+                <a:lnTo>
+                  <a:pt x="120000" y="120000"/>
+                </a:lnTo>
+                <a:lnTo>
+                  <a:pt x="0" y="120000"/>
+                </a:lnTo>
+                <a:close/>
+              </a:path>
+            </a:pathLst>
+          </a:custGeom>
+        </p:spPr>
+      </p:sp>
+    </p:spTree>
+    <p:extLst>
+      <p:ext uri="{BB962C8B-B14F-4D97-AF65-F5344CB8AC3E}">
+        <p14:creationId xmlns:p14="http://schemas.microsoft.com/office/powerpoint/2010/main" val="2568180780"/>
+      </p:ext>
+    </p:extLst>
+  </p:cSld>
+  <p:clrMapOvr>
+    <a:masterClrMapping/>
+  </p:clrMapOvr>
+</p:notes>
+</file>
+
+<file path=ppt/notesSlides/notesSlide9.xml><?xml version="1.0" encoding="utf-8"?>
+<p:notes xmlns:a="http://schemas.openxmlformats.org/drawingml/2006/main" xmlns:r="http://schemas.openxmlformats.org/officeDocument/2006/relationships" xmlns:p="http://schemas.openxmlformats.org/presentationml/2006/main" showMasterSp="0" showMasterPhAnim="0">
+  <p:cSld>
+    <p:spTree>
+      <p:nvGrpSpPr>
+        <p:cNvPr id="1" name="Shape 101"/>
+        <p:cNvGrpSpPr/>
+        <p:nvPr/>
+      </p:nvGrpSpPr>
+      <p:grpSpPr>
+        <a:xfrm>
+          <a:off x="0" y="0"/>
+          <a:ext cx="0" cy="0"/>
+          <a:chOff x="0" y="0"/>
+          <a:chExt cx="0" cy="0"/>
+        </a:xfrm>
+      </p:grpSpPr>
+      <p:sp>
+        <p:nvSpPr>
+          <p:cNvPr id="102" name="Google Shape;102;p4:notes"/>
+          <p:cNvSpPr txBox="1">
+            <a:spLocks noGrp="1"/>
+          </p:cNvSpPr>
+          <p:nvPr>
+            <p:ph type="body" idx="1"/>
+          </p:nvPr>
+        </p:nvSpPr>
+        <p:spPr>
+          <a:xfrm>
+            <a:off x="685800" y="4400550"/>
+            <a:ext cx="5486400" cy="3600450"/>
+          </a:xfrm>
+          <a:prstGeom prst="rect">
+            <a:avLst/>
+          </a:prstGeom>
+        </p:spPr>
+        <p:txBody>
+          <a:bodyPr spcFirstLastPara="1" wrap="square" lIns="91425" tIns="45700" rIns="91425" bIns="45700" anchor="t" anchorCtr="0">
+            <a:noAutofit/>
+          </a:bodyPr>
+          <a:lstStyle/>
+          <a:p>
+            <a:pPr marL="0" lvl="0" indent="0" algn="l" rtl="0">
+              <a:spcBef>
+                <a:spcPts val="0"/>
+              </a:spcBef>
+              <a:spcAft>
+                <a:spcPts val="0"/>
+              </a:spcAft>
+              <a:buNone/>
+            </a:pPr>
+            <a:endParaRPr/>
+          </a:p>
+        </p:txBody>
+      </p:sp>
+      <p:sp>
+        <p:nvSpPr>
+          <p:cNvPr id="103" name="Google Shape;103;p4:notes"/>
+          <p:cNvSpPr>
+            <a:spLocks noGrp="1" noRot="1" noChangeAspect="1"/>
+          </p:cNvSpPr>
+          <p:nvPr>
+            <p:ph type="sldImg" idx="2"/>
+          </p:nvPr>
+        </p:nvSpPr>
+        <p:spPr>
+          <a:xfrm>
+            <a:off x="685800" y="1143000"/>
+            <a:ext cx="5486400" cy="3086100"/>
+          </a:xfrm>
+          <a:custGeom>
+            <a:avLst/>
+            <a:gdLst/>
+            <a:ahLst/>
+            <a:cxnLst/>
+            <a:rect l="l" t="t" r="r" b="b"/>
+            <a:pathLst>
+              <a:path w="120000" h="120000" extrusionOk="0">
+                <a:moveTo>
+                  <a:pt x="0" y="0"/>
+                </a:moveTo>
+                <a:lnTo>
+                  <a:pt x="120000" y="0"/>
+                </a:lnTo>
+                <a:lnTo>
+                  <a:pt x="120000" y="120000"/>
+                </a:lnTo>
+                <a:lnTo>
+                  <a:pt x="0" y="120000"/>
+                </a:lnTo>
+                <a:close/>
+              </a:path>
+            </a:pathLst>
+          </a:custGeom>
+        </p:spPr>
+      </p:sp>
+    </p:spTree>
+    <p:extLst>
+      <p:ext uri="{BB962C8B-B14F-4D97-AF65-F5344CB8AC3E}">
+        <p14:creationId xmlns:p14="http://schemas.microsoft.com/office/powerpoint/2010/main" val="111353229"/>
       </p:ext>
     </p:extLst>
   </p:cSld>
@@ -4409,24 +4959,100 @@
         </p:nvSpPr>
         <p:spPr>
           <a:xfrm>
-            <a:off x="2277038" y="2321855"/>
-            <a:ext cx="8274424" cy="1228165"/>
-          </a:xfrm>
-        </p:spPr>
-        <p:txBody>
-          <a:bodyPr/>
+            <a:off x="2321859" y="3429000"/>
+            <a:ext cx="8719521" cy="1228165"/>
+          </a:xfrm>
+        </p:spPr>
+        <p:txBody>
+          <a:bodyPr>
+            <a:normAutofit fontScale="90000"/>
+          </a:bodyPr>
           <a:lstStyle/>
           <a:p>
             <a:pPr algn="l"/>
             <a:r>
-              <a:rPr lang="lv-LV" dirty="0">
+              <a:rPr lang="en-US" sz="6000" dirty="0" err="1">
                 <a:solidFill>
-                  <a:schemeClr val="bg1"/>
+                  <a:schemeClr val="lt1"/>
                 </a:solidFill>
-                <a:latin typeface="Arial" panose="020B0604020202020204" pitchFamily="34" charset="0"/>
-                <a:cs typeface="Arial" panose="020B0604020202020204" pitchFamily="34" charset="0"/>
-              </a:rPr>
-              <a:t>Virsraksts</a:t>
+                <a:latin typeface="Arial"/>
+                <a:ea typeface="Arial"/>
+                <a:cs typeface="Arial"/>
+                <a:sym typeface="Arial"/>
+              </a:rPr>
+              <a:t>Svešvalodas</a:t>
+            </a:r>
+            <a:r>
+              <a:rPr lang="en-US" sz="6000" dirty="0">
+                <a:solidFill>
+                  <a:schemeClr val="lt1"/>
+                </a:solidFill>
+                <a:latin typeface="Arial"/>
+                <a:ea typeface="Arial"/>
+                <a:cs typeface="Arial"/>
+                <a:sym typeface="Arial"/>
+              </a:rPr>
+              <a:t>-IPA-</a:t>
+            </a:r>
+            <a:r>
+              <a:rPr lang="en-US" sz="6000" dirty="0" err="1">
+                <a:solidFill>
+                  <a:schemeClr val="lt1"/>
+                </a:solidFill>
+                <a:latin typeface="Arial"/>
+                <a:ea typeface="Arial"/>
+                <a:cs typeface="Arial"/>
+                <a:sym typeface="Arial"/>
+              </a:rPr>
+              <a:t>latviešu</a:t>
+            </a:r>
+            <a:r>
+              <a:rPr lang="en-US" sz="6000" dirty="0">
+                <a:solidFill>
+                  <a:schemeClr val="lt1"/>
+                </a:solidFill>
+                <a:latin typeface="Arial"/>
+                <a:ea typeface="Arial"/>
+                <a:cs typeface="Arial"/>
+                <a:sym typeface="Arial"/>
+              </a:rPr>
+              <a:t> </a:t>
+            </a:r>
+            <a:r>
+              <a:rPr lang="en-US" sz="6000" dirty="0" err="1">
+                <a:solidFill>
+                  <a:schemeClr val="lt1"/>
+                </a:solidFill>
+                <a:latin typeface="Arial"/>
+                <a:ea typeface="Arial"/>
+                <a:cs typeface="Arial"/>
+                <a:sym typeface="Arial"/>
+              </a:rPr>
+              <a:t>atveide</a:t>
+            </a:r>
+            <a:r>
+              <a:rPr lang="en-US" sz="6000" dirty="0">
+                <a:solidFill>
+                  <a:schemeClr val="lt1"/>
+                </a:solidFill>
+                <a:latin typeface="Arial"/>
+                <a:ea typeface="Arial"/>
+                <a:cs typeface="Arial"/>
+                <a:sym typeface="Arial"/>
+              </a:rPr>
+              <a:t> </a:t>
+            </a:r>
+            <a:r>
+              <a:rPr lang="en-US" sz="6000" dirty="0" err="1">
+                <a:solidFill>
+                  <a:schemeClr val="lt1"/>
+                </a:solidFill>
+                <a:latin typeface="Arial"/>
+                <a:ea typeface="Arial"/>
+                <a:cs typeface="Arial"/>
+                <a:sym typeface="Arial"/>
+              </a:rPr>
+              <a:t>īpašvārdiem</a:t>
             </a:r>
             <a:endParaRPr lang="en-US" dirty="0">
               <a:solidFill>
@@ -4460,24 +5086,90 @@
           </a:bodyPr>
           <a:lstStyle/>
           <a:p>
-            <a:pPr algn="l"/>
+            <a:pPr marL="0" lvl="0" indent="0" algn="l" rtl="0">
+              <a:lnSpc>
+                <a:spcPct val="90000"/>
+              </a:lnSpc>
+              <a:spcBef>
+                <a:spcPts val="0"/>
+              </a:spcBef>
+              <a:spcAft>
+                <a:spcPts val="0"/>
+              </a:spcAft>
+              <a:buClr>
+                <a:schemeClr val="lt1"/>
+              </a:buClr>
+              <a:buSzPts val="2800"/>
+              <a:buNone/>
+            </a:pPr>
             <a:r>
               <a:rPr lang="lv-LV" sz="2800" dirty="0">
                 <a:solidFill>
-                  <a:schemeClr val="bg1"/>
+                  <a:schemeClr val="lt1"/>
                 </a:solidFill>
-                <a:latin typeface="Arial" panose="020B0604020202020204" pitchFamily="34" charset="0"/>
-                <a:cs typeface="Arial" panose="020B0604020202020204" pitchFamily="34" charset="0"/>
-              </a:rPr>
-              <a:t>Autora lauks</a:t>
-            </a:r>
-            <a:endParaRPr lang="en-US" sz="2800" dirty="0">
-              <a:solidFill>
-                <a:schemeClr val="bg1"/>
-              </a:solidFill>
-              <a:latin typeface="Arial" panose="020B0604020202020204" pitchFamily="34" charset="0"/>
-              <a:cs typeface="Arial" panose="020B0604020202020204" pitchFamily="34" charset="0"/>
-            </a:endParaRPr>
+                <a:latin typeface="Arial"/>
+                <a:ea typeface="Arial"/>
+                <a:cs typeface="Arial"/>
+                <a:sym typeface="Arial"/>
+              </a:rPr>
+              <a:t>Agnese Griķe, ag21201</a:t>
+            </a:r>
+            <a:endParaRPr lang="lv-LV" sz="2800" dirty="0"/>
+          </a:p>
+          <a:p>
+            <a:pPr marL="0" lvl="0" indent="0" algn="l" rtl="0">
+              <a:lnSpc>
+                <a:spcPct val="90000"/>
+              </a:lnSpc>
+              <a:spcBef>
+                <a:spcPts val="1000"/>
+              </a:spcBef>
+              <a:spcAft>
+                <a:spcPts val="0"/>
+              </a:spcAft>
+              <a:buClr>
+                <a:schemeClr val="lt1"/>
+              </a:buClr>
+              <a:buSzPts val="2800"/>
+              <a:buNone/>
+            </a:pPr>
+            <a:r>
+              <a:rPr lang="lv-LV" sz="2800" dirty="0">
+                <a:solidFill>
+                  <a:schemeClr val="lt1"/>
+                </a:solidFill>
+                <a:latin typeface="Arial"/>
+                <a:ea typeface="Arial"/>
+                <a:cs typeface="Arial"/>
+                <a:sym typeface="Arial"/>
+              </a:rPr>
+              <a:t>Johans Justs </a:t>
+            </a:r>
+            <a:r>
+              <a:rPr lang="lv-LV" sz="2800" dirty="0" err="1">
+                <a:solidFill>
+                  <a:schemeClr val="lt1"/>
+                </a:solidFill>
+                <a:latin typeface="Arial"/>
+                <a:ea typeface="Arial"/>
+                <a:cs typeface="Arial"/>
+                <a:sym typeface="Arial"/>
+              </a:rPr>
+              <a:t>Eris</a:t>
+            </a:r>
+            <a:r>
+              <a:rPr lang="lv-LV" sz="2800" dirty="0">
+                <a:solidFill>
+                  <a:schemeClr val="lt1"/>
+                </a:solidFill>
+                <a:latin typeface="Arial"/>
+                <a:ea typeface="Arial"/>
+                <a:cs typeface="Arial"/>
+                <a:sym typeface="Arial"/>
+              </a:rPr>
+              <a:t>, je21033</a:t>
+            </a:r>
+            <a:endParaRPr lang="lv-LV" sz="2800" dirty="0"/>
           </a:p>
         </p:txBody>
       </p:sp>
@@ -4485,6 +5177,781 @@
     <p:extLst>
       <p:ext uri="{BB962C8B-B14F-4D97-AF65-F5344CB8AC3E}">
         <p14:creationId xmlns:p14="http://schemas.microsoft.com/office/powerpoint/2010/main" val="1962600079"/>
+      </p:ext>
+    </p:extLst>
+  </p:cSld>
+  <p:clrMapOvr>
+    <a:masterClrMapping/>
+  </p:clrMapOvr>
+</p:sld>
+</file>
+
+<file path=ppt/slides/slide10.xml><?xml version="1.0" encoding="utf-8"?>
+<p:sld xmlns:a="http://schemas.openxmlformats.org/drawingml/2006/main" xmlns:r="http://schemas.openxmlformats.org/officeDocument/2006/relationships" xmlns:p="http://schemas.openxmlformats.org/presentationml/2006/main">
+  <p:cSld>
+    <p:spTree>
+      <p:nvGrpSpPr>
+        <p:cNvPr id="1" name="Shape 104"/>
+        <p:cNvGrpSpPr/>
+        <p:nvPr/>
+      </p:nvGrpSpPr>
+      <p:grpSpPr>
+        <a:xfrm>
+          <a:off x="0" y="0"/>
+          <a:ext cx="0" cy="0"/>
+          <a:chOff x="0" y="0"/>
+          <a:chExt cx="0" cy="0"/>
+        </a:xfrm>
+      </p:grpSpPr>
+      <p:sp>
+        <p:nvSpPr>
+          <p:cNvPr id="105" name="Google Shape;105;p4"/>
+          <p:cNvSpPr txBox="1">
+            <a:spLocks noGrp="1"/>
+          </p:cNvSpPr>
+          <p:nvPr>
+            <p:ph type="sldNum" idx="12"/>
+          </p:nvPr>
+        </p:nvSpPr>
+        <p:spPr>
+          <a:xfrm>
+            <a:off x="11645929" y="6256960"/>
+            <a:ext cx="605110" cy="332685"/>
+          </a:xfrm>
+          <a:prstGeom prst="rect">
+            <a:avLst/>
+          </a:prstGeom>
+          <a:noFill/>
+          <a:ln>
+            <a:noFill/>
+          </a:ln>
+        </p:spPr>
+        <p:txBody>
+          <a:bodyPr spcFirstLastPara="1" wrap="square" lIns="91425" tIns="45700" rIns="91425" bIns="45700" anchor="t" anchorCtr="0">
+            <a:noAutofit/>
+          </a:bodyPr>
+          <a:lstStyle/>
+          <a:p>
+            <a:pPr marL="0" lvl="0" indent="0" algn="ctr" rtl="0">
+              <a:spcBef>
+                <a:spcPts val="0"/>
+              </a:spcBef>
+              <a:spcAft>
+                <a:spcPts val="0"/>
+              </a:spcAft>
+              <a:buNone/>
+            </a:pPr>
+            <a:fld id="{00000000-1234-1234-1234-123412341234}" type="slidenum">
+              <a:rPr lang="en-US"/>
+              <a:t>10</a:t>
+            </a:fld>
+            <a:endParaRPr/>
+          </a:p>
+        </p:txBody>
+      </p:sp>
+      <p:sp>
+        <p:nvSpPr>
+          <p:cNvPr id="106" name="Google Shape;106;p4"/>
+          <p:cNvSpPr txBox="1">
+            <a:spLocks noGrp="1"/>
+          </p:cNvSpPr>
+          <p:nvPr>
+            <p:ph type="title" idx="4294967295"/>
+          </p:nvPr>
+        </p:nvSpPr>
+        <p:spPr>
+          <a:xfrm>
+            <a:off x="418011" y="440937"/>
+            <a:ext cx="11399520" cy="1099996"/>
+          </a:xfrm>
+          <a:prstGeom prst="rect">
+            <a:avLst/>
+          </a:prstGeom>
+          <a:noFill/>
+          <a:ln>
+            <a:noFill/>
+          </a:ln>
+        </p:spPr>
+        <p:txBody>
+          <a:bodyPr spcFirstLastPara="1" wrap="square" lIns="91425" tIns="45700" rIns="91425" bIns="45700" anchor="ctr" anchorCtr="0">
+            <a:noAutofit/>
+          </a:bodyPr>
+          <a:lstStyle/>
+          <a:p>
+            <a:pPr marL="0" lvl="0" indent="0" algn="l" rtl="0">
+              <a:lnSpc>
+                <a:spcPct val="90000"/>
+              </a:lnSpc>
+              <a:spcBef>
+                <a:spcPts val="0"/>
+              </a:spcBef>
+              <a:spcAft>
+                <a:spcPts val="0"/>
+              </a:spcAft>
+              <a:buClr>
+                <a:srgbClr val="1B5089"/>
+              </a:buClr>
+              <a:buSzPts val="4400"/>
+              <a:buFont typeface="Arial"/>
+              <a:buNone/>
+            </a:pPr>
+            <a:r>
+              <a:rPr lang="lv-LV" dirty="0">
+                <a:solidFill>
+                  <a:srgbClr val="1B5089"/>
+                </a:solidFill>
+                <a:latin typeface="Arial"/>
+                <a:ea typeface="Arial"/>
+                <a:cs typeface="Arial"/>
+                <a:sym typeface="Arial"/>
+              </a:rPr>
+              <a:t>Demonstrācija</a:t>
+            </a:r>
+            <a:endParaRPr dirty="0">
+              <a:solidFill>
+                <a:srgbClr val="1B5089"/>
+              </a:solidFill>
+              <a:latin typeface="Arial"/>
+              <a:ea typeface="Arial"/>
+              <a:cs typeface="Arial"/>
+              <a:sym typeface="Arial"/>
+            </a:endParaRPr>
+          </a:p>
+        </p:txBody>
+      </p:sp>
+      <p:sp>
+        <p:nvSpPr>
+          <p:cNvPr id="107" name="Google Shape;107;p4"/>
+          <p:cNvSpPr txBox="1">
+            <a:spLocks noGrp="1"/>
+          </p:cNvSpPr>
+          <p:nvPr>
+            <p:ph type="body" idx="4294967295"/>
+          </p:nvPr>
+        </p:nvSpPr>
+        <p:spPr>
+          <a:xfrm>
+            <a:off x="264589" y="1709530"/>
+            <a:ext cx="11662821" cy="4264549"/>
+          </a:xfrm>
+          <a:prstGeom prst="rect">
+            <a:avLst/>
+          </a:prstGeom>
+          <a:noFill/>
+          <a:ln>
+            <a:noFill/>
+          </a:ln>
+        </p:spPr>
+        <p:txBody>
+          <a:bodyPr spcFirstLastPara="1" wrap="square" lIns="72000" tIns="45700" rIns="144000" bIns="45700" anchor="t" anchorCtr="0">
+            <a:noAutofit/>
+          </a:bodyPr>
+          <a:lstStyle/>
+          <a:p>
+            <a:pPr marL="0" lvl="0" indent="0" algn="l" rtl="0">
+              <a:lnSpc>
+                <a:spcPct val="90000"/>
+              </a:lnSpc>
+              <a:spcBef>
+                <a:spcPts val="1000"/>
+              </a:spcBef>
+              <a:spcAft>
+                <a:spcPts val="0"/>
+              </a:spcAft>
+              <a:buClr>
+                <a:schemeClr val="dk1"/>
+              </a:buClr>
+              <a:buSzPts val="2400"/>
+              <a:buNone/>
+            </a:pPr>
+            <a:endParaRPr sz="2400" dirty="0">
+              <a:latin typeface="Arial"/>
+              <a:ea typeface="Arial"/>
+              <a:cs typeface="Arial"/>
+              <a:sym typeface="Arial"/>
+            </a:endParaRPr>
+          </a:p>
+        </p:txBody>
+      </p:sp>
+      <p:pic>
+        <p:nvPicPr>
+          <p:cNvPr id="3" name="Picture 2">
+            <a:extLst>
+              <a:ext uri="{FF2B5EF4-FFF2-40B4-BE49-F238E27FC236}">
+                <a16:creationId xmlns:a16="http://schemas.microsoft.com/office/drawing/2014/main" id="{803FFA51-3FC9-4F45-BACE-483D43E5BF73}"/>
+              </a:ext>
+            </a:extLst>
+          </p:cNvPr>
+          <p:cNvPicPr>
+            <a:picLocks noChangeAspect="1"/>
+          </p:cNvPicPr>
+          <p:nvPr/>
+        </p:nvPicPr>
+        <p:blipFill>
+          <a:blip r:embed="rId3"/>
+          <a:stretch>
+            <a:fillRect/>
+          </a:stretch>
+        </p:blipFill>
+        <p:spPr>
+          <a:xfrm>
+            <a:off x="264589" y="1709530"/>
+            <a:ext cx="11662821" cy="3113930"/>
+          </a:xfrm>
+          <a:prstGeom prst="rect">
+            <a:avLst/>
+          </a:prstGeom>
+        </p:spPr>
+      </p:pic>
+    </p:spTree>
+    <p:extLst>
+      <p:ext uri="{BB962C8B-B14F-4D97-AF65-F5344CB8AC3E}">
+        <p14:creationId xmlns:p14="http://schemas.microsoft.com/office/powerpoint/2010/main" val="531742594"/>
+      </p:ext>
+    </p:extLst>
+  </p:cSld>
+  <p:clrMapOvr>
+    <a:masterClrMapping/>
+  </p:clrMapOvr>
+</p:sld>
+</file>
+
+<file path=ppt/slides/slide11.xml><?xml version="1.0" encoding="utf-8"?>
+<p:sld xmlns:a="http://schemas.openxmlformats.org/drawingml/2006/main" xmlns:r="http://schemas.openxmlformats.org/officeDocument/2006/relationships" xmlns:p="http://schemas.openxmlformats.org/presentationml/2006/main">
+  <p:cSld>
+    <p:spTree>
+      <p:nvGrpSpPr>
+        <p:cNvPr id="1" name="Shape 104"/>
+        <p:cNvGrpSpPr/>
+        <p:nvPr/>
+      </p:nvGrpSpPr>
+      <p:grpSpPr>
+        <a:xfrm>
+          <a:off x="0" y="0"/>
+          <a:ext cx="0" cy="0"/>
+          <a:chOff x="0" y="0"/>
+          <a:chExt cx="0" cy="0"/>
+        </a:xfrm>
+      </p:grpSpPr>
+      <p:sp>
+        <p:nvSpPr>
+          <p:cNvPr id="105" name="Google Shape;105;p4"/>
+          <p:cNvSpPr txBox="1">
+            <a:spLocks noGrp="1"/>
+          </p:cNvSpPr>
+          <p:nvPr>
+            <p:ph type="sldNum" idx="12"/>
+          </p:nvPr>
+        </p:nvSpPr>
+        <p:spPr>
+          <a:xfrm>
+            <a:off x="11645929" y="6256960"/>
+            <a:ext cx="605110" cy="332685"/>
+          </a:xfrm>
+          <a:prstGeom prst="rect">
+            <a:avLst/>
+          </a:prstGeom>
+          <a:noFill/>
+          <a:ln>
+            <a:noFill/>
+          </a:ln>
+        </p:spPr>
+        <p:txBody>
+          <a:bodyPr spcFirstLastPara="1" wrap="square" lIns="91425" tIns="45700" rIns="91425" bIns="45700" anchor="t" anchorCtr="0">
+            <a:noAutofit/>
+          </a:bodyPr>
+          <a:lstStyle/>
+          <a:p>
+            <a:pPr marL="0" lvl="0" indent="0" algn="ctr" rtl="0">
+              <a:spcBef>
+                <a:spcPts val="0"/>
+              </a:spcBef>
+              <a:spcAft>
+                <a:spcPts val="0"/>
+              </a:spcAft>
+              <a:buNone/>
+            </a:pPr>
+            <a:fld id="{00000000-1234-1234-1234-123412341234}" type="slidenum">
+              <a:rPr lang="en-US"/>
+              <a:t>11</a:t>
+            </a:fld>
+            <a:endParaRPr/>
+          </a:p>
+        </p:txBody>
+      </p:sp>
+      <p:sp>
+        <p:nvSpPr>
+          <p:cNvPr id="106" name="Google Shape;106;p4"/>
+          <p:cNvSpPr txBox="1">
+            <a:spLocks noGrp="1"/>
+          </p:cNvSpPr>
+          <p:nvPr>
+            <p:ph type="title" idx="4294967295"/>
+          </p:nvPr>
+        </p:nvSpPr>
+        <p:spPr>
+          <a:xfrm>
+            <a:off x="418011" y="440937"/>
+            <a:ext cx="11399520" cy="1099996"/>
+          </a:xfrm>
+          <a:prstGeom prst="rect">
+            <a:avLst/>
+          </a:prstGeom>
+          <a:noFill/>
+          <a:ln>
+            <a:noFill/>
+          </a:ln>
+        </p:spPr>
+        <p:txBody>
+          <a:bodyPr spcFirstLastPara="1" wrap="square" lIns="91425" tIns="45700" rIns="91425" bIns="45700" anchor="ctr" anchorCtr="0">
+            <a:noAutofit/>
+          </a:bodyPr>
+          <a:lstStyle/>
+          <a:p>
+            <a:pPr marL="0" lvl="0" indent="0" algn="l" rtl="0">
+              <a:lnSpc>
+                <a:spcPct val="90000"/>
+              </a:lnSpc>
+              <a:spcBef>
+                <a:spcPts val="0"/>
+              </a:spcBef>
+              <a:spcAft>
+                <a:spcPts val="0"/>
+              </a:spcAft>
+              <a:buClr>
+                <a:srgbClr val="1B5089"/>
+              </a:buClr>
+              <a:buSzPts val="4400"/>
+              <a:buFont typeface="Arial"/>
+              <a:buNone/>
+            </a:pPr>
+            <a:r>
+              <a:rPr lang="lv-LV" dirty="0">
+                <a:solidFill>
+                  <a:srgbClr val="1B5089"/>
+                </a:solidFill>
+                <a:latin typeface="Arial"/>
+                <a:ea typeface="Arial"/>
+                <a:cs typeface="Arial"/>
+                <a:sym typeface="Arial"/>
+              </a:rPr>
+              <a:t>Atsauces</a:t>
+            </a:r>
+            <a:endParaRPr dirty="0">
+              <a:solidFill>
+                <a:srgbClr val="1B5089"/>
+              </a:solidFill>
+              <a:latin typeface="Arial"/>
+              <a:ea typeface="Arial"/>
+              <a:cs typeface="Arial"/>
+              <a:sym typeface="Arial"/>
+            </a:endParaRPr>
+          </a:p>
+        </p:txBody>
+      </p:sp>
+      <p:sp>
+        <p:nvSpPr>
+          <p:cNvPr id="107" name="Google Shape;107;p4"/>
+          <p:cNvSpPr txBox="1">
+            <a:spLocks noGrp="1"/>
+          </p:cNvSpPr>
+          <p:nvPr>
+            <p:ph type="body" idx="4294967295"/>
+          </p:nvPr>
+        </p:nvSpPr>
+        <p:spPr>
+          <a:xfrm>
+            <a:off x="418011" y="1296725"/>
+            <a:ext cx="11618971" cy="4264549"/>
+          </a:xfrm>
+          <a:prstGeom prst="rect">
+            <a:avLst/>
+          </a:prstGeom>
+          <a:noFill/>
+          <a:ln>
+            <a:noFill/>
+          </a:ln>
+        </p:spPr>
+        <p:txBody>
+          <a:bodyPr spcFirstLastPara="1" wrap="square" lIns="72000" tIns="45700" rIns="144000" bIns="45700" anchor="t" anchorCtr="0">
+            <a:noAutofit/>
+          </a:bodyPr>
+          <a:lstStyle/>
+          <a:p>
+            <a:pPr marL="355600" lvl="0" indent="-355600" algn="l" rtl="0">
+              <a:lnSpc>
+                <a:spcPct val="90000"/>
+              </a:lnSpc>
+              <a:spcBef>
+                <a:spcPts val="1200"/>
+              </a:spcBef>
+              <a:spcAft>
+                <a:spcPts val="0"/>
+              </a:spcAft>
+              <a:buClr>
+                <a:srgbClr val="1B5089"/>
+              </a:buClr>
+              <a:buSzPts val="2880"/>
+              <a:buFont typeface="Noto Sans Symbols"/>
+              <a:buChar char="▪"/>
+            </a:pPr>
+            <a:r>
+              <a:rPr lang="lv-LV" sz="2400" dirty="0">
+                <a:latin typeface="Arial"/>
+                <a:ea typeface="Arial"/>
+                <a:cs typeface="Arial"/>
+                <a:sym typeface="Arial"/>
+              </a:rPr>
+              <a:t>Valodas likums: </a:t>
+            </a:r>
+            <a:r>
+              <a:rPr lang="lv-LV" sz="2400" dirty="0">
+                <a:latin typeface="Arial"/>
+                <a:ea typeface="Arial"/>
+                <a:cs typeface="Arial"/>
+                <a:sym typeface="Arial"/>
+                <a:hlinkClick r:id="rId3"/>
+              </a:rPr>
+              <a:t>https://likumi.lv/ta/id/85209-noteikumi-par-personvardu-rakstibu-un-lietosanu-latviesu-valoda-ka-ari-to-identifikaciju</a:t>
+            </a:r>
+            <a:r>
+              <a:rPr lang="lv-LV" sz="2400" dirty="0">
+                <a:latin typeface="Arial"/>
+                <a:ea typeface="Arial"/>
+                <a:cs typeface="Arial"/>
+                <a:sym typeface="Arial"/>
+              </a:rPr>
+              <a:t>  </a:t>
+            </a:r>
+          </a:p>
+          <a:p>
+            <a:pPr marL="355600" indent="-355600">
+              <a:spcBef>
+                <a:spcPts val="1200"/>
+              </a:spcBef>
+              <a:buClr>
+                <a:srgbClr val="1B5089"/>
+              </a:buClr>
+              <a:buSzPts val="2880"/>
+              <a:buFont typeface="Noto Sans Symbols"/>
+              <a:buChar char="▪"/>
+            </a:pPr>
+            <a:r>
+              <a:rPr lang="lv-LV" sz="2400" dirty="0">
+                <a:latin typeface="Arial"/>
+                <a:ea typeface="Arial"/>
+                <a:cs typeface="Arial"/>
+                <a:sym typeface="Arial"/>
+              </a:rPr>
+              <a:t>Personvārdu atveides resurss: </a:t>
+            </a:r>
+            <a:r>
+              <a:rPr lang="lv-LV" sz="2400" dirty="0">
+                <a:latin typeface="Arial"/>
+                <a:ea typeface="Arial"/>
+                <a:cs typeface="Arial"/>
+                <a:sym typeface="Arial"/>
+                <a:hlinkClick r:id="rId4"/>
+              </a:rPr>
+              <a:t>https://www.personvarduatveide.lv/?locale=lv</a:t>
+            </a:r>
+            <a:r>
+              <a:rPr lang="lv-LV" sz="2400" dirty="0">
+                <a:latin typeface="Arial"/>
+                <a:ea typeface="Arial"/>
+                <a:cs typeface="Arial"/>
+                <a:sym typeface="Arial"/>
+              </a:rPr>
+              <a:t> </a:t>
+            </a:r>
+          </a:p>
+          <a:p>
+            <a:pPr marL="355600" lvl="0" indent="-355600" algn="l" rtl="0">
+              <a:lnSpc>
+                <a:spcPct val="90000"/>
+              </a:lnSpc>
+              <a:spcBef>
+                <a:spcPts val="1200"/>
+              </a:spcBef>
+              <a:spcAft>
+                <a:spcPts val="0"/>
+              </a:spcAft>
+              <a:buClr>
+                <a:srgbClr val="1B5089"/>
+              </a:buClr>
+              <a:buSzPts val="2880"/>
+              <a:buFont typeface="Noto Sans Symbols"/>
+              <a:buChar char="▪"/>
+            </a:pPr>
+            <a:r>
+              <a:rPr lang="lv-LV" sz="2400" dirty="0" err="1">
+                <a:latin typeface="Arial"/>
+                <a:ea typeface="Arial"/>
+                <a:cs typeface="Arial"/>
+                <a:sym typeface="Arial"/>
+              </a:rPr>
+              <a:t>ipapy</a:t>
+            </a:r>
+            <a:r>
+              <a:rPr lang="lv-LV" sz="2400" dirty="0">
+                <a:latin typeface="Arial"/>
+                <a:ea typeface="Arial"/>
+                <a:cs typeface="Arial"/>
+                <a:sym typeface="Arial"/>
+              </a:rPr>
+              <a:t>: </a:t>
+            </a:r>
+            <a:r>
+              <a:rPr lang="lv-LV" sz="2400" dirty="0">
+                <a:latin typeface="Arial"/>
+                <a:ea typeface="Arial"/>
+                <a:cs typeface="Arial"/>
+                <a:sym typeface="Arial"/>
+                <a:hlinkClick r:id="rId5"/>
+              </a:rPr>
+              <a:t>https://github.com/pettarin/ipapy/releases/tag/v0.0.9</a:t>
+            </a:r>
+            <a:r>
+              <a:rPr lang="lv-LV" sz="2400" dirty="0">
+                <a:latin typeface="Arial"/>
+                <a:ea typeface="Arial"/>
+                <a:cs typeface="Arial"/>
+                <a:sym typeface="Arial"/>
+              </a:rPr>
+              <a:t>  </a:t>
+            </a:r>
+          </a:p>
+          <a:p>
+            <a:pPr marL="355600" lvl="0" indent="-355600" algn="l" rtl="0">
+              <a:lnSpc>
+                <a:spcPct val="90000"/>
+              </a:lnSpc>
+              <a:spcBef>
+                <a:spcPts val="1200"/>
+              </a:spcBef>
+              <a:spcAft>
+                <a:spcPts val="0"/>
+              </a:spcAft>
+              <a:buClr>
+                <a:srgbClr val="1B5089"/>
+              </a:buClr>
+              <a:buSzPts val="2880"/>
+              <a:buFont typeface="Noto Sans Symbols"/>
+              <a:buChar char="▪"/>
+            </a:pPr>
+            <a:r>
+              <a:rPr lang="lv-LV" sz="2400" dirty="0" err="1">
+                <a:latin typeface="Arial"/>
+                <a:ea typeface="Arial"/>
+                <a:cs typeface="Arial"/>
+                <a:sym typeface="Arial"/>
+              </a:rPr>
+              <a:t>ipapy</a:t>
+            </a:r>
+            <a:r>
+              <a:rPr lang="lv-LV" sz="2400" dirty="0">
+                <a:latin typeface="Arial"/>
+                <a:ea typeface="Arial"/>
+                <a:cs typeface="Arial"/>
+                <a:sym typeface="Arial"/>
+              </a:rPr>
+              <a:t> labojums: </a:t>
+            </a:r>
+            <a:r>
+              <a:rPr lang="lv-LV" sz="2400" dirty="0">
+                <a:latin typeface="Arial"/>
+                <a:ea typeface="Arial"/>
+                <a:cs typeface="Arial"/>
+                <a:sym typeface="Arial"/>
+                <a:hlinkClick r:id="rId6"/>
+              </a:rPr>
+              <a:t>https://github.com/pettarin/ipapy/pull/6/files</a:t>
+            </a:r>
+            <a:r>
+              <a:rPr lang="lv-LV" sz="2400" dirty="0">
+                <a:latin typeface="Arial"/>
+                <a:ea typeface="Arial"/>
+                <a:cs typeface="Arial"/>
+                <a:sym typeface="Arial"/>
+              </a:rPr>
+              <a:t> </a:t>
+            </a:r>
+          </a:p>
+          <a:p>
+            <a:pPr marL="355600" lvl="0" indent="-355600" algn="l" rtl="0">
+              <a:lnSpc>
+                <a:spcPct val="90000"/>
+              </a:lnSpc>
+              <a:spcBef>
+                <a:spcPts val="1200"/>
+              </a:spcBef>
+              <a:spcAft>
+                <a:spcPts val="0"/>
+              </a:spcAft>
+              <a:buClr>
+                <a:srgbClr val="1B5089"/>
+              </a:buClr>
+              <a:buSzPts val="2880"/>
+              <a:buFont typeface="Noto Sans Symbols"/>
+              <a:buChar char="▪"/>
+            </a:pPr>
+            <a:r>
+              <a:rPr lang="lv-LV" sz="2400" dirty="0">
+                <a:latin typeface="Arial"/>
+                <a:ea typeface="Arial"/>
+                <a:cs typeface="Arial"/>
+                <a:sym typeface="Arial"/>
+              </a:rPr>
+              <a:t>Projekta repozitorijs:  </a:t>
+            </a:r>
+          </a:p>
+          <a:p>
+            <a:pPr marL="355600" lvl="0" indent="-355600" algn="l" rtl="0">
+              <a:lnSpc>
+                <a:spcPct val="90000"/>
+              </a:lnSpc>
+              <a:spcBef>
+                <a:spcPts val="1200"/>
+              </a:spcBef>
+              <a:spcAft>
+                <a:spcPts val="0"/>
+              </a:spcAft>
+              <a:buClr>
+                <a:srgbClr val="1B5089"/>
+              </a:buClr>
+              <a:buSzPts val="2880"/>
+              <a:buFont typeface="Noto Sans Symbols"/>
+              <a:buChar char="▪"/>
+            </a:pPr>
+            <a:endParaRPr lang="lv-LV" sz="2400" dirty="0">
+              <a:latin typeface="Arial"/>
+              <a:ea typeface="Arial"/>
+              <a:cs typeface="Arial"/>
+              <a:sym typeface="Arial"/>
+            </a:endParaRPr>
+          </a:p>
+        </p:txBody>
+      </p:sp>
+    </p:spTree>
+    <p:extLst>
+      <p:ext uri="{BB962C8B-B14F-4D97-AF65-F5344CB8AC3E}">
+        <p14:creationId xmlns:p14="http://schemas.microsoft.com/office/powerpoint/2010/main" val="420486953"/>
+      </p:ext>
+    </p:extLst>
+  </p:cSld>
+  <p:clrMapOvr>
+    <a:masterClrMapping/>
+  </p:clrMapOvr>
+</p:sld>
+</file>
+
+<file path=ppt/slides/slide12.xml><?xml version="1.0" encoding="utf-8"?>
+<p:sld xmlns:a="http://schemas.openxmlformats.org/drawingml/2006/main" xmlns:r="http://schemas.openxmlformats.org/officeDocument/2006/relationships" xmlns:p="http://schemas.openxmlformats.org/presentationml/2006/main">
+  <p:cSld>
+    <p:spTree>
+      <p:nvGrpSpPr>
+        <p:cNvPr id="1" name=""/>
+        <p:cNvGrpSpPr/>
+        <p:nvPr/>
+      </p:nvGrpSpPr>
+      <p:grpSpPr>
+        <a:xfrm>
+          <a:off x="0" y="0"/>
+          <a:ext cx="0" cy="0"/>
+          <a:chOff x="0" y="0"/>
+          <a:chExt cx="0" cy="0"/>
+        </a:xfrm>
+      </p:grpSpPr>
+      <p:sp>
+        <p:nvSpPr>
+          <p:cNvPr id="2" name="Title 1">
+            <a:extLst>
+              <a:ext uri="{FF2B5EF4-FFF2-40B4-BE49-F238E27FC236}">
+                <a16:creationId xmlns:a16="http://schemas.microsoft.com/office/drawing/2014/main" id="{61AD6E7B-050D-0A4C-8CE8-2A62913F6CB9}"/>
+              </a:ext>
+            </a:extLst>
+          </p:cNvPr>
+          <p:cNvSpPr>
+            <a:spLocks noGrp="1"/>
+          </p:cNvSpPr>
+          <p:nvPr>
+            <p:ph type="title"/>
+          </p:nvPr>
+        </p:nvSpPr>
+        <p:spPr>
+          <a:xfrm>
+            <a:off x="385482" y="914399"/>
+            <a:ext cx="5253317" cy="2805954"/>
+          </a:xfrm>
+        </p:spPr>
+        <p:txBody>
+          <a:bodyPr/>
+          <a:lstStyle/>
+          <a:p>
+            <a:pPr algn="ctr"/>
+            <a:r>
+              <a:rPr lang="lv-LV" dirty="0">
+                <a:solidFill>
+                  <a:srgbClr val="1B5089"/>
+                </a:solidFill>
+                <a:latin typeface="Arial" panose="020B0604020202020204" pitchFamily="34" charset="0"/>
+                <a:cs typeface="Arial" panose="020B0604020202020204" pitchFamily="34" charset="0"/>
+              </a:rPr>
+              <a:t>Paldies par uzmanību!</a:t>
+            </a:r>
+            <a:br>
+              <a:rPr lang="en-US" dirty="0">
+                <a:solidFill>
+                  <a:srgbClr val="1B5089"/>
+                </a:solidFill>
+                <a:latin typeface="Arial" panose="020B0604020202020204" pitchFamily="34" charset="0"/>
+                <a:cs typeface="Arial" panose="020B0604020202020204" pitchFamily="34" charset="0"/>
+              </a:rPr>
+            </a:br>
+            <a:endParaRPr lang="en-US" dirty="0"/>
+          </a:p>
+        </p:txBody>
+      </p:sp>
+      <p:pic>
+        <p:nvPicPr>
+          <p:cNvPr id="7" name="Picture Placeholder 6">
+            <a:extLst>
+              <a:ext uri="{FF2B5EF4-FFF2-40B4-BE49-F238E27FC236}">
+                <a16:creationId xmlns:a16="http://schemas.microsoft.com/office/drawing/2014/main" id="{44E1D927-5B7B-BE46-ACE5-CA830F4ED159}"/>
+              </a:ext>
+            </a:extLst>
+          </p:cNvPr>
+          <p:cNvPicPr>
+            <a:picLocks noGrp="1" noChangeAspect="1"/>
+          </p:cNvPicPr>
+          <p:nvPr>
+            <p:ph type="pic" idx="1"/>
+          </p:nvPr>
+        </p:nvPicPr>
+        <p:blipFill>
+          <a:blip r:embed="rId2">
+            <a:extLst>
+              <a:ext uri="{28A0092B-C50C-407E-A947-70E740481C1C}">
+                <a14:useLocalDpi xmlns:a14="http://schemas.microsoft.com/office/drawing/2010/main" val="0"/>
+              </a:ext>
+            </a:extLst>
+          </a:blip>
+          <a:srcRect l="15681" r="15681"/>
+          <a:stretch>
+            <a:fillRect/>
+          </a:stretch>
+        </p:blipFill>
+        <p:spPr>
+          <a:xfrm>
+            <a:off x="6059488" y="457200"/>
+            <a:ext cx="5567362" cy="5403850"/>
+          </a:xfrm>
+        </p:spPr>
+      </p:pic>
+    </p:spTree>
+    <p:extLst>
+      <p:ext uri="{BB962C8B-B14F-4D97-AF65-F5344CB8AC3E}">
+        <p14:creationId xmlns:p14="http://schemas.microsoft.com/office/powerpoint/2010/main" val="697870806"/>
       </p:ext>
     </p:extLst>
   </p:cSld>
@@ -5700,7 +7167,7 @@
         </p:nvSpPr>
         <p:spPr>
           <a:xfrm>
-            <a:off x="418011" y="1709530"/>
+            <a:off x="418011" y="1366630"/>
             <a:ext cx="11618971" cy="4264549"/>
           </a:xfrm>
           <a:prstGeom prst="rect">
@@ -5735,15 +7202,24 @@
               <a:buChar char="▪"/>
             </a:pPr>
             <a:r>
-              <a:rPr lang="en-US" sz="2400">
-                <a:latin typeface="Arial"/>
-                <a:ea typeface="Arial"/>
-                <a:cs typeface="Arial"/>
-                <a:sym typeface="Arial"/>
-              </a:rPr>
-              <a:t>Programmēšanas valoda – Python</a:t>
-            </a:r>
-            <a:endParaRPr/>
+              <a:rPr lang="lv-LV" sz="2400" dirty="0">
+                <a:latin typeface="Arial"/>
+                <a:ea typeface="Arial"/>
+                <a:cs typeface="Arial"/>
+                <a:sym typeface="Arial"/>
+              </a:rPr>
+              <a:t>Programmēšanas valoda – </a:t>
+            </a:r>
+            <a:r>
+              <a:rPr lang="lv-LV" sz="2400" dirty="0" err="1">
+                <a:latin typeface="Arial"/>
+                <a:ea typeface="Arial"/>
+                <a:cs typeface="Arial"/>
+                <a:sym typeface="Arial"/>
+              </a:rPr>
+              <a:t>Python</a:t>
+            </a:r>
+            <a:endParaRPr lang="lv-LV" dirty="0"/>
           </a:p>
           <a:p>
             <a:pPr marL="355600" lvl="0" indent="-355600" algn="l" rtl="0">
@@ -5764,7 +7240,7 @@
               <a:buChar char="▪"/>
             </a:pPr>
             <a:r>
-              <a:rPr lang="en-US" sz="2400">
+              <a:rPr lang="lv-LV" sz="2400" dirty="0">
                 <a:latin typeface="Arial"/>
                 <a:ea typeface="Arial"/>
                 <a:cs typeface="Arial"/>
@@ -5772,12 +7248,6 @@
               </a:rPr>
               <a:t>Divdaļīga sistēma</a:t>
             </a:r>
-            <a:endParaRPr sz="2400">
-              <a:latin typeface="Arial"/>
-              <a:ea typeface="Arial"/>
-              <a:cs typeface="Arial"/>
-              <a:sym typeface="Arial"/>
-            </a:endParaRPr>
           </a:p>
           <a:p>
             <a:pPr marL="812800" lvl="1" indent="-355600" algn="l" rtl="0">
@@ -5798,15 +7268,69 @@
               <a:buChar char="▪"/>
             </a:pPr>
             <a:r>
-              <a:rPr lang="en-US" sz="2000">
-                <a:latin typeface="Arial"/>
-                <a:ea typeface="Arial"/>
-                <a:cs typeface="Arial"/>
-                <a:sym typeface="Arial"/>
-              </a:rPr>
-              <a:t>Pirmā daļa iegūst lietotāja ievadi, meklē atbilstošo šķirkli angļu Vikipēdijā, un ar web scraping metodi iegūst IPA no šķirkļa.</a:t>
-            </a:r>
-            <a:endParaRPr/>
+              <a:rPr lang="lv-LV" sz="2000" dirty="0">
+                <a:latin typeface="Arial"/>
+                <a:ea typeface="Arial"/>
+                <a:cs typeface="Arial"/>
+                <a:sym typeface="Arial"/>
+              </a:rPr>
+              <a:t>Pirmā daļa iegūst lietotāja ievadi, meklē atbilstošo šķirkli angļu </a:t>
+            </a:r>
+            <a:r>
+              <a:rPr lang="lv-LV" sz="2000" dirty="0" err="1">
+                <a:latin typeface="Arial"/>
+                <a:ea typeface="Arial"/>
+                <a:cs typeface="Arial"/>
+                <a:sym typeface="Arial"/>
+              </a:rPr>
+              <a:t>Vikipēdijā</a:t>
+            </a:r>
+            <a:r>
+              <a:rPr lang="lv-LV" sz="2000" dirty="0">
+                <a:latin typeface="Arial"/>
+                <a:ea typeface="Arial"/>
+                <a:cs typeface="Arial"/>
+                <a:sym typeface="Arial"/>
+              </a:rPr>
+              <a:t>, un ar </a:t>
+            </a:r>
+            <a:r>
+              <a:rPr lang="lv-LV" sz="2000" dirty="0" err="1">
+                <a:latin typeface="Arial"/>
+                <a:ea typeface="Arial"/>
+                <a:cs typeface="Arial"/>
+                <a:sym typeface="Arial"/>
+              </a:rPr>
+              <a:t>web</a:t>
+            </a:r>
+            <a:r>
+              <a:rPr lang="lv-LV" sz="2000" dirty="0">
+                <a:latin typeface="Arial"/>
+                <a:ea typeface="Arial"/>
+                <a:cs typeface="Arial"/>
+                <a:sym typeface="Arial"/>
+              </a:rPr>
+              <a:t> </a:t>
+            </a:r>
+            <a:r>
+              <a:rPr lang="lv-LV" sz="2000" dirty="0" err="1">
+                <a:latin typeface="Arial"/>
+                <a:ea typeface="Arial"/>
+                <a:cs typeface="Arial"/>
+                <a:sym typeface="Arial"/>
+              </a:rPr>
+              <a:t>scraping</a:t>
+            </a:r>
+            <a:r>
+              <a:rPr lang="lv-LV" sz="2000" dirty="0">
+                <a:latin typeface="Arial"/>
+                <a:ea typeface="Arial"/>
+                <a:cs typeface="Arial"/>
+                <a:sym typeface="Arial"/>
+              </a:rPr>
+              <a:t> metodi iegūst IPA no šķirkļa.</a:t>
+            </a:r>
+            <a:endParaRPr lang="lv-LV" dirty="0"/>
           </a:p>
           <a:p>
             <a:pPr marL="812800" lvl="1" indent="-355600" algn="l" rtl="0">
@@ -5827,15 +7351,33 @@
               <a:buChar char="▪"/>
             </a:pPr>
             <a:r>
-              <a:rPr lang="en-US" sz="2000">
-                <a:latin typeface="Arial"/>
-                <a:ea typeface="Arial"/>
-                <a:cs typeface="Arial"/>
-                <a:sym typeface="Arial"/>
-              </a:rPr>
-              <a:t>Otrā daļa pārvērš IPA virkni latviešu valodā ar atbilstošo dzimtes galotni, izmantojot simbolu aizvietošanu un FST pareizas galotnes iegūšanai.</a:t>
-            </a:r>
-            <a:endParaRPr/>
+              <a:rPr lang="lv-LV" sz="2000" dirty="0">
+                <a:latin typeface="Arial"/>
+                <a:ea typeface="Arial"/>
+                <a:cs typeface="Arial"/>
+                <a:sym typeface="Arial"/>
+              </a:rPr>
+              <a:t>Otrā daļa pārvērš IPA virkni latviešu valodā ar atbilstošo dzimtes galotni, izmantojot simbolu aizvietošanu un </a:t>
+            </a:r>
+            <a:r>
+              <a:rPr lang="lv-LV" sz="2000" i="1" dirty="0">
+                <a:latin typeface="Arial"/>
+                <a:ea typeface="Arial"/>
+                <a:cs typeface="Arial"/>
+                <a:sym typeface="Arial"/>
+              </a:rPr>
+              <a:t>*FST pareizas galotnes iegūšanai</a:t>
+            </a:r>
+            <a:r>
+              <a:rPr lang="lv-LV" sz="2000" dirty="0">
+                <a:latin typeface="Arial"/>
+                <a:ea typeface="Arial"/>
+                <a:cs typeface="Arial"/>
+                <a:sym typeface="Arial"/>
+              </a:rPr>
+              <a:t>.</a:t>
+            </a:r>
+            <a:endParaRPr lang="lv-LV" dirty="0"/>
           </a:p>
           <a:p>
             <a:pPr marL="355600" lvl="0" indent="-355600" algn="l" rtl="0">
@@ -5856,20 +7398,14 @@
               <a:buChar char="▪"/>
             </a:pPr>
             <a:r>
-              <a:rPr lang="en-US" sz="2400">
-                <a:latin typeface="Arial"/>
-                <a:ea typeface="Arial"/>
-                <a:cs typeface="Arial"/>
-                <a:sym typeface="Arial"/>
-              </a:rPr>
-              <a:t>Jāizveido standarts IPA-latviešu transliterācijai, balstoties uz eksistējošiem valodas likumiem un autoru informēta viedokļa</a:t>
-            </a:r>
-            <a:endParaRPr sz="2400">
-              <a:latin typeface="Arial"/>
-              <a:ea typeface="Arial"/>
-              <a:cs typeface="Arial"/>
-              <a:sym typeface="Arial"/>
-            </a:endParaRPr>
+              <a:rPr lang="lv-LV" sz="2400" dirty="0">
+                <a:latin typeface="Arial"/>
+                <a:ea typeface="Arial"/>
+                <a:cs typeface="Arial"/>
+                <a:sym typeface="Arial"/>
+              </a:rPr>
+              <a:t>Jāizveido standarts IPA-latviešu transliterācijai dažādām valodām, balstoties uz eksistējošiem valodas likumiem un autoru informēta viedokļa</a:t>
+            </a:r>
           </a:p>
           <a:p>
             <a:pPr marL="355600" lvl="0" indent="-355600" algn="l" rtl="0">
@@ -5890,7 +7426,7 @@
               <a:buChar char="▪"/>
             </a:pPr>
             <a:r>
-              <a:rPr lang="en-US" sz="2400">
+              <a:rPr lang="lv-LV" sz="2400" dirty="0">
                 <a:latin typeface="Arial"/>
                 <a:ea typeface="Arial"/>
                 <a:cs typeface="Arial"/>
@@ -5898,79 +7434,7 @@
               </a:rPr>
               <a:t>Zināmi ierobežojumi – sistēma nespēs radīt pareizu transkripciju vēsturiski pieņemtiem nosaukumiem (piem. Parīze), kā arī varētu atšķirties no jau eksistējošām transkripcijām (piem. Fudzijama).</a:t>
             </a:r>
-            <a:endParaRPr/>
-          </a:p>
-          <a:p>
-            <a:pPr marL="457200" lvl="1" indent="0" algn="l" rtl="0">
-              <a:lnSpc>
-                <a:spcPct val="90000"/>
-              </a:lnSpc>
-              <a:spcBef>
-                <a:spcPts val="1100"/>
-              </a:spcBef>
-              <a:spcAft>
-                <a:spcPts val="0"/>
-              </a:spcAft>
-              <a:buClr>
-                <a:schemeClr val="dk1"/>
-              </a:buClr>
-              <a:buSzPts val="2400"/>
-              <a:buNone/>
-            </a:pPr>
-            <a:endParaRPr>
-              <a:latin typeface="Arial"/>
-              <a:ea typeface="Arial"/>
-              <a:cs typeface="Arial"/>
-              <a:sym typeface="Arial"/>
-            </a:endParaRPr>
-          </a:p>
-          <a:p>
-            <a:pPr marL="0" lvl="0" indent="0" algn="l" rtl="0">
-              <a:lnSpc>
-                <a:spcPct val="90000"/>
-              </a:lnSpc>
-              <a:spcBef>
-                <a:spcPts val="1000"/>
-              </a:spcBef>
-              <a:spcAft>
-                <a:spcPts val="0"/>
-              </a:spcAft>
-              <a:buClr>
-                <a:schemeClr val="dk1"/>
-              </a:buClr>
-              <a:buSzPts val="2400"/>
-              <a:buNone/>
-            </a:pPr>
-            <a:endParaRPr sz="2400">
-              <a:latin typeface="Arial"/>
-              <a:ea typeface="Arial"/>
-              <a:cs typeface="Arial"/>
-              <a:sym typeface="Arial"/>
-            </a:endParaRPr>
-          </a:p>
-          <a:p>
-            <a:pPr marL="0" lvl="0" indent="0" algn="l" rtl="0">
-              <a:lnSpc>
-                <a:spcPct val="90000"/>
-              </a:lnSpc>
-              <a:spcBef>
-                <a:spcPts val="1000"/>
-              </a:spcBef>
-              <a:spcAft>
-                <a:spcPts val="0"/>
-              </a:spcAft>
-              <a:buClr>
-                <a:schemeClr val="dk1"/>
-              </a:buClr>
-              <a:buSzPts val="2400"/>
-              <a:buNone/>
-            </a:pPr>
-            <a:endParaRPr sz="2400">
-              <a:latin typeface="Arial"/>
-              <a:ea typeface="Arial"/>
-              <a:cs typeface="Arial"/>
-              <a:sym typeface="Arial"/>
-            </a:endParaRPr>
+            <a:endParaRPr lang="lv-LV" dirty="0"/>
           </a:p>
         </p:txBody>
       </p:sp>
@@ -6151,7 +7615,7 @@
         </p:nvSpPr>
         <p:spPr>
           <a:xfrm>
-            <a:off x="418011" y="1709530"/>
+            <a:off x="418011" y="1404730"/>
             <a:ext cx="11618971" cy="4264549"/>
           </a:xfrm>
           <a:prstGeom prst="rect">
@@ -6186,7 +7650,7 @@
               <a:buChar char="▪"/>
             </a:pPr>
             <a:r>
-              <a:rPr lang="lv-LV" sz="2400" dirty="0">
+              <a:rPr lang="lv-LV" sz="2000" dirty="0">
                 <a:latin typeface="Arial"/>
                 <a:ea typeface="Arial"/>
                 <a:cs typeface="Arial"/>
@@ -6195,7 +7659,7 @@
               <a:t>Programmēšanas valoda – </a:t>
             </a:r>
             <a:r>
-              <a:rPr lang="lv-LV" sz="2400" dirty="0" err="1">
+              <a:rPr lang="lv-LV" sz="2000" dirty="0" err="1">
                 <a:latin typeface="Arial"/>
                 <a:ea typeface="Arial"/>
                 <a:cs typeface="Arial"/>
@@ -6203,7 +7667,7 @@
               </a:rPr>
               <a:t>Python</a:t>
             </a:r>
-            <a:endParaRPr lang="lv-LV" sz="2400" dirty="0">
+            <a:endParaRPr lang="lv-LV" sz="2000" dirty="0">
               <a:latin typeface="Arial"/>
               <a:ea typeface="Arial"/>
               <a:cs typeface="Arial"/>
@@ -6229,7 +7693,7 @@
               <a:buChar char="▪"/>
             </a:pPr>
             <a:r>
-              <a:rPr lang="lv-LV" sz="2400" dirty="0">
+              <a:rPr lang="lv-LV" sz="2000" dirty="0">
                 <a:latin typeface="Arial"/>
                 <a:cs typeface="Arial"/>
                 <a:sym typeface="Arial"/>
@@ -6250,18 +7714,21 @@
               <a:buChar char="▪"/>
             </a:pPr>
             <a:r>
-              <a:rPr lang="lv-LV" dirty="0" err="1">
-                <a:latin typeface="Arial"/>
-                <a:cs typeface="Arial"/>
-                <a:sym typeface="Arial"/>
-              </a:rPr>
-              <a:t>Reguest</a:t>
-            </a:r>
-            <a:endParaRPr lang="lv-LV" dirty="0">
-              <a:latin typeface="Arial"/>
-              <a:cs typeface="Arial"/>
-              <a:sym typeface="Arial"/>
-            </a:endParaRPr>
+              <a:rPr lang="lv-LV" sz="2000" dirty="0" err="1">
+                <a:latin typeface="Arial"/>
+                <a:cs typeface="Arial"/>
+                <a:sym typeface="Arial"/>
+              </a:rPr>
+              <a:t>request</a:t>
+            </a:r>
+            <a:r>
+              <a:rPr lang="lv-LV" sz="2000" dirty="0">
+                <a:latin typeface="Arial"/>
+                <a:cs typeface="Arial"/>
+                <a:sym typeface="Arial"/>
+              </a:rPr>
+              <a:t> - </a:t>
+            </a:r>
           </a:p>
           <a:p>
             <a:pPr marL="812800" lvl="1" indent="-355600">
@@ -6276,12 +7743,12 @@
               <a:buChar char="▪"/>
             </a:pPr>
             <a:r>
-              <a:rPr lang="lv-LV" dirty="0">
-                <a:latin typeface="Arial"/>
-                <a:cs typeface="Arial"/>
-                <a:sym typeface="Arial"/>
-              </a:rPr>
-              <a:t>Beautifulsoup4</a:t>
+              <a:rPr lang="lv-LV" sz="2000" dirty="0">
+                <a:latin typeface="Arial"/>
+                <a:cs typeface="Arial"/>
+                <a:sym typeface="Arial"/>
+              </a:rPr>
+              <a:t>beautifulsoup4 - </a:t>
             </a:r>
           </a:p>
           <a:p>
@@ -6297,18 +7764,21 @@
               <a:buChar char="▪"/>
             </a:pPr>
             <a:r>
-              <a:rPr lang="lv-LV" dirty="0" err="1">
-                <a:latin typeface="Arial"/>
-                <a:cs typeface="Arial"/>
-                <a:sym typeface="Arial"/>
-              </a:rPr>
-              <a:t>Regex</a:t>
-            </a:r>
-            <a:endParaRPr lang="lv-LV" dirty="0">
-              <a:latin typeface="Arial"/>
-              <a:cs typeface="Arial"/>
-              <a:sym typeface="Arial"/>
-            </a:endParaRPr>
+              <a:rPr lang="lv-LV" sz="2000" dirty="0" err="1">
+                <a:latin typeface="Arial"/>
+                <a:cs typeface="Arial"/>
+                <a:sym typeface="Arial"/>
+              </a:rPr>
+              <a:t>regex</a:t>
+            </a:r>
+            <a:r>
+              <a:rPr lang="lv-LV" sz="2000" dirty="0">
+                <a:latin typeface="Arial"/>
+                <a:cs typeface="Arial"/>
+                <a:sym typeface="Arial"/>
+              </a:rPr>
+              <a:t> - </a:t>
+            </a:r>
           </a:p>
           <a:p>
             <a:pPr marL="812800" lvl="1" indent="-355600">
@@ -6323,14 +7793,61 @@
               <a:buChar char="▪"/>
             </a:pPr>
             <a:r>
-              <a:rPr lang="lv-LV" dirty="0" err="1">
-                <a:latin typeface="Arial"/>
-                <a:cs typeface="Arial"/>
-                <a:sym typeface="Arial"/>
-              </a:rPr>
-              <a:t>Ipapy</a:t>
-            </a:r>
-            <a:endParaRPr lang="lv-LV" dirty="0"/>
+              <a:rPr lang="lv-LV" sz="2000" dirty="0" err="1">
+                <a:latin typeface="Arial"/>
+                <a:cs typeface="Arial"/>
+                <a:sym typeface="Arial"/>
+              </a:rPr>
+              <a:t>ipapy</a:t>
+            </a:r>
+            <a:r>
+              <a:rPr lang="lv-LV" sz="2000" dirty="0">
+                <a:latin typeface="Arial"/>
+                <a:cs typeface="Arial"/>
+                <a:sym typeface="Arial"/>
+              </a:rPr>
+              <a:t> – </a:t>
+            </a:r>
+          </a:p>
+          <a:p>
+            <a:pPr marL="355600" indent="-355600">
+              <a:spcBef>
+                <a:spcPts val="0"/>
+              </a:spcBef>
+              <a:buClr>
+                <a:srgbClr val="1B5089"/>
+              </a:buClr>
+              <a:buSzPts val="2880"/>
+              <a:buFont typeface="Noto Sans Symbols"/>
+              <a:buChar char="▪"/>
+            </a:pPr>
+            <a:r>
+              <a:rPr lang="lv-LV" sz="2000" dirty="0">
+                <a:latin typeface="Arial"/>
+                <a:ea typeface="Arial"/>
+                <a:cs typeface="Arial"/>
+                <a:sym typeface="Arial"/>
+              </a:rPr>
+              <a:t>Izvēlētās valodas: </a:t>
+            </a:r>
+            <a:r>
+              <a:rPr lang="lv-LV" sz="2000" b="1" dirty="0">
+                <a:latin typeface="Arial"/>
+                <a:ea typeface="Arial"/>
+                <a:cs typeface="Arial"/>
+                <a:sym typeface="Arial"/>
+              </a:rPr>
+              <a:t>Ķīniešu, Franču, Ukraiņu, Japāņu, Vāciešu, Angļu </a:t>
+            </a:r>
+            <a:r>
+              <a:rPr lang="lv-LV" sz="2000" dirty="0">
+                <a:latin typeface="Arial"/>
+                <a:ea typeface="Arial"/>
+                <a:cs typeface="Arial"/>
+                <a:sym typeface="Arial"/>
+              </a:rPr>
+              <a:t>(lielas, atšķirīgas un daļēji aprakstītas Latvijas likumā).</a:t>
+            </a:r>
           </a:p>
           <a:p>
             <a:pPr marL="355600" lvl="0" indent="-355600" algn="l" rtl="0">
@@ -6350,58 +7867,8 @@
               <a:buFont typeface="Noto Sans Symbols"/>
               <a:buChar char="▪"/>
             </a:pPr>
-            <a:endParaRPr lang="lv-LV" sz="2400" dirty="0">
-              <a:latin typeface="Arial"/>
-              <a:ea typeface="Arial"/>
-              <a:cs typeface="Arial"/>
-              <a:sym typeface="Arial"/>
-            </a:endParaRPr>
-          </a:p>
-          <a:p>
-            <a:pPr marL="355600" lvl="0" indent="-355600" algn="l" rtl="0">
-              <a:lnSpc>
-                <a:spcPct val="90000"/>
-              </a:lnSpc>
-              <a:spcBef>
-                <a:spcPts val="1200"/>
-              </a:spcBef>
-              <a:spcAft>
-                <a:spcPts val="0"/>
-              </a:spcAft>
-              <a:buClr>
-                <a:srgbClr val="1B5089"/>
-              </a:buClr>
-              <a:buSzPts val="2880"/>
-              <a:buFont typeface="Noto Sans Symbols"/>
-              <a:buChar char="▪"/>
-            </a:pPr>
-            <a:endParaRPr lang="lv-LV" sz="2400" dirty="0">
-              <a:latin typeface="Arial"/>
-              <a:ea typeface="Arial"/>
-              <a:cs typeface="Arial"/>
-              <a:sym typeface="Arial"/>
-            </a:endParaRPr>
-          </a:p>
-          <a:p>
-            <a:pPr marL="355600" lvl="0" indent="-355600" algn="l" rtl="0">
-              <a:lnSpc>
-                <a:spcPct val="90000"/>
-              </a:lnSpc>
-              <a:spcBef>
-                <a:spcPts val="1200"/>
-              </a:spcBef>
-              <a:spcAft>
-                <a:spcPts val="0"/>
-              </a:spcAft>
-              <a:buClr>
-                <a:srgbClr val="1B5089"/>
-              </a:buClr>
-              <a:buSzPts val="2880"/>
-              <a:buFont typeface="Noto Sans Symbols"/>
-              <a:buChar char="▪"/>
-            </a:pPr>
-            <a:r>
-              <a:rPr lang="lv-LV" sz="2400" dirty="0">
+            <a:r>
+              <a:rPr lang="lv-LV" sz="2000" dirty="0">
                 <a:latin typeface="Arial"/>
                 <a:ea typeface="Arial"/>
                 <a:cs typeface="Arial"/>
@@ -6489,9 +7956,45 @@
                 <a:cs typeface="Arial"/>
                 <a:sym typeface="Arial"/>
               </a:rPr>
-              <a:t> metodi iegūst IPA no šķirkļa.</a:t>
-            </a:r>
-            <a:endParaRPr lang="lv-LV" dirty="0"/>
+              <a:t> un </a:t>
+            </a:r>
+            <a:r>
+              <a:rPr lang="lv-LV" sz="2000" dirty="0" err="1">
+                <a:latin typeface="Arial"/>
+                <a:ea typeface="Arial"/>
+                <a:cs typeface="Arial"/>
+                <a:sym typeface="Arial"/>
+              </a:rPr>
+              <a:t>regex</a:t>
+            </a:r>
+            <a:r>
+              <a:rPr lang="lv-LV" sz="2000" dirty="0">
+                <a:latin typeface="Arial"/>
+                <a:ea typeface="Arial"/>
+                <a:cs typeface="Arial"/>
+                <a:sym typeface="Arial"/>
+              </a:rPr>
+              <a:t> palīdzību iegūst IPA no šķirkļa </a:t>
+            </a:r>
+            <a:r>
+              <a:rPr lang="lv-LV" sz="2000" i="1" dirty="0" err="1">
+                <a:latin typeface="Arial"/>
+                <a:ea typeface="Arial"/>
+                <a:cs typeface="Arial"/>
+                <a:sym typeface="Arial"/>
+              </a:rPr>
+              <a:t>Unicode</a:t>
+            </a:r>
+            <a:r>
+              <a:rPr lang="lv-LV" sz="2000" dirty="0">
+                <a:latin typeface="Arial"/>
+                <a:ea typeface="Arial"/>
+                <a:cs typeface="Arial"/>
+                <a:sym typeface="Arial"/>
+              </a:rPr>
+              <a:t> simbolu virknes formātā.</a:t>
+            </a:r>
+            <a:endParaRPr lang="lv-LV" sz="2000" dirty="0"/>
           </a:p>
           <a:p>
             <a:pPr marL="812800" lvl="1" indent="-355600" algn="l" rtl="0">
@@ -6518,90 +8021,8 @@
                 <a:cs typeface="Arial"/>
                 <a:sym typeface="Arial"/>
               </a:rPr>
-              <a:t>Otrā daļa pārvērš IPA virkni latviešu valodā ar atbilstošo dzimtes galotni, izmantojot simbolu aizvietošanu un FST pareizas galotnes iegūšanai.</a:t>
-            </a:r>
-            <a:endParaRPr lang="lv-LV" dirty="0"/>
-          </a:p>
-          <a:p>
-            <a:pPr marL="355600" lvl="0" indent="-355600" algn="l" rtl="0">
-              <a:lnSpc>
-                <a:spcPct val="90000"/>
-              </a:lnSpc>
-              <a:spcBef>
-                <a:spcPts val="1200"/>
-              </a:spcBef>
-              <a:spcAft>
-                <a:spcPts val="0"/>
-              </a:spcAft>
-              <a:buClr>
-                <a:srgbClr val="1B5089"/>
-              </a:buClr>
-              <a:buSzPts val="2880"/>
-              <a:buFont typeface="Noto Sans Symbols"/>
-              <a:buChar char="▪"/>
-            </a:pPr>
-            <a:r>
-              <a:rPr lang="lv-LV" sz="2400" dirty="0">
-                <a:latin typeface="Arial"/>
-                <a:ea typeface="Arial"/>
-                <a:cs typeface="Arial"/>
-                <a:sym typeface="Arial"/>
-              </a:rPr>
-              <a:t>Jāizveido standarts IPA-latviešu transliterācijai, balstoties uz eksistējošiem valodas likumiem un autoru informēta viedokļa</a:t>
-            </a:r>
-          </a:p>
-          <a:p>
-            <a:pPr marL="355600" lvl="0" indent="-355600" algn="l" rtl="0">
-              <a:lnSpc>
-                <a:spcPct val="90000"/>
-              </a:lnSpc>
-              <a:spcBef>
-                <a:spcPts val="1200"/>
-              </a:spcBef>
-              <a:spcAft>
-                <a:spcPts val="0"/>
-              </a:spcAft>
-              <a:buClr>
-                <a:srgbClr val="1B5089"/>
-              </a:buClr>
-              <a:buSzPts val="2880"/>
-              <a:buFont typeface="Noto Sans Symbols"/>
-              <a:buChar char="▪"/>
-            </a:pPr>
-            <a:r>
-              <a:rPr lang="lv-LV" sz="2400" dirty="0">
-                <a:latin typeface="Arial"/>
-                <a:ea typeface="Arial"/>
-                <a:cs typeface="Arial"/>
-                <a:sym typeface="Arial"/>
-              </a:rPr>
-              <a:t>Zināmi ierobežojumi – sistēma nespēs radīt pareizu transkripciju vēsturiski pieņemtiem nosaukumiem (piem. Parīze), kā arī varētu atšķirties no jau eksistējošām transkripcijām (piem. Fudzijama).</a:t>
-            </a:r>
-            <a:endParaRPr lang="lv-LV" dirty="0"/>
-          </a:p>
-          <a:p>
-            <a:pPr marL="457200" lvl="1" indent="0" algn="l" rtl="0">
-              <a:lnSpc>
-                <a:spcPct val="90000"/>
-              </a:lnSpc>
-              <a:spcBef>
-                <a:spcPts val="1100"/>
-              </a:spcBef>
-              <a:spcAft>
-                <a:spcPts val="0"/>
-              </a:spcAft>
-              <a:buClr>
-                <a:schemeClr val="dk1"/>
-              </a:buClr>
-              <a:buSzPts val="2400"/>
-              <a:buNone/>
-            </a:pPr>
-            <a:endParaRPr lang="lv-LV" dirty="0">
-              <a:latin typeface="Arial"/>
-              <a:ea typeface="Arial"/>
-              <a:cs typeface="Arial"/>
-              <a:sym typeface="Arial"/>
-            </a:endParaRPr>
+              <a:t>Otrā daļa pārvērš IPA virkni latviešu valodā ar atbilstošo dzimtes galotni, pielietojot simbolu aizvietošanu, kas izmanto JSON kolekcijas, kuras satur IPA-latviešu transliterāciju (balstīta uz eksistējošiem valodas likumiem un autoru informēta viedokļa).</a:t>
+            </a:r>
           </a:p>
           <a:p>
             <a:pPr marL="0" lvl="0" indent="0" algn="l" rtl="0">
@@ -6620,31 +8041,7 @@
               <a:buSzPts val="2400"/>
               <a:buNone/>
             </a:pPr>
-            <a:endParaRPr lang="lv-LV" sz="2400" dirty="0">
-              <a:latin typeface="Arial"/>
-              <a:ea typeface="Arial"/>
-              <a:cs typeface="Arial"/>
-              <a:sym typeface="Arial"/>
-            </a:endParaRPr>
-          </a:p>
-          <a:p>
-            <a:pPr marL="0" lvl="0" indent="0" algn="l" rtl="0">
-              <a:lnSpc>
-                <a:spcPct val="90000"/>
-              </a:lnSpc>
-              <a:spcBef>
-                <a:spcPts val="1000"/>
-              </a:spcBef>
-              <a:spcAft>
-                <a:spcPts val="0"/>
-              </a:spcAft>
-              <a:buClr>
-                <a:schemeClr val="dk1"/>
-              </a:buClr>
-              <a:buSzPts val="2400"/>
-              <a:buNone/>
-            </a:pPr>
-            <a:endParaRPr lang="lv-LV" sz="2400" dirty="0">
+            <a:endParaRPr lang="lv-LV" sz="2000" dirty="0">
               <a:latin typeface="Arial"/>
               <a:ea typeface="Arial"/>
               <a:cs typeface="Arial"/>
@@ -6771,18 +8168,6 @@
               <a:buNone/>
             </a:pPr>
             <a:r>
-              <a:rPr lang="lv-LV" dirty="0" err="1">
-                <a:solidFill>
-                  <a:srgbClr val="1B5089"/>
-                </a:solidFill>
-                <a:latin typeface="Arial"/>
-                <a:ea typeface="Arial"/>
-                <a:cs typeface="Arial"/>
-                <a:sym typeface="Arial"/>
-              </a:rPr>
-              <a:t>Ierobēžojumi</a:t>
-            </a:r>
-            <a:r>
               <a:rPr lang="lv-LV" dirty="0">
                 <a:solidFill>
                   <a:srgbClr val="1B5089"/>
@@ -6792,19 +8177,7 @@
                 <a:cs typeface="Arial"/>
                 <a:sym typeface="Arial"/>
               </a:rPr>
-              <a:t> un </a:t>
-            </a:r>
-            <a:r>
-              <a:rPr lang="lv-LV" dirty="0" err="1">
-                <a:solidFill>
-                  <a:srgbClr val="1B5089"/>
-                </a:solidFill>
-                <a:latin typeface="Arial"/>
-                <a:ea typeface="Arial"/>
-                <a:cs typeface="Arial"/>
-                <a:sym typeface="Arial"/>
-              </a:rPr>
-              <a:t>sarežģijumi</a:t>
+              <a:t>Sastaptie ierobežojumi un sarežģījumi</a:t>
             </a:r>
             <a:endParaRPr dirty="0">
               <a:solidFill>
@@ -6830,8 +8203,8 @@
         </p:nvSpPr>
         <p:spPr>
           <a:xfrm>
-            <a:off x="418011" y="1709530"/>
-            <a:ext cx="11618971" cy="4264549"/>
+            <a:off x="418011" y="1296725"/>
+            <a:ext cx="11618971" cy="4684975"/>
           </a:xfrm>
           <a:prstGeom prst="rect">
             <a:avLst/>
@@ -6852,7 +8225,7 @@
                 <a:spcPct val="90000"/>
               </a:lnSpc>
               <a:spcBef>
-                <a:spcPts val="0"/>
+                <a:spcPts val="1200"/>
               </a:spcBef>
               <a:spcAft>
                 <a:spcPts val="0"/>
@@ -6865,58 +8238,13 @@
               <a:buChar char="▪"/>
             </a:pPr>
             <a:r>
-              <a:rPr lang="lv-LV" dirty="0" err="1">
-                <a:latin typeface="Arial"/>
-                <a:ea typeface="Arial"/>
-                <a:cs typeface="Arial"/>
-                <a:sym typeface="Arial"/>
-              </a:rPr>
-              <a:t>Ipapy</a:t>
-            </a:r>
-            <a:r>
-              <a:rPr lang="lv-LV" dirty="0">
-                <a:latin typeface="Arial"/>
-                <a:ea typeface="Arial"/>
-                <a:cs typeface="Arial"/>
-                <a:sym typeface="Arial"/>
-              </a:rPr>
-              <a:t> koda bibliotēka bija nedaudz novecojusi un ilgu laiku nebija atjaunināta, kas to salauza, bet, pateicoties </a:t>
-            </a:r>
-            <a:r>
-              <a:rPr lang="lv-LV" dirty="0" err="1">
-                <a:latin typeface="Arial"/>
-                <a:ea typeface="Arial"/>
-                <a:cs typeface="Arial"/>
-                <a:sym typeface="Arial"/>
-              </a:rPr>
-              <a:t>GitHub</a:t>
-            </a:r>
-            <a:r>
-              <a:rPr lang="lv-LV" dirty="0">
-                <a:latin typeface="Arial"/>
-                <a:ea typeface="Arial"/>
-                <a:cs typeface="Arial"/>
-                <a:sym typeface="Arial"/>
-              </a:rPr>
-              <a:t> </a:t>
-            </a:r>
-            <a:r>
-              <a:rPr lang="lv-LV" dirty="0" err="1">
-                <a:latin typeface="Arial"/>
-                <a:ea typeface="Arial"/>
-                <a:cs typeface="Arial"/>
-                <a:sym typeface="Arial"/>
-              </a:rPr>
-              <a:t>issues</a:t>
-            </a:r>
-            <a:r>
-              <a:rPr lang="lv-LV" dirty="0">
-                <a:latin typeface="Arial"/>
-                <a:ea typeface="Arial"/>
-                <a:cs typeface="Arial"/>
-                <a:sym typeface="Arial"/>
-              </a:rPr>
-              <a:t>, atradām atrisinājumu un izvēlējāmies iekļaut koda bibliotēku lokāli.</a:t>
+              <a:rPr lang="lv-LV" sz="2000" dirty="0">
+                <a:latin typeface="Arial"/>
+                <a:ea typeface="Arial"/>
+                <a:cs typeface="Arial"/>
+                <a:sym typeface="Arial"/>
+              </a:rPr>
+              <a:t>Sistēma nespēj radīt pareizu transkripciju vēsturiski pieņemtiem nosaukumiem (piem. Parīze), kā arī vietām atšķiras no eksistējošām transkripcijām (piem. Fudzijama).</a:t>
             </a:r>
           </a:p>
           <a:p>
@@ -6937,17 +8265,176 @@
               <a:buFont typeface="Noto Sans Symbols"/>
               <a:buChar char="▪"/>
             </a:pPr>
-            <a:r>
-              <a:rPr lang="lv-LV" dirty="0">
-                <a:latin typeface="Arial"/>
-                <a:ea typeface="Arial"/>
-                <a:cs typeface="Arial"/>
-                <a:sym typeface="Arial"/>
-              </a:rPr>
-              <a:t>Bija doma izmantot FST </a:t>
-            </a:r>
-            <a:r>
-              <a:rPr lang="lv-LV" dirty="0" err="1">
+            <a:endParaRPr lang="lv-LV" sz="2000" i="1" dirty="0">
+              <a:latin typeface="Arial"/>
+              <a:ea typeface="Arial"/>
+              <a:cs typeface="Arial"/>
+              <a:sym typeface="Arial"/>
+            </a:endParaRPr>
+          </a:p>
+          <a:p>
+            <a:pPr marL="355600" lvl="0" indent="-355600" algn="l" rtl="0">
+              <a:lnSpc>
+                <a:spcPct val="90000"/>
+              </a:lnSpc>
+              <a:spcBef>
+                <a:spcPts val="0"/>
+              </a:spcBef>
+              <a:spcAft>
+                <a:spcPts val="0"/>
+              </a:spcAft>
+              <a:buClr>
+                <a:srgbClr val="1B5089"/>
+              </a:buClr>
+              <a:buSzPts val="2880"/>
+              <a:buFont typeface="Noto Sans Symbols"/>
+              <a:buChar char="▪"/>
+            </a:pPr>
+            <a:r>
+              <a:rPr lang="lv-LV" sz="2000" i="1" dirty="0" err="1">
+                <a:latin typeface="Arial"/>
+                <a:ea typeface="Arial"/>
+                <a:cs typeface="Arial"/>
+                <a:sym typeface="Arial"/>
+              </a:rPr>
+              <a:t>ipapy</a:t>
+            </a:r>
+            <a:r>
+              <a:rPr lang="lv-LV" sz="2000" dirty="0">
+                <a:latin typeface="Arial"/>
+                <a:ea typeface="Arial"/>
+                <a:cs typeface="Arial"/>
+                <a:sym typeface="Arial"/>
+              </a:rPr>
+              <a:t> koda bibliotēka bija novecojusi un ilgu laiku nebija atjaunināta, kas noveda uz nesaderību ar </a:t>
+            </a:r>
+            <a:r>
+              <a:rPr lang="lv-LV" sz="2000" dirty="0" err="1">
+                <a:latin typeface="Arial"/>
+                <a:ea typeface="Arial"/>
+                <a:cs typeface="Arial"/>
+                <a:sym typeface="Arial"/>
+              </a:rPr>
+              <a:t>Python</a:t>
+            </a:r>
+            <a:r>
+              <a:rPr lang="lv-LV" sz="2000" dirty="0">
+                <a:latin typeface="Arial"/>
+                <a:ea typeface="Arial"/>
+                <a:cs typeface="Arial"/>
+                <a:sym typeface="Arial"/>
+              </a:rPr>
+              <a:t> versijām. Pateicoties </a:t>
+            </a:r>
+            <a:r>
+              <a:rPr lang="lv-LV" sz="2000" i="1" dirty="0" err="1">
+                <a:latin typeface="Arial"/>
+                <a:ea typeface="Arial"/>
+                <a:cs typeface="Arial"/>
+                <a:sym typeface="Arial"/>
+              </a:rPr>
+              <a:t>GitHub</a:t>
+            </a:r>
+            <a:r>
+              <a:rPr lang="lv-LV" sz="2000" i="1" dirty="0">
+                <a:latin typeface="Arial"/>
+                <a:ea typeface="Arial"/>
+                <a:cs typeface="Arial"/>
+                <a:sym typeface="Arial"/>
+              </a:rPr>
+              <a:t> </a:t>
+            </a:r>
+            <a:r>
+              <a:rPr lang="lv-LV" sz="2000" i="1" dirty="0" err="1">
+                <a:latin typeface="Arial"/>
+                <a:ea typeface="Arial"/>
+                <a:cs typeface="Arial"/>
+                <a:sym typeface="Arial"/>
+              </a:rPr>
+              <a:t>issues</a:t>
+            </a:r>
+            <a:r>
+              <a:rPr lang="lv-LV" sz="2000" dirty="0">
+                <a:latin typeface="Arial"/>
+                <a:ea typeface="Arial"/>
+                <a:cs typeface="Arial"/>
+                <a:sym typeface="Arial"/>
+              </a:rPr>
+              <a:t>, atradām atrisinājumu un izvēlējāmies iekļaut koda bibliotēkas pirmkodu pašā projekta repozitorijā (MIT </a:t>
+            </a:r>
+            <a:r>
+              <a:rPr lang="lv-LV" sz="2000" dirty="0" err="1">
+                <a:latin typeface="Arial"/>
+                <a:ea typeface="Arial"/>
+                <a:cs typeface="Arial"/>
+                <a:sym typeface="Arial"/>
+              </a:rPr>
+              <a:t>license</a:t>
+            </a:r>
+            <a:r>
+              <a:rPr lang="lv-LV" sz="2000" dirty="0">
+                <a:latin typeface="Arial"/>
+                <a:ea typeface="Arial"/>
+                <a:cs typeface="Arial"/>
+                <a:sym typeface="Arial"/>
+              </a:rPr>
+              <a:t>).</a:t>
+            </a:r>
+          </a:p>
+          <a:p>
+            <a:pPr marL="355600" lvl="0" indent="-355600" algn="l" rtl="0">
+              <a:lnSpc>
+                <a:spcPct val="90000"/>
+              </a:lnSpc>
+              <a:spcBef>
+                <a:spcPts val="0"/>
+              </a:spcBef>
+              <a:spcAft>
+                <a:spcPts val="0"/>
+              </a:spcAft>
+              <a:buClr>
+                <a:srgbClr val="1B5089"/>
+              </a:buClr>
+              <a:buSzPts val="2880"/>
+              <a:buFont typeface="Noto Sans Symbols"/>
+              <a:buChar char="▪"/>
+            </a:pPr>
+            <a:endParaRPr lang="lv-LV" sz="2000" dirty="0">
+              <a:latin typeface="Arial"/>
+              <a:ea typeface="Arial"/>
+              <a:cs typeface="Arial"/>
+              <a:sym typeface="Arial"/>
+            </a:endParaRPr>
+          </a:p>
+          <a:p>
+            <a:pPr marL="355600" lvl="0" indent="-355600" algn="l" rtl="0">
+              <a:lnSpc>
+                <a:spcPct val="90000"/>
+              </a:lnSpc>
+              <a:spcBef>
+                <a:spcPts val="0"/>
+              </a:spcBef>
+              <a:spcAft>
+                <a:spcPts val="0"/>
+              </a:spcAft>
+              <a:buClr>
+                <a:srgbClr val="1B5089"/>
+              </a:buClr>
+              <a:buSzPts val="2880"/>
+              <a:buFont typeface="Noto Sans Symbols"/>
+              <a:buChar char="▪"/>
+            </a:pPr>
+            <a:r>
+              <a:rPr lang="lv-LV" sz="2000" dirty="0">
+                <a:latin typeface="Arial"/>
+                <a:ea typeface="Arial"/>
+                <a:cs typeface="Arial"/>
+                <a:sym typeface="Arial"/>
+              </a:rPr>
+              <a:t>Bija plānots lietot FST </a:t>
+            </a:r>
+            <a:r>
+              <a:rPr lang="lv-LV" sz="2000" i="1" dirty="0" err="1">
                 <a:latin typeface="Arial"/>
                 <a:ea typeface="Arial"/>
                 <a:cs typeface="Arial"/>
@@ -6956,50 +8443,308 @@
               <a:t>hfst</a:t>
             </a:r>
             <a:r>
-              <a:rPr lang="lv-LV" dirty="0">
-                <a:latin typeface="Arial"/>
-                <a:ea typeface="Arial"/>
-                <a:cs typeface="Arial"/>
-                <a:sym typeface="Arial"/>
-              </a:rPr>
-              <a:t> veidā, bet </a:t>
-            </a:r>
-            <a:r>
-              <a:rPr lang="lv-LV" dirty="0" err="1">
-                <a:latin typeface="Arial"/>
-                <a:ea typeface="Arial"/>
-                <a:cs typeface="Arial"/>
-                <a:sym typeface="Arial"/>
-              </a:rPr>
-              <a:t>hfst</a:t>
-            </a:r>
-            <a:r>
-              <a:rPr lang="lv-LV" dirty="0">
-                <a:latin typeface="Arial"/>
-                <a:ea typeface="Arial"/>
-                <a:cs typeface="Arial"/>
-                <a:sym typeface="Arial"/>
-              </a:rPr>
-              <a:t> ir izmantojams tikai UNIX sistēmās, tādēļ izvēlējāmies izlaist, jo mums nebija UNIX sistēmas. Kā arī sapratām, ka mums </a:t>
-            </a:r>
-            <a:r>
-              <a:rPr lang="lv-LV" dirty="0" err="1">
-                <a:latin typeface="Arial"/>
-                <a:ea typeface="Arial"/>
-                <a:cs typeface="Arial"/>
-                <a:sym typeface="Arial"/>
-              </a:rPr>
-              <a:t>hfst</a:t>
-            </a:r>
-            <a:r>
-              <a:rPr lang="lv-LV" dirty="0">
-                <a:latin typeface="Arial"/>
-                <a:ea typeface="Arial"/>
-                <a:cs typeface="Arial"/>
-                <a:sym typeface="Arial"/>
-              </a:rPr>
-              <a:t> nevajag, lai izstrādātu lielāko daļu no darba.</a:t>
-            </a:r>
+              <a:rPr lang="lv-LV" sz="2000" i="1" dirty="0">
+                <a:latin typeface="Arial"/>
+                <a:ea typeface="Arial"/>
+                <a:cs typeface="Arial"/>
+                <a:sym typeface="Arial"/>
+              </a:rPr>
+              <a:t> </a:t>
+            </a:r>
+            <a:r>
+              <a:rPr lang="lv-LV" sz="2000" dirty="0">
+                <a:latin typeface="Arial"/>
+                <a:ea typeface="Arial"/>
+                <a:cs typeface="Arial"/>
+                <a:sym typeface="Arial"/>
+              </a:rPr>
+              <a:t>veidā, bet izstrādājot darbu, pārdomājām, jo:</a:t>
+            </a:r>
+          </a:p>
+          <a:p>
+            <a:pPr marL="812800" lvl="1" indent="-355600">
+              <a:spcBef>
+                <a:spcPts val="0"/>
+              </a:spcBef>
+              <a:buClr>
+                <a:srgbClr val="1B5089"/>
+              </a:buClr>
+              <a:buSzPts val="2880"/>
+              <a:buFont typeface="Noto Sans Symbols"/>
+              <a:buChar char="▪"/>
+            </a:pPr>
+            <a:r>
+              <a:rPr lang="lv-LV" sz="2000" dirty="0">
+                <a:latin typeface="Arial"/>
+                <a:ea typeface="Arial"/>
+                <a:cs typeface="Arial"/>
+                <a:sym typeface="Arial"/>
+              </a:rPr>
+              <a:t>šo bibliotēku var izmantot tikai UNIX sistēmās, kuras mums nebija pieejamas,</a:t>
+            </a:r>
+          </a:p>
+          <a:p>
+            <a:pPr marL="812800" lvl="1" indent="-355600">
+              <a:spcBef>
+                <a:spcPts val="0"/>
+              </a:spcBef>
+              <a:buClr>
+                <a:srgbClr val="1B5089"/>
+              </a:buClr>
+              <a:buSzPts val="2880"/>
+              <a:buFont typeface="Noto Sans Symbols"/>
+              <a:buChar char="▪"/>
+            </a:pPr>
+            <a:r>
+              <a:rPr lang="lv-LV" sz="2000" dirty="0">
+                <a:latin typeface="Arial"/>
+                <a:ea typeface="Arial"/>
+                <a:cs typeface="Arial"/>
+                <a:sym typeface="Arial"/>
+              </a:rPr>
+              <a:t>sapratām, ka mūsu risinājumam šī bibliotēka un FST kā tāds nebūs tomēr nepieciešams.</a:t>
+            </a:r>
+          </a:p>
+          <a:p>
+            <a:pPr marL="355600" indent="-355600">
+              <a:spcBef>
+                <a:spcPts val="0"/>
+              </a:spcBef>
+              <a:buClr>
+                <a:srgbClr val="1B5089"/>
+              </a:buClr>
+              <a:buSzPts val="2880"/>
+              <a:buFont typeface="Noto Sans Symbols"/>
+              <a:buChar char="▪"/>
+            </a:pPr>
+            <a:endParaRPr lang="lv-LV" sz="2000" dirty="0">
+              <a:latin typeface="Arial"/>
+              <a:ea typeface="Arial"/>
+              <a:cs typeface="Arial"/>
+              <a:sym typeface="Arial"/>
+            </a:endParaRPr>
+          </a:p>
+          <a:p>
+            <a:pPr marL="355600" indent="-355600">
+              <a:spcBef>
+                <a:spcPts val="0"/>
+              </a:spcBef>
+              <a:buClr>
+                <a:srgbClr val="1B5089"/>
+              </a:buClr>
+              <a:buSzPts val="2880"/>
+              <a:buFont typeface="Noto Sans Symbols"/>
+              <a:buChar char="▪"/>
+            </a:pPr>
+            <a:r>
+              <a:rPr lang="lv-LV" sz="2000" dirty="0">
+                <a:latin typeface="Arial"/>
+                <a:ea typeface="Arial"/>
+                <a:cs typeface="Arial"/>
+                <a:sym typeface="Arial"/>
+              </a:rPr>
+              <a:t>Grūtības atrast pietiekami daudz testa piemērus katrai no izvēlētajām valodām, kas daļēji arī apgrūtināja risinājuma pilnveidošanu.</a:t>
+            </a:r>
+          </a:p>
+          <a:p>
+            <a:pPr marL="355600" indent="-355600">
+              <a:spcBef>
+                <a:spcPts val="0"/>
+              </a:spcBef>
+              <a:buClr>
+                <a:srgbClr val="1B5089"/>
+              </a:buClr>
+              <a:buSzPts val="2880"/>
+              <a:buFont typeface="Noto Sans Symbols"/>
+              <a:buChar char="▪"/>
+            </a:pPr>
+            <a:endParaRPr lang="lv-LV" sz="2000" dirty="0">
+              <a:latin typeface="Arial"/>
+              <a:ea typeface="Arial"/>
+              <a:cs typeface="Arial"/>
+              <a:sym typeface="Arial"/>
+            </a:endParaRPr>
+          </a:p>
+          <a:p>
+            <a:pPr marL="355600" indent="-355600">
+              <a:spcBef>
+                <a:spcPts val="0"/>
+              </a:spcBef>
+              <a:buClr>
+                <a:srgbClr val="1B5089"/>
+              </a:buClr>
+              <a:buSzPts val="2880"/>
+              <a:buFont typeface="Noto Sans Symbols"/>
+              <a:buChar char="▪"/>
+            </a:pPr>
+            <a:r>
+              <a:rPr lang="lv-LV" sz="2000" dirty="0">
+                <a:latin typeface="Arial"/>
+                <a:ea typeface="Arial"/>
+                <a:cs typeface="Arial"/>
+                <a:sym typeface="Arial"/>
+              </a:rPr>
+              <a:t>IPA dati ir atkarīgi </a:t>
+            </a:r>
+            <a:r>
+              <a:rPr lang="lv-LV" sz="2000" dirty="0">
+                <a:highlight>
+                  <a:srgbClr val="FFFF00"/>
+                </a:highlight>
+                <a:latin typeface="Arial"/>
+                <a:ea typeface="Arial"/>
+                <a:cs typeface="Arial"/>
+                <a:sym typeface="Arial"/>
+              </a:rPr>
+              <a:t>no </a:t>
+            </a:r>
+            <a:r>
+              <a:rPr lang="lv-LV" sz="2000" dirty="0" err="1">
+                <a:highlight>
+                  <a:srgbClr val="FFFF00"/>
+                </a:highlight>
+                <a:latin typeface="Arial"/>
+                <a:ea typeface="Arial"/>
+                <a:cs typeface="Arial"/>
+                <a:sym typeface="Arial"/>
+              </a:rPr>
+              <a:t>wiki</a:t>
+            </a:r>
+            <a:r>
+              <a:rPr lang="lv-LV" sz="2000" dirty="0">
+                <a:highlight>
+                  <a:srgbClr val="FFFF00"/>
+                </a:highlight>
+                <a:latin typeface="Arial"/>
+                <a:ea typeface="Arial"/>
+                <a:cs typeface="Arial"/>
+                <a:sym typeface="Arial"/>
+              </a:rPr>
+              <a:t> </a:t>
+            </a:r>
+            <a:r>
+              <a:rPr lang="lv-LV" sz="2000" dirty="0" err="1">
+                <a:highlight>
+                  <a:srgbClr val="FFFF00"/>
+                </a:highlight>
+                <a:latin typeface="Arial"/>
+                <a:ea typeface="Arial"/>
+                <a:cs typeface="Arial"/>
+                <a:sym typeface="Arial"/>
+              </a:rPr>
+              <a:t>article</a:t>
+            </a:r>
+            <a:r>
+              <a:rPr lang="lv-LV" sz="2000" dirty="0">
+                <a:highlight>
+                  <a:srgbClr val="FFFF00"/>
+                </a:highlight>
+                <a:latin typeface="Arial"/>
+                <a:ea typeface="Arial"/>
+                <a:cs typeface="Arial"/>
+                <a:sym typeface="Arial"/>
+              </a:rPr>
+              <a:t> </a:t>
+            </a:r>
+            <a:r>
+              <a:rPr lang="lv-LV" sz="2000" dirty="0" err="1">
+                <a:highlight>
+                  <a:srgbClr val="FFFF00"/>
+                </a:highlight>
+                <a:latin typeface="Arial"/>
+                <a:ea typeface="Arial"/>
+                <a:cs typeface="Arial"/>
+                <a:sym typeface="Arial"/>
+              </a:rPr>
+              <a:t>quality</a:t>
+            </a:r>
+            <a:r>
+              <a:rPr lang="lv-LV" sz="2000" dirty="0">
+                <a:latin typeface="Arial"/>
+                <a:ea typeface="Arial"/>
+                <a:cs typeface="Arial"/>
+                <a:sym typeface="Arial"/>
+              </a:rPr>
+              <a:t>. Ja tie neatbilst realitātei, proti, izrunai vai vārdu sadalījumam, tad arī koda izvade būs neatbilstoša realitātei (</a:t>
+            </a:r>
+            <a:r>
+              <a:rPr lang="lv-LV" sz="2000" i="1" dirty="0" err="1">
+                <a:latin typeface="Arial"/>
+                <a:ea typeface="Arial"/>
+                <a:cs typeface="Arial"/>
+                <a:sym typeface="Arial"/>
+              </a:rPr>
+              <a:t>garbage</a:t>
+            </a:r>
+            <a:r>
+              <a:rPr lang="lv-LV" sz="2000" i="1" dirty="0">
+                <a:latin typeface="Arial"/>
+                <a:ea typeface="Arial"/>
+                <a:cs typeface="Arial"/>
+                <a:sym typeface="Arial"/>
+              </a:rPr>
+              <a:t> </a:t>
+            </a:r>
+            <a:r>
+              <a:rPr lang="lv-LV" sz="2000" i="1" dirty="0" err="1">
+                <a:latin typeface="Arial"/>
+                <a:ea typeface="Arial"/>
+                <a:cs typeface="Arial"/>
+                <a:sym typeface="Arial"/>
+              </a:rPr>
+              <a:t>in</a:t>
+            </a:r>
+            <a:r>
+              <a:rPr lang="lv-LV" sz="2000" i="1" dirty="0">
+                <a:latin typeface="Arial"/>
+                <a:ea typeface="Arial"/>
+                <a:cs typeface="Arial"/>
+                <a:sym typeface="Arial"/>
+              </a:rPr>
+              <a:t>, </a:t>
+            </a:r>
+            <a:r>
+              <a:rPr lang="lv-LV" sz="2000" i="1" dirty="0" err="1">
+                <a:latin typeface="Arial"/>
+                <a:ea typeface="Arial"/>
+                <a:cs typeface="Arial"/>
+                <a:sym typeface="Arial"/>
+              </a:rPr>
+              <a:t>garbage</a:t>
+            </a:r>
+            <a:r>
+              <a:rPr lang="lv-LV" sz="2000" i="1" dirty="0">
+                <a:latin typeface="Arial"/>
+                <a:ea typeface="Arial"/>
+                <a:cs typeface="Arial"/>
+                <a:sym typeface="Arial"/>
+              </a:rPr>
+              <a:t> </a:t>
+            </a:r>
+            <a:r>
+              <a:rPr lang="lv-LV" sz="2000" i="1" dirty="0" err="1">
+                <a:latin typeface="Arial"/>
+                <a:ea typeface="Arial"/>
+                <a:cs typeface="Arial"/>
+                <a:sym typeface="Arial"/>
+              </a:rPr>
+              <a:t>out</a:t>
+            </a:r>
+            <a:r>
+              <a:rPr lang="lv-LV" sz="2000" dirty="0">
+                <a:latin typeface="Arial"/>
+                <a:ea typeface="Arial"/>
+                <a:cs typeface="Arial"/>
+                <a:sym typeface="Arial"/>
+              </a:rPr>
+              <a:t>).</a:t>
+            </a:r>
+            <a:endParaRPr sz="2000" dirty="0">
+              <a:latin typeface="Arial"/>
+              <a:ea typeface="Arial"/>
+              <a:cs typeface="Arial"/>
+              <a:sym typeface="Arial"/>
+            </a:endParaRPr>
           </a:p>
           <a:p>
             <a:pPr marL="0" lvl="0" indent="0" algn="l" rtl="0">
@@ -7018,31 +8763,7 @@
               <a:buSzPts val="2400"/>
               <a:buNone/>
             </a:pPr>
-            <a:endParaRPr sz="2400" dirty="0">
-              <a:latin typeface="Arial"/>
-              <a:ea typeface="Arial"/>
-              <a:cs typeface="Arial"/>
-              <a:sym typeface="Arial"/>
-            </a:endParaRPr>
-          </a:p>
-          <a:p>
-            <a:pPr marL="0" lvl="0" indent="0" algn="l" rtl="0">
-              <a:lnSpc>
-                <a:spcPct val="90000"/>
-              </a:lnSpc>
-              <a:spcBef>
-                <a:spcPts val="1000"/>
-              </a:spcBef>
-              <a:spcAft>
-                <a:spcPts val="0"/>
-              </a:spcAft>
-              <a:buClr>
-                <a:schemeClr val="dk1"/>
-              </a:buClr>
-              <a:buSzPts val="2400"/>
-              <a:buNone/>
-            </a:pPr>
-            <a:endParaRPr sz="2400" dirty="0">
+            <a:endParaRPr sz="2000" dirty="0">
               <a:latin typeface="Arial"/>
               <a:ea typeface="Arial"/>
               <a:cs typeface="Arial"/>
@@ -7139,7 +8860,7 @@
         </p:nvSpPr>
         <p:spPr>
           <a:xfrm>
-            <a:off x="396240" y="22112"/>
+            <a:off x="527736" y="17884"/>
             <a:ext cx="11399520" cy="1099996"/>
           </a:xfrm>
           <a:prstGeom prst="rect">
@@ -7183,7 +8904,7 @@
                 <a:cs typeface="Arial"/>
                 <a:sym typeface="Arial"/>
               </a:rPr>
-              <a:t>Testa datu piemēri:</a:t>
+              <a:t>IPA:LV transliterācijas kartes</a:t>
             </a:r>
             <a:endParaRPr dirty="0">
               <a:solidFill>
@@ -7209,7 +8930,7 @@
         </p:nvSpPr>
         <p:spPr>
           <a:xfrm>
-            <a:off x="418011" y="1709530"/>
+            <a:off x="418011" y="1296725"/>
             <a:ext cx="11618971" cy="4264549"/>
           </a:xfrm>
           <a:prstGeom prst="rect">
@@ -7249,1032 +8970,72 @@
               <a:sym typeface="Arial"/>
             </a:endParaRPr>
           </a:p>
-          <a:p>
-            <a:pPr marL="0" lvl="0" indent="0" algn="l" rtl="0">
-              <a:lnSpc>
-                <a:spcPct val="90000"/>
-              </a:lnSpc>
-              <a:spcBef>
-                <a:spcPts val="1000"/>
-              </a:spcBef>
-              <a:spcAft>
-                <a:spcPts val="0"/>
-              </a:spcAft>
-              <a:buClr>
-                <a:schemeClr val="dk1"/>
-              </a:buClr>
-              <a:buSzPts val="2400"/>
-              <a:buNone/>
-            </a:pPr>
-            <a:endParaRPr sz="2400" dirty="0">
-              <a:latin typeface="Arial"/>
-              <a:ea typeface="Arial"/>
-              <a:cs typeface="Arial"/>
-              <a:sym typeface="Arial"/>
-            </a:endParaRPr>
-          </a:p>
-        </p:txBody>
-      </p:sp>
-      <p:graphicFrame>
-        <p:nvGraphicFramePr>
-          <p:cNvPr id="2" name="Table 2">
+        </p:txBody>
+      </p:sp>
+      <p:pic>
+        <p:nvPicPr>
+          <p:cNvPr id="4" name="Picture 3">
             <a:extLst>
               <a:ext uri="{FF2B5EF4-FFF2-40B4-BE49-F238E27FC236}">
-                <a16:creationId xmlns:a16="http://schemas.microsoft.com/office/drawing/2014/main" id="{3B464E8C-9BD6-4996-B98F-6F2F784D8240}"/>
+                <a16:creationId xmlns:a16="http://schemas.microsoft.com/office/drawing/2014/main" id="{D639CDDD-A5EF-4D04-9852-B8226CB67C46}"/>
               </a:ext>
             </a:extLst>
           </p:cNvPr>
-          <p:cNvGraphicFramePr>
-            <a:graphicFrameLocks noGrp="1"/>
-          </p:cNvGraphicFramePr>
-          <p:nvPr>
-            <p:extLst>
-              <p:ext uri="{D42A27DB-BD31-4B8C-83A1-F6EECF244321}">
-                <p14:modId xmlns:p14="http://schemas.microsoft.com/office/powerpoint/2010/main" val="3002648821"/>
-              </p:ext>
-            </p:extLst>
-          </p:nvPr>
-        </p:nvGraphicFramePr>
-        <p:xfrm>
-          <a:off x="2032000" y="908105"/>
-          <a:ext cx="8128000" cy="5913120"/>
-        </p:xfrm>
-        <a:graphic>
-          <a:graphicData uri="http://schemas.openxmlformats.org/drawingml/2006/table">
-            <a:tbl>
-              <a:tblPr firstRow="1" bandRow="1">
-                <a:tableStyleId>{5C22544A-7EE6-4342-B048-85BDC9FD1C3A}</a:tableStyleId>
-              </a:tblPr>
-              <a:tblGrid>
-                <a:gridCol w="8128000">
-                  <a:extLst>
-                    <a:ext uri="{9D8B030D-6E8A-4147-A177-3AD203B41FA5}">
-                      <a16:colId xmlns:a16="http://schemas.microsoft.com/office/drawing/2014/main" val="753052942"/>
-                    </a:ext>
-                  </a:extLst>
-                </a:gridCol>
-              </a:tblGrid>
-              <a:tr h="5348856">
-                <a:tc>
-                  <a:txBody>
-                    <a:bodyPr/>
-                    <a:lstStyle/>
-                    <a:p>
-                      <a:r>
-                        <a:rPr lang="lv-LV" sz="1400" b="0" kern="1200" dirty="0">
-                          <a:solidFill>
-                            <a:schemeClr val="tx1"/>
-                          </a:solidFill>
-                          <a:effectLst/>
-                          <a:latin typeface="+mn-lt"/>
-                          <a:ea typeface="+mn-ea"/>
-                          <a:cs typeface="+mn-cs"/>
-                        </a:rPr>
-                        <a:t>{</a:t>
-                      </a:r>
-                    </a:p>
-                    <a:p>
-                      <a:r>
-                        <a:rPr lang="lv-LV" sz="1400" b="0" kern="1200" dirty="0">
-                          <a:solidFill>
-                            <a:schemeClr val="tx1"/>
-                          </a:solidFill>
-                          <a:effectLst/>
-                          <a:latin typeface="+mn-lt"/>
-                          <a:ea typeface="+mn-ea"/>
-                          <a:cs typeface="+mn-cs"/>
-                        </a:rPr>
-                        <a:t>    "</a:t>
-                      </a:r>
-                      <a:r>
-                        <a:rPr lang="lv-LV" sz="1400" b="0" kern="1200" dirty="0" err="1">
-                          <a:solidFill>
-                            <a:schemeClr val="tx1"/>
-                          </a:solidFill>
-                          <a:effectLst/>
-                          <a:latin typeface="+mn-lt"/>
-                          <a:ea typeface="+mn-ea"/>
-                          <a:cs typeface="+mn-cs"/>
-                        </a:rPr>
-                        <a:t>city</a:t>
-                      </a:r>
-                      <a:r>
-                        <a:rPr lang="lv-LV" sz="1400" b="0" kern="1200" dirty="0">
-                          <a:solidFill>
-                            <a:schemeClr val="tx1"/>
-                          </a:solidFill>
-                          <a:effectLst/>
-                          <a:latin typeface="+mn-lt"/>
-                          <a:ea typeface="+mn-ea"/>
-                          <a:cs typeface="+mn-cs"/>
-                        </a:rPr>
-                        <a:t>": {</a:t>
-                      </a:r>
-                    </a:p>
-                    <a:p>
-                      <a:r>
-                        <a:rPr lang="lv-LV" sz="1400" b="0" kern="1200" dirty="0">
-                          <a:solidFill>
-                            <a:schemeClr val="tx1"/>
-                          </a:solidFill>
-                          <a:effectLst/>
-                          <a:latin typeface="+mn-lt"/>
-                          <a:ea typeface="+mn-ea"/>
-                          <a:cs typeface="+mn-cs"/>
-                        </a:rPr>
-                        <a:t>        "</a:t>
-                      </a:r>
-                      <a:r>
-                        <a:rPr lang="lv-LV" sz="1400" b="0" kern="1200" dirty="0" err="1">
-                          <a:solidFill>
-                            <a:schemeClr val="tx1"/>
-                          </a:solidFill>
-                          <a:effectLst/>
-                          <a:latin typeface="+mn-lt"/>
-                          <a:ea typeface="+mn-ea"/>
-                          <a:cs typeface="+mn-cs"/>
-                        </a:rPr>
-                        <a:t>noun_class</a:t>
-                      </a:r>
-                      <a:r>
-                        <a:rPr lang="lv-LV" sz="1400" b="0" kern="1200" dirty="0">
-                          <a:solidFill>
-                            <a:schemeClr val="tx1"/>
-                          </a:solidFill>
-                          <a:effectLst/>
-                          <a:latin typeface="+mn-lt"/>
-                          <a:ea typeface="+mn-ea"/>
-                          <a:cs typeface="+mn-cs"/>
-                        </a:rPr>
-                        <a:t>": "</a:t>
-                      </a:r>
-                      <a:r>
-                        <a:rPr lang="lv-LV" sz="1400" b="0" kern="1200" dirty="0" err="1">
-                          <a:solidFill>
-                            <a:schemeClr val="tx1"/>
-                          </a:solidFill>
-                          <a:effectLst/>
-                          <a:latin typeface="+mn-lt"/>
-                          <a:ea typeface="+mn-ea"/>
-                          <a:cs typeface="+mn-cs"/>
-                        </a:rPr>
-                        <a:t>pi</a:t>
-                      </a:r>
-                      <a:r>
-                        <a:rPr lang="lv-LV" sz="1400" b="0" kern="1200" dirty="0">
-                          <a:solidFill>
-                            <a:schemeClr val="tx1"/>
-                          </a:solidFill>
-                          <a:effectLst/>
-                          <a:latin typeface="+mn-lt"/>
-                          <a:ea typeface="+mn-ea"/>
-                          <a:cs typeface="+mn-cs"/>
-                        </a:rPr>
-                        <a:t>",</a:t>
-                      </a:r>
-                    </a:p>
-                    <a:p>
-                      <a:r>
-                        <a:rPr lang="lv-LV" sz="1400" b="0" kern="1200" dirty="0">
-                          <a:solidFill>
-                            <a:schemeClr val="tx1"/>
-                          </a:solidFill>
-                          <a:effectLst/>
-                          <a:latin typeface="+mn-lt"/>
-                          <a:ea typeface="+mn-ea"/>
-                          <a:cs typeface="+mn-cs"/>
-                        </a:rPr>
-                        <a:t>        "</a:t>
-                      </a:r>
-                      <a:r>
-                        <a:rPr lang="lv-LV" sz="1400" b="0" kern="1200" dirty="0" err="1">
-                          <a:solidFill>
-                            <a:schemeClr val="tx1"/>
-                          </a:solidFill>
-                          <a:effectLst/>
-                          <a:latin typeface="+mn-lt"/>
-                          <a:ea typeface="+mn-ea"/>
-                          <a:cs typeface="+mn-cs"/>
-                        </a:rPr>
-                        <a:t>gender</a:t>
-                      </a:r>
-                      <a:r>
-                        <a:rPr lang="lv-LV" sz="1400" b="0" kern="1200" dirty="0">
-                          <a:solidFill>
-                            <a:schemeClr val="tx1"/>
-                          </a:solidFill>
-                          <a:effectLst/>
-                          <a:latin typeface="+mn-lt"/>
-                          <a:ea typeface="+mn-ea"/>
-                          <a:cs typeface="+mn-cs"/>
-                        </a:rPr>
-                        <a:t>": "s",</a:t>
-                      </a:r>
-                    </a:p>
-                    <a:p>
-                      <a:r>
-                        <a:rPr lang="lv-LV" sz="1400" b="0" kern="1200" dirty="0">
-                          <a:solidFill>
-                            <a:schemeClr val="tx1"/>
-                          </a:solidFill>
-                          <a:effectLst/>
-                          <a:latin typeface="+mn-lt"/>
-                          <a:ea typeface="+mn-ea"/>
-                          <a:cs typeface="+mn-cs"/>
-                        </a:rPr>
-                        <a:t>        "</a:t>
-                      </a:r>
-                      <a:r>
-                        <a:rPr lang="lv-LV" sz="1400" b="0" kern="1200" dirty="0" err="1">
-                          <a:solidFill>
-                            <a:schemeClr val="tx1"/>
-                          </a:solidFill>
-                          <a:effectLst/>
-                          <a:latin typeface="+mn-lt"/>
-                          <a:ea typeface="+mn-ea"/>
-                          <a:cs typeface="+mn-cs"/>
-                        </a:rPr>
-                        <a:t>raw_proper_noun_arr</a:t>
-                      </a:r>
-                      <a:r>
-                        <a:rPr lang="lv-LV" sz="1400" b="0" kern="1200" dirty="0">
-                          <a:solidFill>
-                            <a:schemeClr val="tx1"/>
-                          </a:solidFill>
-                          <a:effectLst/>
-                          <a:latin typeface="+mn-lt"/>
-                          <a:ea typeface="+mn-ea"/>
-                          <a:cs typeface="+mn-cs"/>
-                        </a:rPr>
-                        <a:t>": [</a:t>
-                      </a:r>
-                    </a:p>
-                    <a:p>
-                      <a:r>
-                        <a:rPr lang="lv-LV" sz="1400" b="0" kern="1200" dirty="0">
-                          <a:solidFill>
-                            <a:schemeClr val="tx1"/>
-                          </a:solidFill>
-                          <a:effectLst/>
-                          <a:latin typeface="+mn-lt"/>
-                          <a:ea typeface="+mn-ea"/>
-                          <a:cs typeface="+mn-cs"/>
-                        </a:rPr>
-                        <a:t>            "</a:t>
-                      </a:r>
-                      <a:r>
-                        <a:rPr lang="lv-LV" sz="1400" b="0" kern="1200" dirty="0" err="1">
-                          <a:solidFill>
-                            <a:schemeClr val="tx1"/>
-                          </a:solidFill>
-                          <a:effectLst/>
-                          <a:latin typeface="+mn-lt"/>
-                          <a:ea typeface="+mn-ea"/>
-                          <a:cs typeface="+mn-cs"/>
-                        </a:rPr>
-                        <a:t>dublin</a:t>
-                      </a:r>
-                      <a:r>
-                        <a:rPr lang="lv-LV" sz="1400" b="0" kern="1200" dirty="0">
-                          <a:solidFill>
-                            <a:schemeClr val="tx1"/>
-                          </a:solidFill>
-                          <a:effectLst/>
-                          <a:latin typeface="+mn-lt"/>
-                          <a:ea typeface="+mn-ea"/>
-                          <a:cs typeface="+mn-cs"/>
-                        </a:rPr>
-                        <a:t>"</a:t>
-                      </a:r>
-                    </a:p>
-                    <a:p>
-                      <a:r>
-                        <a:rPr lang="lv-LV" sz="1400" b="0" kern="1200" dirty="0">
-                          <a:solidFill>
-                            <a:schemeClr val="tx1"/>
-                          </a:solidFill>
-                          <a:effectLst/>
-                          <a:latin typeface="+mn-lt"/>
-                          <a:ea typeface="+mn-ea"/>
-                          <a:cs typeface="+mn-cs"/>
-                        </a:rPr>
-                        <a:t>        ]</a:t>
-                      </a:r>
-                    </a:p>
-                    <a:p>
-                      <a:r>
-                        <a:rPr lang="lv-LV" sz="1400" b="0" kern="1200" dirty="0">
-                          <a:solidFill>
-                            <a:schemeClr val="tx1"/>
-                          </a:solidFill>
-                          <a:effectLst/>
-                          <a:latin typeface="+mn-lt"/>
-                          <a:ea typeface="+mn-ea"/>
-                          <a:cs typeface="+mn-cs"/>
-                        </a:rPr>
-                        <a:t>    },</a:t>
-                      </a:r>
-                    </a:p>
-                    <a:p>
-                      <a:r>
-                        <a:rPr lang="lv-LV" sz="1400" b="0" kern="1200" dirty="0">
-                          <a:solidFill>
-                            <a:schemeClr val="tx1"/>
-                          </a:solidFill>
-                          <a:effectLst/>
-                          <a:latin typeface="+mn-lt"/>
-                          <a:ea typeface="+mn-ea"/>
-                          <a:cs typeface="+mn-cs"/>
-                        </a:rPr>
-                        <a:t>    "</a:t>
-                      </a:r>
-                      <a:r>
-                        <a:rPr lang="lv-LV" sz="1400" b="0" kern="1200" dirty="0" err="1">
-                          <a:solidFill>
-                            <a:schemeClr val="tx1"/>
-                          </a:solidFill>
-                          <a:effectLst/>
-                          <a:latin typeface="+mn-lt"/>
-                          <a:ea typeface="+mn-ea"/>
-                          <a:cs typeface="+mn-cs"/>
-                        </a:rPr>
-                        <a:t>person_male</a:t>
-                      </a:r>
-                      <a:r>
-                        <a:rPr lang="lv-LV" sz="1400" b="0" kern="1200" dirty="0">
-                          <a:solidFill>
-                            <a:schemeClr val="tx1"/>
-                          </a:solidFill>
-                          <a:effectLst/>
-                          <a:latin typeface="+mn-lt"/>
-                          <a:ea typeface="+mn-ea"/>
-                          <a:cs typeface="+mn-cs"/>
-                        </a:rPr>
-                        <a:t>": {</a:t>
-                      </a:r>
-                    </a:p>
-                    <a:p>
-                      <a:r>
-                        <a:rPr lang="lv-LV" sz="1400" b="0" kern="1200" dirty="0">
-                          <a:solidFill>
-                            <a:schemeClr val="tx1"/>
-                          </a:solidFill>
-                          <a:effectLst/>
-                          <a:latin typeface="+mn-lt"/>
-                          <a:ea typeface="+mn-ea"/>
-                          <a:cs typeface="+mn-cs"/>
-                        </a:rPr>
-                        <a:t>        "</a:t>
-                      </a:r>
-                      <a:r>
-                        <a:rPr lang="lv-LV" sz="1400" b="0" kern="1200" dirty="0" err="1">
-                          <a:solidFill>
-                            <a:schemeClr val="tx1"/>
-                          </a:solidFill>
-                          <a:effectLst/>
-                          <a:latin typeface="+mn-lt"/>
-                          <a:ea typeface="+mn-ea"/>
-                          <a:cs typeface="+mn-cs"/>
-                        </a:rPr>
-                        <a:t>noun_class</a:t>
-                      </a:r>
-                      <a:r>
-                        <a:rPr lang="lv-LV" sz="1400" b="0" kern="1200" dirty="0">
-                          <a:solidFill>
-                            <a:schemeClr val="tx1"/>
-                          </a:solidFill>
-                          <a:effectLst/>
-                          <a:latin typeface="+mn-lt"/>
-                          <a:ea typeface="+mn-ea"/>
-                          <a:cs typeface="+mn-cs"/>
-                        </a:rPr>
-                        <a:t>": "</a:t>
-                      </a:r>
-                      <a:r>
-                        <a:rPr lang="lv-LV" sz="1400" b="0" kern="1200" dirty="0" err="1">
-                          <a:solidFill>
-                            <a:schemeClr val="tx1"/>
-                          </a:solidFill>
-                          <a:effectLst/>
-                          <a:latin typeface="+mn-lt"/>
-                          <a:ea typeface="+mn-ea"/>
-                          <a:cs typeface="+mn-cs"/>
-                        </a:rPr>
-                        <a:t>pv</a:t>
-                      </a:r>
-                      <a:r>
-                        <a:rPr lang="lv-LV" sz="1400" b="0" kern="1200" dirty="0">
-                          <a:solidFill>
-                            <a:schemeClr val="tx1"/>
-                          </a:solidFill>
-                          <a:effectLst/>
-                          <a:latin typeface="+mn-lt"/>
-                          <a:ea typeface="+mn-ea"/>
-                          <a:cs typeface="+mn-cs"/>
-                        </a:rPr>
-                        <a:t>",</a:t>
-                      </a:r>
-                    </a:p>
-                    <a:p>
-                      <a:r>
-                        <a:rPr lang="lv-LV" sz="1400" b="0" kern="1200" dirty="0">
-                          <a:solidFill>
-                            <a:schemeClr val="tx1"/>
-                          </a:solidFill>
-                          <a:effectLst/>
-                          <a:latin typeface="+mn-lt"/>
-                          <a:ea typeface="+mn-ea"/>
-                          <a:cs typeface="+mn-cs"/>
-                        </a:rPr>
-                        <a:t>        "</a:t>
-                      </a:r>
-                      <a:r>
-                        <a:rPr lang="lv-LV" sz="1400" b="0" kern="1200" dirty="0" err="1">
-                          <a:solidFill>
-                            <a:schemeClr val="tx1"/>
-                          </a:solidFill>
-                          <a:effectLst/>
-                          <a:latin typeface="+mn-lt"/>
-                          <a:ea typeface="+mn-ea"/>
-                          <a:cs typeface="+mn-cs"/>
-                        </a:rPr>
-                        <a:t>gender</a:t>
-                      </a:r>
-                      <a:r>
-                        <a:rPr lang="lv-LV" sz="1400" b="0" kern="1200" dirty="0">
-                          <a:solidFill>
-                            <a:schemeClr val="tx1"/>
-                          </a:solidFill>
-                          <a:effectLst/>
-                          <a:latin typeface="+mn-lt"/>
-                          <a:ea typeface="+mn-ea"/>
-                          <a:cs typeface="+mn-cs"/>
-                        </a:rPr>
-                        <a:t>": "v",</a:t>
-                      </a:r>
-                    </a:p>
-                    <a:p>
-                      <a:r>
-                        <a:rPr lang="lv-LV" sz="1400" b="0" kern="1200" dirty="0">
-                          <a:solidFill>
-                            <a:schemeClr val="tx1"/>
-                          </a:solidFill>
-                          <a:effectLst/>
-                          <a:latin typeface="+mn-lt"/>
-                          <a:ea typeface="+mn-ea"/>
-                          <a:cs typeface="+mn-cs"/>
-                        </a:rPr>
-                        <a:t>        "</a:t>
-                      </a:r>
-                      <a:r>
-                        <a:rPr lang="lv-LV" sz="1400" b="0" kern="1200" dirty="0" err="1">
-                          <a:solidFill>
-                            <a:schemeClr val="tx1"/>
-                          </a:solidFill>
-                          <a:effectLst/>
-                          <a:latin typeface="+mn-lt"/>
-                          <a:ea typeface="+mn-ea"/>
-                          <a:cs typeface="+mn-cs"/>
-                        </a:rPr>
-                        <a:t>raw_proper_noun_arr</a:t>
-                      </a:r>
-                      <a:r>
-                        <a:rPr lang="lv-LV" sz="1400" b="0" kern="1200" dirty="0">
-                          <a:solidFill>
-                            <a:schemeClr val="tx1"/>
-                          </a:solidFill>
-                          <a:effectLst/>
-                          <a:latin typeface="+mn-lt"/>
-                          <a:ea typeface="+mn-ea"/>
-                          <a:cs typeface="+mn-cs"/>
-                        </a:rPr>
-                        <a:t>": [</a:t>
-                      </a:r>
-                    </a:p>
-                    <a:p>
-                      <a:r>
-                        <a:rPr lang="lv-LV" sz="1400" b="0" kern="1200" dirty="0">
-                          <a:solidFill>
-                            <a:schemeClr val="tx1"/>
-                          </a:solidFill>
-                          <a:effectLst/>
-                          <a:latin typeface="+mn-lt"/>
-                          <a:ea typeface="+mn-ea"/>
-                          <a:cs typeface="+mn-cs"/>
-                        </a:rPr>
-                        <a:t>            </a:t>
-                      </a:r>
-                    </a:p>
-                    <a:p>
-                      <a:r>
-                        <a:rPr lang="lv-LV" sz="1400" b="0" kern="1200" dirty="0">
-                          <a:solidFill>
-                            <a:schemeClr val="tx1"/>
-                          </a:solidFill>
-                          <a:effectLst/>
-                          <a:latin typeface="+mn-lt"/>
-                          <a:ea typeface="+mn-ea"/>
-                          <a:cs typeface="+mn-cs"/>
-                        </a:rPr>
-                        <a:t>        ]</a:t>
-                      </a:r>
-                    </a:p>
-                    <a:p>
-                      <a:r>
-                        <a:rPr lang="lv-LV" sz="1400" b="0" kern="1200" dirty="0">
-                          <a:solidFill>
-                            <a:schemeClr val="tx1"/>
-                          </a:solidFill>
-                          <a:effectLst/>
-                          <a:latin typeface="+mn-lt"/>
-                          <a:ea typeface="+mn-ea"/>
-                          <a:cs typeface="+mn-cs"/>
-                        </a:rPr>
-                        <a:t>    },</a:t>
-                      </a:r>
-                    </a:p>
-                    <a:p>
-                      <a:r>
-                        <a:rPr lang="lv-LV" sz="1400" b="0" kern="1200" dirty="0">
-                          <a:solidFill>
-                            <a:schemeClr val="tx1"/>
-                          </a:solidFill>
-                          <a:effectLst/>
-                          <a:latin typeface="+mn-lt"/>
-                          <a:ea typeface="+mn-ea"/>
-                          <a:cs typeface="+mn-cs"/>
-                        </a:rPr>
-                        <a:t>    "</a:t>
-                      </a:r>
-                      <a:r>
-                        <a:rPr lang="lv-LV" sz="1400" b="0" kern="1200" dirty="0" err="1">
-                          <a:solidFill>
-                            <a:schemeClr val="tx1"/>
-                          </a:solidFill>
-                          <a:effectLst/>
-                          <a:latin typeface="+mn-lt"/>
-                          <a:ea typeface="+mn-ea"/>
-                          <a:cs typeface="+mn-cs"/>
-                        </a:rPr>
-                        <a:t>person_female</a:t>
-                      </a:r>
-                      <a:r>
-                        <a:rPr lang="lv-LV" sz="1400" b="0" kern="1200" dirty="0">
-                          <a:solidFill>
-                            <a:schemeClr val="tx1"/>
-                          </a:solidFill>
-                          <a:effectLst/>
-                          <a:latin typeface="+mn-lt"/>
-                          <a:ea typeface="+mn-ea"/>
-                          <a:cs typeface="+mn-cs"/>
-                        </a:rPr>
-                        <a:t>": {</a:t>
-                      </a:r>
-                    </a:p>
-                    <a:p>
-                      <a:r>
-                        <a:rPr lang="lv-LV" sz="1400" b="0" kern="1200" dirty="0">
-                          <a:solidFill>
-                            <a:schemeClr val="tx1"/>
-                          </a:solidFill>
-                          <a:effectLst/>
-                          <a:latin typeface="+mn-lt"/>
-                          <a:ea typeface="+mn-ea"/>
-                          <a:cs typeface="+mn-cs"/>
-                        </a:rPr>
-                        <a:t>        "</a:t>
-                      </a:r>
-                      <a:r>
-                        <a:rPr lang="lv-LV" sz="1400" b="0" kern="1200" dirty="0" err="1">
-                          <a:solidFill>
-                            <a:schemeClr val="tx1"/>
-                          </a:solidFill>
-                          <a:effectLst/>
-                          <a:latin typeface="+mn-lt"/>
-                          <a:ea typeface="+mn-ea"/>
-                          <a:cs typeface="+mn-cs"/>
-                        </a:rPr>
-                        <a:t>noun_class</a:t>
-                      </a:r>
-                      <a:r>
-                        <a:rPr lang="lv-LV" sz="1400" b="0" kern="1200" dirty="0">
-                          <a:solidFill>
-                            <a:schemeClr val="tx1"/>
-                          </a:solidFill>
-                          <a:effectLst/>
-                          <a:latin typeface="+mn-lt"/>
-                          <a:ea typeface="+mn-ea"/>
-                          <a:cs typeface="+mn-cs"/>
-                        </a:rPr>
-                        <a:t>": "</a:t>
-                      </a:r>
-                      <a:r>
-                        <a:rPr lang="lv-LV" sz="1400" b="0" kern="1200" dirty="0" err="1">
-                          <a:solidFill>
-                            <a:schemeClr val="tx1"/>
-                          </a:solidFill>
-                          <a:effectLst/>
-                          <a:latin typeface="+mn-lt"/>
-                          <a:ea typeface="+mn-ea"/>
-                          <a:cs typeface="+mn-cs"/>
-                        </a:rPr>
-                        <a:t>pv</a:t>
-                      </a:r>
-                      <a:r>
-                        <a:rPr lang="lv-LV" sz="1400" b="0" kern="1200" dirty="0">
-                          <a:solidFill>
-                            <a:schemeClr val="tx1"/>
-                          </a:solidFill>
-                          <a:effectLst/>
-                          <a:latin typeface="+mn-lt"/>
-                          <a:ea typeface="+mn-ea"/>
-                          <a:cs typeface="+mn-cs"/>
-                        </a:rPr>
-                        <a:t>",</a:t>
-                      </a:r>
-                    </a:p>
-                    <a:p>
-                      <a:r>
-                        <a:rPr lang="lv-LV" sz="1400" b="0" kern="1200" dirty="0">
-                          <a:solidFill>
-                            <a:schemeClr val="tx1"/>
-                          </a:solidFill>
-                          <a:effectLst/>
-                          <a:latin typeface="+mn-lt"/>
-                          <a:ea typeface="+mn-ea"/>
-                          <a:cs typeface="+mn-cs"/>
-                        </a:rPr>
-                        <a:t>        "</a:t>
-                      </a:r>
-                      <a:r>
-                        <a:rPr lang="lv-LV" sz="1400" b="0" kern="1200" dirty="0" err="1">
-                          <a:solidFill>
-                            <a:schemeClr val="tx1"/>
-                          </a:solidFill>
-                          <a:effectLst/>
-                          <a:latin typeface="+mn-lt"/>
-                          <a:ea typeface="+mn-ea"/>
-                          <a:cs typeface="+mn-cs"/>
-                        </a:rPr>
-                        <a:t>gender</a:t>
-                      </a:r>
-                      <a:r>
-                        <a:rPr lang="lv-LV" sz="1400" b="0" kern="1200" dirty="0">
-                          <a:solidFill>
-                            <a:schemeClr val="tx1"/>
-                          </a:solidFill>
-                          <a:effectLst/>
-                          <a:latin typeface="+mn-lt"/>
-                          <a:ea typeface="+mn-ea"/>
-                          <a:cs typeface="+mn-cs"/>
-                        </a:rPr>
-                        <a:t>": "s",</a:t>
-                      </a:r>
-                    </a:p>
-                    <a:p>
-                      <a:r>
-                        <a:rPr lang="lv-LV" sz="1400" b="0" kern="1200" dirty="0">
-                          <a:solidFill>
-                            <a:schemeClr val="tx1"/>
-                          </a:solidFill>
-                          <a:effectLst/>
-                          <a:latin typeface="+mn-lt"/>
-                          <a:ea typeface="+mn-ea"/>
-                          <a:cs typeface="+mn-cs"/>
-                        </a:rPr>
-                        <a:t>        "</a:t>
-                      </a:r>
-                      <a:r>
-                        <a:rPr lang="lv-LV" sz="1400" b="0" kern="1200" dirty="0" err="1">
-                          <a:solidFill>
-                            <a:schemeClr val="tx1"/>
-                          </a:solidFill>
-                          <a:effectLst/>
-                          <a:latin typeface="+mn-lt"/>
-                          <a:ea typeface="+mn-ea"/>
-                          <a:cs typeface="+mn-cs"/>
-                        </a:rPr>
-                        <a:t>raw_proper_noun_arr</a:t>
-                      </a:r>
-                      <a:r>
-                        <a:rPr lang="lv-LV" sz="1400" b="0" kern="1200" dirty="0">
-                          <a:solidFill>
-                            <a:schemeClr val="tx1"/>
-                          </a:solidFill>
-                          <a:effectLst/>
-                          <a:latin typeface="+mn-lt"/>
-                          <a:ea typeface="+mn-ea"/>
-                          <a:cs typeface="+mn-cs"/>
-                        </a:rPr>
-                        <a:t>": [</a:t>
-                      </a:r>
-                    </a:p>
-                    <a:p>
-                      <a:r>
-                        <a:rPr lang="lv-LV" sz="1400" b="0" kern="1200" dirty="0">
-                          <a:solidFill>
-                            <a:schemeClr val="tx1"/>
-                          </a:solidFill>
-                          <a:effectLst/>
-                          <a:latin typeface="+mn-lt"/>
-                          <a:ea typeface="+mn-ea"/>
-                          <a:cs typeface="+mn-cs"/>
-                        </a:rPr>
-                        <a:t>            "</a:t>
-                      </a:r>
-                      <a:r>
-                        <a:rPr lang="lv-LV" sz="1400" b="0" kern="1200" dirty="0" err="1">
-                          <a:solidFill>
-                            <a:schemeClr val="tx1"/>
-                          </a:solidFill>
-                          <a:effectLst/>
-                          <a:latin typeface="+mn-lt"/>
-                          <a:ea typeface="+mn-ea"/>
-                          <a:cs typeface="+mn-cs"/>
-                        </a:rPr>
-                        <a:t>angelina</a:t>
-                      </a:r>
-                      <a:r>
-                        <a:rPr lang="lv-LV" sz="1400" b="0" kern="1200" dirty="0">
-                          <a:solidFill>
-                            <a:schemeClr val="tx1"/>
-                          </a:solidFill>
-                          <a:effectLst/>
-                          <a:latin typeface="+mn-lt"/>
-                          <a:ea typeface="+mn-ea"/>
-                          <a:cs typeface="+mn-cs"/>
-                        </a:rPr>
-                        <a:t> </a:t>
-                      </a:r>
-                      <a:r>
-                        <a:rPr lang="lv-LV" sz="1400" b="0" kern="1200" dirty="0" err="1">
-                          <a:solidFill>
-                            <a:schemeClr val="tx1"/>
-                          </a:solidFill>
-                          <a:effectLst/>
-                          <a:latin typeface="+mn-lt"/>
-                          <a:ea typeface="+mn-ea"/>
-                          <a:cs typeface="+mn-cs"/>
-                        </a:rPr>
-                        <a:t>jolie</a:t>
-                      </a:r>
-                      <a:r>
-                        <a:rPr lang="lv-LV" sz="1400" b="0" kern="1200" dirty="0">
-                          <a:solidFill>
-                            <a:schemeClr val="tx1"/>
-                          </a:solidFill>
-                          <a:effectLst/>
-                          <a:latin typeface="+mn-lt"/>
-                          <a:ea typeface="+mn-ea"/>
-                          <a:cs typeface="+mn-cs"/>
-                        </a:rPr>
-                        <a:t>",</a:t>
-                      </a:r>
-                    </a:p>
-                    <a:p>
-                      <a:r>
-                        <a:rPr lang="lv-LV" sz="1400" b="0" kern="1200" dirty="0">
-                          <a:solidFill>
-                            <a:schemeClr val="tx1"/>
-                          </a:solidFill>
-                          <a:effectLst/>
-                          <a:latin typeface="+mn-lt"/>
-                          <a:ea typeface="+mn-ea"/>
-                          <a:cs typeface="+mn-cs"/>
-                        </a:rPr>
-                        <a:t>            "</a:t>
-                      </a:r>
-                      <a:r>
-                        <a:rPr lang="lv-LV" sz="1400" b="0" kern="1200" dirty="0" err="1">
-                          <a:solidFill>
-                            <a:schemeClr val="tx1"/>
-                          </a:solidFill>
-                          <a:effectLst/>
-                          <a:latin typeface="+mn-lt"/>
-                          <a:ea typeface="+mn-ea"/>
-                          <a:cs typeface="+mn-cs"/>
-                        </a:rPr>
-                        <a:t>scarlett</a:t>
-                      </a:r>
-                      <a:r>
-                        <a:rPr lang="lv-LV" sz="1400" b="0" kern="1200" dirty="0">
-                          <a:solidFill>
-                            <a:schemeClr val="tx1"/>
-                          </a:solidFill>
-                          <a:effectLst/>
-                          <a:latin typeface="+mn-lt"/>
-                          <a:ea typeface="+mn-ea"/>
-                          <a:cs typeface="+mn-cs"/>
-                        </a:rPr>
-                        <a:t> </a:t>
-                      </a:r>
-                      <a:r>
-                        <a:rPr lang="lv-LV" sz="1400" b="0" kern="1200" dirty="0" err="1">
-                          <a:solidFill>
-                            <a:schemeClr val="tx1"/>
-                          </a:solidFill>
-                          <a:effectLst/>
-                          <a:latin typeface="+mn-lt"/>
-                          <a:ea typeface="+mn-ea"/>
-                          <a:cs typeface="+mn-cs"/>
-                        </a:rPr>
-                        <a:t>johansson</a:t>
-                      </a:r>
-                      <a:r>
-                        <a:rPr lang="lv-LV" sz="1400" b="0" kern="1200" dirty="0">
-                          <a:solidFill>
-                            <a:schemeClr val="tx1"/>
-                          </a:solidFill>
-                          <a:effectLst/>
-                          <a:latin typeface="+mn-lt"/>
-                          <a:ea typeface="+mn-ea"/>
-                          <a:cs typeface="+mn-cs"/>
-                        </a:rPr>
-                        <a:t>",</a:t>
-                      </a:r>
-                    </a:p>
-                    <a:p>
-                      <a:r>
-                        <a:rPr lang="lv-LV" sz="1400" b="0" kern="1200" dirty="0">
-                          <a:solidFill>
-                            <a:schemeClr val="tx1"/>
-                          </a:solidFill>
-                          <a:effectLst/>
-                          <a:latin typeface="+mn-lt"/>
-                          <a:ea typeface="+mn-ea"/>
-                          <a:cs typeface="+mn-cs"/>
-                        </a:rPr>
-                        <a:t>            "</a:t>
-                      </a:r>
-                      <a:r>
-                        <a:rPr lang="lv-LV" sz="1400" b="0" kern="1200" dirty="0" err="1">
-                          <a:solidFill>
-                            <a:schemeClr val="tx1"/>
-                          </a:solidFill>
-                          <a:effectLst/>
-                          <a:latin typeface="+mn-lt"/>
-                          <a:ea typeface="+mn-ea"/>
-                          <a:cs typeface="+mn-cs"/>
-                        </a:rPr>
-                        <a:t>adele</a:t>
-                      </a:r>
-                      <a:r>
-                        <a:rPr lang="lv-LV" sz="1400" b="0" kern="1200" dirty="0">
-                          <a:solidFill>
-                            <a:schemeClr val="tx1"/>
-                          </a:solidFill>
-                          <a:effectLst/>
-                          <a:latin typeface="+mn-lt"/>
-                          <a:ea typeface="+mn-ea"/>
-                          <a:cs typeface="+mn-cs"/>
-                        </a:rPr>
-                        <a:t>",</a:t>
-                      </a:r>
-                    </a:p>
-                    <a:p>
-                      <a:r>
-                        <a:rPr lang="lv-LV" sz="1400" b="0" kern="1200" dirty="0">
-                          <a:solidFill>
-                            <a:schemeClr val="tx1"/>
-                          </a:solidFill>
-                          <a:effectLst/>
-                          <a:latin typeface="+mn-lt"/>
-                          <a:ea typeface="+mn-ea"/>
-                          <a:cs typeface="+mn-cs"/>
-                        </a:rPr>
-                        <a:t>            "</a:t>
-                      </a:r>
-                      <a:r>
-                        <a:rPr lang="lv-LV" sz="1400" b="0" kern="1200" dirty="0" err="1">
-                          <a:solidFill>
-                            <a:schemeClr val="tx1"/>
-                          </a:solidFill>
-                          <a:effectLst/>
-                          <a:latin typeface="+mn-lt"/>
-                          <a:ea typeface="+mn-ea"/>
-                          <a:cs typeface="+mn-cs"/>
-                        </a:rPr>
-                        <a:t>rihanna</a:t>
-                      </a:r>
-                      <a:r>
-                        <a:rPr lang="lv-LV" sz="1400" b="0" kern="1200" dirty="0">
-                          <a:solidFill>
-                            <a:schemeClr val="tx1"/>
-                          </a:solidFill>
-                          <a:effectLst/>
-                          <a:latin typeface="+mn-lt"/>
-                          <a:ea typeface="+mn-ea"/>
-                          <a:cs typeface="+mn-cs"/>
-                        </a:rPr>
-                        <a:t>"</a:t>
-                      </a:r>
-                    </a:p>
-                    <a:p>
-                      <a:r>
-                        <a:rPr lang="lv-LV" sz="1400" b="0" kern="1200" dirty="0">
-                          <a:solidFill>
-                            <a:schemeClr val="tx1"/>
-                          </a:solidFill>
-                          <a:effectLst/>
-                          <a:latin typeface="+mn-lt"/>
-                          <a:ea typeface="+mn-ea"/>
-                          <a:cs typeface="+mn-cs"/>
-                        </a:rPr>
-                        <a:t>        ]</a:t>
-                      </a:r>
-                    </a:p>
-                    <a:p>
-                      <a:r>
-                        <a:rPr lang="lv-LV" sz="1400" b="0" kern="1200" dirty="0">
-                          <a:solidFill>
-                            <a:schemeClr val="tx1"/>
-                          </a:solidFill>
-                          <a:effectLst/>
-                          <a:latin typeface="+mn-lt"/>
-                          <a:ea typeface="+mn-ea"/>
-                          <a:cs typeface="+mn-cs"/>
-                        </a:rPr>
-                        <a:t>    }</a:t>
-                      </a:r>
-                    </a:p>
-                    <a:p>
-                      <a:r>
-                        <a:rPr lang="lv-LV" sz="1400" b="0" kern="1200" dirty="0">
-                          <a:solidFill>
-                            <a:schemeClr val="tx1"/>
-                          </a:solidFill>
-                          <a:effectLst/>
-                          <a:latin typeface="+mn-lt"/>
-                          <a:ea typeface="+mn-ea"/>
-                          <a:cs typeface="+mn-cs"/>
-                        </a:rPr>
-                        <a:t>}</a:t>
-                      </a:r>
-                    </a:p>
-                    <a:p>
-                      <a:endParaRPr lang="lv-LV" dirty="0">
-                        <a:solidFill>
-                          <a:schemeClr val="tx1"/>
-                        </a:solidFill>
-                      </a:endParaRPr>
-                    </a:p>
-                  </a:txBody>
-                  <a:tcPr>
-                    <a:lnL w="12700" cap="flat" cmpd="sng" algn="ctr">
-                      <a:solidFill>
-                        <a:schemeClr val="tx1"/>
-                      </a:solidFill>
-                      <a:prstDash val="solid"/>
-                      <a:round/>
-                      <a:headEnd type="none" w="med" len="med"/>
-                      <a:tailEnd type="none" w="med" len="med"/>
-                    </a:lnL>
-                    <a:lnR w="12700" cap="flat" cmpd="sng" algn="ctr">
-                      <a:solidFill>
-                        <a:schemeClr val="tx1"/>
-                      </a:solidFill>
-                      <a:prstDash val="solid"/>
-                      <a:round/>
-                      <a:headEnd type="none" w="med" len="med"/>
-                      <a:tailEnd type="none" w="med" len="med"/>
-                    </a:lnR>
-                    <a:lnT w="12700" cap="flat" cmpd="sng" algn="ctr">
-                      <a:solidFill>
-                        <a:schemeClr val="tx1"/>
-                      </a:solidFill>
-                      <a:prstDash val="solid"/>
-                      <a:round/>
-                      <a:headEnd type="none" w="med" len="med"/>
-                      <a:tailEnd type="none" w="med" len="med"/>
-                    </a:lnT>
-                    <a:lnB w="12700" cap="flat" cmpd="sng" algn="ctr">
-                      <a:solidFill>
-                        <a:schemeClr val="tx1"/>
-                      </a:solidFill>
-                      <a:prstDash val="solid"/>
-                      <a:round/>
-                      <a:headEnd type="none" w="med" len="med"/>
-                      <a:tailEnd type="none" w="med" len="med"/>
-                    </a:lnB>
-                    <a:solidFill>
-                      <a:schemeClr val="bg1"/>
-                    </a:solidFill>
-                  </a:tcPr>
-                </a:tc>
-                <a:extLst>
-                  <a:ext uri="{0D108BD9-81ED-4DB2-BD59-A6C34878D82A}">
-                    <a16:rowId xmlns:a16="http://schemas.microsoft.com/office/drawing/2014/main" val="1748029898"/>
-                  </a:ext>
-                </a:extLst>
-              </a:tr>
-            </a:tbl>
-          </a:graphicData>
-        </a:graphic>
-      </p:graphicFrame>
+          <p:cNvPicPr>
+            <a:picLocks noChangeAspect="1"/>
+          </p:cNvPicPr>
+          <p:nvPr/>
+        </p:nvPicPr>
+        <p:blipFill>
+          <a:blip r:embed="rId3"/>
+          <a:stretch>
+            <a:fillRect/>
+          </a:stretch>
+        </p:blipFill>
+        <p:spPr>
+          <a:xfrm>
+            <a:off x="2584450" y="1052775"/>
+            <a:ext cx="3304618" cy="5204185"/>
+          </a:xfrm>
+          <a:prstGeom prst="rect">
+            <a:avLst/>
+          </a:prstGeom>
+        </p:spPr>
+      </p:pic>
+      <p:pic>
+        <p:nvPicPr>
+          <p:cNvPr id="8" name="Picture 7">
+            <a:extLst>
+              <a:ext uri="{FF2B5EF4-FFF2-40B4-BE49-F238E27FC236}">
+                <a16:creationId xmlns:a16="http://schemas.microsoft.com/office/drawing/2014/main" id="{46A81894-0BA5-4772-8153-AD928D873379}"/>
+              </a:ext>
+            </a:extLst>
+          </p:cNvPr>
+          <p:cNvPicPr>
+            <a:picLocks noChangeAspect="1"/>
+          </p:cNvPicPr>
+          <p:nvPr/>
+        </p:nvPicPr>
+        <p:blipFill>
+          <a:blip r:embed="rId4"/>
+          <a:stretch>
+            <a:fillRect/>
+          </a:stretch>
+        </p:blipFill>
+        <p:spPr>
+          <a:xfrm>
+            <a:off x="6096000" y="1178202"/>
+            <a:ext cx="3177218" cy="5172391"/>
+          </a:xfrm>
+          <a:prstGeom prst="rect">
+            <a:avLst/>
+          </a:prstGeom>
+        </p:spPr>
+      </p:pic>
     </p:spTree>
     <p:extLst>
       <p:ext uri="{BB962C8B-B14F-4D97-AF65-F5344CB8AC3E}">
-        <p14:creationId xmlns:p14="http://schemas.microsoft.com/office/powerpoint/2010/main" val="1680134145"/>
+        <p14:creationId xmlns:p14="http://schemas.microsoft.com/office/powerpoint/2010/main" val="170610180"/>
       </p:ext>
     </p:extLst>
   </p:cSld>
@@ -8289,7 +9050,7 @@
   <p:cSld>
     <p:spTree>
       <p:nvGrpSpPr>
-        <p:cNvPr id="1" name=""/>
+        <p:cNvPr id="1" name="Shape 104"/>
         <p:cNvGrpSpPr/>
         <p:nvPr/>
       </p:nvGrpSpPr>
@@ -8303,94 +9064,916 @@
       </p:grpSpPr>
       <p:sp>
         <p:nvSpPr>
-          <p:cNvPr id="2" name="Title 1">
-            <a:extLst>
-              <a:ext uri="{FF2B5EF4-FFF2-40B4-BE49-F238E27FC236}">
-                <a16:creationId xmlns:a16="http://schemas.microsoft.com/office/drawing/2014/main" id="{61AD6E7B-050D-0A4C-8CE8-2A62913F6CB9}"/>
-              </a:ext>
-            </a:extLst>
-          </p:cNvPr>
-          <p:cNvSpPr>
+          <p:cNvPr id="105" name="Google Shape;105;p4"/>
+          <p:cNvSpPr txBox="1">
             <a:spLocks noGrp="1"/>
           </p:cNvSpPr>
           <p:nvPr>
-            <p:ph type="title"/>
-          </p:nvPr>
-        </p:nvSpPr>
-        <p:spPr>
-          <a:xfrm>
-            <a:off x="385482" y="914399"/>
-            <a:ext cx="5253317" cy="2805954"/>
-          </a:xfrm>
-        </p:spPr>
-        <p:txBody>
-          <a:bodyPr/>
+            <p:ph type="sldNum" idx="12"/>
+          </p:nvPr>
+        </p:nvSpPr>
+        <p:spPr>
+          <a:xfrm>
+            <a:off x="11645929" y="6256960"/>
+            <a:ext cx="605110" cy="332685"/>
+          </a:xfrm>
+          <a:prstGeom prst="rect">
+            <a:avLst/>
+          </a:prstGeom>
+          <a:noFill/>
+          <a:ln>
+            <a:noFill/>
+          </a:ln>
+        </p:spPr>
+        <p:txBody>
+          <a:bodyPr spcFirstLastPara="1" wrap="square" lIns="91425" tIns="45700" rIns="91425" bIns="45700" anchor="t" anchorCtr="0">
+            <a:noAutofit/>
+          </a:bodyPr>
           <a:lstStyle/>
           <a:p>
-            <a:pPr algn="ctr"/>
+            <a:pPr marL="0" lvl="0" indent="0" algn="ctr" rtl="0">
+              <a:spcBef>
+                <a:spcPts val="0"/>
+              </a:spcBef>
+              <a:spcAft>
+                <a:spcPts val="0"/>
+              </a:spcAft>
+              <a:buNone/>
+            </a:pPr>
+            <a:fld id="{00000000-1234-1234-1234-123412341234}" type="slidenum">
+              <a:rPr lang="en-US"/>
+              <a:t>7</a:t>
+            </a:fld>
+            <a:endParaRPr/>
+          </a:p>
+        </p:txBody>
+      </p:sp>
+      <p:sp>
+        <p:nvSpPr>
+          <p:cNvPr id="106" name="Google Shape;106;p4"/>
+          <p:cNvSpPr txBox="1">
+            <a:spLocks noGrp="1"/>
+          </p:cNvSpPr>
+          <p:nvPr>
+            <p:ph type="title" idx="4294967295"/>
+          </p:nvPr>
+        </p:nvSpPr>
+        <p:spPr>
+          <a:xfrm>
+            <a:off x="418011" y="196729"/>
+            <a:ext cx="11399520" cy="1099996"/>
+          </a:xfrm>
+          <a:prstGeom prst="rect">
+            <a:avLst/>
+          </a:prstGeom>
+          <a:noFill/>
+          <a:ln>
+            <a:noFill/>
+          </a:ln>
+        </p:spPr>
+        <p:txBody>
+          <a:bodyPr spcFirstLastPara="1" wrap="square" lIns="91425" tIns="45700" rIns="91425" bIns="45700" anchor="ctr" anchorCtr="0">
+            <a:noAutofit/>
+          </a:bodyPr>
+          <a:lstStyle/>
+          <a:p>
+            <a:pPr marL="0" lvl="0" indent="0" algn="l" rtl="0">
+              <a:lnSpc>
+                <a:spcPct val="90000"/>
+              </a:lnSpc>
+              <a:spcBef>
+                <a:spcPts val="0"/>
+              </a:spcBef>
+              <a:spcAft>
+                <a:spcPts val="0"/>
+              </a:spcAft>
+              <a:buClr>
+                <a:srgbClr val="1B5089"/>
+              </a:buClr>
+              <a:buSzPts val="4400"/>
+              <a:buFont typeface="Arial"/>
+              <a:buNone/>
+            </a:pPr>
             <a:r>
               <a:rPr lang="lv-LV" dirty="0">
                 <a:solidFill>
                   <a:srgbClr val="1B5089"/>
                 </a:solidFill>
-                <a:latin typeface="Arial" panose="020B0604020202020204" pitchFamily="34" charset="0"/>
-                <a:cs typeface="Arial" panose="020B0604020202020204" pitchFamily="34" charset="0"/>
-              </a:rPr>
-              <a:t>Paldies par uzmanību!</a:t>
-            </a:r>
-            <a:br>
-              <a:rPr lang="en-US" dirty="0">
-                <a:solidFill>
-                  <a:srgbClr val="1B5089"/>
-                </a:solidFill>
-                <a:latin typeface="Arial" panose="020B0604020202020204" pitchFamily="34" charset="0"/>
-                <a:cs typeface="Arial" panose="020B0604020202020204" pitchFamily="34" charset="0"/>
-              </a:rPr>
-            </a:br>
-            <a:endParaRPr lang="en-US" dirty="0"/>
+                <a:latin typeface="Arial"/>
+                <a:ea typeface="Arial"/>
+                <a:cs typeface="Arial"/>
+                <a:sym typeface="Arial"/>
+              </a:rPr>
+              <a:t>Testa dati (franču valodas piemērs)</a:t>
+            </a:r>
+            <a:endParaRPr dirty="0">
+              <a:solidFill>
+                <a:srgbClr val="1B5089"/>
+              </a:solidFill>
+              <a:latin typeface="Arial"/>
+              <a:ea typeface="Arial"/>
+              <a:cs typeface="Arial"/>
+              <a:sym typeface="Arial"/>
+            </a:endParaRPr>
+          </a:p>
+        </p:txBody>
+      </p:sp>
+      <p:sp>
+        <p:nvSpPr>
+          <p:cNvPr id="107" name="Google Shape;107;p4"/>
+          <p:cNvSpPr txBox="1">
+            <a:spLocks noGrp="1"/>
+          </p:cNvSpPr>
+          <p:nvPr>
+            <p:ph type="body" idx="4294967295"/>
+          </p:nvPr>
+        </p:nvSpPr>
+        <p:spPr>
+          <a:xfrm>
+            <a:off x="418011" y="1296725"/>
+            <a:ext cx="11618971" cy="4264549"/>
+          </a:xfrm>
+          <a:prstGeom prst="rect">
+            <a:avLst/>
+          </a:prstGeom>
+          <a:noFill/>
+          <a:ln>
+            <a:noFill/>
+          </a:ln>
+        </p:spPr>
+        <p:txBody>
+          <a:bodyPr spcFirstLastPara="1" wrap="square" lIns="72000" tIns="45700" rIns="144000" bIns="45700" anchor="t" anchorCtr="0">
+            <a:noAutofit/>
+          </a:bodyPr>
+          <a:lstStyle/>
+          <a:p>
+            <a:pPr marL="0" lvl="0" indent="0" algn="l" rtl="0">
+              <a:lnSpc>
+                <a:spcPct val="90000"/>
+              </a:lnSpc>
+              <a:spcBef>
+                <a:spcPts val="1000"/>
+              </a:spcBef>
+              <a:spcAft>
+                <a:spcPts val="0"/>
+              </a:spcAft>
+              <a:buClr>
+                <a:schemeClr val="dk1"/>
+              </a:buClr>
+              <a:buSzPts val="2400"/>
+              <a:buNone/>
+            </a:pPr>
+            <a:endParaRPr sz="2400" dirty="0">
+              <a:latin typeface="Arial"/>
+              <a:ea typeface="Arial"/>
+              <a:cs typeface="Arial"/>
+              <a:sym typeface="Arial"/>
+            </a:endParaRPr>
           </a:p>
         </p:txBody>
       </p:sp>
       <p:pic>
         <p:nvPicPr>
-          <p:cNvPr id="7" name="Picture Placeholder 6">
+          <p:cNvPr id="7" name="Picture 6">
             <a:extLst>
               <a:ext uri="{FF2B5EF4-FFF2-40B4-BE49-F238E27FC236}">
-                <a16:creationId xmlns:a16="http://schemas.microsoft.com/office/drawing/2014/main" id="{44E1D927-5B7B-BE46-ACE5-CA830F4ED159}"/>
+                <a16:creationId xmlns:a16="http://schemas.microsoft.com/office/drawing/2014/main" id="{EB8E06D3-D9AB-427C-8593-60C0BD632F00}"/>
               </a:ext>
             </a:extLst>
           </p:cNvPr>
           <p:cNvPicPr>
-            <a:picLocks noGrp="1" noChangeAspect="1"/>
+            <a:picLocks noChangeAspect="1"/>
           </p:cNvPicPr>
-          <p:nvPr>
-            <p:ph type="pic" idx="1"/>
-          </p:nvPr>
+          <p:nvPr/>
         </p:nvPicPr>
         <p:blipFill>
-          <a:blip r:embed="rId2">
-            <a:extLst>
-              <a:ext uri="{28A0092B-C50C-407E-A947-70E740481C1C}">
-                <a14:useLocalDpi xmlns:a14="http://schemas.microsoft.com/office/drawing/2010/main" val="0"/>
-              </a:ext>
-            </a:extLst>
-          </a:blip>
-          <a:srcRect l="15681" r="15681"/>
+          <a:blip r:embed="rId3"/>
           <a:stretch>
             <a:fillRect/>
           </a:stretch>
         </p:blipFill>
         <p:spPr>
           <a:xfrm>
-            <a:off x="6059488" y="457200"/>
-            <a:ext cx="5567362" cy="5403850"/>
-          </a:xfrm>
+            <a:off x="7381875" y="1439599"/>
+            <a:ext cx="4810125" cy="3838575"/>
+          </a:xfrm>
+          <a:prstGeom prst="rect">
+            <a:avLst/>
+          </a:prstGeom>
+        </p:spPr>
+      </p:pic>
+      <p:pic>
+        <p:nvPicPr>
+          <p:cNvPr id="5" name="Picture 4">
+            <a:extLst>
+              <a:ext uri="{FF2B5EF4-FFF2-40B4-BE49-F238E27FC236}">
+                <a16:creationId xmlns:a16="http://schemas.microsoft.com/office/drawing/2014/main" id="{52F01DE8-53F4-4DAB-B456-71F615D59DE7}"/>
+              </a:ext>
+            </a:extLst>
+          </p:cNvPr>
+          <p:cNvPicPr>
+            <a:picLocks noChangeAspect="1"/>
+          </p:cNvPicPr>
+          <p:nvPr/>
+        </p:nvPicPr>
+        <p:blipFill>
+          <a:blip r:embed="rId4"/>
+          <a:stretch>
+            <a:fillRect/>
+          </a:stretch>
+        </p:blipFill>
+        <p:spPr>
+          <a:xfrm>
+            <a:off x="3690938" y="1420549"/>
+            <a:ext cx="4572000" cy="3857625"/>
+          </a:xfrm>
+          <a:prstGeom prst="rect">
+            <a:avLst/>
+          </a:prstGeom>
+        </p:spPr>
+      </p:pic>
+      <p:pic>
+        <p:nvPicPr>
+          <p:cNvPr id="3" name="Picture 2">
+            <a:extLst>
+              <a:ext uri="{FF2B5EF4-FFF2-40B4-BE49-F238E27FC236}">
+                <a16:creationId xmlns:a16="http://schemas.microsoft.com/office/drawing/2014/main" id="{65BC847E-7622-4DE8-BC56-8FC1A7C2E5EA}"/>
+              </a:ext>
+            </a:extLst>
+          </p:cNvPr>
+          <p:cNvPicPr>
+            <a:picLocks noChangeAspect="1"/>
+          </p:cNvPicPr>
+          <p:nvPr/>
+        </p:nvPicPr>
+        <p:blipFill>
+          <a:blip r:embed="rId5"/>
+          <a:stretch>
+            <a:fillRect/>
+          </a:stretch>
+        </p:blipFill>
+        <p:spPr>
+          <a:xfrm>
+            <a:off x="0" y="1213910"/>
+            <a:ext cx="4572000" cy="4105275"/>
+          </a:xfrm>
+          <a:prstGeom prst="rect">
+            <a:avLst/>
+          </a:prstGeom>
         </p:spPr>
       </p:pic>
     </p:spTree>
     <p:extLst>
       <p:ext uri="{BB962C8B-B14F-4D97-AF65-F5344CB8AC3E}">
-        <p14:creationId xmlns:p14="http://schemas.microsoft.com/office/powerpoint/2010/main" val="697870806"/>
+        <p14:creationId xmlns:p14="http://schemas.microsoft.com/office/powerpoint/2010/main" val="2690419840"/>
+      </p:ext>
+    </p:extLst>
+  </p:cSld>
+  <p:clrMapOvr>
+    <a:masterClrMapping/>
+  </p:clrMapOvr>
+</p:sld>
+</file>
+
+<file path=ppt/slides/slide8.xml><?xml version="1.0" encoding="utf-8"?>
+<p:sld xmlns:a="http://schemas.openxmlformats.org/drawingml/2006/main" xmlns:r="http://schemas.openxmlformats.org/officeDocument/2006/relationships" xmlns:p="http://schemas.openxmlformats.org/presentationml/2006/main">
+  <p:cSld>
+    <p:spTree>
+      <p:nvGrpSpPr>
+        <p:cNvPr id="1" name="Shape 104"/>
+        <p:cNvGrpSpPr/>
+        <p:nvPr/>
+      </p:nvGrpSpPr>
+      <p:grpSpPr>
+        <a:xfrm>
+          <a:off x="0" y="0"/>
+          <a:ext cx="0" cy="0"/>
+          <a:chOff x="0" y="0"/>
+          <a:chExt cx="0" cy="0"/>
+        </a:xfrm>
+      </p:grpSpPr>
+      <p:sp>
+        <p:nvSpPr>
+          <p:cNvPr id="105" name="Google Shape;105;p4"/>
+          <p:cNvSpPr txBox="1">
+            <a:spLocks noGrp="1"/>
+          </p:cNvSpPr>
+          <p:nvPr>
+            <p:ph type="sldNum" idx="12"/>
+          </p:nvPr>
+        </p:nvSpPr>
+        <p:spPr>
+          <a:xfrm>
+            <a:off x="11645929" y="6256960"/>
+            <a:ext cx="605110" cy="332685"/>
+          </a:xfrm>
+          <a:prstGeom prst="rect">
+            <a:avLst/>
+          </a:prstGeom>
+          <a:noFill/>
+          <a:ln>
+            <a:noFill/>
+          </a:ln>
+        </p:spPr>
+        <p:txBody>
+          <a:bodyPr spcFirstLastPara="1" wrap="square" lIns="91425" tIns="45700" rIns="91425" bIns="45700" anchor="t" anchorCtr="0">
+            <a:noAutofit/>
+          </a:bodyPr>
+          <a:lstStyle/>
+          <a:p>
+            <a:pPr marL="0" lvl="0" indent="0" algn="ctr" rtl="0">
+              <a:spcBef>
+                <a:spcPts val="0"/>
+              </a:spcBef>
+              <a:spcAft>
+                <a:spcPts val="0"/>
+              </a:spcAft>
+              <a:buNone/>
+            </a:pPr>
+            <a:fld id="{00000000-1234-1234-1234-123412341234}" type="slidenum">
+              <a:rPr lang="en-US"/>
+              <a:t>8</a:t>
+            </a:fld>
+            <a:endParaRPr/>
+          </a:p>
+        </p:txBody>
+      </p:sp>
+      <p:sp>
+        <p:nvSpPr>
+          <p:cNvPr id="106" name="Google Shape;106;p4"/>
+          <p:cNvSpPr txBox="1">
+            <a:spLocks noGrp="1"/>
+          </p:cNvSpPr>
+          <p:nvPr>
+            <p:ph type="title" idx="4294967295"/>
+          </p:nvPr>
+        </p:nvSpPr>
+        <p:spPr>
+          <a:xfrm>
+            <a:off x="418011" y="440937"/>
+            <a:ext cx="11399520" cy="1099996"/>
+          </a:xfrm>
+          <a:prstGeom prst="rect">
+            <a:avLst/>
+          </a:prstGeom>
+          <a:noFill/>
+          <a:ln>
+            <a:noFill/>
+          </a:ln>
+        </p:spPr>
+        <p:txBody>
+          <a:bodyPr spcFirstLastPara="1" wrap="square" lIns="91425" tIns="45700" rIns="91425" bIns="45700" anchor="ctr" anchorCtr="0">
+            <a:noAutofit/>
+          </a:bodyPr>
+          <a:lstStyle/>
+          <a:p>
+            <a:pPr marL="0" lvl="0" indent="0" algn="l" rtl="0">
+              <a:lnSpc>
+                <a:spcPct val="90000"/>
+              </a:lnSpc>
+              <a:spcBef>
+                <a:spcPts val="0"/>
+              </a:spcBef>
+              <a:spcAft>
+                <a:spcPts val="0"/>
+              </a:spcAft>
+              <a:buClr>
+                <a:srgbClr val="1B5089"/>
+              </a:buClr>
+              <a:buSzPts val="4400"/>
+              <a:buFont typeface="Arial"/>
+              <a:buNone/>
+            </a:pPr>
+            <a:r>
+              <a:rPr lang="lv-LV" dirty="0">
+                <a:solidFill>
+                  <a:srgbClr val="1B5089"/>
+                </a:solidFill>
+                <a:latin typeface="Arial"/>
+                <a:ea typeface="Arial"/>
+                <a:cs typeface="Arial"/>
+                <a:sym typeface="Arial"/>
+              </a:rPr>
+              <a:t>Sasniegumi</a:t>
+            </a:r>
+            <a:endParaRPr dirty="0">
+              <a:solidFill>
+                <a:srgbClr val="1B5089"/>
+              </a:solidFill>
+              <a:latin typeface="Arial"/>
+              <a:ea typeface="Arial"/>
+              <a:cs typeface="Arial"/>
+              <a:sym typeface="Arial"/>
+            </a:endParaRPr>
+          </a:p>
+        </p:txBody>
+      </p:sp>
+      <p:sp>
+        <p:nvSpPr>
+          <p:cNvPr id="107" name="Google Shape;107;p4"/>
+          <p:cNvSpPr txBox="1">
+            <a:spLocks noGrp="1"/>
+          </p:cNvSpPr>
+          <p:nvPr>
+            <p:ph type="body" idx="4294967295"/>
+          </p:nvPr>
+        </p:nvSpPr>
+        <p:spPr>
+          <a:xfrm>
+            <a:off x="418011" y="1296725"/>
+            <a:ext cx="11618971" cy="4264549"/>
+          </a:xfrm>
+          <a:prstGeom prst="rect">
+            <a:avLst/>
+          </a:prstGeom>
+          <a:noFill/>
+          <a:ln>
+            <a:noFill/>
+          </a:ln>
+        </p:spPr>
+        <p:txBody>
+          <a:bodyPr spcFirstLastPara="1" wrap="square" lIns="72000" tIns="45700" rIns="144000" bIns="45700" anchor="t" anchorCtr="0">
+            <a:noAutofit/>
+          </a:bodyPr>
+          <a:lstStyle/>
+          <a:p>
+            <a:pPr marL="355600" lvl="0" indent="-355600" algn="l" rtl="0">
+              <a:lnSpc>
+                <a:spcPct val="90000"/>
+              </a:lnSpc>
+              <a:spcBef>
+                <a:spcPts val="1200"/>
+              </a:spcBef>
+              <a:spcAft>
+                <a:spcPts val="0"/>
+              </a:spcAft>
+              <a:buClr>
+                <a:srgbClr val="1B5089"/>
+              </a:buClr>
+              <a:buSzPts val="2880"/>
+              <a:buFont typeface="Noto Sans Symbols"/>
+              <a:buChar char="▪"/>
+            </a:pPr>
+            <a:r>
+              <a:rPr lang="lv-LV" sz="2400" dirty="0">
+                <a:latin typeface="Arial"/>
+                <a:ea typeface="Arial"/>
+                <a:cs typeface="Arial"/>
+                <a:sym typeface="Arial"/>
+              </a:rPr>
+              <a:t>Sistēma spēj saņemt dažāda veida lietotāja ievades, un </a:t>
+            </a:r>
+          </a:p>
+          <a:p>
+            <a:pPr marL="355600" lvl="0" indent="-355600" algn="l" rtl="0">
+              <a:lnSpc>
+                <a:spcPct val="90000"/>
+              </a:lnSpc>
+              <a:spcBef>
+                <a:spcPts val="1200"/>
+              </a:spcBef>
+              <a:spcAft>
+                <a:spcPts val="0"/>
+              </a:spcAft>
+              <a:buClr>
+                <a:srgbClr val="1B5089"/>
+              </a:buClr>
+              <a:buSzPts val="2880"/>
+              <a:buFont typeface="Noto Sans Symbols"/>
+              <a:buChar char="▪"/>
+            </a:pPr>
+            <a:r>
+              <a:rPr lang="lv-LV" sz="2400" dirty="0">
+                <a:latin typeface="Arial"/>
+                <a:ea typeface="Arial"/>
+                <a:cs typeface="Arial"/>
+                <a:sym typeface="Arial"/>
+              </a:rPr>
+              <a:t>Sistēma spēj no 6 valodu IPA transliterēt uz latviešu valodu ar dažiem izņēmumiem, izmantojot pašdarinātu sistēmu.</a:t>
+            </a:r>
+          </a:p>
+          <a:p>
+            <a:pPr marL="355600" lvl="0" indent="-355600" algn="l" rtl="0">
+              <a:lnSpc>
+                <a:spcPct val="90000"/>
+              </a:lnSpc>
+              <a:spcBef>
+                <a:spcPts val="1200"/>
+              </a:spcBef>
+              <a:spcAft>
+                <a:spcPts val="0"/>
+              </a:spcAft>
+              <a:buClr>
+                <a:srgbClr val="1B5089"/>
+              </a:buClr>
+              <a:buSzPts val="2880"/>
+              <a:buFont typeface="Noto Sans Symbols"/>
+              <a:buChar char="▪"/>
+            </a:pPr>
+            <a:r>
+              <a:rPr lang="lv-LV" sz="2400" dirty="0">
+                <a:latin typeface="Arial"/>
+                <a:ea typeface="Arial"/>
+                <a:cs typeface="Arial"/>
+                <a:sym typeface="Arial"/>
+              </a:rPr>
+              <a:t>Sistēma strādā relatīvi </a:t>
+            </a:r>
+          </a:p>
+        </p:txBody>
+      </p:sp>
+    </p:spTree>
+    <p:extLst>
+      <p:ext uri="{BB962C8B-B14F-4D97-AF65-F5344CB8AC3E}">
+        <p14:creationId xmlns:p14="http://schemas.microsoft.com/office/powerpoint/2010/main" val="2642268531"/>
+      </p:ext>
+    </p:extLst>
+  </p:cSld>
+  <p:clrMapOvr>
+    <a:masterClrMapping/>
+  </p:clrMapOvr>
+</p:sld>
+</file>
+
+<file path=ppt/slides/slide9.xml><?xml version="1.0" encoding="utf-8"?>
+<p:sld xmlns:a="http://schemas.openxmlformats.org/drawingml/2006/main" xmlns:r="http://schemas.openxmlformats.org/officeDocument/2006/relationships" xmlns:p="http://schemas.openxmlformats.org/presentationml/2006/main">
+  <p:cSld>
+    <p:spTree>
+      <p:nvGrpSpPr>
+        <p:cNvPr id="1" name="Shape 104"/>
+        <p:cNvGrpSpPr/>
+        <p:nvPr/>
+      </p:nvGrpSpPr>
+      <p:grpSpPr>
+        <a:xfrm>
+          <a:off x="0" y="0"/>
+          <a:ext cx="0" cy="0"/>
+          <a:chOff x="0" y="0"/>
+          <a:chExt cx="0" cy="0"/>
+        </a:xfrm>
+      </p:grpSpPr>
+      <p:sp>
+        <p:nvSpPr>
+          <p:cNvPr id="105" name="Google Shape;105;p4"/>
+          <p:cNvSpPr txBox="1">
+            <a:spLocks noGrp="1"/>
+          </p:cNvSpPr>
+          <p:nvPr>
+            <p:ph type="sldNum" idx="12"/>
+          </p:nvPr>
+        </p:nvSpPr>
+        <p:spPr>
+          <a:xfrm>
+            <a:off x="11645929" y="6256960"/>
+            <a:ext cx="605110" cy="332685"/>
+          </a:xfrm>
+          <a:prstGeom prst="rect">
+            <a:avLst/>
+          </a:prstGeom>
+          <a:noFill/>
+          <a:ln>
+            <a:noFill/>
+          </a:ln>
+        </p:spPr>
+        <p:txBody>
+          <a:bodyPr spcFirstLastPara="1" wrap="square" lIns="91425" tIns="45700" rIns="91425" bIns="45700" anchor="t" anchorCtr="0">
+            <a:noAutofit/>
+          </a:bodyPr>
+          <a:lstStyle/>
+          <a:p>
+            <a:pPr marL="0" lvl="0" indent="0" algn="ctr" rtl="0">
+              <a:spcBef>
+                <a:spcPts val="0"/>
+              </a:spcBef>
+              <a:spcAft>
+                <a:spcPts val="0"/>
+              </a:spcAft>
+              <a:buNone/>
+            </a:pPr>
+            <a:fld id="{00000000-1234-1234-1234-123412341234}" type="slidenum">
+              <a:rPr lang="en-US"/>
+              <a:t>9</a:t>
+            </a:fld>
+            <a:endParaRPr/>
+          </a:p>
+        </p:txBody>
+      </p:sp>
+      <p:sp>
+        <p:nvSpPr>
+          <p:cNvPr id="106" name="Google Shape;106;p4"/>
+          <p:cNvSpPr txBox="1">
+            <a:spLocks noGrp="1"/>
+          </p:cNvSpPr>
+          <p:nvPr>
+            <p:ph type="title" idx="4294967295"/>
+          </p:nvPr>
+        </p:nvSpPr>
+        <p:spPr>
+          <a:xfrm>
+            <a:off x="418011" y="440937"/>
+            <a:ext cx="11399520" cy="1099996"/>
+          </a:xfrm>
+          <a:prstGeom prst="rect">
+            <a:avLst/>
+          </a:prstGeom>
+          <a:noFill/>
+          <a:ln>
+            <a:noFill/>
+          </a:ln>
+        </p:spPr>
+        <p:txBody>
+          <a:bodyPr spcFirstLastPara="1" wrap="square" lIns="91425" tIns="45700" rIns="91425" bIns="45700" anchor="ctr" anchorCtr="0">
+            <a:noAutofit/>
+          </a:bodyPr>
+          <a:lstStyle/>
+          <a:p>
+            <a:pPr marL="0" lvl="0" indent="0" algn="l" rtl="0">
+              <a:lnSpc>
+                <a:spcPct val="90000"/>
+              </a:lnSpc>
+              <a:spcBef>
+                <a:spcPts val="0"/>
+              </a:spcBef>
+              <a:spcAft>
+                <a:spcPts val="0"/>
+              </a:spcAft>
+              <a:buClr>
+                <a:srgbClr val="1B5089"/>
+              </a:buClr>
+              <a:buSzPts val="4400"/>
+              <a:buFont typeface="Arial"/>
+              <a:buNone/>
+            </a:pPr>
+            <a:r>
+              <a:rPr lang="lv-LV" dirty="0">
+                <a:solidFill>
+                  <a:srgbClr val="1B5089"/>
+                </a:solidFill>
+                <a:latin typeface="Arial"/>
+                <a:ea typeface="Arial"/>
+                <a:cs typeface="Arial"/>
+                <a:sym typeface="Arial"/>
+              </a:rPr>
+              <a:t>Secinājumi</a:t>
+            </a:r>
+            <a:endParaRPr dirty="0">
+              <a:solidFill>
+                <a:srgbClr val="1B5089"/>
+              </a:solidFill>
+              <a:latin typeface="Arial"/>
+              <a:ea typeface="Arial"/>
+              <a:cs typeface="Arial"/>
+              <a:sym typeface="Arial"/>
+            </a:endParaRPr>
+          </a:p>
+        </p:txBody>
+      </p:sp>
+      <p:sp>
+        <p:nvSpPr>
+          <p:cNvPr id="107" name="Google Shape;107;p4"/>
+          <p:cNvSpPr txBox="1">
+            <a:spLocks noGrp="1"/>
+          </p:cNvSpPr>
+          <p:nvPr>
+            <p:ph type="body" idx="4294967295"/>
+          </p:nvPr>
+        </p:nvSpPr>
+        <p:spPr>
+          <a:xfrm>
+            <a:off x="418011" y="1296725"/>
+            <a:ext cx="11618971" cy="4264549"/>
+          </a:xfrm>
+          <a:prstGeom prst="rect">
+            <a:avLst/>
+          </a:prstGeom>
+          <a:noFill/>
+          <a:ln>
+            <a:noFill/>
+          </a:ln>
+        </p:spPr>
+        <p:txBody>
+          <a:bodyPr spcFirstLastPara="1" wrap="square" lIns="72000" tIns="45700" rIns="144000" bIns="45700" anchor="t" anchorCtr="0">
+            <a:noAutofit/>
+          </a:bodyPr>
+          <a:lstStyle/>
+          <a:p>
+            <a:pPr marL="355600" lvl="0" indent="-355600" algn="l" rtl="0">
+              <a:lnSpc>
+                <a:spcPct val="90000"/>
+              </a:lnSpc>
+              <a:spcBef>
+                <a:spcPts val="1200"/>
+              </a:spcBef>
+              <a:spcAft>
+                <a:spcPts val="0"/>
+              </a:spcAft>
+              <a:buClr>
+                <a:srgbClr val="1B5089"/>
+              </a:buClr>
+              <a:buSzPts val="2880"/>
+              <a:buFont typeface="Noto Sans Symbols"/>
+              <a:buChar char="▪"/>
+            </a:pPr>
+            <a:r>
+              <a:rPr lang="lv-LV" sz="2400" dirty="0">
+                <a:latin typeface="Arial"/>
+                <a:ea typeface="Arial"/>
+                <a:cs typeface="Arial"/>
+                <a:sym typeface="Arial"/>
+              </a:rPr>
+              <a:t>Uzdevums ir tomēr sarežģītāks, nekā bijām iepriekš paredzējuši, bet tik un tā bijām spējīgi izstrādāt risinājumu, kas sasniedz mūsu mērķi – transliterēt no dažādu valodu IPA uz latviešu valodu.</a:t>
+            </a:r>
+          </a:p>
+          <a:p>
+            <a:pPr marL="355600" lvl="0" indent="-355600" algn="l" rtl="0">
+              <a:lnSpc>
+                <a:spcPct val="90000"/>
+              </a:lnSpc>
+              <a:spcBef>
+                <a:spcPts val="1200"/>
+              </a:spcBef>
+              <a:spcAft>
+                <a:spcPts val="0"/>
+              </a:spcAft>
+              <a:buClr>
+                <a:srgbClr val="1B5089"/>
+              </a:buClr>
+              <a:buSzPts val="2880"/>
+              <a:buFont typeface="Noto Sans Symbols"/>
+              <a:buChar char="▪"/>
+            </a:pPr>
+            <a:r>
+              <a:rPr lang="lv-LV" sz="2400" dirty="0" err="1">
+                <a:latin typeface="Arial"/>
+                <a:ea typeface="Arial"/>
+                <a:cs typeface="Arial"/>
+                <a:sym typeface="Arial"/>
+              </a:rPr>
+              <a:t>Vikipēdijas</a:t>
+            </a:r>
+            <a:r>
+              <a:rPr lang="lv-LV" sz="2400" dirty="0">
+                <a:latin typeface="Arial"/>
+                <a:ea typeface="Arial"/>
+                <a:cs typeface="Arial"/>
+                <a:sym typeface="Arial"/>
+              </a:rPr>
+              <a:t> šķirkļos ne vienmēr bija atrodamas IPA virknes (brīžiem pat nepareizas IPA virknes), kā arī bieži vien tās, kuras atradām, nebija tās, kuras aprakstīja lietotāja ievadīto īpašvārdu (piemēram «</a:t>
+            </a:r>
+            <a:r>
+              <a:rPr lang="lv-LV" sz="2400" dirty="0" err="1">
+                <a:latin typeface="Arial"/>
+                <a:ea typeface="Arial"/>
+                <a:cs typeface="Arial"/>
+                <a:sym typeface="Arial"/>
+              </a:rPr>
+              <a:t>berlin</a:t>
+            </a:r>
+            <a:r>
+              <a:rPr lang="lv-LV" sz="2400" dirty="0">
+                <a:latin typeface="Arial"/>
+                <a:ea typeface="Arial"/>
+                <a:cs typeface="Arial"/>
+                <a:sym typeface="Arial"/>
+              </a:rPr>
+              <a:t>»), kas nāk no </a:t>
+            </a:r>
+            <a:r>
+              <a:rPr lang="lv-LV" sz="2400" dirty="0" err="1">
+                <a:latin typeface="Arial"/>
+                <a:ea typeface="Arial"/>
+                <a:cs typeface="Arial"/>
+                <a:sym typeface="Arial"/>
+              </a:rPr>
+              <a:t>Vikipēdijas</a:t>
+            </a:r>
+            <a:r>
+              <a:rPr lang="lv-LV" sz="2400" dirty="0">
+                <a:latin typeface="Arial"/>
+                <a:ea typeface="Arial"/>
+                <a:cs typeface="Arial"/>
+                <a:sym typeface="Arial"/>
+              </a:rPr>
+              <a:t> šķirkļu nepilnības vai īpatnības.</a:t>
+            </a:r>
+          </a:p>
+          <a:p>
+            <a:pPr marL="355600" lvl="0" indent="-355600" algn="l" rtl="0">
+              <a:lnSpc>
+                <a:spcPct val="90000"/>
+              </a:lnSpc>
+              <a:spcBef>
+                <a:spcPts val="1200"/>
+              </a:spcBef>
+              <a:spcAft>
+                <a:spcPts val="0"/>
+              </a:spcAft>
+              <a:buClr>
+                <a:srgbClr val="1B5089"/>
+              </a:buClr>
+              <a:buSzPts val="2880"/>
+              <a:buFont typeface="Noto Sans Symbols"/>
+              <a:buChar char="▪"/>
+            </a:pPr>
+            <a:r>
+              <a:rPr lang="lv-LV" sz="2400" dirty="0">
+                <a:latin typeface="Arial"/>
+                <a:ea typeface="Arial"/>
+                <a:cs typeface="Arial"/>
+                <a:sym typeface="Arial"/>
+              </a:rPr>
+              <a:t>Izmantotajiem instrumentiem arī bija savas nepilnības, piemēram, </a:t>
+            </a:r>
+            <a:r>
+              <a:rPr lang="lv-LV" sz="2400" dirty="0" err="1">
+                <a:latin typeface="Arial"/>
+                <a:ea typeface="Arial"/>
+                <a:cs typeface="Arial"/>
+                <a:sym typeface="Arial"/>
+              </a:rPr>
+              <a:t>ipapy</a:t>
+            </a:r>
+            <a:r>
+              <a:rPr lang="lv-LV" sz="2400" dirty="0">
+                <a:latin typeface="Arial"/>
+                <a:ea typeface="Arial"/>
+                <a:cs typeface="Arial"/>
+                <a:sym typeface="Arial"/>
+              </a:rPr>
+              <a:t> nespēja apstrādāt dažādus IPA simbolus, kuri sekojoši tika izmesti no JSON transliterācijas kartēm vai pārveidoti, lai tie strādātu ar </a:t>
+            </a:r>
+            <a:r>
+              <a:rPr lang="lv-LV" sz="2400" dirty="0" err="1">
+                <a:latin typeface="Arial"/>
+                <a:ea typeface="Arial"/>
+                <a:cs typeface="Arial"/>
+                <a:sym typeface="Arial"/>
+              </a:rPr>
+              <a:t>ipapy</a:t>
+            </a:r>
+            <a:r>
+              <a:rPr lang="lv-LV" sz="2400" dirty="0">
+                <a:latin typeface="Arial"/>
+                <a:ea typeface="Arial"/>
+                <a:cs typeface="Arial"/>
+                <a:sym typeface="Arial"/>
+              </a:rPr>
+              <a:t> funkcijām. </a:t>
+            </a:r>
+          </a:p>
+          <a:p>
+            <a:pPr marL="355600" lvl="0" indent="-355600" algn="l" rtl="0">
+              <a:lnSpc>
+                <a:spcPct val="90000"/>
+              </a:lnSpc>
+              <a:spcBef>
+                <a:spcPts val="1200"/>
+              </a:spcBef>
+              <a:spcAft>
+                <a:spcPts val="0"/>
+              </a:spcAft>
+              <a:buClr>
+                <a:srgbClr val="1B5089"/>
+              </a:buClr>
+              <a:buSzPts val="2880"/>
+              <a:buFont typeface="Noto Sans Symbols"/>
+              <a:buChar char="▪"/>
+            </a:pPr>
+            <a:r>
+              <a:rPr lang="lv-LV" sz="2400" dirty="0">
+                <a:latin typeface="Arial"/>
+                <a:ea typeface="Arial"/>
+                <a:cs typeface="Arial"/>
+                <a:sym typeface="Arial"/>
+              </a:rPr>
+              <a:t>Darbs tika …. Izpildīts norādītajā laikā (40h*2). </a:t>
+            </a:r>
+          </a:p>
+          <a:p>
+            <a:pPr marL="812800" lvl="1" indent="-355600">
+              <a:spcBef>
+                <a:spcPts val="1200"/>
+              </a:spcBef>
+              <a:buClr>
+                <a:srgbClr val="1B5089"/>
+              </a:buClr>
+              <a:buSzPts val="2880"/>
+              <a:buFont typeface="Noto Sans Symbols"/>
+              <a:buChar char="▪"/>
+            </a:pPr>
+            <a:endParaRPr lang="lv-LV" sz="2000" dirty="0">
+              <a:latin typeface="Arial"/>
+              <a:ea typeface="Arial"/>
+              <a:cs typeface="Arial"/>
+              <a:sym typeface="Arial"/>
+            </a:endParaRPr>
+          </a:p>
+        </p:txBody>
+      </p:sp>
+    </p:spTree>
+    <p:extLst>
+      <p:ext uri="{BB962C8B-B14F-4D97-AF65-F5344CB8AC3E}">
+        <p14:creationId xmlns:p14="http://schemas.microsoft.com/office/powerpoint/2010/main" val="2114103468"/>
       </p:ext>
     </p:extLst>
   </p:cSld>

--- a/docs/valodasprez_2_ag21201_je21033.pptx
+++ b/docs/valodasprez_2_ag21201_je21033.pptx
@@ -5,24 +5,25 @@
     <p:sldMasterId id="2147483648" r:id="rId1"/>
   </p:sldMasterIdLst>
   <p:notesMasterIdLst>
-    <p:notesMasterId r:id="rId14"/>
+    <p:notesMasterId r:id="rId15"/>
   </p:notesMasterIdLst>
   <p:handoutMasterIdLst>
-    <p:handoutMasterId r:id="rId15"/>
+    <p:handoutMasterId r:id="rId16"/>
   </p:handoutMasterIdLst>
   <p:sldIdLst>
     <p:sldId id="256" r:id="rId2"/>
     <p:sldId id="270" r:id="rId3"/>
-    <p:sldId id="271" r:id="rId4"/>
-    <p:sldId id="272" r:id="rId5"/>
-    <p:sldId id="273" r:id="rId6"/>
-    <p:sldId id="280" r:id="rId7"/>
-    <p:sldId id="276" r:id="rId8"/>
-    <p:sldId id="277" r:id="rId9"/>
-    <p:sldId id="278" r:id="rId10"/>
-    <p:sldId id="275" r:id="rId11"/>
-    <p:sldId id="279" r:id="rId12"/>
-    <p:sldId id="268" r:id="rId13"/>
+    <p:sldId id="258" r:id="rId4"/>
+    <p:sldId id="271" r:id="rId5"/>
+    <p:sldId id="272" r:id="rId6"/>
+    <p:sldId id="273" r:id="rId7"/>
+    <p:sldId id="280" r:id="rId8"/>
+    <p:sldId id="276" r:id="rId9"/>
+    <p:sldId id="277" r:id="rId10"/>
+    <p:sldId id="278" r:id="rId11"/>
+    <p:sldId id="275" r:id="rId12"/>
+    <p:sldId id="279" r:id="rId13"/>
+    <p:sldId id="268" r:id="rId14"/>
   </p:sldIdLst>
   <p:sldSz cx="12192000" cy="6858000"/>
   <p:notesSz cx="6858000" cy="9144000"/>
@@ -865,6 +866,115 @@
     </p:spTree>
     <p:extLst>
       <p:ext uri="{BB962C8B-B14F-4D97-AF65-F5344CB8AC3E}">
+        <p14:creationId xmlns:p14="http://schemas.microsoft.com/office/powerpoint/2010/main" val="111353229"/>
+      </p:ext>
+    </p:extLst>
+  </p:cSld>
+  <p:clrMapOvr>
+    <a:masterClrMapping/>
+  </p:clrMapOvr>
+</p:notes>
+</file>
+
+<file path=ppt/notesSlides/notesSlide11.xml><?xml version="1.0" encoding="utf-8"?>
+<p:notes xmlns:a="http://schemas.openxmlformats.org/drawingml/2006/main" xmlns:r="http://schemas.openxmlformats.org/officeDocument/2006/relationships" xmlns:p="http://schemas.openxmlformats.org/presentationml/2006/main" showMasterSp="0" showMasterPhAnim="0">
+  <p:cSld>
+    <p:spTree>
+      <p:nvGrpSpPr>
+        <p:cNvPr id="1" name="Shape 101"/>
+        <p:cNvGrpSpPr/>
+        <p:nvPr/>
+      </p:nvGrpSpPr>
+      <p:grpSpPr>
+        <a:xfrm>
+          <a:off x="0" y="0"/>
+          <a:ext cx="0" cy="0"/>
+          <a:chOff x="0" y="0"/>
+          <a:chExt cx="0" cy="0"/>
+        </a:xfrm>
+      </p:grpSpPr>
+      <p:sp>
+        <p:nvSpPr>
+          <p:cNvPr id="102" name="Google Shape;102;p4:notes"/>
+          <p:cNvSpPr txBox="1">
+            <a:spLocks noGrp="1"/>
+          </p:cNvSpPr>
+          <p:nvPr>
+            <p:ph type="body" idx="1"/>
+          </p:nvPr>
+        </p:nvSpPr>
+        <p:spPr>
+          <a:xfrm>
+            <a:off x="685800" y="4400550"/>
+            <a:ext cx="5486400" cy="3600450"/>
+          </a:xfrm>
+          <a:prstGeom prst="rect">
+            <a:avLst/>
+          </a:prstGeom>
+        </p:spPr>
+        <p:txBody>
+          <a:bodyPr spcFirstLastPara="1" wrap="square" lIns="91425" tIns="45700" rIns="91425" bIns="45700" anchor="t" anchorCtr="0">
+            <a:noAutofit/>
+          </a:bodyPr>
+          <a:lstStyle/>
+          <a:p>
+            <a:pPr marL="0" lvl="0" indent="0" algn="l" rtl="0">
+              <a:spcBef>
+                <a:spcPts val="0"/>
+              </a:spcBef>
+              <a:spcAft>
+                <a:spcPts val="0"/>
+              </a:spcAft>
+              <a:buNone/>
+            </a:pPr>
+            <a:endParaRPr/>
+          </a:p>
+        </p:txBody>
+      </p:sp>
+      <p:sp>
+        <p:nvSpPr>
+          <p:cNvPr id="103" name="Google Shape;103;p4:notes"/>
+          <p:cNvSpPr>
+            <a:spLocks noGrp="1" noRot="1" noChangeAspect="1"/>
+          </p:cNvSpPr>
+          <p:nvPr>
+            <p:ph type="sldImg" idx="2"/>
+          </p:nvPr>
+        </p:nvSpPr>
+        <p:spPr>
+          <a:xfrm>
+            <a:off x="685800" y="1143000"/>
+            <a:ext cx="5486400" cy="3086100"/>
+          </a:xfrm>
+          <a:custGeom>
+            <a:avLst/>
+            <a:gdLst/>
+            <a:ahLst/>
+            <a:cxnLst/>
+            <a:rect l="l" t="t" r="r" b="b"/>
+            <a:pathLst>
+              <a:path w="120000" h="120000" extrusionOk="0">
+                <a:moveTo>
+                  <a:pt x="0" y="0"/>
+                </a:moveTo>
+                <a:lnTo>
+                  <a:pt x="120000" y="0"/>
+                </a:lnTo>
+                <a:lnTo>
+                  <a:pt x="120000" y="120000"/>
+                </a:lnTo>
+                <a:lnTo>
+                  <a:pt x="0" y="120000"/>
+                </a:lnTo>
+                <a:close/>
+              </a:path>
+            </a:pathLst>
+          </a:custGeom>
+        </p:spPr>
+      </p:sp>
+    </p:spTree>
+    <p:extLst>
+      <p:ext uri="{BB962C8B-B14F-4D97-AF65-F5344CB8AC3E}">
         <p14:creationId xmlns:p14="http://schemas.microsoft.com/office/powerpoint/2010/main" val="771573514"/>
       </p:ext>
     </p:extLst>
@@ -875,7 +985,7 @@
 </p:notes>
 </file>
 
-<file path=ppt/notesSlides/notesSlide11.xml><?xml version="1.0" encoding="utf-8"?>
+<file path=ppt/notesSlides/notesSlide12.xml><?xml version="1.0" encoding="utf-8"?>
 <p:notes xmlns:a="http://schemas.openxmlformats.org/drawingml/2006/main" xmlns:r="http://schemas.openxmlformats.org/officeDocument/2006/relationships" xmlns:p="http://schemas.openxmlformats.org/presentationml/2006/main" showMasterSp="0" showMasterPhAnim="0">
   <p:cSld>
     <p:spTree>
@@ -1093,7 +1203,7 @@
   <p:cSld>
     <p:spTree>
       <p:nvGrpSpPr>
-        <p:cNvPr id="1" name="Shape 101"/>
+        <p:cNvPr id="1" name="Shape 94"/>
         <p:cNvGrpSpPr/>
         <p:nvPr/>
       </p:nvGrpSpPr>
@@ -1107,7 +1217,7 @@
       </p:grpSpPr>
       <p:sp>
         <p:nvSpPr>
-          <p:cNvPr id="102" name="Google Shape;102;p4:notes"/>
+          <p:cNvPr id="95" name="Google Shape;95;p3:notes"/>
           <p:cNvSpPr txBox="1">
             <a:spLocks noGrp="1"/>
           </p:cNvSpPr>
@@ -1145,7 +1255,7 @@
       </p:sp>
       <p:sp>
         <p:nvSpPr>
-          <p:cNvPr id="103" name="Google Shape;103;p4:notes"/>
+          <p:cNvPr id="96" name="Google Shape;96;p3:notes"/>
           <p:cNvSpPr>
             <a:spLocks noGrp="1" noRot="1" noChangeAspect="1"/>
           </p:cNvSpPr>
@@ -1393,11 +1503,6 @@
         </p:spPr>
       </p:sp>
     </p:spTree>
-    <p:extLst>
-      <p:ext uri="{BB962C8B-B14F-4D97-AF65-F5344CB8AC3E}">
-        <p14:creationId xmlns:p14="http://schemas.microsoft.com/office/powerpoint/2010/main" val="4280763249"/>
-      </p:ext>
-    </p:extLst>
   </p:cSld>
   <p:clrMapOvr>
     <a:masterClrMapping/>
@@ -1504,7 +1609,7 @@
     </p:spTree>
     <p:extLst>
       <p:ext uri="{BB962C8B-B14F-4D97-AF65-F5344CB8AC3E}">
-        <p14:creationId xmlns:p14="http://schemas.microsoft.com/office/powerpoint/2010/main" val="1614801725"/>
+        <p14:creationId xmlns:p14="http://schemas.microsoft.com/office/powerpoint/2010/main" val="4280763249"/>
       </p:ext>
     </p:extLst>
   </p:cSld>
@@ -1613,7 +1718,7 @@
     </p:spTree>
     <p:extLst>
       <p:ext uri="{BB962C8B-B14F-4D97-AF65-F5344CB8AC3E}">
-        <p14:creationId xmlns:p14="http://schemas.microsoft.com/office/powerpoint/2010/main" val="2460184393"/>
+        <p14:creationId xmlns:p14="http://schemas.microsoft.com/office/powerpoint/2010/main" val="1614801725"/>
       </p:ext>
     </p:extLst>
   </p:cSld>
@@ -1722,7 +1827,7 @@
     </p:spTree>
     <p:extLst>
       <p:ext uri="{BB962C8B-B14F-4D97-AF65-F5344CB8AC3E}">
-        <p14:creationId xmlns:p14="http://schemas.microsoft.com/office/powerpoint/2010/main" val="2568180780"/>
+        <p14:creationId xmlns:p14="http://schemas.microsoft.com/office/powerpoint/2010/main" val="2460184393"/>
       </p:ext>
     </p:extLst>
   </p:cSld>
@@ -1831,7 +1936,7 @@
     </p:spTree>
     <p:extLst>
       <p:ext uri="{BB962C8B-B14F-4D97-AF65-F5344CB8AC3E}">
-        <p14:creationId xmlns:p14="http://schemas.microsoft.com/office/powerpoint/2010/main" val="111353229"/>
+        <p14:creationId xmlns:p14="http://schemas.microsoft.com/office/powerpoint/2010/main" val="2568180780"/>
       </p:ext>
     </p:extLst>
   </p:cSld>
@@ -5305,7 +5410,7 @@
                 <a:cs typeface="Arial"/>
                 <a:sym typeface="Arial"/>
               </a:rPr>
-              <a:t>Demonstrācija</a:t>
+              <a:t>Secinājumi</a:t>
             </a:r>
             <a:endParaRPr dirty="0">
               <a:solidFill>
@@ -5331,8 +5436,8 @@
         </p:nvSpPr>
         <p:spPr>
           <a:xfrm>
-            <a:off x="264589" y="1709530"/>
-            <a:ext cx="11662821" cy="4264549"/>
+            <a:off x="418011" y="1296725"/>
+            <a:ext cx="11618971" cy="4264549"/>
           </a:xfrm>
           <a:prstGeom prst="rect">
             <a:avLst/>
@@ -5348,23 +5453,211 @@
           </a:bodyPr>
           <a:lstStyle/>
           <a:p>
-            <a:pPr marL="0" lvl="0" indent="0" algn="l" rtl="0">
+            <a:pPr marL="355600" lvl="0" indent="-355600" algn="l" rtl="0">
               <a:lnSpc>
                 <a:spcPct val="90000"/>
               </a:lnSpc>
               <a:spcBef>
-                <a:spcPts val="1000"/>
+                <a:spcPts val="1200"/>
               </a:spcBef>
               <a:spcAft>
                 <a:spcPts val="0"/>
               </a:spcAft>
               <a:buClr>
-                <a:schemeClr val="dk1"/>
+                <a:srgbClr val="1B5089"/>
               </a:buClr>
-              <a:buSzPts val="2400"/>
-              <a:buNone/>
+              <a:buSzPts val="2880"/>
+              <a:buFont typeface="Noto Sans Symbols"/>
+              <a:buChar char="▪"/>
             </a:pPr>
-            <a:endParaRPr sz="2400" dirty="0">
+            <a:r>
+              <a:rPr lang="lv-LV" sz="2400" dirty="0">
+                <a:latin typeface="Arial"/>
+                <a:ea typeface="Arial"/>
+                <a:cs typeface="Arial"/>
+                <a:sym typeface="Arial"/>
+              </a:rPr>
+              <a:t>Uzdevums ir tomēr sarežģītāks, nekā bijām iepriekš paredzējuši, bet tik un tā bijām spējīgi izstrādāt risinājumu, kas sasniedz mūsu mērķi – atveidot no dažādu valodu IPA uz latviešu valodu.</a:t>
+            </a:r>
+          </a:p>
+          <a:p>
+            <a:pPr marL="355600" lvl="0" indent="-355600" algn="l" rtl="0">
+              <a:lnSpc>
+                <a:spcPct val="90000"/>
+              </a:lnSpc>
+              <a:spcBef>
+                <a:spcPts val="1200"/>
+              </a:spcBef>
+              <a:spcAft>
+                <a:spcPts val="0"/>
+              </a:spcAft>
+              <a:buClr>
+                <a:srgbClr val="1B5089"/>
+              </a:buClr>
+              <a:buSzPts val="2880"/>
+              <a:buFont typeface="Noto Sans Symbols"/>
+              <a:buChar char="▪"/>
+            </a:pPr>
+            <a:r>
+              <a:rPr lang="lv-LV" sz="2400" dirty="0" err="1">
+                <a:latin typeface="Arial"/>
+                <a:ea typeface="Arial"/>
+                <a:cs typeface="Arial"/>
+                <a:sym typeface="Arial"/>
+              </a:rPr>
+              <a:t>Vikipēdijas</a:t>
+            </a:r>
+            <a:r>
+              <a:rPr lang="lv-LV" sz="2400" dirty="0">
+                <a:latin typeface="Arial"/>
+                <a:ea typeface="Arial"/>
+                <a:cs typeface="Arial"/>
+                <a:sym typeface="Arial"/>
+              </a:rPr>
+              <a:t> šķirkļos ne vienmēr bija atrodamas IPA virknes (brīžiem pat nepareizas IPA virknes). Bieži vien tās, kuras tika atrastas, nebija tās, kuras aprakstīja lietotāja ievadīto īpašvārdu (piemēram «</a:t>
+            </a:r>
+            <a:r>
+              <a:rPr lang="lv-LV" sz="2400" dirty="0" err="1">
+                <a:latin typeface="Arial"/>
+                <a:ea typeface="Arial"/>
+                <a:cs typeface="Arial"/>
+                <a:sym typeface="Arial"/>
+              </a:rPr>
+              <a:t>berlin</a:t>
+            </a:r>
+            <a:r>
+              <a:rPr lang="lv-LV" sz="2400" dirty="0">
+                <a:latin typeface="Arial"/>
+                <a:ea typeface="Arial"/>
+                <a:cs typeface="Arial"/>
+                <a:sym typeface="Arial"/>
+              </a:rPr>
+              <a:t>»), kā iemesls ir </a:t>
+            </a:r>
+            <a:r>
+              <a:rPr lang="lv-LV" sz="2400" dirty="0" err="1">
+                <a:latin typeface="Arial"/>
+                <a:ea typeface="Arial"/>
+                <a:cs typeface="Arial"/>
+                <a:sym typeface="Arial"/>
+              </a:rPr>
+              <a:t>Vikipēdijas</a:t>
+            </a:r>
+            <a:r>
+              <a:rPr lang="lv-LV" sz="2400" dirty="0">
+                <a:latin typeface="Arial"/>
+                <a:ea typeface="Arial"/>
+                <a:cs typeface="Arial"/>
+                <a:sym typeface="Arial"/>
+              </a:rPr>
+              <a:t> šķirkļu nepilnība vai īpatnība.</a:t>
+            </a:r>
+          </a:p>
+          <a:p>
+            <a:pPr marL="355600" lvl="0" indent="-355600" algn="l" rtl="0">
+              <a:lnSpc>
+                <a:spcPct val="90000"/>
+              </a:lnSpc>
+              <a:spcBef>
+                <a:spcPts val="1200"/>
+              </a:spcBef>
+              <a:spcAft>
+                <a:spcPts val="0"/>
+              </a:spcAft>
+              <a:buClr>
+                <a:srgbClr val="1B5089"/>
+              </a:buClr>
+              <a:buSzPts val="2880"/>
+              <a:buFont typeface="Noto Sans Symbols"/>
+              <a:buChar char="▪"/>
+            </a:pPr>
+            <a:r>
+              <a:rPr lang="lv-LV" sz="2400" dirty="0">
+                <a:latin typeface="Arial"/>
+                <a:ea typeface="Arial"/>
+                <a:cs typeface="Arial"/>
+                <a:sym typeface="Arial"/>
+              </a:rPr>
+              <a:t>Izmantotajiem instrumentiem arī bija nepilnības, piemēram, </a:t>
+            </a:r>
+            <a:r>
+              <a:rPr lang="lv-LV" sz="2400" dirty="0" err="1">
+                <a:latin typeface="Arial"/>
+                <a:ea typeface="Arial"/>
+                <a:cs typeface="Arial"/>
+                <a:sym typeface="Arial"/>
+              </a:rPr>
+              <a:t>ipapy</a:t>
+            </a:r>
+            <a:r>
+              <a:rPr lang="lv-LV" sz="2400" dirty="0">
+                <a:latin typeface="Arial"/>
+                <a:ea typeface="Arial"/>
+                <a:cs typeface="Arial"/>
+                <a:sym typeface="Arial"/>
+              </a:rPr>
+              <a:t> nespēja apstrādāt dažādus IPA simbolus, kuri sekojoši tika izmesti no JSON transliterācijas kartēm vai tika pārveidoti, lai tie strādātu ar </a:t>
+            </a:r>
+            <a:r>
+              <a:rPr lang="lv-LV" sz="2400" dirty="0" err="1">
+                <a:latin typeface="Arial"/>
+                <a:ea typeface="Arial"/>
+                <a:cs typeface="Arial"/>
+                <a:sym typeface="Arial"/>
+              </a:rPr>
+              <a:t>ipapy</a:t>
+            </a:r>
+            <a:r>
+              <a:rPr lang="lv-LV" sz="2400" dirty="0">
+                <a:latin typeface="Arial"/>
+                <a:ea typeface="Arial"/>
+                <a:cs typeface="Arial"/>
+                <a:sym typeface="Arial"/>
+              </a:rPr>
+              <a:t> funkcijām. </a:t>
+            </a:r>
+          </a:p>
+          <a:p>
+            <a:pPr marL="355600" lvl="0" indent="-355600" algn="l" rtl="0">
+              <a:lnSpc>
+                <a:spcPct val="90000"/>
+              </a:lnSpc>
+              <a:spcBef>
+                <a:spcPts val="1200"/>
+              </a:spcBef>
+              <a:spcAft>
+                <a:spcPts val="0"/>
+              </a:spcAft>
+              <a:buClr>
+                <a:srgbClr val="1B5089"/>
+              </a:buClr>
+              <a:buSzPts val="2880"/>
+              <a:buFont typeface="Noto Sans Symbols"/>
+              <a:buChar char="▪"/>
+            </a:pPr>
+            <a:r>
+              <a:rPr lang="lv-LV" sz="2400" dirty="0">
+                <a:latin typeface="Arial"/>
+                <a:ea typeface="Arial"/>
+                <a:cs typeface="Arial"/>
+                <a:sym typeface="Arial"/>
+              </a:rPr>
+              <a:t>Darba izstrāde aizņēma aptuveni nedēļu (abiem komandas biedriem strādājot vienlaikus). </a:t>
+            </a:r>
+          </a:p>
+          <a:p>
+            <a:pPr marL="812800" lvl="1" indent="-355600">
+              <a:spcBef>
+                <a:spcPts val="1200"/>
+              </a:spcBef>
+              <a:buClr>
+                <a:srgbClr val="1B5089"/>
+              </a:buClr>
+              <a:buSzPts val="2880"/>
+              <a:buFont typeface="Noto Sans Symbols"/>
+              <a:buChar char="▪"/>
+            </a:pPr>
+            <a:endParaRPr lang="lv-LV" sz="2000" dirty="0">
               <a:latin typeface="Arial"/>
               <a:ea typeface="Arial"/>
               <a:cs typeface="Arial"/>
@@ -5373,40 +5666,10 @@
           </a:p>
         </p:txBody>
       </p:sp>
-      <p:pic>
-        <p:nvPicPr>
-          <p:cNvPr id="3" name="Picture 2">
-            <a:extLst>
-              <a:ext uri="{FF2B5EF4-FFF2-40B4-BE49-F238E27FC236}">
-                <a16:creationId xmlns:a16="http://schemas.microsoft.com/office/drawing/2014/main" id="{803FFA51-3FC9-4F45-BACE-483D43E5BF73}"/>
-              </a:ext>
-            </a:extLst>
-          </p:cNvPr>
-          <p:cNvPicPr>
-            <a:picLocks noChangeAspect="1"/>
-          </p:cNvPicPr>
-          <p:nvPr/>
-        </p:nvPicPr>
-        <p:blipFill>
-          <a:blip r:embed="rId3"/>
-          <a:stretch>
-            <a:fillRect/>
-          </a:stretch>
-        </p:blipFill>
-        <p:spPr>
-          <a:xfrm>
-            <a:off x="264589" y="1709530"/>
-            <a:ext cx="11662821" cy="3113930"/>
-          </a:xfrm>
-          <a:prstGeom prst="rect">
-            <a:avLst/>
-          </a:prstGeom>
-        </p:spPr>
-      </p:pic>
     </p:spTree>
     <p:extLst>
       <p:ext uri="{BB962C8B-B14F-4D97-AF65-F5344CB8AC3E}">
-        <p14:creationId xmlns:p14="http://schemas.microsoft.com/office/powerpoint/2010/main" val="531742594"/>
+        <p14:creationId xmlns:p14="http://schemas.microsoft.com/office/powerpoint/2010/main" val="2114103468"/>
       </p:ext>
     </p:extLst>
   </p:cSld>
@@ -5535,6 +5798,236 @@
                 <a:cs typeface="Arial"/>
                 <a:sym typeface="Arial"/>
               </a:rPr>
+              <a:t>Demonstrācija</a:t>
+            </a:r>
+            <a:endParaRPr dirty="0">
+              <a:solidFill>
+                <a:srgbClr val="1B5089"/>
+              </a:solidFill>
+              <a:latin typeface="Arial"/>
+              <a:ea typeface="Arial"/>
+              <a:cs typeface="Arial"/>
+              <a:sym typeface="Arial"/>
+            </a:endParaRPr>
+          </a:p>
+        </p:txBody>
+      </p:sp>
+      <p:sp>
+        <p:nvSpPr>
+          <p:cNvPr id="107" name="Google Shape;107;p4"/>
+          <p:cNvSpPr txBox="1">
+            <a:spLocks noGrp="1"/>
+          </p:cNvSpPr>
+          <p:nvPr>
+            <p:ph type="body" idx="4294967295"/>
+          </p:nvPr>
+        </p:nvSpPr>
+        <p:spPr>
+          <a:xfrm>
+            <a:off x="264589" y="1709530"/>
+            <a:ext cx="11662821" cy="4264549"/>
+          </a:xfrm>
+          <a:prstGeom prst="rect">
+            <a:avLst/>
+          </a:prstGeom>
+          <a:noFill/>
+          <a:ln>
+            <a:noFill/>
+          </a:ln>
+        </p:spPr>
+        <p:txBody>
+          <a:bodyPr spcFirstLastPara="1" wrap="square" lIns="72000" tIns="45700" rIns="144000" bIns="45700" anchor="t" anchorCtr="0">
+            <a:noAutofit/>
+          </a:bodyPr>
+          <a:lstStyle/>
+          <a:p>
+            <a:pPr marL="0" lvl="0" indent="0" algn="l" rtl="0">
+              <a:lnSpc>
+                <a:spcPct val="90000"/>
+              </a:lnSpc>
+              <a:spcBef>
+                <a:spcPts val="1000"/>
+              </a:spcBef>
+              <a:spcAft>
+                <a:spcPts val="0"/>
+              </a:spcAft>
+              <a:buClr>
+                <a:schemeClr val="dk1"/>
+              </a:buClr>
+              <a:buSzPts val="2400"/>
+              <a:buNone/>
+            </a:pPr>
+            <a:endParaRPr sz="2400" dirty="0">
+              <a:latin typeface="Arial"/>
+              <a:ea typeface="Arial"/>
+              <a:cs typeface="Arial"/>
+              <a:sym typeface="Arial"/>
+            </a:endParaRPr>
+          </a:p>
+        </p:txBody>
+      </p:sp>
+      <p:pic>
+        <p:nvPicPr>
+          <p:cNvPr id="3" name="Picture 2">
+            <a:extLst>
+              <a:ext uri="{FF2B5EF4-FFF2-40B4-BE49-F238E27FC236}">
+                <a16:creationId xmlns:a16="http://schemas.microsoft.com/office/drawing/2014/main" id="{803FFA51-3FC9-4F45-BACE-483D43E5BF73}"/>
+              </a:ext>
+            </a:extLst>
+          </p:cNvPr>
+          <p:cNvPicPr>
+            <a:picLocks noChangeAspect="1"/>
+          </p:cNvPicPr>
+          <p:nvPr/>
+        </p:nvPicPr>
+        <p:blipFill>
+          <a:blip r:embed="rId3"/>
+          <a:stretch>
+            <a:fillRect/>
+          </a:stretch>
+        </p:blipFill>
+        <p:spPr>
+          <a:xfrm>
+            <a:off x="264589" y="1709530"/>
+            <a:ext cx="11662821" cy="3113930"/>
+          </a:xfrm>
+          <a:prstGeom prst="rect">
+            <a:avLst/>
+          </a:prstGeom>
+        </p:spPr>
+      </p:pic>
+    </p:spTree>
+    <p:extLst>
+      <p:ext uri="{BB962C8B-B14F-4D97-AF65-F5344CB8AC3E}">
+        <p14:creationId xmlns:p14="http://schemas.microsoft.com/office/powerpoint/2010/main" val="531742594"/>
+      </p:ext>
+    </p:extLst>
+  </p:cSld>
+  <p:clrMapOvr>
+    <a:masterClrMapping/>
+  </p:clrMapOvr>
+</p:sld>
+</file>
+
+<file path=ppt/slides/slide12.xml><?xml version="1.0" encoding="utf-8"?>
+<p:sld xmlns:a="http://schemas.openxmlformats.org/drawingml/2006/main" xmlns:r="http://schemas.openxmlformats.org/officeDocument/2006/relationships" xmlns:p="http://schemas.openxmlformats.org/presentationml/2006/main">
+  <p:cSld>
+    <p:spTree>
+      <p:nvGrpSpPr>
+        <p:cNvPr id="1" name="Shape 104"/>
+        <p:cNvGrpSpPr/>
+        <p:nvPr/>
+      </p:nvGrpSpPr>
+      <p:grpSpPr>
+        <a:xfrm>
+          <a:off x="0" y="0"/>
+          <a:ext cx="0" cy="0"/>
+          <a:chOff x="0" y="0"/>
+          <a:chExt cx="0" cy="0"/>
+        </a:xfrm>
+      </p:grpSpPr>
+      <p:sp>
+        <p:nvSpPr>
+          <p:cNvPr id="105" name="Google Shape;105;p4"/>
+          <p:cNvSpPr txBox="1">
+            <a:spLocks noGrp="1"/>
+          </p:cNvSpPr>
+          <p:nvPr>
+            <p:ph type="sldNum" idx="12"/>
+          </p:nvPr>
+        </p:nvSpPr>
+        <p:spPr>
+          <a:xfrm>
+            <a:off x="11645929" y="6256960"/>
+            <a:ext cx="605110" cy="332685"/>
+          </a:xfrm>
+          <a:prstGeom prst="rect">
+            <a:avLst/>
+          </a:prstGeom>
+          <a:noFill/>
+          <a:ln>
+            <a:noFill/>
+          </a:ln>
+        </p:spPr>
+        <p:txBody>
+          <a:bodyPr spcFirstLastPara="1" wrap="square" lIns="91425" tIns="45700" rIns="91425" bIns="45700" anchor="t" anchorCtr="0">
+            <a:noAutofit/>
+          </a:bodyPr>
+          <a:lstStyle/>
+          <a:p>
+            <a:pPr marL="0" lvl="0" indent="0" algn="ctr" rtl="0">
+              <a:spcBef>
+                <a:spcPts val="0"/>
+              </a:spcBef>
+              <a:spcAft>
+                <a:spcPts val="0"/>
+              </a:spcAft>
+              <a:buNone/>
+            </a:pPr>
+            <a:fld id="{00000000-1234-1234-1234-123412341234}" type="slidenum">
+              <a:rPr lang="en-US"/>
+              <a:t>12</a:t>
+            </a:fld>
+            <a:endParaRPr/>
+          </a:p>
+        </p:txBody>
+      </p:sp>
+      <p:sp>
+        <p:nvSpPr>
+          <p:cNvPr id="106" name="Google Shape;106;p4"/>
+          <p:cNvSpPr txBox="1">
+            <a:spLocks noGrp="1"/>
+          </p:cNvSpPr>
+          <p:nvPr>
+            <p:ph type="title" idx="4294967295"/>
+          </p:nvPr>
+        </p:nvSpPr>
+        <p:spPr>
+          <a:xfrm>
+            <a:off x="418011" y="440937"/>
+            <a:ext cx="11399520" cy="1099996"/>
+          </a:xfrm>
+          <a:prstGeom prst="rect">
+            <a:avLst/>
+          </a:prstGeom>
+          <a:noFill/>
+          <a:ln>
+            <a:noFill/>
+          </a:ln>
+        </p:spPr>
+        <p:txBody>
+          <a:bodyPr spcFirstLastPara="1" wrap="square" lIns="91425" tIns="45700" rIns="91425" bIns="45700" anchor="ctr" anchorCtr="0">
+            <a:noAutofit/>
+          </a:bodyPr>
+          <a:lstStyle/>
+          <a:p>
+            <a:pPr marL="0" lvl="0" indent="0" algn="l" rtl="0">
+              <a:lnSpc>
+                <a:spcPct val="90000"/>
+              </a:lnSpc>
+              <a:spcBef>
+                <a:spcPts val="0"/>
+              </a:spcBef>
+              <a:spcAft>
+                <a:spcPts val="0"/>
+              </a:spcAft>
+              <a:buClr>
+                <a:srgbClr val="1B5089"/>
+              </a:buClr>
+              <a:buSzPts val="4400"/>
+              <a:buFont typeface="Arial"/>
+              <a:buNone/>
+            </a:pPr>
+            <a:r>
+              <a:rPr lang="lv-LV" dirty="0">
+                <a:solidFill>
+                  <a:srgbClr val="1B5089"/>
+                </a:solidFill>
+                <a:latin typeface="Arial"/>
+                <a:ea typeface="Arial"/>
+                <a:cs typeface="Arial"/>
+                <a:sym typeface="Arial"/>
+              </a:rPr>
               <a:t>Atsauces</a:t>
             </a:r>
             <a:endParaRPr dirty="0">
@@ -5802,7 +6295,26 @@
                 <a:cs typeface="Arial"/>
                 <a:sym typeface="Arial"/>
               </a:rPr>
-              <a:t>Projekta repozitorijs:  </a:t>
+              <a:t>Projekta repozitorijs: </a:t>
+            </a:r>
+            <a:r>
+              <a:rPr lang="lv-LV" sz="2400" dirty="0">
+                <a:latin typeface="Arial"/>
+                <a:ea typeface="Arial"/>
+                <a:cs typeface="Arial"/>
+                <a:sym typeface="Arial"/>
+                <a:hlinkClick r:id="rId7"/>
+              </a:rPr>
+              <a:t>https://github.com/Paddlebear/valteh-ipa-translit</a:t>
+            </a:r>
+            <a:r>
+              <a:rPr lang="lv-LV" sz="2400" dirty="0">
+                <a:latin typeface="Arial"/>
+                <a:ea typeface="Arial"/>
+                <a:cs typeface="Arial"/>
+                <a:sym typeface="Arial"/>
+              </a:rPr>
+              <a:t>  </a:t>
             </a:r>
           </a:p>
           <a:p>
@@ -5845,7 +6357,7 @@
 </p:sld>
 </file>
 
-<file path=ppt/slides/slide12.xml><?xml version="1.0" encoding="utf-8"?>
+<file path=ppt/slides/slide13.xml><?xml version="1.0" encoding="utf-8"?>
 <p:sld xmlns:a="http://schemas.openxmlformats.org/drawingml/2006/main" xmlns:r="http://schemas.openxmlformats.org/officeDocument/2006/relationships" xmlns:p="http://schemas.openxmlformats.org/presentationml/2006/main">
   <p:cSld>
     <p:spTree>
@@ -6094,312 +6606,15 @@
               <a:buNone/>
             </a:pPr>
             <a:r>
-              <a:rPr lang="en-US" dirty="0" err="1">
-                <a:latin typeface="Arial"/>
-                <a:ea typeface="Arial"/>
-                <a:cs typeface="Arial"/>
-                <a:sym typeface="Arial"/>
-              </a:rPr>
-              <a:t>Izveidot</a:t>
-            </a:r>
-            <a:r>
-              <a:rPr lang="en-US" dirty="0">
-                <a:latin typeface="Arial"/>
-                <a:ea typeface="Arial"/>
-                <a:cs typeface="Arial"/>
-                <a:sym typeface="Arial"/>
-              </a:rPr>
-              <a:t> </a:t>
-            </a:r>
-            <a:r>
-              <a:rPr lang="en-US" dirty="0" err="1">
-                <a:latin typeface="Arial"/>
-                <a:ea typeface="Arial"/>
-                <a:cs typeface="Arial"/>
-                <a:sym typeface="Arial"/>
-              </a:rPr>
-              <a:t>sistēmu</a:t>
-            </a:r>
-            <a:r>
-              <a:rPr lang="en-US" dirty="0">
-                <a:latin typeface="Arial"/>
-                <a:ea typeface="Arial"/>
-                <a:cs typeface="Arial"/>
-                <a:sym typeface="Arial"/>
-              </a:rPr>
-              <a:t>, kas </a:t>
-            </a:r>
-            <a:r>
-              <a:rPr lang="en-US" dirty="0" err="1">
-                <a:latin typeface="Arial"/>
-                <a:ea typeface="Arial"/>
-                <a:cs typeface="Arial"/>
-                <a:sym typeface="Arial"/>
-              </a:rPr>
-              <a:t>spēj</a:t>
-            </a:r>
-            <a:r>
-              <a:rPr lang="en-US" dirty="0">
-                <a:latin typeface="Arial"/>
-                <a:ea typeface="Arial"/>
-                <a:cs typeface="Arial"/>
-                <a:sym typeface="Arial"/>
-              </a:rPr>
-              <a:t> </a:t>
-            </a:r>
-            <a:r>
-              <a:rPr lang="en-US" dirty="0" err="1">
-                <a:latin typeface="Arial"/>
-                <a:ea typeface="Arial"/>
-                <a:cs typeface="Arial"/>
-                <a:sym typeface="Arial"/>
-              </a:rPr>
-              <a:t>radīt</a:t>
-            </a:r>
-            <a:r>
-              <a:rPr lang="en-US" dirty="0">
-                <a:latin typeface="Arial"/>
-                <a:ea typeface="Arial"/>
-                <a:cs typeface="Arial"/>
-                <a:sym typeface="Arial"/>
-              </a:rPr>
-              <a:t> </a:t>
-            </a:r>
-            <a:r>
-              <a:rPr lang="en-US" dirty="0" err="1">
-                <a:latin typeface="Arial"/>
-                <a:ea typeface="Arial"/>
-                <a:cs typeface="Arial"/>
-                <a:sym typeface="Arial"/>
-              </a:rPr>
-              <a:t>latviešu</a:t>
-            </a:r>
-            <a:r>
-              <a:rPr lang="en-US" dirty="0">
-                <a:latin typeface="Arial"/>
-                <a:ea typeface="Arial"/>
-                <a:cs typeface="Arial"/>
-                <a:sym typeface="Arial"/>
-              </a:rPr>
-              <a:t> </a:t>
-            </a:r>
-            <a:r>
-              <a:rPr lang="en-US" dirty="0" err="1">
-                <a:latin typeface="Arial"/>
-                <a:ea typeface="Arial"/>
-                <a:cs typeface="Arial"/>
-                <a:sym typeface="Arial"/>
-              </a:rPr>
-              <a:t>valodas</a:t>
-            </a:r>
-            <a:r>
-              <a:rPr lang="en-US" dirty="0">
-                <a:latin typeface="Arial"/>
-                <a:ea typeface="Arial"/>
-                <a:cs typeface="Arial"/>
-                <a:sym typeface="Arial"/>
-              </a:rPr>
-              <a:t> </a:t>
-            </a:r>
-            <a:r>
-              <a:rPr lang="en-US" dirty="0" err="1">
-                <a:latin typeface="Arial"/>
-                <a:ea typeface="Arial"/>
-                <a:cs typeface="Arial"/>
-                <a:sym typeface="Arial"/>
-              </a:rPr>
-              <a:t>atveidi</a:t>
-            </a:r>
-            <a:r>
-              <a:rPr lang="en-US" dirty="0">
-                <a:latin typeface="Arial"/>
-                <a:ea typeface="Arial"/>
-                <a:cs typeface="Arial"/>
-                <a:sym typeface="Arial"/>
-              </a:rPr>
-              <a:t> </a:t>
-            </a:r>
-            <a:r>
-              <a:rPr lang="en-US" dirty="0" err="1">
-                <a:latin typeface="Arial"/>
-                <a:ea typeface="Arial"/>
-                <a:cs typeface="Arial"/>
-                <a:sym typeface="Arial"/>
-              </a:rPr>
-              <a:t>svešvalodu</a:t>
-            </a:r>
-            <a:r>
-              <a:rPr lang="en-US" dirty="0">
-                <a:latin typeface="Arial"/>
-                <a:ea typeface="Arial"/>
-                <a:cs typeface="Arial"/>
-                <a:sym typeface="Arial"/>
-              </a:rPr>
-              <a:t> </a:t>
-            </a:r>
-            <a:r>
-              <a:rPr lang="en-US" dirty="0" err="1">
-                <a:latin typeface="Arial"/>
-                <a:ea typeface="Arial"/>
-                <a:cs typeface="Arial"/>
-                <a:sym typeface="Arial"/>
-              </a:rPr>
-              <a:t>īpašvārdiem</a:t>
-            </a:r>
-            <a:r>
-              <a:rPr lang="en-US" dirty="0">
-                <a:latin typeface="Arial"/>
-                <a:ea typeface="Arial"/>
-                <a:cs typeface="Arial"/>
-                <a:sym typeface="Arial"/>
-              </a:rPr>
-              <a:t>, </a:t>
-            </a:r>
-            <a:r>
-              <a:rPr lang="en-US" dirty="0" err="1">
-                <a:latin typeface="Arial"/>
-                <a:ea typeface="Arial"/>
-                <a:cs typeface="Arial"/>
-                <a:sym typeface="Arial"/>
-              </a:rPr>
-              <a:t>balstoties</a:t>
-            </a:r>
-            <a:r>
-              <a:rPr lang="en-US" dirty="0">
-                <a:latin typeface="Arial"/>
-                <a:ea typeface="Arial"/>
-                <a:cs typeface="Arial"/>
-                <a:sym typeface="Arial"/>
-              </a:rPr>
-              <a:t> </a:t>
-            </a:r>
-            <a:r>
-              <a:rPr lang="en-US" dirty="0" err="1">
-                <a:latin typeface="Arial"/>
-                <a:ea typeface="Arial"/>
-                <a:cs typeface="Arial"/>
-                <a:sym typeface="Arial"/>
-              </a:rPr>
-              <a:t>uz</a:t>
-            </a:r>
-            <a:r>
-              <a:rPr lang="en-US" dirty="0">
-                <a:latin typeface="Arial"/>
-                <a:ea typeface="Arial"/>
-                <a:cs typeface="Arial"/>
-                <a:sym typeface="Arial"/>
-              </a:rPr>
-              <a:t> </a:t>
-            </a:r>
-            <a:r>
-              <a:rPr lang="en-US" dirty="0" err="1">
-                <a:latin typeface="Arial"/>
-                <a:ea typeface="Arial"/>
-                <a:cs typeface="Arial"/>
-                <a:sym typeface="Arial"/>
-              </a:rPr>
-              <a:t>oriģinālvalodas</a:t>
-            </a:r>
-            <a:r>
-              <a:rPr lang="en-US" dirty="0">
-                <a:latin typeface="Arial"/>
-                <a:ea typeface="Arial"/>
-                <a:cs typeface="Arial"/>
-                <a:sym typeface="Arial"/>
-              </a:rPr>
-              <a:t> </a:t>
-            </a:r>
-            <a:r>
-              <a:rPr lang="en-US" dirty="0" err="1">
-                <a:latin typeface="Arial"/>
-                <a:ea typeface="Arial"/>
-                <a:cs typeface="Arial"/>
-                <a:sym typeface="Arial"/>
-              </a:rPr>
-              <a:t>izrunas</a:t>
-            </a:r>
-            <a:r>
-              <a:rPr lang="en-US" dirty="0">
-                <a:latin typeface="Arial"/>
-                <a:ea typeface="Arial"/>
-                <a:cs typeface="Arial"/>
-                <a:sym typeface="Arial"/>
-              </a:rPr>
-              <a:t> </a:t>
-            </a:r>
-            <a:r>
-              <a:rPr lang="en-US" dirty="0" err="1">
-                <a:latin typeface="Arial"/>
-                <a:ea typeface="Arial"/>
-                <a:cs typeface="Arial"/>
-                <a:sym typeface="Arial"/>
-              </a:rPr>
-              <a:t>transliterāciju</a:t>
-            </a:r>
-            <a:r>
-              <a:rPr lang="en-US" dirty="0">
-                <a:latin typeface="Arial"/>
-                <a:ea typeface="Arial"/>
-                <a:cs typeface="Arial"/>
-                <a:sym typeface="Arial"/>
-              </a:rPr>
-              <a:t> </a:t>
-            </a:r>
-            <a:r>
-              <a:rPr lang="en-US" dirty="0" err="1">
-                <a:latin typeface="Arial"/>
-                <a:ea typeface="Arial"/>
-                <a:cs typeface="Arial"/>
-                <a:sym typeface="Arial"/>
-              </a:rPr>
-              <a:t>starptautiskajā</a:t>
-            </a:r>
-            <a:r>
-              <a:rPr lang="en-US" dirty="0">
-                <a:latin typeface="Arial"/>
-                <a:ea typeface="Arial"/>
-                <a:cs typeface="Arial"/>
-                <a:sym typeface="Arial"/>
-              </a:rPr>
-              <a:t> </a:t>
-            </a:r>
-            <a:r>
-              <a:rPr lang="en-US" dirty="0" err="1">
-                <a:latin typeface="Arial"/>
-                <a:ea typeface="Arial"/>
-                <a:cs typeface="Arial"/>
-                <a:sym typeface="Arial"/>
-              </a:rPr>
-              <a:t>fonētiskajā</a:t>
-            </a:r>
-            <a:r>
-              <a:rPr lang="en-US" dirty="0">
-                <a:latin typeface="Arial"/>
-                <a:ea typeface="Arial"/>
-                <a:cs typeface="Arial"/>
-                <a:sym typeface="Arial"/>
-              </a:rPr>
-              <a:t> </a:t>
-            </a:r>
-            <a:r>
-              <a:rPr lang="en-US" dirty="0" err="1">
-                <a:latin typeface="Arial"/>
-                <a:ea typeface="Arial"/>
-                <a:cs typeface="Arial"/>
-                <a:sym typeface="Arial"/>
-              </a:rPr>
-              <a:t>alfabētā</a:t>
-            </a:r>
-            <a:r>
-              <a:rPr lang="en-US" dirty="0">
-                <a:latin typeface="Arial"/>
-                <a:ea typeface="Arial"/>
-                <a:cs typeface="Arial"/>
-                <a:sym typeface="Arial"/>
-              </a:rPr>
-              <a:t> (IPA).</a:t>
-            </a:r>
-            <a:endParaRPr dirty="0"/>
+              <a:rPr lang="lv-LV" dirty="0">
+                <a:latin typeface="Arial"/>
+                <a:ea typeface="Arial"/>
+                <a:cs typeface="Arial"/>
+                <a:sym typeface="Arial"/>
+              </a:rPr>
+              <a:t>Izveidot sistēmu, kas spēj radīt latviešu valodas atveidi svešvalodu īpašvārdiem, balstoties uz oriģinālvalodas izrunas transliterāciju starptautiskajā fonētiskajā alfabētā (IPA).</a:t>
+            </a:r>
+            <a:endParaRPr lang="lv-LV" dirty="0"/>
           </a:p>
           <a:p>
             <a:pPr marL="0" lvl="0" indent="0" algn="l" rtl="0">
@@ -6418,7 +6633,7 @@
               <a:buSzPts val="2800"/>
               <a:buNone/>
             </a:pPr>
-            <a:endParaRPr dirty="0">
+            <a:endParaRPr lang="lv-LV" dirty="0">
               <a:latin typeface="Arial"/>
               <a:ea typeface="Arial"/>
               <a:cs typeface="Arial"/>
@@ -6443,258 +6658,15 @@
               <a:buNone/>
             </a:pPr>
             <a:r>
-              <a:rPr lang="en-US" dirty="0" err="1">
-                <a:latin typeface="Arial"/>
-                <a:ea typeface="Arial"/>
-                <a:cs typeface="Arial"/>
-                <a:sym typeface="Arial"/>
-              </a:rPr>
-              <a:t>Sistēmu</a:t>
-            </a:r>
-            <a:r>
-              <a:rPr lang="en-US" dirty="0">
-                <a:latin typeface="Arial"/>
-                <a:ea typeface="Arial"/>
-                <a:cs typeface="Arial"/>
-                <a:sym typeface="Arial"/>
-              </a:rPr>
-              <a:t> </a:t>
-            </a:r>
-            <a:r>
-              <a:rPr lang="en-US" dirty="0" err="1">
-                <a:latin typeface="Arial"/>
-                <a:ea typeface="Arial"/>
-                <a:cs typeface="Arial"/>
-                <a:sym typeface="Arial"/>
-              </a:rPr>
-              <a:t>varētu</a:t>
-            </a:r>
-            <a:r>
-              <a:rPr lang="en-US" dirty="0">
-                <a:latin typeface="Arial"/>
-                <a:ea typeface="Arial"/>
-                <a:cs typeface="Arial"/>
-                <a:sym typeface="Arial"/>
-              </a:rPr>
-              <a:t> </a:t>
-            </a:r>
-            <a:r>
-              <a:rPr lang="en-US" dirty="0" err="1">
-                <a:latin typeface="Arial"/>
-                <a:ea typeface="Arial"/>
-                <a:cs typeface="Arial"/>
-                <a:sym typeface="Arial"/>
-              </a:rPr>
-              <a:t>lietot</a:t>
-            </a:r>
-            <a:r>
-              <a:rPr lang="en-US" dirty="0">
-                <a:latin typeface="Arial"/>
-                <a:ea typeface="Arial"/>
-                <a:cs typeface="Arial"/>
-                <a:sym typeface="Arial"/>
-              </a:rPr>
-              <a:t> </a:t>
-            </a:r>
-            <a:r>
-              <a:rPr lang="en-US" dirty="0" err="1">
-                <a:latin typeface="Arial"/>
-                <a:ea typeface="Arial"/>
-                <a:cs typeface="Arial"/>
-                <a:sym typeface="Arial"/>
-              </a:rPr>
-              <a:t>gan</a:t>
-            </a:r>
-            <a:r>
-              <a:rPr lang="en-US" dirty="0">
-                <a:latin typeface="Arial"/>
-                <a:ea typeface="Arial"/>
-                <a:cs typeface="Arial"/>
-                <a:sym typeface="Arial"/>
-              </a:rPr>
-              <a:t> </a:t>
-            </a:r>
-            <a:r>
-              <a:rPr lang="en-US" dirty="0" err="1">
-                <a:latin typeface="Arial"/>
-                <a:ea typeface="Arial"/>
-                <a:cs typeface="Arial"/>
-                <a:sym typeface="Arial"/>
-              </a:rPr>
-              <a:t>akadēmiskos</a:t>
-            </a:r>
-            <a:r>
-              <a:rPr lang="en-US" dirty="0">
-                <a:latin typeface="Arial"/>
-                <a:ea typeface="Arial"/>
-                <a:cs typeface="Arial"/>
-                <a:sym typeface="Arial"/>
-              </a:rPr>
-              <a:t>, </a:t>
-            </a:r>
-            <a:r>
-              <a:rPr lang="en-US" dirty="0" err="1">
-                <a:latin typeface="Arial"/>
-                <a:ea typeface="Arial"/>
-                <a:cs typeface="Arial"/>
-                <a:sym typeface="Arial"/>
-              </a:rPr>
-              <a:t>gan</a:t>
-            </a:r>
-            <a:r>
-              <a:rPr lang="en-US" dirty="0">
-                <a:latin typeface="Arial"/>
-                <a:ea typeface="Arial"/>
-                <a:cs typeface="Arial"/>
-                <a:sym typeface="Arial"/>
-              </a:rPr>
-              <a:t> </a:t>
-            </a:r>
-            <a:r>
-              <a:rPr lang="en-US" dirty="0" err="1">
-                <a:latin typeface="Arial"/>
-                <a:ea typeface="Arial"/>
-                <a:cs typeface="Arial"/>
-                <a:sym typeface="Arial"/>
-              </a:rPr>
-              <a:t>mediju</a:t>
-            </a:r>
-            <a:r>
-              <a:rPr lang="en-US" dirty="0">
-                <a:latin typeface="Arial"/>
-                <a:ea typeface="Arial"/>
-                <a:cs typeface="Arial"/>
-                <a:sym typeface="Arial"/>
-              </a:rPr>
-              <a:t> </a:t>
-            </a:r>
-            <a:r>
-              <a:rPr lang="en-US" dirty="0" err="1">
-                <a:latin typeface="Arial"/>
-                <a:ea typeface="Arial"/>
-                <a:cs typeface="Arial"/>
-                <a:sym typeface="Arial"/>
-              </a:rPr>
-              <a:t>nolūkos</a:t>
-            </a:r>
-            <a:r>
-              <a:rPr lang="en-US" dirty="0">
-                <a:latin typeface="Arial"/>
-                <a:ea typeface="Arial"/>
-                <a:cs typeface="Arial"/>
-                <a:sym typeface="Arial"/>
-              </a:rPr>
-              <a:t>, </a:t>
-            </a:r>
-            <a:r>
-              <a:rPr lang="en-US" dirty="0" err="1">
-                <a:latin typeface="Arial"/>
-                <a:ea typeface="Arial"/>
-                <a:cs typeface="Arial"/>
-                <a:sym typeface="Arial"/>
-              </a:rPr>
-              <a:t>lai</a:t>
-            </a:r>
-            <a:r>
-              <a:rPr lang="en-US" dirty="0">
-                <a:latin typeface="Arial"/>
-                <a:ea typeface="Arial"/>
-                <a:cs typeface="Arial"/>
-                <a:sym typeface="Arial"/>
-              </a:rPr>
-              <a:t> </a:t>
-            </a:r>
-            <a:r>
-              <a:rPr lang="en-US" dirty="0" err="1">
-                <a:latin typeface="Arial"/>
-                <a:ea typeface="Arial"/>
-                <a:cs typeface="Arial"/>
-                <a:sym typeface="Arial"/>
-              </a:rPr>
-              <a:t>rakstītu</a:t>
-            </a:r>
-            <a:r>
-              <a:rPr lang="en-US" dirty="0">
-                <a:latin typeface="Arial"/>
-                <a:ea typeface="Arial"/>
-                <a:cs typeface="Arial"/>
-                <a:sym typeface="Arial"/>
-              </a:rPr>
-              <a:t> par </a:t>
-            </a:r>
-            <a:r>
-              <a:rPr lang="en-US" dirty="0" err="1">
-                <a:latin typeface="Arial"/>
-                <a:ea typeface="Arial"/>
-                <a:cs typeface="Arial"/>
-                <a:sym typeface="Arial"/>
-              </a:rPr>
-              <a:t>ārzemju</a:t>
-            </a:r>
-            <a:r>
-              <a:rPr lang="en-US" dirty="0">
-                <a:latin typeface="Arial"/>
-                <a:ea typeface="Arial"/>
-                <a:cs typeface="Arial"/>
-                <a:sym typeface="Arial"/>
-              </a:rPr>
-              <a:t> </a:t>
-            </a:r>
-            <a:r>
-              <a:rPr lang="en-US" dirty="0" err="1">
-                <a:latin typeface="Arial"/>
-                <a:ea typeface="Arial"/>
-                <a:cs typeface="Arial"/>
-                <a:sym typeface="Arial"/>
-              </a:rPr>
-              <a:t>cilvēkiem</a:t>
-            </a:r>
-            <a:r>
-              <a:rPr lang="en-US" dirty="0">
-                <a:latin typeface="Arial"/>
-                <a:ea typeface="Arial"/>
-                <a:cs typeface="Arial"/>
-                <a:sym typeface="Arial"/>
-              </a:rPr>
-              <a:t> </a:t>
-            </a:r>
-            <a:r>
-              <a:rPr lang="en-US" dirty="0" err="1">
-                <a:latin typeface="Arial"/>
-                <a:ea typeface="Arial"/>
-                <a:cs typeface="Arial"/>
-                <a:sym typeface="Arial"/>
-              </a:rPr>
-              <a:t>vai</a:t>
-            </a:r>
-            <a:r>
-              <a:rPr lang="en-US" dirty="0">
-                <a:latin typeface="Arial"/>
-                <a:ea typeface="Arial"/>
-                <a:cs typeface="Arial"/>
-                <a:sym typeface="Arial"/>
-              </a:rPr>
-              <a:t> </a:t>
-            </a:r>
-            <a:r>
-              <a:rPr lang="en-US" dirty="0" err="1">
-                <a:latin typeface="Arial"/>
-                <a:ea typeface="Arial"/>
-                <a:cs typeface="Arial"/>
-                <a:sym typeface="Arial"/>
-              </a:rPr>
-              <a:t>pilsētām</a:t>
-            </a:r>
-            <a:r>
-              <a:rPr lang="en-US" dirty="0">
-                <a:latin typeface="Arial"/>
-                <a:ea typeface="Arial"/>
-                <a:cs typeface="Arial"/>
-                <a:sym typeface="Arial"/>
-              </a:rPr>
-              <a:t>.</a:t>
-            </a:r>
-            <a:endParaRPr dirty="0"/>
+              <a:rPr lang="lv-LV" dirty="0">
+                <a:latin typeface="Arial"/>
+                <a:ea typeface="Arial"/>
+                <a:cs typeface="Arial"/>
+                <a:sym typeface="Arial"/>
+              </a:rPr>
+              <a:t>Sistēmu varētu lietot gan akadēmiskos, gan mediju nolūkos, lai rakstītu par ārzemju cilvēkiem vai pilsētām.</a:t>
+            </a:r>
+            <a:endParaRPr lang="lv-LV" dirty="0"/>
           </a:p>
           <a:p>
             <a:pPr marL="0" lvl="0" indent="0" algn="l" rtl="0">
@@ -6714,209 +6686,14 @@
               <a:buNone/>
             </a:pPr>
             <a:r>
-              <a:rPr lang="en-US" dirty="0" err="1">
-                <a:latin typeface="Arial"/>
-                <a:ea typeface="Arial"/>
-                <a:cs typeface="Arial"/>
-                <a:sym typeface="Arial"/>
-              </a:rPr>
-              <a:t>Sistēma</a:t>
-            </a:r>
-            <a:r>
-              <a:rPr lang="en-US" dirty="0">
-                <a:latin typeface="Arial"/>
-                <a:ea typeface="Arial"/>
-                <a:cs typeface="Arial"/>
-                <a:sym typeface="Arial"/>
-              </a:rPr>
-              <a:t> </a:t>
-            </a:r>
-            <a:r>
-              <a:rPr lang="en-US" dirty="0" err="1">
-                <a:latin typeface="Arial"/>
-                <a:ea typeface="Arial"/>
-                <a:cs typeface="Arial"/>
-                <a:sym typeface="Arial"/>
-              </a:rPr>
-              <a:t>ir</a:t>
-            </a:r>
-            <a:r>
-              <a:rPr lang="en-US" dirty="0">
-                <a:latin typeface="Arial"/>
-                <a:ea typeface="Arial"/>
-                <a:cs typeface="Arial"/>
-                <a:sym typeface="Arial"/>
-              </a:rPr>
-              <a:t> </a:t>
-            </a:r>
-            <a:r>
-              <a:rPr lang="en-US" dirty="0" err="1">
-                <a:latin typeface="Arial"/>
-                <a:ea typeface="Arial"/>
-                <a:cs typeface="Arial"/>
-                <a:sym typeface="Arial"/>
-              </a:rPr>
-              <a:t>vajadzīga</a:t>
-            </a:r>
-            <a:r>
-              <a:rPr lang="en-US" dirty="0">
-                <a:latin typeface="Arial"/>
-                <a:ea typeface="Arial"/>
-                <a:cs typeface="Arial"/>
-                <a:sym typeface="Arial"/>
-              </a:rPr>
-              <a:t>, jo </a:t>
-            </a:r>
-            <a:r>
-              <a:rPr lang="en-US" dirty="0" err="1">
-                <a:latin typeface="Arial"/>
-                <a:ea typeface="Arial"/>
-                <a:cs typeface="Arial"/>
-                <a:sym typeface="Arial"/>
-              </a:rPr>
-              <a:t>latviešu</a:t>
-            </a:r>
-            <a:r>
-              <a:rPr lang="en-US" dirty="0">
-                <a:latin typeface="Arial"/>
-                <a:ea typeface="Arial"/>
-                <a:cs typeface="Arial"/>
-                <a:sym typeface="Arial"/>
-              </a:rPr>
-              <a:t> </a:t>
-            </a:r>
-            <a:r>
-              <a:rPr lang="en-US" dirty="0" err="1">
-                <a:latin typeface="Arial"/>
-                <a:ea typeface="Arial"/>
-                <a:cs typeface="Arial"/>
-                <a:sym typeface="Arial"/>
-              </a:rPr>
-              <a:t>valodā</a:t>
-            </a:r>
-            <a:r>
-              <a:rPr lang="en-US" dirty="0">
-                <a:latin typeface="Arial"/>
-                <a:ea typeface="Arial"/>
-                <a:cs typeface="Arial"/>
-                <a:sym typeface="Arial"/>
-              </a:rPr>
-              <a:t> </a:t>
-            </a:r>
-            <a:r>
-              <a:rPr lang="en-US" dirty="0" err="1">
-                <a:latin typeface="Arial"/>
-                <a:ea typeface="Arial"/>
-                <a:cs typeface="Arial"/>
-                <a:sym typeface="Arial"/>
-              </a:rPr>
-              <a:t>eksistē</a:t>
-            </a:r>
-            <a:r>
-              <a:rPr lang="en-US" dirty="0">
-                <a:latin typeface="Arial"/>
-                <a:ea typeface="Arial"/>
-                <a:cs typeface="Arial"/>
-                <a:sym typeface="Arial"/>
-              </a:rPr>
-              <a:t> </a:t>
-            </a:r>
-            <a:r>
-              <a:rPr lang="en-US" dirty="0" err="1">
-                <a:latin typeface="Arial"/>
-                <a:ea typeface="Arial"/>
-                <a:cs typeface="Arial"/>
-                <a:sym typeface="Arial"/>
-              </a:rPr>
-              <a:t>likums</a:t>
-            </a:r>
-            <a:r>
-              <a:rPr lang="en-US" dirty="0">
-                <a:latin typeface="Arial"/>
-                <a:ea typeface="Arial"/>
-                <a:cs typeface="Arial"/>
-                <a:sym typeface="Arial"/>
-              </a:rPr>
-              <a:t> par </a:t>
-            </a:r>
-            <a:r>
-              <a:rPr lang="en-US" dirty="0" err="1">
-                <a:latin typeface="Arial"/>
-                <a:ea typeface="Arial"/>
-                <a:cs typeface="Arial"/>
-                <a:sym typeface="Arial"/>
-              </a:rPr>
-              <a:t>personvārdu</a:t>
-            </a:r>
-            <a:r>
-              <a:rPr lang="en-US" dirty="0">
-                <a:latin typeface="Arial"/>
-                <a:ea typeface="Arial"/>
-                <a:cs typeface="Arial"/>
-                <a:sym typeface="Arial"/>
-              </a:rPr>
-              <a:t> </a:t>
-            </a:r>
-            <a:r>
-              <a:rPr lang="en-US" dirty="0" err="1">
-                <a:latin typeface="Arial"/>
-                <a:ea typeface="Arial"/>
-                <a:cs typeface="Arial"/>
-                <a:sym typeface="Arial"/>
-              </a:rPr>
-              <a:t>latviskošanu</a:t>
-            </a:r>
-            <a:r>
-              <a:rPr lang="en-US" dirty="0">
-                <a:latin typeface="Arial"/>
-                <a:ea typeface="Arial"/>
-                <a:cs typeface="Arial"/>
-                <a:sym typeface="Arial"/>
-              </a:rPr>
-              <a:t> </a:t>
-            </a:r>
-            <a:r>
-              <a:rPr lang="en-US" dirty="0" err="1">
-                <a:latin typeface="Arial"/>
-                <a:ea typeface="Arial"/>
-                <a:cs typeface="Arial"/>
-                <a:sym typeface="Arial"/>
-              </a:rPr>
-              <a:t>publiskos</a:t>
-            </a:r>
-            <a:r>
-              <a:rPr lang="en-US" dirty="0">
-                <a:latin typeface="Arial"/>
-                <a:ea typeface="Arial"/>
-                <a:cs typeface="Arial"/>
-                <a:sym typeface="Arial"/>
-              </a:rPr>
-              <a:t> </a:t>
-            </a:r>
-            <a:r>
-              <a:rPr lang="en-US" dirty="0" err="1">
-                <a:latin typeface="Arial"/>
-                <a:ea typeface="Arial"/>
-                <a:cs typeface="Arial"/>
-                <a:sym typeface="Arial"/>
-              </a:rPr>
-              <a:t>dokumentos</a:t>
-            </a:r>
-            <a:r>
-              <a:rPr lang="en-US" dirty="0">
-                <a:latin typeface="Arial"/>
-                <a:ea typeface="Arial"/>
-                <a:cs typeface="Arial"/>
-                <a:sym typeface="Arial"/>
-              </a:rPr>
-              <a:t>.</a:t>
-            </a:r>
-            <a:endParaRPr dirty="0">
-              <a:latin typeface="Arial"/>
-              <a:ea typeface="Arial"/>
-              <a:cs typeface="Arial"/>
-              <a:sym typeface="Arial"/>
-            </a:endParaRPr>
+              <a:rPr lang="lv-LV" dirty="0">
+                <a:latin typeface="Arial"/>
+                <a:ea typeface="Arial"/>
+                <a:cs typeface="Arial"/>
+                <a:sym typeface="Arial"/>
+              </a:rPr>
+              <a:t>Sistēma ir vajadzīga, jo latviešu valodā eksistē likums par personvārdu latviskošanu publiskos dokumentos.</a:t>
+            </a:r>
           </a:p>
         </p:txBody>
       </p:sp>
@@ -6979,7 +6756,7 @@
   <p:cSld>
     <p:spTree>
       <p:nvGrpSpPr>
-        <p:cNvPr id="1" name="Shape 104"/>
+        <p:cNvPr id="1" name="Shape 97"/>
         <p:cNvGrpSpPr/>
         <p:nvPr/>
       </p:nvGrpSpPr>
@@ -6993,7 +6770,7 @@
       </p:grpSpPr>
       <p:sp>
         <p:nvSpPr>
-          <p:cNvPr id="105" name="Google Shape;105;p4"/>
+          <p:cNvPr id="98" name="Google Shape;98;p3"/>
           <p:cNvSpPr txBox="1">
             <a:spLocks noGrp="1"/>
           </p:cNvSpPr>
@@ -7039,7 +6816,7 @@
       </p:sp>
       <p:sp>
         <p:nvSpPr>
-          <p:cNvPr id="106" name="Google Shape;106;p4"/>
+          <p:cNvPr id="99" name="Google Shape;99;p3"/>
           <p:cNvSpPr txBox="1">
             <a:spLocks noGrp="1"/>
           </p:cNvSpPr>
@@ -7084,6 +6861,18 @@
               <a:buNone/>
             </a:pPr>
             <a:r>
+              <a:rPr lang="en-US" dirty="0">
+                <a:solidFill>
+                  <a:srgbClr val="1B5089"/>
+                </a:solidFill>
+                <a:latin typeface="Arial"/>
+                <a:ea typeface="Arial"/>
+                <a:cs typeface="Arial"/>
+                <a:sym typeface="Arial"/>
+              </a:rPr>
+              <a:t>Kas </a:t>
+            </a:r>
+            <a:r>
               <a:rPr lang="en-US" dirty="0" err="1">
                 <a:solidFill>
                   <a:srgbClr val="1B5089"/>
@@ -7093,7 +6882,7 @@
                 <a:cs typeface="Arial"/>
                 <a:sym typeface="Arial"/>
               </a:rPr>
-              <a:t>Darba</a:t>
+              <a:t>jau</a:t>
             </a:r>
             <a:r>
               <a:rPr lang="en-US" dirty="0">
@@ -7117,7 +6906,7 @@
                 <a:cs typeface="Arial"/>
                 <a:sym typeface="Arial"/>
               </a:rPr>
-              <a:t>plāns</a:t>
+              <a:t>ir</a:t>
             </a:r>
             <a:r>
               <a:rPr lang="en-US" dirty="0">
@@ -7129,7 +6918,7 @@
                 <a:cs typeface="Arial"/>
                 <a:sym typeface="Arial"/>
               </a:rPr>
-              <a:t>/</a:t>
+              <a:t> </a:t>
             </a:r>
             <a:r>
               <a:rPr lang="en-US" dirty="0" err="1">
@@ -7141,7 +6930,7 @@
                 <a:cs typeface="Arial"/>
                 <a:sym typeface="Arial"/>
               </a:rPr>
-              <a:t>metodes</a:t>
+              <a:t>darīts</a:t>
             </a:r>
             <a:endParaRPr dirty="0">
               <a:solidFill>
@@ -7157,7 +6946,7 @@
       </p:sp>
       <p:sp>
         <p:nvSpPr>
-          <p:cNvPr id="107" name="Google Shape;107;p4"/>
+          <p:cNvPr id="100" name="Google Shape;100;p3"/>
           <p:cNvSpPr txBox="1">
             <a:spLocks noGrp="1"/>
           </p:cNvSpPr>
@@ -7167,8 +6956,8 @@
         </p:nvSpPr>
         <p:spPr>
           <a:xfrm>
-            <a:off x="418011" y="1366630"/>
-            <a:ext cx="11618971" cy="4264549"/>
+            <a:off x="418011" y="1540933"/>
+            <a:ext cx="11618971" cy="4500944"/>
           </a:xfrm>
           <a:prstGeom prst="rect">
             <a:avLst/>
@@ -7179,17 +6968,127 @@
           </a:ln>
         </p:spPr>
         <p:txBody>
-          <a:bodyPr spcFirstLastPara="1" wrap="square" lIns="72000" tIns="45700" rIns="144000" bIns="45700" anchor="t" anchorCtr="0">
+          <a:bodyPr spcFirstLastPara="1" wrap="square" lIns="91425" tIns="45700" rIns="91425" bIns="45700" anchor="t" anchorCtr="0">
             <a:noAutofit/>
           </a:bodyPr>
           <a:lstStyle/>
+          <a:p>
+            <a:pPr marL="0" lvl="0" indent="0" algn="l" rtl="0">
+              <a:lnSpc>
+                <a:spcPct val="90000"/>
+              </a:lnSpc>
+              <a:spcBef>
+                <a:spcPts val="0"/>
+              </a:spcBef>
+              <a:spcAft>
+                <a:spcPts val="0"/>
+              </a:spcAft>
+              <a:buClr>
+                <a:schemeClr val="dk1"/>
+              </a:buClr>
+              <a:buSzPts val="2400"/>
+              <a:buNone/>
+            </a:pPr>
+            <a:r>
+              <a:rPr lang="lv-LV" sz="2400" dirty="0">
+                <a:latin typeface="Arial"/>
+                <a:ea typeface="Arial"/>
+                <a:cs typeface="Arial"/>
+                <a:sym typeface="Arial"/>
+              </a:rPr>
+              <a:t>Eksistē gan angļu-IPA (</a:t>
+            </a:r>
+            <a:r>
+              <a:rPr lang="lv-LV" sz="2400" i="1" dirty="0">
+                <a:latin typeface="Arial"/>
+                <a:ea typeface="Arial"/>
+                <a:cs typeface="Arial"/>
+                <a:sym typeface="Arial"/>
+              </a:rPr>
+              <a:t>tophonetics.com</a:t>
+            </a:r>
+            <a:r>
+              <a:rPr lang="lv-LV" sz="2400" dirty="0">
+                <a:latin typeface="Arial"/>
+                <a:ea typeface="Arial"/>
+                <a:cs typeface="Arial"/>
+                <a:sym typeface="Arial"/>
+              </a:rPr>
+              <a:t>), gan IPA-angļu (</a:t>
+            </a:r>
+            <a:r>
+              <a:rPr lang="lv-LV" sz="2400" i="1" dirty="0" err="1">
+                <a:latin typeface="Arial"/>
+                <a:ea typeface="Arial"/>
+                <a:cs typeface="Arial"/>
+                <a:sym typeface="Arial"/>
+              </a:rPr>
+              <a:t>ipa-reader.xyz</a:t>
+            </a:r>
+            <a:r>
+              <a:rPr lang="lv-LV" sz="2400" dirty="0">
+                <a:latin typeface="Arial"/>
+                <a:ea typeface="Arial"/>
+                <a:cs typeface="Arial"/>
+                <a:sym typeface="Arial"/>
+              </a:rPr>
+              <a:t>), kā arī </a:t>
+            </a:r>
+            <a:r>
+              <a:rPr lang="lv-LV" sz="2400" i="1" dirty="0">
+                <a:latin typeface="Arial"/>
+                <a:ea typeface="Arial"/>
+                <a:cs typeface="Arial"/>
+                <a:sym typeface="Arial"/>
+              </a:rPr>
+              <a:t>personvarduatveide.lv</a:t>
+            </a:r>
+            <a:r>
+              <a:rPr lang="lv-LV" sz="2400" dirty="0">
+                <a:latin typeface="Arial"/>
+                <a:ea typeface="Arial"/>
+                <a:cs typeface="Arial"/>
+                <a:sym typeface="Arial"/>
+              </a:rPr>
+              <a:t> svešvalodu-latviešu personvārdu atveidei.</a:t>
+            </a:r>
+            <a:endParaRPr lang="lv-LV" dirty="0"/>
+          </a:p>
+          <a:p>
+            <a:pPr marL="0" lvl="0" indent="0" algn="l" rtl="0">
+              <a:lnSpc>
+                <a:spcPct val="90000"/>
+              </a:lnSpc>
+              <a:spcBef>
+                <a:spcPts val="1000"/>
+              </a:spcBef>
+              <a:spcAft>
+                <a:spcPts val="0"/>
+              </a:spcAft>
+              <a:buClr>
+                <a:schemeClr val="dk1"/>
+              </a:buClr>
+              <a:buSzPts val="2400"/>
+              <a:buNone/>
+            </a:pPr>
+            <a:r>
+              <a:rPr lang="lv-LV" sz="2400" dirty="0">
+                <a:latin typeface="Arial"/>
+                <a:ea typeface="Arial"/>
+                <a:cs typeface="Arial"/>
+                <a:sym typeface="Arial"/>
+              </a:rPr>
+              <a:t>Doto sistēmu ierobežojumi: </a:t>
+            </a:r>
+            <a:endParaRPr lang="lv-LV" dirty="0"/>
+          </a:p>
           <a:p>
             <a:pPr marL="355600" lvl="0" indent="-355600" algn="l" rtl="0">
               <a:lnSpc>
                 <a:spcPct val="90000"/>
               </a:lnSpc>
               <a:spcBef>
-                <a:spcPts val="0"/>
+                <a:spcPts val="600"/>
               </a:spcBef>
               <a:spcAft>
                 <a:spcPts val="0"/>
@@ -7197,27 +7096,27 @@
               <a:buClr>
                 <a:srgbClr val="1B5089"/>
               </a:buClr>
-              <a:buSzPts val="2880"/>
+              <a:buSzPts val="2400"/>
               <a:buFont typeface="Noto Sans Symbols"/>
               <a:buChar char="▪"/>
             </a:pPr>
             <a:r>
-              <a:rPr lang="lv-LV" sz="2400" dirty="0">
-                <a:latin typeface="Arial"/>
-                <a:ea typeface="Arial"/>
-                <a:cs typeface="Arial"/>
-                <a:sym typeface="Arial"/>
-              </a:rPr>
-              <a:t>Programmēšanas valoda – </a:t>
-            </a:r>
-            <a:r>
-              <a:rPr lang="lv-LV" sz="2400" dirty="0" err="1">
-                <a:latin typeface="Arial"/>
-                <a:ea typeface="Arial"/>
-                <a:cs typeface="Arial"/>
-                <a:sym typeface="Arial"/>
-              </a:rPr>
-              <a:t>Python</a:t>
+              <a:rPr lang="lv-LV" sz="2000" dirty="0" err="1">
+                <a:latin typeface="Arial"/>
+                <a:ea typeface="Arial"/>
+                <a:cs typeface="Arial"/>
+                <a:sym typeface="Arial"/>
+              </a:rPr>
+              <a:t>ToPhonetics</a:t>
+            </a:r>
+            <a:r>
+              <a:rPr lang="lv-LV" sz="2000" dirty="0">
+                <a:latin typeface="Arial"/>
+                <a:ea typeface="Arial"/>
+                <a:cs typeface="Arial"/>
+                <a:sym typeface="Arial"/>
+              </a:rPr>
+              <a:t> spēj atveidot vārdus tikai angļu kontekstā, tātad pareizā izruna no svešvalodas netiek ņemta vērā.</a:t>
             </a:r>
             <a:endParaRPr lang="lv-LV" dirty="0"/>
           </a:p>
@@ -7235,22 +7134,77 @@
               <a:buClr>
                 <a:srgbClr val="1B5089"/>
               </a:buClr>
-              <a:buSzPts val="2880"/>
+              <a:buSzPts val="2400"/>
               <a:buFont typeface="Noto Sans Symbols"/>
               <a:buChar char="▪"/>
             </a:pPr>
             <a:r>
-              <a:rPr lang="lv-LV" sz="2400" dirty="0">
-                <a:latin typeface="Arial"/>
-                <a:ea typeface="Arial"/>
-                <a:cs typeface="Arial"/>
-                <a:sym typeface="Arial"/>
-              </a:rPr>
-              <a:t>Divdaļīga sistēma</a:t>
-            </a:r>
-          </a:p>
-          <a:p>
-            <a:pPr marL="812800" lvl="1" indent="-355600" algn="l" rtl="0">
+              <a:rPr lang="lv-LV" sz="2000" dirty="0">
+                <a:latin typeface="Arial"/>
+                <a:ea typeface="Arial"/>
+                <a:cs typeface="Arial"/>
+                <a:sym typeface="Arial"/>
+              </a:rPr>
+              <a:t>IPA </a:t>
+            </a:r>
+            <a:r>
+              <a:rPr lang="lv-LV" sz="2000" dirty="0" err="1">
+                <a:latin typeface="Arial"/>
+                <a:ea typeface="Arial"/>
+                <a:cs typeface="Arial"/>
+                <a:sym typeface="Arial"/>
+              </a:rPr>
+              <a:t>Reader</a:t>
+            </a:r>
+            <a:r>
+              <a:rPr lang="lv-LV" sz="2000" dirty="0">
+                <a:latin typeface="Arial"/>
+                <a:ea typeface="Arial"/>
+                <a:cs typeface="Arial"/>
+                <a:sym typeface="Arial"/>
+              </a:rPr>
+              <a:t> ir TTS (</a:t>
+            </a:r>
+            <a:r>
+              <a:rPr lang="lv-LV" sz="2000" dirty="0" err="1">
+                <a:latin typeface="Arial"/>
+                <a:ea typeface="Arial"/>
+                <a:cs typeface="Arial"/>
+                <a:sym typeface="Arial"/>
+              </a:rPr>
+              <a:t>text</a:t>
+            </a:r>
+            <a:r>
+              <a:rPr lang="lv-LV" sz="2000" dirty="0">
+                <a:latin typeface="Arial"/>
+                <a:ea typeface="Arial"/>
+                <a:cs typeface="Arial"/>
+                <a:sym typeface="Arial"/>
+              </a:rPr>
+              <a:t>-to-</a:t>
+            </a:r>
+            <a:r>
+              <a:rPr lang="lv-LV" sz="2000" dirty="0" err="1">
+                <a:latin typeface="Arial"/>
+                <a:ea typeface="Arial"/>
+                <a:cs typeface="Arial"/>
+                <a:sym typeface="Arial"/>
+              </a:rPr>
+              <a:t>speech</a:t>
+            </a:r>
+            <a:r>
+              <a:rPr lang="lv-LV" sz="2000" dirty="0">
+                <a:latin typeface="Arial"/>
+                <a:ea typeface="Arial"/>
+                <a:cs typeface="Arial"/>
+                <a:sym typeface="Arial"/>
+              </a:rPr>
+              <a:t>) programma, un neizdod doto vārdu angļu ortogrāfijā.</a:t>
+            </a:r>
+            <a:endParaRPr lang="lv-LV" dirty="0"/>
+          </a:p>
+          <a:p>
+            <a:pPr marL="355600" lvl="0" indent="-355600" algn="l" rtl="0">
               <a:lnSpc>
                 <a:spcPct val="90000"/>
               </a:lnSpc>
@@ -7268,72 +7222,27 @@
               <a:buChar char="▪"/>
             </a:pPr>
             <a:r>
+              <a:rPr lang="lv-LV" sz="2000" dirty="0" err="1">
+                <a:latin typeface="Arial"/>
+                <a:ea typeface="Arial"/>
+                <a:cs typeface="Arial"/>
+                <a:sym typeface="Arial"/>
+              </a:rPr>
+              <a:t>PersonvarduAtveide</a:t>
+            </a:r>
+            <a:r>
               <a:rPr lang="lv-LV" sz="2000" dirty="0">
                 <a:latin typeface="Arial"/>
                 <a:ea typeface="Arial"/>
                 <a:cs typeface="Arial"/>
                 <a:sym typeface="Arial"/>
               </a:rPr>
-              <a:t>Pirmā daļa iegūst lietotāja ievadi, meklē atbilstošo šķirkli angļu </a:t>
-            </a:r>
-            <a:r>
-              <a:rPr lang="lv-LV" sz="2000" dirty="0" err="1">
-                <a:latin typeface="Arial"/>
-                <a:ea typeface="Arial"/>
-                <a:cs typeface="Arial"/>
-                <a:sym typeface="Arial"/>
-              </a:rPr>
-              <a:t>Vikipēdijā</a:t>
-            </a:r>
-            <a:r>
-              <a:rPr lang="lv-LV" sz="2000" dirty="0">
-                <a:latin typeface="Arial"/>
-                <a:ea typeface="Arial"/>
-                <a:cs typeface="Arial"/>
-                <a:sym typeface="Arial"/>
-              </a:rPr>
-              <a:t>, un ar </a:t>
-            </a:r>
-            <a:r>
-              <a:rPr lang="lv-LV" sz="2000" dirty="0" err="1">
-                <a:latin typeface="Arial"/>
-                <a:ea typeface="Arial"/>
-                <a:cs typeface="Arial"/>
-                <a:sym typeface="Arial"/>
-              </a:rPr>
-              <a:t>web</a:t>
-            </a:r>
-            <a:r>
-              <a:rPr lang="lv-LV" sz="2000" dirty="0">
-                <a:latin typeface="Arial"/>
-                <a:ea typeface="Arial"/>
-                <a:cs typeface="Arial"/>
-                <a:sym typeface="Arial"/>
-              </a:rPr>
-              <a:t> </a:t>
-            </a:r>
-            <a:r>
-              <a:rPr lang="lv-LV" sz="2000" dirty="0" err="1">
-                <a:latin typeface="Arial"/>
-                <a:ea typeface="Arial"/>
-                <a:cs typeface="Arial"/>
-                <a:sym typeface="Arial"/>
-              </a:rPr>
-              <a:t>scraping</a:t>
-            </a:r>
-            <a:r>
-              <a:rPr lang="lv-LV" sz="2000" dirty="0">
-                <a:latin typeface="Arial"/>
-                <a:ea typeface="Arial"/>
-                <a:cs typeface="Arial"/>
-                <a:sym typeface="Arial"/>
-              </a:rPr>
-              <a:t> metodi iegūst IPA no šķirkļa.</a:t>
+              <a:t> ir nepilnīga, nestandartizēta datubāze, kā arī atveido tikai personvārdus (tātad neatveido pilsētu nosaukumus).</a:t>
             </a:r>
             <a:endParaRPr lang="lv-LV" dirty="0"/>
           </a:p>
           <a:p>
-            <a:pPr marL="812800" lvl="1" indent="-355600" algn="l" rtl="0">
+            <a:pPr marL="0" lvl="0" indent="0" algn="l" rtl="0">
               <a:lnSpc>
                 <a:spcPct val="90000"/>
               </a:lnSpc>
@@ -7346,41 +7255,18 @@
               <a:buClr>
                 <a:srgbClr val="1B5089"/>
               </a:buClr>
-              <a:buSzPts val="2400"/>
-              <a:buFont typeface="Noto Sans Symbols"/>
-              <a:buChar char="▪"/>
+              <a:buSzPts val="2880"/>
+              <a:buNone/>
             </a:pPr>
-            <a:r>
-              <a:rPr lang="lv-LV" sz="2000" dirty="0">
-                <a:latin typeface="Arial"/>
-                <a:ea typeface="Arial"/>
-                <a:cs typeface="Arial"/>
-                <a:sym typeface="Arial"/>
-              </a:rPr>
-              <a:t>Otrā daļa pārvērš IPA virkni latviešu valodā ar atbilstošo dzimtes galotni, izmantojot simbolu aizvietošanu un </a:t>
-            </a:r>
-            <a:r>
-              <a:rPr lang="lv-LV" sz="2000" i="1" dirty="0">
-                <a:latin typeface="Arial"/>
-                <a:ea typeface="Arial"/>
-                <a:cs typeface="Arial"/>
-                <a:sym typeface="Arial"/>
-              </a:rPr>
-              <a:t>*FST pareizas galotnes iegūšanai</a:t>
-            </a:r>
-            <a:r>
-              <a:rPr lang="lv-LV" sz="2000" dirty="0">
-                <a:latin typeface="Arial"/>
-                <a:ea typeface="Arial"/>
-                <a:cs typeface="Arial"/>
-                <a:sym typeface="Arial"/>
-              </a:rPr>
-              <a:t>.</a:t>
-            </a:r>
-            <a:endParaRPr lang="lv-LV" dirty="0"/>
-          </a:p>
-          <a:p>
-            <a:pPr marL="355600" lvl="0" indent="-355600" algn="l" rtl="0">
+            <a:endParaRPr lang="lv-LV" sz="2400" dirty="0">
+              <a:latin typeface="Arial"/>
+              <a:ea typeface="Arial"/>
+              <a:cs typeface="Arial"/>
+              <a:sym typeface="Arial"/>
+            </a:endParaRPr>
+          </a:p>
+          <a:p>
+            <a:pPr marL="0" lvl="0" indent="0" algn="l" rtl="0">
               <a:lnSpc>
                 <a:spcPct val="90000"/>
               </a:lnSpc>
@@ -7394,8 +7280,7 @@
                 <a:srgbClr val="1B5089"/>
               </a:buClr>
               <a:buSzPts val="2880"/>
-              <a:buFont typeface="Noto Sans Symbols"/>
-              <a:buChar char="▪"/>
+              <a:buNone/>
             </a:pPr>
             <a:r>
               <a:rPr lang="lv-LV" sz="2400" dirty="0">
@@ -7404,35 +7289,7 @@
                 <a:cs typeface="Arial"/>
                 <a:sym typeface="Arial"/>
               </a:rPr>
-              <a:t>Jāizveido standarts IPA-latviešu transliterācijai dažādām valodām, balstoties uz eksistējošiem valodas likumiem un autoru informēta viedokļa</a:t>
-            </a:r>
-          </a:p>
-          <a:p>
-            <a:pPr marL="355600" lvl="0" indent="-355600" algn="l" rtl="0">
-              <a:lnSpc>
-                <a:spcPct val="90000"/>
-              </a:lnSpc>
-              <a:spcBef>
-                <a:spcPts val="1200"/>
-              </a:spcBef>
-              <a:spcAft>
-                <a:spcPts val="0"/>
-              </a:spcAft>
-              <a:buClr>
-                <a:srgbClr val="1B5089"/>
-              </a:buClr>
-              <a:buSzPts val="2880"/>
-              <a:buFont typeface="Noto Sans Symbols"/>
-              <a:buChar char="▪"/>
-            </a:pPr>
-            <a:r>
-              <a:rPr lang="lv-LV" sz="2400" dirty="0">
-                <a:latin typeface="Arial"/>
-                <a:ea typeface="Arial"/>
-                <a:cs typeface="Arial"/>
-                <a:sym typeface="Arial"/>
-              </a:rPr>
-              <a:t>Zināmi ierobežojumi – sistēma nespēs radīt pareizu transkripciju vēsturiski pieņemtiem nosaukumiem (piem. Parīze), kā arī varētu atšķirties no jau eksistējošām transkripcijām (piem. Fudzijama).</a:t>
+              <a:t>Latviešu-IPA transliterācijas jebkurā virzienā nav publiski pieejamas lielā apjomā.</a:t>
             </a:r>
             <a:endParaRPr lang="lv-LV" dirty="0"/>
           </a:p>
@@ -7505,7 +7362,7 @@
               <a:rPr lang="en-US"/>
               <a:t>4</a:t>
             </a:fld>
-            <a:endParaRPr/>
+            <a:endParaRPr dirty="0"/>
           </a:p>
         </p:txBody>
       </p:sp>
@@ -7556,6 +7413,18 @@
               <a:buNone/>
             </a:pPr>
             <a:r>
+              <a:rPr lang="lv-LV" dirty="0">
+                <a:solidFill>
+                  <a:srgbClr val="1B5089"/>
+                </a:solidFill>
+                <a:latin typeface="Arial"/>
+                <a:ea typeface="Arial"/>
+                <a:cs typeface="Arial"/>
+                <a:sym typeface="Arial"/>
+              </a:rPr>
+              <a:t>Sākotnējais d</a:t>
+            </a:r>
+            <a:r>
               <a:rPr lang="en-US" dirty="0" err="1">
                 <a:solidFill>
                   <a:srgbClr val="1B5089"/>
@@ -7565,7 +7434,7 @@
                 <a:cs typeface="Arial"/>
                 <a:sym typeface="Arial"/>
               </a:rPr>
-              <a:t>Darba</a:t>
+              <a:t>arba</a:t>
             </a:r>
             <a:r>
               <a:rPr lang="en-US" dirty="0">
@@ -7580,7 +7449,7 @@
               <a:t> </a:t>
             </a:r>
             <a:r>
-              <a:rPr lang="lv-LV" dirty="0">
+              <a:rPr lang="en-US" dirty="0" err="1">
                 <a:solidFill>
                   <a:srgbClr val="1B5089"/>
                 </a:solidFill>
@@ -7589,7 +7458,31 @@
                 <a:cs typeface="Arial"/>
                 <a:sym typeface="Arial"/>
               </a:rPr>
-              <a:t>izstrāde</a:t>
+              <a:t>plāns</a:t>
+            </a:r>
+            <a:r>
+              <a:rPr lang="en-US" dirty="0">
+                <a:solidFill>
+                  <a:srgbClr val="1B5089"/>
+                </a:solidFill>
+                <a:latin typeface="Arial"/>
+                <a:ea typeface="Arial"/>
+                <a:cs typeface="Arial"/>
+                <a:sym typeface="Arial"/>
+              </a:rPr>
+              <a:t>/</a:t>
+            </a:r>
+            <a:r>
+              <a:rPr lang="en-US" dirty="0" err="1">
+                <a:solidFill>
+                  <a:srgbClr val="1B5089"/>
+                </a:solidFill>
+                <a:latin typeface="Arial"/>
+                <a:ea typeface="Arial"/>
+                <a:cs typeface="Arial"/>
+                <a:sym typeface="Arial"/>
+              </a:rPr>
+              <a:t>metodes</a:t>
             </a:r>
             <a:endParaRPr dirty="0">
               <a:solidFill>
@@ -7615,7 +7508,7 @@
         </p:nvSpPr>
         <p:spPr>
           <a:xfrm>
-            <a:off x="418011" y="1404730"/>
+            <a:off x="418011" y="1366630"/>
             <a:ext cx="11618971" cy="4264549"/>
           </a:xfrm>
           <a:prstGeom prst="rect">
@@ -7650,7 +7543,7 @@
               <a:buChar char="▪"/>
             </a:pPr>
             <a:r>
-              <a:rPr lang="lv-LV" sz="2000" dirty="0">
+              <a:rPr lang="lv-LV" sz="2400" dirty="0">
                 <a:latin typeface="Arial"/>
                 <a:ea typeface="Arial"/>
                 <a:cs typeface="Arial"/>
@@ -7659,7 +7552,7 @@
               <a:t>Programmēšanas valoda – </a:t>
             </a:r>
             <a:r>
-              <a:rPr lang="lv-LV" sz="2000" dirty="0" err="1">
+              <a:rPr lang="lv-LV" sz="2400" dirty="0" err="1">
                 <a:latin typeface="Arial"/>
                 <a:ea typeface="Arial"/>
                 <a:cs typeface="Arial"/>
@@ -7667,12 +7560,7 @@
               </a:rPr>
               <a:t>Python</a:t>
             </a:r>
-            <a:endParaRPr lang="lv-LV" sz="2000" dirty="0">
-              <a:latin typeface="Arial"/>
-              <a:ea typeface="Arial"/>
-              <a:cs typeface="Arial"/>
-              <a:sym typeface="Arial"/>
-            </a:endParaRPr>
+            <a:endParaRPr lang="lv-LV" dirty="0"/>
           </a:p>
           <a:p>
             <a:pPr marL="355600" lvl="0" indent="-355600" algn="l" rtl="0">
@@ -7680,7 +7568,7 @@
                 <a:spcPct val="90000"/>
               </a:lnSpc>
               <a:spcBef>
-                <a:spcPts val="0"/>
+                <a:spcPts val="1200"/>
               </a:spcBef>
               <a:spcAft>
                 <a:spcPts val="0"/>
@@ -7693,161 +7581,132 @@
               <a:buChar char="▪"/>
             </a:pPr>
             <a:r>
-              <a:rPr lang="lv-LV" sz="2000" dirty="0">
-                <a:latin typeface="Arial"/>
-                <a:cs typeface="Arial"/>
-                <a:sym typeface="Arial"/>
-              </a:rPr>
-              <a:t>Izmantotās kodu bibliotēkas:</a:t>
-            </a:r>
-          </a:p>
-          <a:p>
-            <a:pPr marL="812800" lvl="1" indent="-355600">
+              <a:rPr lang="lv-LV" sz="2400" dirty="0">
+                <a:latin typeface="Arial"/>
+                <a:ea typeface="Arial"/>
+                <a:cs typeface="Arial"/>
+                <a:sym typeface="Arial"/>
+              </a:rPr>
+              <a:t>Divdaļīga sistēma</a:t>
+            </a:r>
+          </a:p>
+          <a:p>
+            <a:pPr marL="812800" lvl="1" indent="-355600" algn="l" rtl="0">
+              <a:lnSpc>
+                <a:spcPct val="90000"/>
+              </a:lnSpc>
               <a:spcBef>
-                <a:spcPts val="0"/>
+                <a:spcPts val="1200"/>
               </a:spcBef>
+              <a:spcAft>
+                <a:spcPts val="0"/>
+              </a:spcAft>
               <a:buClr>
                 <a:srgbClr val="1B5089"/>
               </a:buClr>
-              <a:buSzPts val="2880"/>
+              <a:buSzPts val="2400"/>
               <a:buFont typeface="Noto Sans Symbols"/>
               <a:buChar char="▪"/>
             </a:pPr>
             <a:r>
+              <a:rPr lang="lv-LV" sz="2000" dirty="0">
+                <a:latin typeface="Arial"/>
+                <a:ea typeface="Arial"/>
+                <a:cs typeface="Arial"/>
+                <a:sym typeface="Arial"/>
+              </a:rPr>
+              <a:t>Pirmā daļa iegūst lietotāja ievadi, meklē atbilstošo šķirkli angļu </a:t>
+            </a:r>
+            <a:r>
               <a:rPr lang="lv-LV" sz="2000" dirty="0" err="1">
                 <a:latin typeface="Arial"/>
-                <a:cs typeface="Arial"/>
-                <a:sym typeface="Arial"/>
-              </a:rPr>
-              <a:t>request</a:t>
+                <a:ea typeface="Arial"/>
+                <a:cs typeface="Arial"/>
+                <a:sym typeface="Arial"/>
+              </a:rPr>
+              <a:t>Vikipēdijā</a:t>
             </a:r>
             <a:r>
               <a:rPr lang="lv-LV" sz="2000" dirty="0">
                 <a:latin typeface="Arial"/>
-                <a:cs typeface="Arial"/>
-                <a:sym typeface="Arial"/>
-              </a:rPr>
-              <a:t> - </a:t>
-            </a:r>
-          </a:p>
-          <a:p>
-            <a:pPr marL="812800" lvl="1" indent="-355600">
+                <a:ea typeface="Arial"/>
+                <a:cs typeface="Arial"/>
+                <a:sym typeface="Arial"/>
+              </a:rPr>
+              <a:t>, un ar tīmekļa </a:t>
+            </a:r>
+            <a:r>
+              <a:rPr lang="lv-LV" sz="2000" dirty="0" err="1">
+                <a:latin typeface="Arial"/>
+                <a:ea typeface="Arial"/>
+                <a:cs typeface="Arial"/>
+                <a:sym typeface="Arial"/>
+              </a:rPr>
+              <a:t>rasmošanas</a:t>
+            </a:r>
+            <a:r>
+              <a:rPr lang="lv-LV" sz="2000" dirty="0">
+                <a:latin typeface="Arial"/>
+                <a:ea typeface="Arial"/>
+                <a:cs typeface="Arial"/>
+                <a:sym typeface="Arial"/>
+              </a:rPr>
+              <a:t> metodi iegūst IPA no šķirkļa.</a:t>
+            </a:r>
+            <a:endParaRPr lang="lv-LV" dirty="0"/>
+          </a:p>
+          <a:p>
+            <a:pPr marL="812800" lvl="1" indent="-355600" algn="l" rtl="0">
+              <a:lnSpc>
+                <a:spcPct val="90000"/>
+              </a:lnSpc>
               <a:spcBef>
-                <a:spcPts val="0"/>
+                <a:spcPts val="1200"/>
               </a:spcBef>
+              <a:spcAft>
+                <a:spcPts val="0"/>
+              </a:spcAft>
               <a:buClr>
                 <a:srgbClr val="1B5089"/>
               </a:buClr>
-              <a:buSzPts val="2880"/>
+              <a:buSzPts val="2400"/>
               <a:buFont typeface="Noto Sans Symbols"/>
               <a:buChar char="▪"/>
             </a:pPr>
             <a:r>
               <a:rPr lang="lv-LV" sz="2000" dirty="0">
                 <a:latin typeface="Arial"/>
-                <a:cs typeface="Arial"/>
-                <a:sym typeface="Arial"/>
-              </a:rPr>
-              <a:t>beautifulsoup4 - </a:t>
-            </a:r>
-          </a:p>
-          <a:p>
-            <a:pPr marL="812800" lvl="1" indent="-355600">
-              <a:spcBef>
-                <a:spcPts val="0"/>
-              </a:spcBef>
-              <a:buClr>
-                <a:srgbClr val="1B5089"/>
-              </a:buClr>
-              <a:buSzPts val="2880"/>
-              <a:buFont typeface="Noto Sans Symbols"/>
-              <a:buChar char="▪"/>
-            </a:pPr>
-            <a:r>
-              <a:rPr lang="lv-LV" sz="2000" dirty="0" err="1">
-                <a:latin typeface="Arial"/>
-                <a:cs typeface="Arial"/>
-                <a:sym typeface="Arial"/>
-              </a:rPr>
-              <a:t>regex</a:t>
+                <a:ea typeface="Arial"/>
+                <a:cs typeface="Arial"/>
+                <a:sym typeface="Arial"/>
+              </a:rPr>
+              <a:t>Otrā daļa pārvērš IPA virkni latviešu valodā ar atbilstošo dzimtes galotni, izmantojot simbolu aizvietošanu un </a:t>
+            </a:r>
+            <a:r>
+              <a:rPr lang="lv-LV" sz="2000" i="1" dirty="0">
+                <a:solidFill>
+                  <a:schemeClr val="tx1">
+                    <a:lumMod val="65000"/>
+                    <a:lumOff val="35000"/>
+                  </a:schemeClr>
+                </a:solidFill>
+                <a:latin typeface="Arial"/>
+                <a:ea typeface="Arial"/>
+                <a:cs typeface="Arial"/>
+                <a:sym typeface="Arial"/>
+              </a:rPr>
+              <a:t>*FST pareizas galotnes iegūšanai</a:t>
             </a:r>
             <a:r>
               <a:rPr lang="lv-LV" sz="2000" dirty="0">
                 <a:latin typeface="Arial"/>
-                <a:cs typeface="Arial"/>
-                <a:sym typeface="Arial"/>
-              </a:rPr>
-              <a:t> - </a:t>
-            </a:r>
-          </a:p>
-          <a:p>
-            <a:pPr marL="812800" lvl="1" indent="-355600">
-              <a:spcBef>
-                <a:spcPts val="0"/>
-              </a:spcBef>
-              <a:buClr>
-                <a:srgbClr val="1B5089"/>
-              </a:buClr>
-              <a:buSzPts val="2880"/>
-              <a:buFont typeface="Noto Sans Symbols"/>
-              <a:buChar char="▪"/>
-            </a:pPr>
-            <a:r>
-              <a:rPr lang="lv-LV" sz="2000" dirty="0" err="1">
-                <a:latin typeface="Arial"/>
-                <a:cs typeface="Arial"/>
-                <a:sym typeface="Arial"/>
-              </a:rPr>
-              <a:t>ipapy</a:t>
-            </a:r>
-            <a:r>
-              <a:rPr lang="lv-LV" sz="2000" dirty="0">
-                <a:latin typeface="Arial"/>
-                <a:cs typeface="Arial"/>
-                <a:sym typeface="Arial"/>
-              </a:rPr>
-              <a:t> – </a:t>
-            </a:r>
-          </a:p>
-          <a:p>
-            <a:pPr marL="355600" indent="-355600">
-              <a:spcBef>
-                <a:spcPts val="0"/>
-              </a:spcBef>
-              <a:buClr>
-                <a:srgbClr val="1B5089"/>
-              </a:buClr>
-              <a:buSzPts val="2880"/>
-              <a:buFont typeface="Noto Sans Symbols"/>
-              <a:buChar char="▪"/>
-            </a:pPr>
-            <a:r>
-              <a:rPr lang="lv-LV" sz="2000" dirty="0">
-                <a:latin typeface="Arial"/>
-                <a:ea typeface="Arial"/>
-                <a:cs typeface="Arial"/>
-                <a:sym typeface="Arial"/>
-              </a:rPr>
-              <a:t>Izvēlētās valodas: </a:t>
-            </a:r>
-            <a:r>
-              <a:rPr lang="lv-LV" sz="2000" b="1" dirty="0">
-                <a:latin typeface="Arial"/>
-                <a:ea typeface="Arial"/>
-                <a:cs typeface="Arial"/>
-                <a:sym typeface="Arial"/>
-              </a:rPr>
-              <a:t>Ķīniešu, Franču, Ukraiņu, Japāņu, Vāciešu, Angļu </a:t>
-            </a:r>
-            <a:r>
-              <a:rPr lang="lv-LV" sz="2000" dirty="0">
-                <a:latin typeface="Arial"/>
-                <a:ea typeface="Arial"/>
-                <a:cs typeface="Arial"/>
-                <a:sym typeface="Arial"/>
-              </a:rPr>
-              <a:t>(lielas, atšķirīgas un daļēji aprakstītas Latvijas likumā).</a:t>
-            </a:r>
+                <a:ea typeface="Arial"/>
+                <a:cs typeface="Arial"/>
+                <a:sym typeface="Arial"/>
+              </a:rPr>
+              <a:t>.</a:t>
+            </a:r>
+            <a:endParaRPr lang="lv-LV" dirty="0"/>
           </a:p>
           <a:p>
             <a:pPr marL="355600" lvl="0" indent="-355600" algn="l" rtl="0">
@@ -7868,17 +7727,17 @@
               <a:buChar char="▪"/>
             </a:pPr>
             <a:r>
-              <a:rPr lang="lv-LV" sz="2000" dirty="0">
-                <a:latin typeface="Arial"/>
-                <a:ea typeface="Arial"/>
-                <a:cs typeface="Arial"/>
-                <a:sym typeface="Arial"/>
-              </a:rPr>
-              <a:t>Divdaļīga sistēma</a:t>
-            </a:r>
-          </a:p>
-          <a:p>
-            <a:pPr marL="812800" lvl="1" indent="-355600" algn="l" rtl="0">
+              <a:rPr lang="lv-LV" sz="2400" dirty="0">
+                <a:latin typeface="Arial"/>
+                <a:ea typeface="Arial"/>
+                <a:cs typeface="Arial"/>
+                <a:sym typeface="Arial"/>
+              </a:rPr>
+              <a:t>Jāizveido standarts IPA-latviešu transliterācijai dažādām valodām, balstoties uz eksistējošiem valodas likumiem un autoru informēta viedokļa</a:t>
+            </a:r>
+          </a:p>
+          <a:p>
+            <a:pPr marL="355600" lvl="0" indent="-355600" algn="l" rtl="0">
               <a:lnSpc>
                 <a:spcPct val="90000"/>
               </a:lnSpc>
@@ -7891,162 +7750,20 @@
               <a:buClr>
                 <a:srgbClr val="1B5089"/>
               </a:buClr>
-              <a:buSzPts val="2400"/>
+              <a:buSzPts val="2880"/>
               <a:buFont typeface="Noto Sans Symbols"/>
               <a:buChar char="▪"/>
             </a:pPr>
             <a:r>
-              <a:rPr lang="lv-LV" sz="2000" dirty="0">
-                <a:latin typeface="Arial"/>
-                <a:ea typeface="Arial"/>
-                <a:cs typeface="Arial"/>
-                <a:sym typeface="Arial"/>
-              </a:rPr>
-              <a:t>Pirmā daļa iegūst lietotāja ievadi, meklē atbilstošo šķirkli angļu </a:t>
-            </a:r>
-            <a:r>
-              <a:rPr lang="lv-LV" sz="2000" dirty="0" err="1">
-                <a:latin typeface="Arial"/>
-                <a:ea typeface="Arial"/>
-                <a:cs typeface="Arial"/>
-                <a:sym typeface="Arial"/>
-              </a:rPr>
-              <a:t>Vikipēdijā</a:t>
-            </a:r>
-            <a:r>
-              <a:rPr lang="lv-LV" sz="2000" dirty="0">
-                <a:latin typeface="Arial"/>
-                <a:ea typeface="Arial"/>
-                <a:cs typeface="Arial"/>
-                <a:sym typeface="Arial"/>
-              </a:rPr>
-              <a:t>, un ar </a:t>
-            </a:r>
-            <a:r>
-              <a:rPr lang="lv-LV" sz="2000" dirty="0" err="1">
-                <a:latin typeface="Arial"/>
-                <a:ea typeface="Arial"/>
-                <a:cs typeface="Arial"/>
-                <a:sym typeface="Arial"/>
-              </a:rPr>
-              <a:t>web</a:t>
-            </a:r>
-            <a:r>
-              <a:rPr lang="lv-LV" sz="2000" dirty="0">
-                <a:latin typeface="Arial"/>
-                <a:ea typeface="Arial"/>
-                <a:cs typeface="Arial"/>
-                <a:sym typeface="Arial"/>
-              </a:rPr>
-              <a:t> </a:t>
-            </a:r>
-            <a:r>
-              <a:rPr lang="lv-LV" sz="2000" dirty="0" err="1">
-                <a:latin typeface="Arial"/>
-                <a:ea typeface="Arial"/>
-                <a:cs typeface="Arial"/>
-                <a:sym typeface="Arial"/>
-              </a:rPr>
-              <a:t>scraping</a:t>
-            </a:r>
-            <a:r>
-              <a:rPr lang="lv-LV" sz="2000" dirty="0">
-                <a:latin typeface="Arial"/>
-                <a:ea typeface="Arial"/>
-                <a:cs typeface="Arial"/>
-                <a:sym typeface="Arial"/>
-              </a:rPr>
-              <a:t> un </a:t>
-            </a:r>
-            <a:r>
-              <a:rPr lang="lv-LV" sz="2000" dirty="0" err="1">
-                <a:latin typeface="Arial"/>
-                <a:ea typeface="Arial"/>
-                <a:cs typeface="Arial"/>
-                <a:sym typeface="Arial"/>
-              </a:rPr>
-              <a:t>regex</a:t>
-            </a:r>
-            <a:r>
-              <a:rPr lang="lv-LV" sz="2000" dirty="0">
-                <a:latin typeface="Arial"/>
-                <a:ea typeface="Arial"/>
-                <a:cs typeface="Arial"/>
-                <a:sym typeface="Arial"/>
-              </a:rPr>
-              <a:t> palīdzību iegūst IPA no šķirkļa </a:t>
-            </a:r>
-            <a:r>
-              <a:rPr lang="lv-LV" sz="2000" i="1" dirty="0" err="1">
-                <a:latin typeface="Arial"/>
-                <a:ea typeface="Arial"/>
-                <a:cs typeface="Arial"/>
-                <a:sym typeface="Arial"/>
-              </a:rPr>
-              <a:t>Unicode</a:t>
-            </a:r>
-            <a:r>
-              <a:rPr lang="lv-LV" sz="2000" dirty="0">
-                <a:latin typeface="Arial"/>
-                <a:ea typeface="Arial"/>
-                <a:cs typeface="Arial"/>
-                <a:sym typeface="Arial"/>
-              </a:rPr>
-              <a:t> simbolu virknes formātā.</a:t>
-            </a:r>
-            <a:endParaRPr lang="lv-LV" sz="2000" dirty="0"/>
-          </a:p>
-          <a:p>
-            <a:pPr marL="812800" lvl="1" indent="-355600" algn="l" rtl="0">
-              <a:lnSpc>
-                <a:spcPct val="90000"/>
-              </a:lnSpc>
-              <a:spcBef>
-                <a:spcPts val="1200"/>
-              </a:spcBef>
-              <a:spcAft>
-                <a:spcPts val="0"/>
-              </a:spcAft>
-              <a:buClr>
-                <a:srgbClr val="1B5089"/>
-              </a:buClr>
-              <a:buSzPts val="2400"/>
-              <a:buFont typeface="Noto Sans Symbols"/>
-              <a:buChar char="▪"/>
-            </a:pPr>
-            <a:r>
-              <a:rPr lang="lv-LV" sz="2000" dirty="0">
-                <a:latin typeface="Arial"/>
-                <a:ea typeface="Arial"/>
-                <a:cs typeface="Arial"/>
-                <a:sym typeface="Arial"/>
-              </a:rPr>
-              <a:t>Otrā daļa pārvērš IPA virkni latviešu valodā ar atbilstošo dzimtes galotni, pielietojot simbolu aizvietošanu, kas izmanto JSON kolekcijas, kuras satur IPA-latviešu transliterāciju (balstīta uz eksistējošiem valodas likumiem un autoru informēta viedokļa).</a:t>
-            </a:r>
-          </a:p>
-          <a:p>
-            <a:pPr marL="0" lvl="0" indent="0" algn="l" rtl="0">
-              <a:lnSpc>
-                <a:spcPct val="90000"/>
-              </a:lnSpc>
-              <a:spcBef>
-                <a:spcPts val="1000"/>
-              </a:spcBef>
-              <a:spcAft>
-                <a:spcPts val="0"/>
-              </a:spcAft>
-              <a:buClr>
-                <a:schemeClr val="dk1"/>
-              </a:buClr>
-              <a:buSzPts val="2400"/>
-              <a:buNone/>
-            </a:pPr>
-            <a:endParaRPr lang="lv-LV" sz="2000" dirty="0">
-              <a:latin typeface="Arial"/>
-              <a:ea typeface="Arial"/>
-              <a:cs typeface="Arial"/>
-              <a:sym typeface="Arial"/>
-            </a:endParaRPr>
+              <a:rPr lang="lv-LV" sz="2400" dirty="0">
+                <a:latin typeface="Arial"/>
+                <a:ea typeface="Arial"/>
+                <a:cs typeface="Arial"/>
+                <a:sym typeface="Arial"/>
+              </a:rPr>
+              <a:t>Zināmi ierobežojumi – sistēma nespēs radīt pareizu transkripciju vēsturiski pieņemtiem nosaukumiem (piem. Parīze), kā arī varētu atšķirties no jau eksistējošām transkripcijām (piem. Fudzijama).</a:t>
+            </a:r>
+            <a:endParaRPr lang="lv-LV" dirty="0"/>
           </a:p>
         </p:txBody>
       </p:sp>
@@ -8168,6 +7885,30 @@
               <a:buNone/>
             </a:pPr>
             <a:r>
+              <a:rPr lang="en-US" dirty="0" err="1">
+                <a:solidFill>
+                  <a:srgbClr val="1B5089"/>
+                </a:solidFill>
+                <a:latin typeface="Arial"/>
+                <a:ea typeface="Arial"/>
+                <a:cs typeface="Arial"/>
+                <a:sym typeface="Arial"/>
+              </a:rPr>
+              <a:t>Darba</a:t>
+            </a:r>
+            <a:r>
+              <a:rPr lang="en-US" dirty="0">
+                <a:solidFill>
+                  <a:srgbClr val="1B5089"/>
+                </a:solidFill>
+                <a:latin typeface="Arial"/>
+                <a:ea typeface="Arial"/>
+                <a:cs typeface="Arial"/>
+                <a:sym typeface="Arial"/>
+              </a:rPr>
+              <a:t> </a:t>
+            </a:r>
+            <a:r>
               <a:rPr lang="lv-LV" dirty="0">
                 <a:solidFill>
                   <a:srgbClr val="1B5089"/>
@@ -8177,7 +7918,7 @@
                 <a:cs typeface="Arial"/>
                 <a:sym typeface="Arial"/>
               </a:rPr>
-              <a:t>Sastaptie ierobežojumi un sarežģījumi</a:t>
+              <a:t>izstrāde</a:t>
             </a:r>
             <a:endParaRPr dirty="0">
               <a:solidFill>
@@ -8203,8 +7944,8 @@
         </p:nvSpPr>
         <p:spPr>
           <a:xfrm>
-            <a:off x="418011" y="1296725"/>
-            <a:ext cx="11618971" cy="4684975"/>
+            <a:off x="418011" y="1404730"/>
+            <a:ext cx="11618971" cy="4264549"/>
           </a:xfrm>
           <a:prstGeom prst="rect">
             <a:avLst/>
@@ -8225,7 +7966,7 @@
                 <a:spcPct val="90000"/>
               </a:lnSpc>
               <a:spcBef>
-                <a:spcPts val="1200"/>
+                <a:spcPts val="0"/>
               </a:spcBef>
               <a:spcAft>
                 <a:spcPts val="0"/>
@@ -8244,8 +7985,23 @@
                 <a:cs typeface="Arial"/>
                 <a:sym typeface="Arial"/>
               </a:rPr>
-              <a:t>Sistēma nespēj radīt pareizu transkripciju vēsturiski pieņemtiem nosaukumiem (piem. Parīze), kā arī vietām atšķiras no eksistējošām transkripcijām (piem. Fudzijama).</a:t>
-            </a:r>
+              <a:t>Programmēšanas valoda – </a:t>
+            </a:r>
+            <a:r>
+              <a:rPr lang="lv-LV" sz="2000" dirty="0" err="1">
+                <a:latin typeface="Arial"/>
+                <a:ea typeface="Arial"/>
+                <a:cs typeface="Arial"/>
+                <a:sym typeface="Arial"/>
+              </a:rPr>
+              <a:t>Python</a:t>
+            </a:r>
+            <a:endParaRPr lang="lv-LV" sz="2000" dirty="0">
+              <a:latin typeface="Arial"/>
+              <a:ea typeface="Arial"/>
+              <a:cs typeface="Arial"/>
+              <a:sym typeface="Arial"/>
+            </a:endParaRPr>
           </a:p>
           <a:p>
             <a:pPr marL="355600" lvl="0" indent="-355600" algn="l" rtl="0">
@@ -8265,200 +8021,13 @@
               <a:buFont typeface="Noto Sans Symbols"/>
               <a:buChar char="▪"/>
             </a:pPr>
-            <a:endParaRPr lang="lv-LV" sz="2000" i="1" dirty="0">
-              <a:latin typeface="Arial"/>
-              <a:ea typeface="Arial"/>
-              <a:cs typeface="Arial"/>
-              <a:sym typeface="Arial"/>
-            </a:endParaRPr>
-          </a:p>
-          <a:p>
-            <a:pPr marL="355600" lvl="0" indent="-355600" algn="l" rtl="0">
-              <a:lnSpc>
-                <a:spcPct val="90000"/>
-              </a:lnSpc>
-              <a:spcBef>
-                <a:spcPts val="0"/>
-              </a:spcBef>
-              <a:spcAft>
-                <a:spcPts val="0"/>
-              </a:spcAft>
-              <a:buClr>
-                <a:srgbClr val="1B5089"/>
-              </a:buClr>
-              <a:buSzPts val="2880"/>
-              <a:buFont typeface="Noto Sans Symbols"/>
-              <a:buChar char="▪"/>
-            </a:pPr>
-            <a:r>
-              <a:rPr lang="lv-LV" sz="2000" i="1" dirty="0" err="1">
-                <a:latin typeface="Arial"/>
-                <a:ea typeface="Arial"/>
-                <a:cs typeface="Arial"/>
-                <a:sym typeface="Arial"/>
-              </a:rPr>
-              <a:t>ipapy</a:t>
-            </a:r>
             <a:r>
               <a:rPr lang="lv-LV" sz="2000" dirty="0">
                 <a:latin typeface="Arial"/>
-                <a:ea typeface="Arial"/>
-                <a:cs typeface="Arial"/>
-                <a:sym typeface="Arial"/>
-              </a:rPr>
-              <a:t> koda bibliotēka bija novecojusi un ilgu laiku nebija atjaunināta, kas noveda uz nesaderību ar </a:t>
-            </a:r>
-            <a:r>
-              <a:rPr lang="lv-LV" sz="2000" dirty="0" err="1">
-                <a:latin typeface="Arial"/>
-                <a:ea typeface="Arial"/>
-                <a:cs typeface="Arial"/>
-                <a:sym typeface="Arial"/>
-              </a:rPr>
-              <a:t>Python</a:t>
-            </a:r>
-            <a:r>
-              <a:rPr lang="lv-LV" sz="2000" dirty="0">
-                <a:latin typeface="Arial"/>
-                <a:ea typeface="Arial"/>
-                <a:cs typeface="Arial"/>
-                <a:sym typeface="Arial"/>
-              </a:rPr>
-              <a:t> versijām. Pateicoties </a:t>
-            </a:r>
-            <a:r>
-              <a:rPr lang="lv-LV" sz="2000" i="1" dirty="0" err="1">
-                <a:latin typeface="Arial"/>
-                <a:ea typeface="Arial"/>
-                <a:cs typeface="Arial"/>
-                <a:sym typeface="Arial"/>
-              </a:rPr>
-              <a:t>GitHub</a:t>
-            </a:r>
-            <a:r>
-              <a:rPr lang="lv-LV" sz="2000" i="1" dirty="0">
-                <a:latin typeface="Arial"/>
-                <a:ea typeface="Arial"/>
-                <a:cs typeface="Arial"/>
-                <a:sym typeface="Arial"/>
-              </a:rPr>
-              <a:t> </a:t>
-            </a:r>
-            <a:r>
-              <a:rPr lang="lv-LV" sz="2000" i="1" dirty="0" err="1">
-                <a:latin typeface="Arial"/>
-                <a:ea typeface="Arial"/>
-                <a:cs typeface="Arial"/>
-                <a:sym typeface="Arial"/>
-              </a:rPr>
-              <a:t>issues</a:t>
-            </a:r>
-            <a:r>
-              <a:rPr lang="lv-LV" sz="2000" dirty="0">
-                <a:latin typeface="Arial"/>
-                <a:ea typeface="Arial"/>
-                <a:cs typeface="Arial"/>
-                <a:sym typeface="Arial"/>
-              </a:rPr>
-              <a:t>, atradām atrisinājumu un izvēlējāmies iekļaut koda bibliotēkas pirmkodu pašā projekta repozitorijā (MIT </a:t>
-            </a:r>
-            <a:r>
-              <a:rPr lang="lv-LV" sz="2000" dirty="0" err="1">
-                <a:latin typeface="Arial"/>
-                <a:ea typeface="Arial"/>
-                <a:cs typeface="Arial"/>
-                <a:sym typeface="Arial"/>
-              </a:rPr>
-              <a:t>license</a:t>
-            </a:r>
-            <a:r>
-              <a:rPr lang="lv-LV" sz="2000" dirty="0">
-                <a:latin typeface="Arial"/>
-                <a:ea typeface="Arial"/>
-                <a:cs typeface="Arial"/>
-                <a:sym typeface="Arial"/>
-              </a:rPr>
-              <a:t>).</a:t>
-            </a:r>
-          </a:p>
-          <a:p>
-            <a:pPr marL="355600" lvl="0" indent="-355600" algn="l" rtl="0">
-              <a:lnSpc>
-                <a:spcPct val="90000"/>
-              </a:lnSpc>
-              <a:spcBef>
-                <a:spcPts val="0"/>
-              </a:spcBef>
-              <a:spcAft>
-                <a:spcPts val="0"/>
-              </a:spcAft>
-              <a:buClr>
-                <a:srgbClr val="1B5089"/>
-              </a:buClr>
-              <a:buSzPts val="2880"/>
-              <a:buFont typeface="Noto Sans Symbols"/>
-              <a:buChar char="▪"/>
-            </a:pPr>
-            <a:endParaRPr lang="lv-LV" sz="2000" dirty="0">
-              <a:latin typeface="Arial"/>
-              <a:ea typeface="Arial"/>
-              <a:cs typeface="Arial"/>
-              <a:sym typeface="Arial"/>
-            </a:endParaRPr>
-          </a:p>
-          <a:p>
-            <a:pPr marL="355600" lvl="0" indent="-355600" algn="l" rtl="0">
-              <a:lnSpc>
-                <a:spcPct val="90000"/>
-              </a:lnSpc>
-              <a:spcBef>
-                <a:spcPts val="0"/>
-              </a:spcBef>
-              <a:spcAft>
-                <a:spcPts val="0"/>
-              </a:spcAft>
-              <a:buClr>
-                <a:srgbClr val="1B5089"/>
-              </a:buClr>
-              <a:buSzPts val="2880"/>
-              <a:buFont typeface="Noto Sans Symbols"/>
-              <a:buChar char="▪"/>
-            </a:pPr>
-            <a:r>
-              <a:rPr lang="lv-LV" sz="2000" dirty="0">
-                <a:latin typeface="Arial"/>
-                <a:ea typeface="Arial"/>
-                <a:cs typeface="Arial"/>
-                <a:sym typeface="Arial"/>
-              </a:rPr>
-              <a:t>Bija plānots lietot FST </a:t>
-            </a:r>
-            <a:r>
-              <a:rPr lang="lv-LV" sz="2000" i="1" dirty="0" err="1">
-                <a:latin typeface="Arial"/>
-                <a:ea typeface="Arial"/>
-                <a:cs typeface="Arial"/>
-                <a:sym typeface="Arial"/>
-              </a:rPr>
-              <a:t>hfst</a:t>
-            </a:r>
-            <a:r>
-              <a:rPr lang="lv-LV" sz="2000" i="1" dirty="0">
-                <a:latin typeface="Arial"/>
-                <a:ea typeface="Arial"/>
-                <a:cs typeface="Arial"/>
-                <a:sym typeface="Arial"/>
-              </a:rPr>
-              <a:t> </a:t>
-            </a:r>
-            <a:r>
-              <a:rPr lang="lv-LV" sz="2000" dirty="0">
-                <a:latin typeface="Arial"/>
-                <a:ea typeface="Arial"/>
-                <a:cs typeface="Arial"/>
-                <a:sym typeface="Arial"/>
-              </a:rPr>
-              <a:t>veidā, bet izstrādājot darbu, pārdomājām, jo:</a:t>
+                <a:cs typeface="Arial"/>
+                <a:sym typeface="Arial"/>
+              </a:rPr>
+              <a:t>Izmantotās kodu bibliotēkas:</a:t>
             </a:r>
           </a:p>
           <a:p>
@@ -8474,13 +8043,20 @@
               <a:buChar char="▪"/>
             </a:pPr>
             <a:r>
+              <a:rPr lang="lv-LV" sz="2000" dirty="0" err="1">
+                <a:latin typeface="Arial"/>
+                <a:cs typeface="Arial"/>
+                <a:sym typeface="Arial"/>
+              </a:rPr>
+              <a:t>requests</a:t>
+            </a:r>
+            <a:r>
               <a:rPr lang="lv-LV" sz="2000" dirty="0">
                 <a:latin typeface="Arial"/>
-                <a:ea typeface="Arial"/>
-                <a:cs typeface="Arial"/>
-                <a:sym typeface="Arial"/>
-              </a:rPr>
-              <a:t>šo bibliotēku var izmantot tikai UNIX sistēmās, kuras mums nebija pieejamas,</a:t>
+                <a:cs typeface="Arial"/>
+                <a:sym typeface="Arial"/>
+              </a:rPr>
+              <a:t> –  HTTP pieprasījumu veikšanai,</a:t>
             </a:r>
           </a:p>
           <a:p>
@@ -8498,11 +8074,60 @@
             <a:r>
               <a:rPr lang="lv-LV" sz="2000" dirty="0">
                 <a:latin typeface="Arial"/>
-                <a:ea typeface="Arial"/>
-                <a:cs typeface="Arial"/>
-                <a:sym typeface="Arial"/>
-              </a:rPr>
-              <a:t>sapratām, ka mūsu risinājumam šī bibliotēka un FST kā tāds nebūs tomēr nepieciešams.</a:t>
+                <a:cs typeface="Arial"/>
+                <a:sym typeface="Arial"/>
+              </a:rPr>
+              <a:t>bs4 – HTML pārsēšanai,</a:t>
+            </a:r>
+          </a:p>
+          <a:p>
+            <a:pPr marL="812800" lvl="1" indent="-355600">
+              <a:spcBef>
+                <a:spcPts val="0"/>
+              </a:spcBef>
+              <a:buClr>
+                <a:srgbClr val="1B5089"/>
+              </a:buClr>
+              <a:buSzPts val="2880"/>
+              <a:buFont typeface="Noto Sans Symbols"/>
+              <a:buChar char="▪"/>
+            </a:pPr>
+            <a:r>
+              <a:rPr lang="lv-LV" sz="2000" dirty="0">
+                <a:latin typeface="Arial"/>
+                <a:cs typeface="Arial"/>
+                <a:sym typeface="Arial"/>
+              </a:rPr>
+              <a:t>re – Regulāro izteiksmju izmantošanai,</a:t>
+            </a:r>
+          </a:p>
+          <a:p>
+            <a:pPr marL="812800" lvl="1" indent="-355600">
+              <a:spcBef>
+                <a:spcPts val="0"/>
+              </a:spcBef>
+              <a:buClr>
+                <a:srgbClr val="1B5089"/>
+              </a:buClr>
+              <a:buSzPts val="2880"/>
+              <a:buFont typeface="Noto Sans Symbols"/>
+              <a:buChar char="▪"/>
+            </a:pPr>
+            <a:r>
+              <a:rPr lang="lv-LV" sz="2000" dirty="0" err="1">
+                <a:latin typeface="Arial"/>
+                <a:cs typeface="Arial"/>
+                <a:sym typeface="Arial"/>
+              </a:rPr>
+              <a:t>ipapy</a:t>
+            </a:r>
+            <a:r>
+              <a:rPr lang="lv-LV" sz="2000" dirty="0">
+                <a:latin typeface="Arial"/>
+                <a:cs typeface="Arial"/>
+                <a:sym typeface="Arial"/>
+              </a:rPr>
+              <a:t> – IPA simbolu virkņu apstrādei.</a:t>
             </a:r>
           </a:p>
           <a:p>
@@ -8543,14 +8168,38 @@
                 <a:cs typeface="Arial"/>
                 <a:sym typeface="Arial"/>
               </a:rPr>
-              <a:t>Grūtības atrast pietiekami daudz testa piemērus katrai no izvēlētajām valodām, kas daļēji arī apgrūtināja risinājuma pilnveidošanu.</a:t>
-            </a:r>
-          </a:p>
-          <a:p>
-            <a:pPr marL="355600" indent="-355600">
+              <a:t>Izvēlētās valodas: </a:t>
+            </a:r>
+            <a:r>
+              <a:rPr lang="lv-LV" sz="2000" b="1" dirty="0">
+                <a:latin typeface="Arial"/>
+                <a:ea typeface="Arial"/>
+                <a:cs typeface="Arial"/>
+                <a:sym typeface="Arial"/>
+              </a:rPr>
+              <a:t>Ķīniešu, Franču, Ukraiņu, Japāņu, Vāciešu, Angļu </a:t>
+            </a:r>
+            <a:r>
+              <a:rPr lang="lv-LV" sz="2000" dirty="0">
+                <a:latin typeface="Arial"/>
+                <a:ea typeface="Arial"/>
+                <a:cs typeface="Arial"/>
+                <a:sym typeface="Arial"/>
+              </a:rPr>
+              <a:t>(lielas, atšķirīgas un daļēji aprakstītas Latvijas likumā).</a:t>
+            </a:r>
+          </a:p>
+          <a:p>
+            <a:pPr marL="355600" lvl="0" indent="-355600" algn="l" rtl="0">
+              <a:lnSpc>
+                <a:spcPct val="90000"/>
+              </a:lnSpc>
               <a:spcBef>
-                <a:spcPts val="0"/>
+                <a:spcPts val="1200"/>
               </a:spcBef>
+              <a:spcAft>
+                <a:spcPts val="0"/>
+              </a:spcAft>
               <a:buClr>
                 <a:srgbClr val="1B5089"/>
               </a:buClr>
@@ -8558,25 +8207,6 @@
               <a:buFont typeface="Noto Sans Symbols"/>
               <a:buChar char="▪"/>
             </a:pPr>
-            <a:endParaRPr lang="lv-LV" sz="2000" dirty="0">
-              <a:latin typeface="Arial"/>
-              <a:ea typeface="Arial"/>
-              <a:cs typeface="Arial"/>
-              <a:sym typeface="Arial"/>
-            </a:endParaRPr>
-          </a:p>
-          <a:p>
-            <a:pPr marL="355600" indent="-355600">
-              <a:spcBef>
-                <a:spcPts val="0"/>
-              </a:spcBef>
-              <a:buClr>
-                <a:srgbClr val="1B5089"/>
-              </a:buClr>
-              <a:buSzPts val="2880"/>
-              <a:buFont typeface="Noto Sans Symbols"/>
-              <a:buChar char="▪"/>
-            </a:pPr>
             <a:r>
               <a:rPr lang="lv-LV" sz="2000" dirty="0">
                 <a:latin typeface="Arial"/>
@@ -8584,200 +8214,141 @@
                 <a:cs typeface="Arial"/>
                 <a:sym typeface="Arial"/>
               </a:rPr>
-              <a:t>IPA dati ir atkarīgi </a:t>
-            </a:r>
-            <a:r>
-              <a:rPr lang="lv-LV" sz="2000" dirty="0">
-                <a:highlight>
-                  <a:srgbClr val="FFFF00"/>
-                </a:highlight>
-                <a:latin typeface="Arial"/>
-                <a:ea typeface="Arial"/>
-                <a:cs typeface="Arial"/>
-                <a:sym typeface="Arial"/>
-              </a:rPr>
-              <a:t>no </a:t>
-            </a:r>
-            <a:r>
-              <a:rPr lang="lv-LV" sz="2000" dirty="0" err="1">
-                <a:highlight>
-                  <a:srgbClr val="FFFF00"/>
-                </a:highlight>
-                <a:latin typeface="Arial"/>
-                <a:ea typeface="Arial"/>
-                <a:cs typeface="Arial"/>
-                <a:sym typeface="Arial"/>
-              </a:rPr>
-              <a:t>wiki</a:t>
-            </a:r>
-            <a:r>
-              <a:rPr lang="lv-LV" sz="2000" dirty="0">
-                <a:highlight>
-                  <a:srgbClr val="FFFF00"/>
-                </a:highlight>
-                <a:latin typeface="Arial"/>
-                <a:ea typeface="Arial"/>
-                <a:cs typeface="Arial"/>
-                <a:sym typeface="Arial"/>
-              </a:rPr>
-              <a:t> </a:t>
-            </a:r>
-            <a:r>
-              <a:rPr lang="lv-LV" sz="2000" dirty="0" err="1">
-                <a:highlight>
-                  <a:srgbClr val="FFFF00"/>
-                </a:highlight>
-                <a:latin typeface="Arial"/>
-                <a:ea typeface="Arial"/>
-                <a:cs typeface="Arial"/>
-                <a:sym typeface="Arial"/>
-              </a:rPr>
-              <a:t>article</a:t>
-            </a:r>
-            <a:r>
-              <a:rPr lang="lv-LV" sz="2000" dirty="0">
-                <a:highlight>
-                  <a:srgbClr val="FFFF00"/>
-                </a:highlight>
-                <a:latin typeface="Arial"/>
-                <a:ea typeface="Arial"/>
-                <a:cs typeface="Arial"/>
-                <a:sym typeface="Arial"/>
-              </a:rPr>
-              <a:t> </a:t>
-            </a:r>
-            <a:r>
-              <a:rPr lang="lv-LV" sz="2000" dirty="0" err="1">
-                <a:highlight>
-                  <a:srgbClr val="FFFF00"/>
-                </a:highlight>
-                <a:latin typeface="Arial"/>
-                <a:ea typeface="Arial"/>
-                <a:cs typeface="Arial"/>
-                <a:sym typeface="Arial"/>
-              </a:rPr>
-              <a:t>quality</a:t>
-            </a:r>
-            <a:r>
-              <a:rPr lang="lv-LV" sz="2000" dirty="0">
-                <a:latin typeface="Arial"/>
-                <a:ea typeface="Arial"/>
-                <a:cs typeface="Arial"/>
-                <a:sym typeface="Arial"/>
-              </a:rPr>
-              <a:t>. Ja tie neatbilst realitātei, proti, izrunai vai vārdu sadalījumam, tad arī koda izvade būs neatbilstoša realitātei (</a:t>
-            </a:r>
-            <a:r>
-              <a:rPr lang="lv-LV" sz="2000" i="1" dirty="0" err="1">
-                <a:latin typeface="Arial"/>
-                <a:ea typeface="Arial"/>
-                <a:cs typeface="Arial"/>
-                <a:sym typeface="Arial"/>
-              </a:rPr>
-              <a:t>garbage</a:t>
-            </a:r>
-            <a:r>
-              <a:rPr lang="lv-LV" sz="2000" i="1" dirty="0">
-                <a:latin typeface="Arial"/>
-                <a:ea typeface="Arial"/>
-                <a:cs typeface="Arial"/>
-                <a:sym typeface="Arial"/>
-              </a:rPr>
-              <a:t> </a:t>
-            </a:r>
-            <a:r>
-              <a:rPr lang="lv-LV" sz="2000" i="1" dirty="0" err="1">
-                <a:latin typeface="Arial"/>
-                <a:ea typeface="Arial"/>
-                <a:cs typeface="Arial"/>
-                <a:sym typeface="Arial"/>
-              </a:rPr>
-              <a:t>in</a:t>
-            </a:r>
-            <a:r>
-              <a:rPr lang="lv-LV" sz="2000" i="1" dirty="0">
-                <a:latin typeface="Arial"/>
-                <a:ea typeface="Arial"/>
-                <a:cs typeface="Arial"/>
-                <a:sym typeface="Arial"/>
-              </a:rPr>
-              <a:t>, </a:t>
-            </a:r>
-            <a:r>
-              <a:rPr lang="lv-LV" sz="2000" i="1" dirty="0" err="1">
-                <a:latin typeface="Arial"/>
-                <a:ea typeface="Arial"/>
-                <a:cs typeface="Arial"/>
-                <a:sym typeface="Arial"/>
-              </a:rPr>
-              <a:t>garbage</a:t>
-            </a:r>
-            <a:r>
-              <a:rPr lang="lv-LV" sz="2000" i="1" dirty="0">
-                <a:latin typeface="Arial"/>
-                <a:ea typeface="Arial"/>
-                <a:cs typeface="Arial"/>
-                <a:sym typeface="Arial"/>
-              </a:rPr>
-              <a:t> </a:t>
-            </a:r>
-            <a:r>
-              <a:rPr lang="lv-LV" sz="2000" i="1" dirty="0" err="1">
-                <a:latin typeface="Arial"/>
-                <a:ea typeface="Arial"/>
-                <a:cs typeface="Arial"/>
-                <a:sym typeface="Arial"/>
-              </a:rPr>
-              <a:t>out</a:t>
-            </a:r>
-            <a:r>
-              <a:rPr lang="lv-LV" sz="2000" dirty="0">
-                <a:latin typeface="Arial"/>
-                <a:ea typeface="Arial"/>
-                <a:cs typeface="Arial"/>
-                <a:sym typeface="Arial"/>
-              </a:rPr>
-              <a:t>).</a:t>
-            </a:r>
-            <a:endParaRPr sz="2000" dirty="0">
-              <a:latin typeface="Arial"/>
-              <a:ea typeface="Arial"/>
-              <a:cs typeface="Arial"/>
-              <a:sym typeface="Arial"/>
-            </a:endParaRPr>
-          </a:p>
-          <a:p>
-            <a:pPr marL="0" lvl="0" indent="0" algn="l" rtl="0">
+              <a:t>Divdaļīga sistēma</a:t>
+            </a:r>
+          </a:p>
+          <a:p>
+            <a:pPr marL="812800" lvl="1" indent="-355600" algn="l" rtl="0">
               <a:lnSpc>
                 <a:spcPct val="90000"/>
               </a:lnSpc>
               <a:spcBef>
-                <a:spcPts val="1000"/>
+                <a:spcPts val="1200"/>
               </a:spcBef>
               <a:spcAft>
                 <a:spcPts val="0"/>
               </a:spcAft>
               <a:buClr>
-                <a:schemeClr val="dk1"/>
+                <a:srgbClr val="1B5089"/>
               </a:buClr>
               <a:buSzPts val="2400"/>
-              <a:buNone/>
+              <a:buFont typeface="Noto Sans Symbols"/>
+              <a:buChar char="▪"/>
             </a:pPr>
-            <a:endParaRPr sz="2000" dirty="0">
-              <a:latin typeface="Arial"/>
-              <a:ea typeface="Arial"/>
-              <a:cs typeface="Arial"/>
-              <a:sym typeface="Arial"/>
-            </a:endParaRPr>
+            <a:r>
+              <a:rPr lang="lv-LV" sz="2000" dirty="0">
+                <a:latin typeface="Arial"/>
+                <a:ea typeface="Arial"/>
+                <a:cs typeface="Arial"/>
+                <a:sym typeface="Arial"/>
+              </a:rPr>
+              <a:t>Pirmā daļa iegūst lietotāja ievadi, meklē atbilstošo šķirkli angļu </a:t>
+            </a:r>
+            <a:r>
+              <a:rPr lang="lv-LV" sz="2000" dirty="0" err="1">
+                <a:latin typeface="Arial"/>
+                <a:ea typeface="Arial"/>
+                <a:cs typeface="Arial"/>
+                <a:sym typeface="Arial"/>
+              </a:rPr>
+              <a:t>Vikipēdijā</a:t>
+            </a:r>
+            <a:r>
+              <a:rPr lang="lv-LV" sz="2000" dirty="0">
+                <a:latin typeface="Arial"/>
+                <a:ea typeface="Arial"/>
+                <a:cs typeface="Arial"/>
+                <a:sym typeface="Arial"/>
+              </a:rPr>
+              <a:t>, un ar tīmekļa </a:t>
+            </a:r>
+            <a:r>
+              <a:rPr lang="lv-LV" sz="2000" dirty="0" err="1">
+                <a:latin typeface="Arial"/>
+                <a:ea typeface="Arial"/>
+                <a:cs typeface="Arial"/>
+                <a:sym typeface="Arial"/>
+              </a:rPr>
+              <a:t>rasmošanu</a:t>
+            </a:r>
+            <a:r>
+              <a:rPr lang="lv-LV" sz="2000" dirty="0">
+                <a:latin typeface="Arial"/>
+                <a:ea typeface="Arial"/>
+                <a:cs typeface="Arial"/>
+                <a:sym typeface="Arial"/>
+              </a:rPr>
+              <a:t> un </a:t>
+            </a:r>
+            <a:r>
+              <a:rPr lang="lv-LV" sz="2000" i="1" dirty="0" err="1">
+                <a:latin typeface="Arial"/>
+                <a:ea typeface="Arial"/>
+                <a:cs typeface="Arial"/>
+                <a:sym typeface="Arial"/>
+              </a:rPr>
+              <a:t>regex</a:t>
+            </a:r>
+            <a:r>
+              <a:rPr lang="lv-LV" sz="2000" dirty="0">
+                <a:latin typeface="Arial"/>
+                <a:ea typeface="Arial"/>
+                <a:cs typeface="Arial"/>
+                <a:sym typeface="Arial"/>
+              </a:rPr>
+              <a:t> palīdzību no šķirkļa iegūst IPA simbolu virkni </a:t>
+            </a:r>
+            <a:r>
+              <a:rPr lang="lv-LV" sz="2000" i="1" dirty="0" err="1">
+                <a:latin typeface="Arial"/>
+                <a:ea typeface="Arial"/>
+                <a:cs typeface="Arial"/>
+                <a:sym typeface="Arial"/>
+              </a:rPr>
+              <a:t>Unicode</a:t>
+            </a:r>
+            <a:r>
+              <a:rPr lang="lv-LV" sz="2000" dirty="0">
+                <a:latin typeface="Arial"/>
+                <a:ea typeface="Arial"/>
+                <a:cs typeface="Arial"/>
+                <a:sym typeface="Arial"/>
+              </a:rPr>
+              <a:t> formātā.</a:t>
+            </a:r>
+            <a:endParaRPr lang="lv-LV" sz="2000" dirty="0"/>
+          </a:p>
+          <a:p>
+            <a:pPr marL="812800" lvl="1" indent="-355600" algn="l" rtl="0">
+              <a:lnSpc>
+                <a:spcPct val="90000"/>
+              </a:lnSpc>
+              <a:spcBef>
+                <a:spcPts val="1200"/>
+              </a:spcBef>
+              <a:spcAft>
+                <a:spcPts val="0"/>
+              </a:spcAft>
+              <a:buClr>
+                <a:srgbClr val="1B5089"/>
+              </a:buClr>
+              <a:buSzPts val="2400"/>
+              <a:buFont typeface="Noto Sans Symbols"/>
+              <a:buChar char="▪"/>
+            </a:pPr>
+            <a:r>
+              <a:rPr lang="lv-LV" sz="2000" dirty="0">
+                <a:latin typeface="Arial"/>
+                <a:ea typeface="Arial"/>
+                <a:cs typeface="Arial"/>
+                <a:sym typeface="Arial"/>
+              </a:rPr>
+              <a:t>Otrā daļa pārvērš IPA virkni latviešu valodā, pievienojot atbilstošu dzimtes galotni, izmantojot simbolu aizvietošanu. Šis process balstās uz JSON kolekcijām, kas satur IPA-latviešu transliterāciju, pamatojoties uz valodas likumiem un autoru informēta viedokļa.</a:t>
+            </a:r>
           </a:p>
         </p:txBody>
       </p:sp>
     </p:spTree>
-    <p:extLst>
-      <p:ext uri="{BB962C8B-B14F-4D97-AF65-F5344CB8AC3E}">
-        <p14:creationId xmlns:p14="http://schemas.microsoft.com/office/powerpoint/2010/main" val="1623864212"/>
-      </p:ext>
-    </p:extLst>
   </p:cSld>
   <p:clrMapOvr>
     <a:masterClrMapping/>
@@ -8860,7 +8431,7 @@
         </p:nvSpPr>
         <p:spPr>
           <a:xfrm>
-            <a:off x="527736" y="17884"/>
+            <a:off x="418011" y="440937"/>
             <a:ext cx="11399520" cy="1099996"/>
           </a:xfrm>
           <a:prstGeom prst="rect">
@@ -8904,7 +8475,7 @@
                 <a:cs typeface="Arial"/>
                 <a:sym typeface="Arial"/>
               </a:rPr>
-              <a:t>IPA:LV transliterācijas kartes</a:t>
+              <a:t>Sastaptie ierobežojumi un sarežģījumi</a:t>
             </a:r>
             <a:endParaRPr dirty="0">
               <a:solidFill>
@@ -8931,7 +8502,7 @@
         <p:spPr>
           <a:xfrm>
             <a:off x="418011" y="1296725"/>
-            <a:ext cx="11618971" cy="4264549"/>
+            <a:ext cx="11618971" cy="4684975"/>
           </a:xfrm>
           <a:prstGeom prst="rect">
             <a:avLst/>
@@ -8946,6 +8517,461 @@
             <a:noAutofit/>
           </a:bodyPr>
           <a:lstStyle/>
+          <a:p>
+            <a:pPr marL="355600" lvl="0" indent="-355600" algn="l" rtl="0">
+              <a:lnSpc>
+                <a:spcPct val="90000"/>
+              </a:lnSpc>
+              <a:spcBef>
+                <a:spcPts val="1200"/>
+              </a:spcBef>
+              <a:spcAft>
+                <a:spcPts val="0"/>
+              </a:spcAft>
+              <a:buClr>
+                <a:srgbClr val="1B5089"/>
+              </a:buClr>
+              <a:buSzPts val="2880"/>
+              <a:buFont typeface="Noto Sans Symbols"/>
+              <a:buChar char="▪"/>
+            </a:pPr>
+            <a:r>
+              <a:rPr lang="lv-LV" sz="2000" dirty="0">
+                <a:latin typeface="Arial"/>
+                <a:ea typeface="Arial"/>
+                <a:cs typeface="Arial"/>
+                <a:sym typeface="Arial"/>
+              </a:rPr>
+              <a:t>Sistēma nespēj radīt pareizu transkripciju vēsturiski pieņemtiem nosaukumiem (piem. Parīze), kā arī dažos gadījumos atšķiras no eksistējošām transkripcijām (piem. Fudzijama).</a:t>
+            </a:r>
+          </a:p>
+          <a:p>
+            <a:pPr marL="355600" lvl="0" indent="-355600" algn="l" rtl="0">
+              <a:lnSpc>
+                <a:spcPct val="90000"/>
+              </a:lnSpc>
+              <a:spcBef>
+                <a:spcPts val="0"/>
+              </a:spcBef>
+              <a:spcAft>
+                <a:spcPts val="0"/>
+              </a:spcAft>
+              <a:buClr>
+                <a:srgbClr val="1B5089"/>
+              </a:buClr>
+              <a:buSzPts val="2880"/>
+              <a:buFont typeface="Noto Sans Symbols"/>
+              <a:buChar char="▪"/>
+            </a:pPr>
+            <a:endParaRPr lang="lv-LV" sz="2000" i="1" dirty="0">
+              <a:latin typeface="Arial"/>
+              <a:ea typeface="Arial"/>
+              <a:cs typeface="Arial"/>
+              <a:sym typeface="Arial"/>
+            </a:endParaRPr>
+          </a:p>
+          <a:p>
+            <a:pPr marL="355600" lvl="0" indent="-355600" algn="l" rtl="0">
+              <a:lnSpc>
+                <a:spcPct val="90000"/>
+              </a:lnSpc>
+              <a:spcBef>
+                <a:spcPts val="0"/>
+              </a:spcBef>
+              <a:spcAft>
+                <a:spcPts val="0"/>
+              </a:spcAft>
+              <a:buClr>
+                <a:srgbClr val="1B5089"/>
+              </a:buClr>
+              <a:buSzPts val="2880"/>
+              <a:buFont typeface="Noto Sans Symbols"/>
+              <a:buChar char="▪"/>
+            </a:pPr>
+            <a:r>
+              <a:rPr lang="lv-LV" sz="2000" i="1" dirty="0" err="1">
+                <a:latin typeface="Arial"/>
+                <a:ea typeface="Arial"/>
+                <a:cs typeface="Arial"/>
+                <a:sym typeface="Arial"/>
+              </a:rPr>
+              <a:t>ipapy</a:t>
+            </a:r>
+            <a:r>
+              <a:rPr lang="lv-LV" sz="2000" dirty="0">
+                <a:latin typeface="Arial"/>
+                <a:ea typeface="Arial"/>
+                <a:cs typeface="Arial"/>
+                <a:sym typeface="Arial"/>
+              </a:rPr>
+              <a:t> koda bibliotēka ir novecojusi un ilgu laiku netika atjaunināta, kas izraisīja nesaderību ar jaunākām </a:t>
+            </a:r>
+            <a:r>
+              <a:rPr lang="lv-LV" sz="2000" dirty="0" err="1">
+                <a:latin typeface="Arial"/>
+                <a:ea typeface="Arial"/>
+                <a:cs typeface="Arial"/>
+                <a:sym typeface="Arial"/>
+              </a:rPr>
+              <a:t>Python</a:t>
+            </a:r>
+            <a:r>
+              <a:rPr lang="lv-LV" sz="2000" dirty="0">
+                <a:latin typeface="Arial"/>
+                <a:ea typeface="Arial"/>
+                <a:cs typeface="Arial"/>
+                <a:sym typeface="Arial"/>
+              </a:rPr>
+              <a:t> versijām. Pateicoties </a:t>
+            </a:r>
+            <a:r>
+              <a:rPr lang="lv-LV" sz="2000" i="1" dirty="0" err="1">
+                <a:latin typeface="Arial"/>
+                <a:ea typeface="Arial"/>
+                <a:cs typeface="Arial"/>
+                <a:sym typeface="Arial"/>
+              </a:rPr>
+              <a:t>GitHub</a:t>
+            </a:r>
+            <a:r>
+              <a:rPr lang="lv-LV" sz="2000" i="1" dirty="0">
+                <a:latin typeface="Arial"/>
+                <a:ea typeface="Arial"/>
+                <a:cs typeface="Arial"/>
+                <a:sym typeface="Arial"/>
+              </a:rPr>
+              <a:t> </a:t>
+            </a:r>
+            <a:r>
+              <a:rPr lang="lv-LV" sz="2000" i="1" dirty="0" err="1">
+                <a:latin typeface="Arial"/>
+                <a:ea typeface="Arial"/>
+                <a:cs typeface="Arial"/>
+                <a:sym typeface="Arial"/>
+              </a:rPr>
+              <a:t>issues</a:t>
+            </a:r>
+            <a:r>
+              <a:rPr lang="lv-LV" sz="2000" dirty="0">
+                <a:latin typeface="Arial"/>
+                <a:ea typeface="Arial"/>
+                <a:cs typeface="Arial"/>
+                <a:sym typeface="Arial"/>
+              </a:rPr>
+              <a:t>, atradām risinājumu un nolēmām iekļaut koda bibliotēkas pirmkodu pašā projekta repozitorijā (MIT </a:t>
+            </a:r>
+            <a:r>
+              <a:rPr lang="lv-LV" sz="2000" dirty="0" err="1">
+                <a:latin typeface="Arial"/>
+                <a:ea typeface="Arial"/>
+                <a:cs typeface="Arial"/>
+                <a:sym typeface="Arial"/>
+              </a:rPr>
+              <a:t>license</a:t>
+            </a:r>
+            <a:r>
+              <a:rPr lang="lv-LV" sz="2000" dirty="0">
+                <a:latin typeface="Arial"/>
+                <a:ea typeface="Arial"/>
+                <a:cs typeface="Arial"/>
+                <a:sym typeface="Arial"/>
+              </a:rPr>
+              <a:t>).</a:t>
+            </a:r>
+          </a:p>
+          <a:p>
+            <a:pPr marL="355600" lvl="0" indent="-355600" algn="l" rtl="0">
+              <a:lnSpc>
+                <a:spcPct val="90000"/>
+              </a:lnSpc>
+              <a:spcBef>
+                <a:spcPts val="0"/>
+              </a:spcBef>
+              <a:spcAft>
+                <a:spcPts val="0"/>
+              </a:spcAft>
+              <a:buClr>
+                <a:srgbClr val="1B5089"/>
+              </a:buClr>
+              <a:buSzPts val="2880"/>
+              <a:buFont typeface="Noto Sans Symbols"/>
+              <a:buChar char="▪"/>
+            </a:pPr>
+            <a:endParaRPr lang="lv-LV" sz="2000" dirty="0">
+              <a:latin typeface="Arial"/>
+              <a:ea typeface="Arial"/>
+              <a:cs typeface="Arial"/>
+              <a:sym typeface="Arial"/>
+            </a:endParaRPr>
+          </a:p>
+          <a:p>
+            <a:pPr marL="355600" lvl="0" indent="-355600" algn="l" rtl="0">
+              <a:lnSpc>
+                <a:spcPct val="90000"/>
+              </a:lnSpc>
+              <a:spcBef>
+                <a:spcPts val="0"/>
+              </a:spcBef>
+              <a:spcAft>
+                <a:spcPts val="0"/>
+              </a:spcAft>
+              <a:buClr>
+                <a:srgbClr val="1B5089"/>
+              </a:buClr>
+              <a:buSzPts val="2880"/>
+              <a:buFont typeface="Noto Sans Symbols"/>
+              <a:buChar char="▪"/>
+            </a:pPr>
+            <a:r>
+              <a:rPr lang="lv-LV" sz="2000" dirty="0">
+                <a:latin typeface="Arial"/>
+                <a:ea typeface="Arial"/>
+                <a:cs typeface="Arial"/>
+                <a:sym typeface="Arial"/>
+              </a:rPr>
+              <a:t>Bija plānots lietot FST caur </a:t>
+            </a:r>
+            <a:r>
+              <a:rPr lang="lv-LV" sz="2000" i="1" dirty="0" err="1">
+                <a:latin typeface="Arial"/>
+                <a:ea typeface="Arial"/>
+                <a:cs typeface="Arial"/>
+                <a:sym typeface="Arial"/>
+              </a:rPr>
+              <a:t>hfst</a:t>
+            </a:r>
+            <a:r>
+              <a:rPr lang="lv-LV" sz="2000" dirty="0">
+                <a:latin typeface="Arial"/>
+                <a:ea typeface="Arial"/>
+                <a:cs typeface="Arial"/>
+                <a:sym typeface="Arial"/>
+              </a:rPr>
+              <a:t>, taču izstrādes gaitā pārdomājām, jo:</a:t>
+            </a:r>
+          </a:p>
+          <a:p>
+            <a:pPr marL="812800" lvl="1" indent="-355600">
+              <a:spcBef>
+                <a:spcPts val="0"/>
+              </a:spcBef>
+              <a:buClr>
+                <a:srgbClr val="1B5089"/>
+              </a:buClr>
+              <a:buSzPts val="2880"/>
+              <a:buFont typeface="Noto Sans Symbols"/>
+              <a:buChar char="▪"/>
+            </a:pPr>
+            <a:r>
+              <a:rPr lang="lv-LV" sz="2000" dirty="0">
+                <a:latin typeface="Arial"/>
+                <a:ea typeface="Arial"/>
+                <a:cs typeface="Arial"/>
+                <a:sym typeface="Arial"/>
+              </a:rPr>
+              <a:t>šo bibliotēku var izmantot tikai UNIX sistēmās, kuras mums nebija pieejamas,</a:t>
+            </a:r>
+          </a:p>
+          <a:p>
+            <a:pPr marL="812800" lvl="1" indent="-355600">
+              <a:spcBef>
+                <a:spcPts val="0"/>
+              </a:spcBef>
+              <a:buClr>
+                <a:srgbClr val="1B5089"/>
+              </a:buClr>
+              <a:buSzPts val="2880"/>
+              <a:buFont typeface="Noto Sans Symbols"/>
+              <a:buChar char="▪"/>
+            </a:pPr>
+            <a:r>
+              <a:rPr lang="lv-LV" sz="2000" dirty="0">
+                <a:latin typeface="Arial"/>
+                <a:ea typeface="Arial"/>
+                <a:cs typeface="Arial"/>
+                <a:sym typeface="Arial"/>
+              </a:rPr>
+              <a:t>sapratām, ka mūsu risinājumam šī bibliotēka un FST kā tāds nebūs nepieciešami.</a:t>
+            </a:r>
+          </a:p>
+          <a:p>
+            <a:pPr marL="355600" indent="-355600">
+              <a:spcBef>
+                <a:spcPts val="0"/>
+              </a:spcBef>
+              <a:buClr>
+                <a:srgbClr val="1B5089"/>
+              </a:buClr>
+              <a:buSzPts val="2880"/>
+              <a:buFont typeface="Noto Sans Symbols"/>
+              <a:buChar char="▪"/>
+            </a:pPr>
+            <a:endParaRPr lang="lv-LV" sz="2000" dirty="0">
+              <a:latin typeface="Arial"/>
+              <a:ea typeface="Arial"/>
+              <a:cs typeface="Arial"/>
+              <a:sym typeface="Arial"/>
+            </a:endParaRPr>
+          </a:p>
+          <a:p>
+            <a:pPr marL="355600" indent="-355600">
+              <a:spcBef>
+                <a:spcPts val="0"/>
+              </a:spcBef>
+              <a:buClr>
+                <a:srgbClr val="1B5089"/>
+              </a:buClr>
+              <a:buSzPts val="2880"/>
+              <a:buFont typeface="Noto Sans Symbols"/>
+              <a:buChar char="▪"/>
+            </a:pPr>
+            <a:r>
+              <a:rPr lang="lv-LV" sz="2000" dirty="0">
+                <a:latin typeface="Arial"/>
+                <a:ea typeface="Arial"/>
+                <a:cs typeface="Arial"/>
+                <a:sym typeface="Arial"/>
+              </a:rPr>
+              <a:t>Grūtības atrast pietiekami daudz testa piemērus katrai no izvēlētajām valodām, kas arī apgrūtināja risinājuma pilnveidošanu.</a:t>
+            </a:r>
+          </a:p>
+          <a:p>
+            <a:pPr marL="355600" indent="-355600">
+              <a:spcBef>
+                <a:spcPts val="0"/>
+              </a:spcBef>
+              <a:buClr>
+                <a:srgbClr val="1B5089"/>
+              </a:buClr>
+              <a:buSzPts val="2880"/>
+              <a:buFont typeface="Noto Sans Symbols"/>
+              <a:buChar char="▪"/>
+            </a:pPr>
+            <a:endParaRPr lang="lv-LV" sz="2000" dirty="0">
+              <a:latin typeface="Arial"/>
+              <a:ea typeface="Arial"/>
+              <a:cs typeface="Arial"/>
+              <a:sym typeface="Arial"/>
+            </a:endParaRPr>
+          </a:p>
+          <a:p>
+            <a:pPr marL="355600" indent="-355600">
+              <a:spcBef>
+                <a:spcPts val="0"/>
+              </a:spcBef>
+              <a:buClr>
+                <a:srgbClr val="1B5089"/>
+              </a:buClr>
+              <a:buSzPts val="2880"/>
+              <a:buFont typeface="Noto Sans Symbols"/>
+              <a:buChar char="▪"/>
+            </a:pPr>
+            <a:r>
+              <a:rPr lang="lv-LV" sz="2000" dirty="0">
+                <a:latin typeface="Arial"/>
+                <a:ea typeface="Arial"/>
+                <a:cs typeface="Arial"/>
+                <a:sym typeface="Arial"/>
+              </a:rPr>
+              <a:t>IPA datu kvalitāte ir ļoti atkarīga no attiecīgā </a:t>
+            </a:r>
+            <a:r>
+              <a:rPr lang="lv-LV" sz="2000" dirty="0" err="1">
+                <a:latin typeface="Arial"/>
+                <a:ea typeface="Arial"/>
+                <a:cs typeface="Arial"/>
+                <a:sym typeface="Arial"/>
+              </a:rPr>
+              <a:t>Vikipēdijas</a:t>
+            </a:r>
+            <a:r>
+              <a:rPr lang="lv-LV" sz="2000" dirty="0">
+                <a:latin typeface="Arial"/>
+                <a:ea typeface="Arial"/>
+                <a:cs typeface="Arial"/>
+                <a:sym typeface="Arial"/>
+              </a:rPr>
+              <a:t> šķirkļa kvalitātes. Ja tie neatbilst realitātei, proti, izrunai vai vārdu sadalījumam, tad arī koda izvade būs neatbilstoša realitātei (</a:t>
+            </a:r>
+            <a:r>
+              <a:rPr lang="lv-LV" sz="2000" i="1" dirty="0" err="1">
+                <a:latin typeface="Arial"/>
+                <a:ea typeface="Arial"/>
+                <a:cs typeface="Arial"/>
+                <a:sym typeface="Arial"/>
+              </a:rPr>
+              <a:t>garbage</a:t>
+            </a:r>
+            <a:r>
+              <a:rPr lang="lv-LV" sz="2000" i="1" dirty="0">
+                <a:latin typeface="Arial"/>
+                <a:ea typeface="Arial"/>
+                <a:cs typeface="Arial"/>
+                <a:sym typeface="Arial"/>
+              </a:rPr>
+              <a:t> </a:t>
+            </a:r>
+            <a:r>
+              <a:rPr lang="lv-LV" sz="2000" i="1" dirty="0" err="1">
+                <a:latin typeface="Arial"/>
+                <a:ea typeface="Arial"/>
+                <a:cs typeface="Arial"/>
+                <a:sym typeface="Arial"/>
+              </a:rPr>
+              <a:t>in</a:t>
+            </a:r>
+            <a:r>
+              <a:rPr lang="lv-LV" sz="2000" i="1" dirty="0">
+                <a:latin typeface="Arial"/>
+                <a:ea typeface="Arial"/>
+                <a:cs typeface="Arial"/>
+                <a:sym typeface="Arial"/>
+              </a:rPr>
+              <a:t>, </a:t>
+            </a:r>
+            <a:r>
+              <a:rPr lang="lv-LV" sz="2000" i="1" dirty="0" err="1">
+                <a:latin typeface="Arial"/>
+                <a:ea typeface="Arial"/>
+                <a:cs typeface="Arial"/>
+                <a:sym typeface="Arial"/>
+              </a:rPr>
+              <a:t>garbage</a:t>
+            </a:r>
+            <a:r>
+              <a:rPr lang="lv-LV" sz="2000" i="1" dirty="0">
+                <a:latin typeface="Arial"/>
+                <a:ea typeface="Arial"/>
+                <a:cs typeface="Arial"/>
+                <a:sym typeface="Arial"/>
+              </a:rPr>
+              <a:t> </a:t>
+            </a:r>
+            <a:r>
+              <a:rPr lang="lv-LV" sz="2000" i="1" dirty="0" err="1">
+                <a:latin typeface="Arial"/>
+                <a:ea typeface="Arial"/>
+                <a:cs typeface="Arial"/>
+                <a:sym typeface="Arial"/>
+              </a:rPr>
+              <a:t>out</a:t>
+            </a:r>
+            <a:r>
+              <a:rPr lang="lv-LV" sz="2000" dirty="0">
+                <a:latin typeface="Arial"/>
+                <a:ea typeface="Arial"/>
+                <a:cs typeface="Arial"/>
+                <a:sym typeface="Arial"/>
+              </a:rPr>
+              <a:t>).</a:t>
+            </a:r>
+            <a:endParaRPr sz="2000" dirty="0">
+              <a:latin typeface="Arial"/>
+              <a:ea typeface="Arial"/>
+              <a:cs typeface="Arial"/>
+              <a:sym typeface="Arial"/>
+            </a:endParaRPr>
+          </a:p>
           <a:p>
             <a:pPr marL="0" lvl="0" indent="0" algn="l" rtl="0">
               <a:lnSpc>
@@ -8963,7 +8989,7 @@
               <a:buSzPts val="2400"/>
               <a:buNone/>
             </a:pPr>
-            <a:endParaRPr sz="2400" dirty="0">
+            <a:endParaRPr sz="2000" dirty="0">
               <a:latin typeface="Arial"/>
               <a:ea typeface="Arial"/>
               <a:cs typeface="Arial"/>
@@ -8972,70 +8998,10 @@
           </a:p>
         </p:txBody>
       </p:sp>
-      <p:pic>
-        <p:nvPicPr>
-          <p:cNvPr id="4" name="Picture 3">
-            <a:extLst>
-              <a:ext uri="{FF2B5EF4-FFF2-40B4-BE49-F238E27FC236}">
-                <a16:creationId xmlns:a16="http://schemas.microsoft.com/office/drawing/2014/main" id="{D639CDDD-A5EF-4D04-9852-B8226CB67C46}"/>
-              </a:ext>
-            </a:extLst>
-          </p:cNvPr>
-          <p:cNvPicPr>
-            <a:picLocks noChangeAspect="1"/>
-          </p:cNvPicPr>
-          <p:nvPr/>
-        </p:nvPicPr>
-        <p:blipFill>
-          <a:blip r:embed="rId3"/>
-          <a:stretch>
-            <a:fillRect/>
-          </a:stretch>
-        </p:blipFill>
-        <p:spPr>
-          <a:xfrm>
-            <a:off x="2584450" y="1052775"/>
-            <a:ext cx="3304618" cy="5204185"/>
-          </a:xfrm>
-          <a:prstGeom prst="rect">
-            <a:avLst/>
-          </a:prstGeom>
-        </p:spPr>
-      </p:pic>
-      <p:pic>
-        <p:nvPicPr>
-          <p:cNvPr id="8" name="Picture 7">
-            <a:extLst>
-              <a:ext uri="{FF2B5EF4-FFF2-40B4-BE49-F238E27FC236}">
-                <a16:creationId xmlns:a16="http://schemas.microsoft.com/office/drawing/2014/main" id="{46A81894-0BA5-4772-8153-AD928D873379}"/>
-              </a:ext>
-            </a:extLst>
-          </p:cNvPr>
-          <p:cNvPicPr>
-            <a:picLocks noChangeAspect="1"/>
-          </p:cNvPicPr>
-          <p:nvPr/>
-        </p:nvPicPr>
-        <p:blipFill>
-          <a:blip r:embed="rId4"/>
-          <a:stretch>
-            <a:fillRect/>
-          </a:stretch>
-        </p:blipFill>
-        <p:spPr>
-          <a:xfrm>
-            <a:off x="6096000" y="1178202"/>
-            <a:ext cx="3177218" cy="5172391"/>
-          </a:xfrm>
-          <a:prstGeom prst="rect">
-            <a:avLst/>
-          </a:prstGeom>
-        </p:spPr>
-      </p:pic>
     </p:spTree>
     <p:extLst>
       <p:ext uri="{BB962C8B-B14F-4D97-AF65-F5344CB8AC3E}">
-        <p14:creationId xmlns:p14="http://schemas.microsoft.com/office/powerpoint/2010/main" val="170610180"/>
+        <p14:creationId xmlns:p14="http://schemas.microsoft.com/office/powerpoint/2010/main" val="1623864212"/>
       </p:ext>
     </p:extLst>
   </p:cSld>
@@ -9120,7 +9086,7 @@
         </p:nvSpPr>
         <p:spPr>
           <a:xfrm>
-            <a:off x="418011" y="196729"/>
+            <a:off x="527736" y="17884"/>
             <a:ext cx="11399520" cy="1099996"/>
           </a:xfrm>
           <a:prstGeom prst="rect">
@@ -9164,7 +9130,7 @@
                 <a:cs typeface="Arial"/>
                 <a:sym typeface="Arial"/>
               </a:rPr>
-              <a:t>Testa dati (franču valodas piemērs)</a:t>
+              <a:t>Vācu-IPA:LV transliterācijas kartes</a:t>
             </a:r>
             <a:endParaRPr dirty="0">
               <a:solidFill>
@@ -9234,10 +9200,10 @@
       </p:sp>
       <p:pic>
         <p:nvPicPr>
-          <p:cNvPr id="7" name="Picture 6">
+          <p:cNvPr id="4" name="Picture 3">
             <a:extLst>
               <a:ext uri="{FF2B5EF4-FFF2-40B4-BE49-F238E27FC236}">
-                <a16:creationId xmlns:a16="http://schemas.microsoft.com/office/drawing/2014/main" id="{EB8E06D3-D9AB-427C-8593-60C0BD632F00}"/>
+                <a16:creationId xmlns:a16="http://schemas.microsoft.com/office/drawing/2014/main" id="{D639CDDD-A5EF-4D04-9852-B8226CB67C46}"/>
               </a:ext>
             </a:extLst>
           </p:cNvPr>
@@ -9254,8 +9220,8 @@
         </p:blipFill>
         <p:spPr>
           <a:xfrm>
-            <a:off x="7381875" y="1439599"/>
-            <a:ext cx="4810125" cy="3838575"/>
+            <a:off x="2584450" y="1052775"/>
+            <a:ext cx="3304618" cy="5204185"/>
           </a:xfrm>
           <a:prstGeom prst="rect">
             <a:avLst/>
@@ -9264,10 +9230,10 @@
       </p:pic>
       <p:pic>
         <p:nvPicPr>
-          <p:cNvPr id="5" name="Picture 4">
+          <p:cNvPr id="8" name="Picture 7">
             <a:extLst>
               <a:ext uri="{FF2B5EF4-FFF2-40B4-BE49-F238E27FC236}">
-                <a16:creationId xmlns:a16="http://schemas.microsoft.com/office/drawing/2014/main" id="{52F01DE8-53F4-4DAB-B456-71F615D59DE7}"/>
+                <a16:creationId xmlns:a16="http://schemas.microsoft.com/office/drawing/2014/main" id="{46A81894-0BA5-4772-8153-AD928D873379}"/>
               </a:ext>
             </a:extLst>
           </p:cNvPr>
@@ -9284,38 +9250,8 @@
         </p:blipFill>
         <p:spPr>
           <a:xfrm>
-            <a:off x="3690938" y="1420549"/>
-            <a:ext cx="4572000" cy="3857625"/>
-          </a:xfrm>
-          <a:prstGeom prst="rect">
-            <a:avLst/>
-          </a:prstGeom>
-        </p:spPr>
-      </p:pic>
-      <p:pic>
-        <p:nvPicPr>
-          <p:cNvPr id="3" name="Picture 2">
-            <a:extLst>
-              <a:ext uri="{FF2B5EF4-FFF2-40B4-BE49-F238E27FC236}">
-                <a16:creationId xmlns:a16="http://schemas.microsoft.com/office/drawing/2014/main" id="{65BC847E-7622-4DE8-BC56-8FC1A7C2E5EA}"/>
-              </a:ext>
-            </a:extLst>
-          </p:cNvPr>
-          <p:cNvPicPr>
-            <a:picLocks noChangeAspect="1"/>
-          </p:cNvPicPr>
-          <p:nvPr/>
-        </p:nvPicPr>
-        <p:blipFill>
-          <a:blip r:embed="rId5"/>
-          <a:stretch>
-            <a:fillRect/>
-          </a:stretch>
-        </p:blipFill>
-        <p:spPr>
-          <a:xfrm>
-            <a:off x="0" y="1213910"/>
-            <a:ext cx="4572000" cy="4105275"/>
+            <a:off x="6096000" y="1178202"/>
+            <a:ext cx="3177218" cy="5172391"/>
           </a:xfrm>
           <a:prstGeom prst="rect">
             <a:avLst/>
@@ -9325,7 +9261,7 @@
     </p:spTree>
     <p:extLst>
       <p:ext uri="{BB962C8B-B14F-4D97-AF65-F5344CB8AC3E}">
-        <p14:creationId xmlns:p14="http://schemas.microsoft.com/office/powerpoint/2010/main" val="2690419840"/>
+        <p14:creationId xmlns:p14="http://schemas.microsoft.com/office/powerpoint/2010/main" val="170610180"/>
       </p:ext>
     </p:extLst>
   </p:cSld>
@@ -9410,7 +9346,7 @@
         </p:nvSpPr>
         <p:spPr>
           <a:xfrm>
-            <a:off x="418011" y="440937"/>
+            <a:off x="418011" y="8824"/>
             <a:ext cx="11399520" cy="1099996"/>
           </a:xfrm>
           <a:prstGeom prst="rect">
@@ -9454,7 +9390,7 @@
                 <a:cs typeface="Arial"/>
                 <a:sym typeface="Arial"/>
               </a:rPr>
-              <a:t>Sasniegumi</a:t>
+              <a:t>Testa dati (franču valodas piemērs)</a:t>
             </a:r>
             <a:endParaRPr dirty="0">
               <a:solidFill>
@@ -9497,95 +9433,125 @@
           </a:bodyPr>
           <a:lstStyle/>
           <a:p>
-            <a:pPr marL="355600" lvl="0" indent="-355600" algn="l" rtl="0">
+            <a:pPr marL="0" lvl="0" indent="0" algn="l" rtl="0">
               <a:lnSpc>
                 <a:spcPct val="90000"/>
               </a:lnSpc>
               <a:spcBef>
-                <a:spcPts val="1200"/>
+                <a:spcPts val="1000"/>
               </a:spcBef>
               <a:spcAft>
                 <a:spcPts val="0"/>
               </a:spcAft>
               <a:buClr>
-                <a:srgbClr val="1B5089"/>
+                <a:schemeClr val="dk1"/>
               </a:buClr>
-              <a:buSzPts val="2880"/>
-              <a:buFont typeface="Noto Sans Symbols"/>
-              <a:buChar char="▪"/>
+              <a:buSzPts val="2400"/>
+              <a:buNone/>
             </a:pPr>
-            <a:r>
-              <a:rPr lang="lv-LV" sz="2400" dirty="0">
-                <a:latin typeface="Arial"/>
-                <a:ea typeface="Arial"/>
-                <a:cs typeface="Arial"/>
-                <a:sym typeface="Arial"/>
-              </a:rPr>
-              <a:t>Sistēma spēj saņemt dažāda veida lietotāja ievades, un </a:t>
-            </a:r>
-          </a:p>
-          <a:p>
-            <a:pPr marL="355600" lvl="0" indent="-355600" algn="l" rtl="0">
-              <a:lnSpc>
-                <a:spcPct val="90000"/>
-              </a:lnSpc>
-              <a:spcBef>
-                <a:spcPts val="1200"/>
-              </a:spcBef>
-              <a:spcAft>
-                <a:spcPts val="0"/>
-              </a:spcAft>
-              <a:buClr>
-                <a:srgbClr val="1B5089"/>
-              </a:buClr>
-              <a:buSzPts val="2880"/>
-              <a:buFont typeface="Noto Sans Symbols"/>
-              <a:buChar char="▪"/>
-            </a:pPr>
-            <a:r>
-              <a:rPr lang="lv-LV" sz="2400" dirty="0">
-                <a:latin typeface="Arial"/>
-                <a:ea typeface="Arial"/>
-                <a:cs typeface="Arial"/>
-                <a:sym typeface="Arial"/>
-              </a:rPr>
-              <a:t>Sistēma spēj no 6 valodu IPA transliterēt uz latviešu valodu ar dažiem izņēmumiem, izmantojot pašdarinātu sistēmu.</a:t>
-            </a:r>
-          </a:p>
-          <a:p>
-            <a:pPr marL="355600" lvl="0" indent="-355600" algn="l" rtl="0">
-              <a:lnSpc>
-                <a:spcPct val="90000"/>
-              </a:lnSpc>
-              <a:spcBef>
-                <a:spcPts val="1200"/>
-              </a:spcBef>
-              <a:spcAft>
-                <a:spcPts val="0"/>
-              </a:spcAft>
-              <a:buClr>
-                <a:srgbClr val="1B5089"/>
-              </a:buClr>
-              <a:buSzPts val="2880"/>
-              <a:buFont typeface="Noto Sans Symbols"/>
-              <a:buChar char="▪"/>
-            </a:pPr>
-            <a:r>
-              <a:rPr lang="lv-LV" sz="2400" dirty="0">
-                <a:latin typeface="Arial"/>
-                <a:ea typeface="Arial"/>
-                <a:cs typeface="Arial"/>
-                <a:sym typeface="Arial"/>
-              </a:rPr>
-              <a:t>Sistēma strādā relatīvi </a:t>
-            </a:r>
-          </a:p>
-        </p:txBody>
-      </p:sp>
+            <a:endParaRPr sz="2400" dirty="0">
+              <a:latin typeface="Arial"/>
+              <a:ea typeface="Arial"/>
+              <a:cs typeface="Arial"/>
+              <a:sym typeface="Arial"/>
+            </a:endParaRPr>
+          </a:p>
+        </p:txBody>
+      </p:sp>
+      <p:pic>
+        <p:nvPicPr>
+          <p:cNvPr id="12" name="Picture 11">
+            <a:extLst>
+              <a:ext uri="{FF2B5EF4-FFF2-40B4-BE49-F238E27FC236}">
+                <a16:creationId xmlns:a16="http://schemas.microsoft.com/office/drawing/2014/main" id="{FE8712F6-2408-4FEA-89B9-57D68E6F774A}"/>
+              </a:ext>
+            </a:extLst>
+          </p:cNvPr>
+          <p:cNvPicPr>
+            <a:picLocks noChangeAspect="1"/>
+          </p:cNvPicPr>
+          <p:nvPr/>
+        </p:nvPicPr>
+        <p:blipFill>
+          <a:blip r:embed="rId3"/>
+          <a:stretch>
+            <a:fillRect/>
+          </a:stretch>
+        </p:blipFill>
+        <p:spPr>
+          <a:xfrm>
+            <a:off x="628463" y="1296725"/>
+            <a:ext cx="3318098" cy="4057278"/>
+          </a:xfrm>
+          <a:prstGeom prst="rect">
+            <a:avLst/>
+          </a:prstGeom>
+        </p:spPr>
+      </p:pic>
+      <p:pic>
+        <p:nvPicPr>
+          <p:cNvPr id="14" name="Picture 13">
+            <a:extLst>
+              <a:ext uri="{FF2B5EF4-FFF2-40B4-BE49-F238E27FC236}">
+                <a16:creationId xmlns:a16="http://schemas.microsoft.com/office/drawing/2014/main" id="{7E5CEAD6-9CF0-4227-981E-8E1DE2C552FC}"/>
+              </a:ext>
+            </a:extLst>
+          </p:cNvPr>
+          <p:cNvPicPr>
+            <a:picLocks noChangeAspect="1"/>
+          </p:cNvPicPr>
+          <p:nvPr/>
+        </p:nvPicPr>
+        <p:blipFill>
+          <a:blip r:embed="rId4"/>
+          <a:stretch>
+            <a:fillRect/>
+          </a:stretch>
+        </p:blipFill>
+        <p:spPr>
+          <a:xfrm>
+            <a:off x="4095004" y="1497095"/>
+            <a:ext cx="3848100" cy="3863807"/>
+          </a:xfrm>
+          <a:prstGeom prst="rect">
+            <a:avLst/>
+          </a:prstGeom>
+        </p:spPr>
+      </p:pic>
+      <p:pic>
+        <p:nvPicPr>
+          <p:cNvPr id="16" name="Picture 15">
+            <a:extLst>
+              <a:ext uri="{FF2B5EF4-FFF2-40B4-BE49-F238E27FC236}">
+                <a16:creationId xmlns:a16="http://schemas.microsoft.com/office/drawing/2014/main" id="{44C19120-2F80-4D30-9527-0DA7A238452D}"/>
+              </a:ext>
+            </a:extLst>
+          </p:cNvPr>
+          <p:cNvPicPr>
+            <a:picLocks noChangeAspect="1"/>
+          </p:cNvPicPr>
+          <p:nvPr/>
+        </p:nvPicPr>
+        <p:blipFill>
+          <a:blip r:embed="rId5"/>
+          <a:stretch>
+            <a:fillRect/>
+          </a:stretch>
+        </p:blipFill>
+        <p:spPr>
+          <a:xfrm>
+            <a:off x="8065993" y="1497348"/>
+            <a:ext cx="3848100" cy="3863554"/>
+          </a:xfrm>
+          <a:prstGeom prst="rect">
+            <a:avLst/>
+          </a:prstGeom>
+        </p:spPr>
+      </p:pic>
     </p:spTree>
     <p:extLst>
       <p:ext uri="{BB962C8B-B14F-4D97-AF65-F5344CB8AC3E}">
-        <p14:creationId xmlns:p14="http://schemas.microsoft.com/office/powerpoint/2010/main" val="2642268531"/>
+        <p14:creationId xmlns:p14="http://schemas.microsoft.com/office/powerpoint/2010/main" val="2690419840"/>
       </p:ext>
     </p:extLst>
   </p:cSld>
@@ -9714,7 +9680,7 @@
                 <a:cs typeface="Arial"/>
                 <a:sym typeface="Arial"/>
               </a:rPr>
-              <a:t>Secinājumi</a:t>
+              <a:t>Sasniegumi</a:t>
             </a:r>
             <a:endParaRPr dirty="0">
               <a:solidFill>
@@ -9775,178 +9741,13 @@
               <a:buChar char="▪"/>
             </a:pPr>
             <a:r>
-              <a:rPr lang="lv-LV" sz="2400" dirty="0">
-                <a:latin typeface="Arial"/>
-                <a:ea typeface="Arial"/>
-                <a:cs typeface="Arial"/>
-                <a:sym typeface="Arial"/>
-              </a:rPr>
-              <a:t>Uzdevums ir tomēr sarežģītāks, nekā bijām iepriekš paredzējuši, bet tik un tā bijām spējīgi izstrādāt risinājumu, kas sasniedz mūsu mērķi – transliterēt no dažādu valodu IPA uz latviešu valodu.</a:t>
-            </a:r>
-          </a:p>
-          <a:p>
-            <a:pPr marL="355600" lvl="0" indent="-355600" algn="l" rtl="0">
-              <a:lnSpc>
-                <a:spcPct val="90000"/>
-              </a:lnSpc>
-              <a:spcBef>
-                <a:spcPts val="1200"/>
-              </a:spcBef>
-              <a:spcAft>
-                <a:spcPts val="0"/>
-              </a:spcAft>
-              <a:buClr>
-                <a:srgbClr val="1B5089"/>
-              </a:buClr>
-              <a:buSzPts val="2880"/>
-              <a:buFont typeface="Noto Sans Symbols"/>
-              <a:buChar char="▪"/>
-            </a:pPr>
-            <a:r>
-              <a:rPr lang="lv-LV" sz="2400" dirty="0" err="1">
-                <a:latin typeface="Arial"/>
-                <a:ea typeface="Arial"/>
-                <a:cs typeface="Arial"/>
-                <a:sym typeface="Arial"/>
-              </a:rPr>
-              <a:t>Vikipēdijas</a:t>
-            </a:r>
-            <a:r>
-              <a:rPr lang="lv-LV" sz="2400" dirty="0">
-                <a:latin typeface="Arial"/>
-                <a:ea typeface="Arial"/>
-                <a:cs typeface="Arial"/>
-                <a:sym typeface="Arial"/>
-              </a:rPr>
-              <a:t> šķirkļos ne vienmēr bija atrodamas IPA virknes (brīžiem pat nepareizas IPA virknes), kā arī bieži vien tās, kuras atradām, nebija tās, kuras aprakstīja lietotāja ievadīto īpašvārdu (piemēram «</a:t>
-            </a:r>
-            <a:r>
-              <a:rPr lang="lv-LV" sz="2400" dirty="0" err="1">
-                <a:latin typeface="Arial"/>
-                <a:ea typeface="Arial"/>
-                <a:cs typeface="Arial"/>
-                <a:sym typeface="Arial"/>
-              </a:rPr>
-              <a:t>berlin</a:t>
-            </a:r>
-            <a:r>
-              <a:rPr lang="lv-LV" sz="2400" dirty="0">
-                <a:latin typeface="Arial"/>
-                <a:ea typeface="Arial"/>
-                <a:cs typeface="Arial"/>
-                <a:sym typeface="Arial"/>
-              </a:rPr>
-              <a:t>»), kas nāk no </a:t>
-            </a:r>
-            <a:r>
-              <a:rPr lang="lv-LV" sz="2400" dirty="0" err="1">
-                <a:latin typeface="Arial"/>
-                <a:ea typeface="Arial"/>
-                <a:cs typeface="Arial"/>
-                <a:sym typeface="Arial"/>
-              </a:rPr>
-              <a:t>Vikipēdijas</a:t>
-            </a:r>
-            <a:r>
-              <a:rPr lang="lv-LV" sz="2400" dirty="0">
-                <a:latin typeface="Arial"/>
-                <a:ea typeface="Arial"/>
-                <a:cs typeface="Arial"/>
-                <a:sym typeface="Arial"/>
-              </a:rPr>
-              <a:t> šķirkļu nepilnības vai īpatnības.</a:t>
-            </a:r>
-          </a:p>
-          <a:p>
-            <a:pPr marL="355600" lvl="0" indent="-355600" algn="l" rtl="0">
-              <a:lnSpc>
-                <a:spcPct val="90000"/>
-              </a:lnSpc>
-              <a:spcBef>
-                <a:spcPts val="1200"/>
-              </a:spcBef>
-              <a:spcAft>
-                <a:spcPts val="0"/>
-              </a:spcAft>
-              <a:buClr>
-                <a:srgbClr val="1B5089"/>
-              </a:buClr>
-              <a:buSzPts val="2880"/>
-              <a:buFont typeface="Noto Sans Symbols"/>
-              <a:buChar char="▪"/>
-            </a:pPr>
-            <a:r>
-              <a:rPr lang="lv-LV" sz="2400" dirty="0">
-                <a:latin typeface="Arial"/>
-                <a:ea typeface="Arial"/>
-                <a:cs typeface="Arial"/>
-                <a:sym typeface="Arial"/>
-              </a:rPr>
-              <a:t>Izmantotajiem instrumentiem arī bija savas nepilnības, piemēram, </a:t>
-            </a:r>
-            <a:r>
-              <a:rPr lang="lv-LV" sz="2400" dirty="0" err="1">
-                <a:latin typeface="Arial"/>
-                <a:ea typeface="Arial"/>
-                <a:cs typeface="Arial"/>
-                <a:sym typeface="Arial"/>
-              </a:rPr>
-              <a:t>ipapy</a:t>
-            </a:r>
-            <a:r>
-              <a:rPr lang="lv-LV" sz="2400" dirty="0">
-                <a:latin typeface="Arial"/>
-                <a:ea typeface="Arial"/>
-                <a:cs typeface="Arial"/>
-                <a:sym typeface="Arial"/>
-              </a:rPr>
-              <a:t> nespēja apstrādāt dažādus IPA simbolus, kuri sekojoši tika izmesti no JSON transliterācijas kartēm vai pārveidoti, lai tie strādātu ar </a:t>
-            </a:r>
-            <a:r>
-              <a:rPr lang="lv-LV" sz="2400" dirty="0" err="1">
-                <a:latin typeface="Arial"/>
-                <a:ea typeface="Arial"/>
-                <a:cs typeface="Arial"/>
-                <a:sym typeface="Arial"/>
-              </a:rPr>
-              <a:t>ipapy</a:t>
-            </a:r>
-            <a:r>
-              <a:rPr lang="lv-LV" sz="2400" dirty="0">
-                <a:latin typeface="Arial"/>
-                <a:ea typeface="Arial"/>
-                <a:cs typeface="Arial"/>
-                <a:sym typeface="Arial"/>
-              </a:rPr>
-              <a:t> funkcijām. </a:t>
-            </a:r>
-          </a:p>
-          <a:p>
-            <a:pPr marL="355600" lvl="0" indent="-355600" algn="l" rtl="0">
-              <a:lnSpc>
-                <a:spcPct val="90000"/>
-              </a:lnSpc>
-              <a:spcBef>
-                <a:spcPts val="1200"/>
-              </a:spcBef>
-              <a:spcAft>
-                <a:spcPts val="0"/>
-              </a:spcAft>
-              <a:buClr>
-                <a:srgbClr val="1B5089"/>
-              </a:buClr>
-              <a:buSzPts val="2880"/>
-              <a:buFont typeface="Noto Sans Symbols"/>
-              <a:buChar char="▪"/>
-            </a:pPr>
-            <a:r>
-              <a:rPr lang="lv-LV" sz="2400" dirty="0">
-                <a:latin typeface="Arial"/>
-                <a:ea typeface="Arial"/>
-                <a:cs typeface="Arial"/>
-                <a:sym typeface="Arial"/>
-              </a:rPr>
-              <a:t>Darbs tika …. Izpildīts norādītajā laikā (40h*2). </a:t>
+              <a:rPr lang="lv-LV" dirty="0">
+                <a:latin typeface="Arial"/>
+                <a:ea typeface="Arial"/>
+                <a:cs typeface="Arial"/>
+                <a:sym typeface="Arial"/>
+              </a:rPr>
+              <a:t>Sistēma pieņem lietotāja ievadi dažādās formās: </a:t>
             </a:r>
           </a:p>
           <a:p>
@@ -9961,19 +9762,245 @@
               <a:buFont typeface="Noto Sans Symbols"/>
               <a:buChar char="▪"/>
             </a:pPr>
-            <a:endParaRPr lang="lv-LV" sz="2000" dirty="0">
-              <a:latin typeface="Arial"/>
-              <a:ea typeface="Arial"/>
-              <a:cs typeface="Arial"/>
-              <a:sym typeface="Arial"/>
-            </a:endParaRPr>
+            <a:r>
+              <a:rPr lang="lv-LV" dirty="0">
+                <a:latin typeface="Arial"/>
+                <a:ea typeface="Arial"/>
+                <a:cs typeface="Arial"/>
+                <a:sym typeface="Arial"/>
+              </a:rPr>
+              <a:t>«</a:t>
+            </a:r>
+            <a:r>
+              <a:rPr lang="lv-LV" dirty="0" err="1">
+                <a:latin typeface="Arial"/>
+                <a:ea typeface="Arial"/>
+                <a:cs typeface="Arial"/>
+                <a:sym typeface="Arial"/>
+              </a:rPr>
+              <a:t>Shinzo_Abe</a:t>
+            </a:r>
+            <a:r>
+              <a:rPr lang="lv-LV" dirty="0">
+                <a:latin typeface="Arial"/>
+                <a:ea typeface="Arial"/>
+                <a:cs typeface="Arial"/>
+                <a:sym typeface="Arial"/>
+              </a:rPr>
+              <a:t>» un «</a:t>
+            </a:r>
+            <a:r>
+              <a:rPr lang="lv-LV" dirty="0" err="1">
+                <a:latin typeface="Arial"/>
+                <a:ea typeface="Arial"/>
+                <a:cs typeface="Arial"/>
+                <a:sym typeface="Arial"/>
+              </a:rPr>
+              <a:t>shinzo</a:t>
+            </a:r>
+            <a:r>
+              <a:rPr lang="lv-LV" dirty="0">
+                <a:latin typeface="Arial"/>
+                <a:ea typeface="Arial"/>
+                <a:cs typeface="Arial"/>
+                <a:sym typeface="Arial"/>
+              </a:rPr>
+              <a:t> </a:t>
+            </a:r>
+            <a:r>
+              <a:rPr lang="lv-LV" dirty="0" err="1">
+                <a:latin typeface="Arial"/>
+                <a:ea typeface="Arial"/>
+                <a:cs typeface="Arial"/>
+                <a:sym typeface="Arial"/>
+              </a:rPr>
+              <a:t>abe</a:t>
+            </a:r>
+            <a:r>
+              <a:rPr lang="lv-LV" dirty="0">
+                <a:latin typeface="Arial"/>
+                <a:ea typeface="Arial"/>
+                <a:cs typeface="Arial"/>
+                <a:sym typeface="Arial"/>
+              </a:rPr>
+              <a:t>» tiks uzskatīti par vienādiem,</a:t>
+            </a:r>
+          </a:p>
+          <a:p>
+            <a:pPr marL="812800" lvl="1" indent="-355600">
+              <a:spcBef>
+                <a:spcPts val="1200"/>
+              </a:spcBef>
+              <a:buClr>
+                <a:srgbClr val="1B5089"/>
+              </a:buClr>
+              <a:buSzPts val="2880"/>
+              <a:buFont typeface="Noto Sans Symbols"/>
+              <a:buChar char="▪"/>
+            </a:pPr>
+            <a:r>
+              <a:rPr lang="lv-LV" dirty="0">
+                <a:latin typeface="Arial"/>
+                <a:ea typeface="Arial"/>
+                <a:cs typeface="Arial"/>
+                <a:sym typeface="Arial"/>
+              </a:rPr>
+              <a:t>Ja tiek ievadīts pilsētas nosaukums un tai netiek atrasts šķirklis vai IPA šķirklī, tad tiek atkal izpildīta </a:t>
+            </a:r>
+            <a:r>
+              <a:rPr lang="lv-LV" dirty="0" err="1">
+                <a:latin typeface="Arial"/>
+                <a:ea typeface="Arial"/>
+                <a:cs typeface="Arial"/>
+                <a:sym typeface="Arial"/>
+              </a:rPr>
+              <a:t>rasmošana</a:t>
+            </a:r>
+            <a:r>
+              <a:rPr lang="lv-LV" dirty="0">
+                <a:latin typeface="Arial"/>
+                <a:ea typeface="Arial"/>
+                <a:cs typeface="Arial"/>
+                <a:sym typeface="Arial"/>
+              </a:rPr>
+              <a:t>, papildinot </a:t>
+            </a:r>
+            <a:r>
+              <a:rPr lang="lv-LV" dirty="0" err="1">
+                <a:latin typeface="Arial"/>
+                <a:ea typeface="Arial"/>
+                <a:cs typeface="Arial"/>
+                <a:sym typeface="Arial"/>
+              </a:rPr>
+              <a:t>url</a:t>
+            </a:r>
+            <a:r>
+              <a:rPr lang="lv-LV" dirty="0">
+                <a:latin typeface="Arial"/>
+                <a:ea typeface="Arial"/>
+                <a:cs typeface="Arial"/>
+                <a:sym typeface="Arial"/>
+              </a:rPr>
+              <a:t> beigas ar «_</a:t>
+            </a:r>
+            <a:r>
+              <a:rPr lang="lv-LV" dirty="0" err="1">
+                <a:latin typeface="Arial"/>
+                <a:ea typeface="Arial"/>
+                <a:cs typeface="Arial"/>
+                <a:sym typeface="Arial"/>
+              </a:rPr>
+              <a:t>City</a:t>
+            </a:r>
+            <a:r>
+              <a:rPr lang="lv-LV" dirty="0">
+                <a:latin typeface="Arial"/>
+                <a:ea typeface="Arial"/>
+                <a:cs typeface="Arial"/>
+                <a:sym typeface="Arial"/>
+              </a:rPr>
+              <a:t>»</a:t>
+            </a:r>
+          </a:p>
+          <a:p>
+            <a:pPr marL="355600" lvl="0" indent="-355600" algn="l" rtl="0">
+              <a:lnSpc>
+                <a:spcPct val="90000"/>
+              </a:lnSpc>
+              <a:spcBef>
+                <a:spcPts val="1200"/>
+              </a:spcBef>
+              <a:spcAft>
+                <a:spcPts val="0"/>
+              </a:spcAft>
+              <a:buClr>
+                <a:srgbClr val="1B5089"/>
+              </a:buClr>
+              <a:buSzPts val="2880"/>
+              <a:buFont typeface="Noto Sans Symbols"/>
+              <a:buChar char="▪"/>
+            </a:pPr>
+            <a:r>
+              <a:rPr lang="lv-LV" dirty="0">
+                <a:latin typeface="Arial"/>
+                <a:ea typeface="Arial"/>
+                <a:cs typeface="Arial"/>
+                <a:sym typeface="Arial"/>
+              </a:rPr>
+              <a:t>Sistēma spēj no 6 valodu IPA transliterēt uz latviešu valodu (ar dažiem izņēmumiem).</a:t>
+            </a:r>
+          </a:p>
+          <a:p>
+            <a:pPr marL="355600" lvl="0" indent="-355600" algn="l" rtl="0">
+              <a:lnSpc>
+                <a:spcPct val="90000"/>
+              </a:lnSpc>
+              <a:spcBef>
+                <a:spcPts val="1200"/>
+              </a:spcBef>
+              <a:spcAft>
+                <a:spcPts val="0"/>
+              </a:spcAft>
+              <a:buClr>
+                <a:srgbClr val="1B5089"/>
+              </a:buClr>
+              <a:buSzPts val="2880"/>
+              <a:buFont typeface="Noto Sans Symbols"/>
+              <a:buChar char="▪"/>
+            </a:pPr>
+            <a:r>
+              <a:rPr lang="lv-LV" dirty="0">
+                <a:latin typeface="Arial"/>
+                <a:ea typeface="Arial"/>
+                <a:cs typeface="Arial"/>
+                <a:sym typeface="Arial"/>
+              </a:rPr>
+              <a:t>Darbs (gan kods, gan transliterācijas kartes) ir publiski pieejams šeit: </a:t>
+            </a:r>
+            <a:r>
+              <a:rPr lang="lv-LV" dirty="0">
+                <a:latin typeface="Arial"/>
+                <a:ea typeface="Arial"/>
+                <a:cs typeface="Arial"/>
+                <a:sym typeface="Arial"/>
+                <a:hlinkClick r:id="rId3"/>
+              </a:rPr>
+              <a:t>https://github.com/Paddlebear/valteh-ipa-translit</a:t>
+            </a:r>
+            <a:r>
+              <a:rPr lang="lv-LV" dirty="0">
+                <a:latin typeface="Arial"/>
+                <a:ea typeface="Arial"/>
+                <a:cs typeface="Arial"/>
+                <a:sym typeface="Arial"/>
+              </a:rPr>
+              <a:t>, un ir palaižams Windows sistēmām, izmantojot </a:t>
+            </a:r>
+            <a:r>
+              <a:rPr lang="lv-LV" dirty="0" err="1">
+                <a:latin typeface="Arial"/>
+                <a:ea typeface="Arial"/>
+                <a:cs typeface="Arial"/>
+                <a:sym typeface="Arial"/>
+              </a:rPr>
+              <a:t>Python</a:t>
+            </a:r>
+            <a:r>
+              <a:rPr lang="lv-LV" dirty="0">
+                <a:latin typeface="Arial"/>
+                <a:ea typeface="Arial"/>
+                <a:cs typeface="Arial"/>
+                <a:sym typeface="Arial"/>
+              </a:rPr>
+              <a:t> 3.12.3 (neesam pārbaudījuši UNIX sistēmas, bet paredzam, ka tām arī strādās).</a:t>
+            </a:r>
           </a:p>
         </p:txBody>
       </p:sp>
     </p:spTree>
     <p:extLst>
       <p:ext uri="{BB962C8B-B14F-4D97-AF65-F5344CB8AC3E}">
-        <p14:creationId xmlns:p14="http://schemas.microsoft.com/office/powerpoint/2010/main" val="2114103468"/>
+        <p14:creationId xmlns:p14="http://schemas.microsoft.com/office/powerpoint/2010/main" val="2642268531"/>
       </p:ext>
     </p:extLst>
   </p:cSld>

--- a/docs/valodasprez_2_ag21201_je21033.pptx
+++ b/docs/valodasprez_2_ag21201_je21033.pptx
@@ -5477,7 +5477,7 @@
                 <a:cs typeface="Arial"/>
                 <a:sym typeface="Arial"/>
               </a:rPr>
-              <a:t>Uzdevums ir tomēr sarežģītāks, nekā bijām iepriekš paredzējuši, bet tik un tā bijām spējīgi izstrādāt risinājumu, kas sasniedz mūsu mērķi – atveidot no dažādu valodu IPA uz latviešu valodu.</a:t>
+              <a:t>Uzdevums ir tomēr sarežģītāks, nekā bijām iepriekš paredzējuši, bet tik un tā bijām spējīgi izstrādāt risinājumu, kas sasniedz mūsu mērķi – atveidot no dažādu valodu IPA uz latviešu valodu, kaut gan risinājums nav ideāls.</a:t>
             </a:r>
           </a:p>
           <a:p>
@@ -6990,69 +6990,90 @@
               <a:buNone/>
             </a:pPr>
             <a:r>
-              <a:rPr lang="lv-LV" sz="2400" dirty="0">
-                <a:latin typeface="Arial"/>
-                <a:ea typeface="Arial"/>
-                <a:cs typeface="Arial"/>
+              <a:rPr lang="lv-LV" sz="2000" dirty="0">
+                <a:latin typeface="Arial" panose="020B0604020202020204" pitchFamily="34" charset="0"/>
+                <a:ea typeface="Arial"/>
+                <a:cs typeface="Arial" panose="020B0604020202020204" pitchFamily="34" charset="0"/>
                 <a:sym typeface="Arial"/>
               </a:rPr>
               <a:t>Eksistē gan angļu-IPA (</a:t>
             </a:r>
             <a:r>
-              <a:rPr lang="lv-LV" sz="2400" i="1" dirty="0">
-                <a:latin typeface="Arial"/>
-                <a:ea typeface="Arial"/>
-                <a:cs typeface="Arial"/>
+              <a:rPr lang="lv-LV" sz="2000" i="1" dirty="0">
+                <a:latin typeface="Arial" panose="020B0604020202020204" pitchFamily="34" charset="0"/>
+                <a:ea typeface="Arial"/>
+                <a:cs typeface="Arial" panose="020B0604020202020204" pitchFamily="34" charset="0"/>
                 <a:sym typeface="Arial"/>
               </a:rPr>
               <a:t>tophonetics.com</a:t>
             </a:r>
             <a:r>
-              <a:rPr lang="lv-LV" sz="2400" dirty="0">
-                <a:latin typeface="Arial"/>
-                <a:ea typeface="Arial"/>
-                <a:cs typeface="Arial"/>
+              <a:rPr lang="lv-LV" sz="2000" dirty="0">
+                <a:latin typeface="Arial" panose="020B0604020202020204" pitchFamily="34" charset="0"/>
+                <a:ea typeface="Arial"/>
+                <a:cs typeface="Arial" panose="020B0604020202020204" pitchFamily="34" charset="0"/>
                 <a:sym typeface="Arial"/>
               </a:rPr>
               <a:t>), gan IPA-angļu (</a:t>
             </a:r>
             <a:r>
-              <a:rPr lang="lv-LV" sz="2400" i="1" dirty="0" err="1">
-                <a:latin typeface="Arial"/>
-                <a:ea typeface="Arial"/>
-                <a:cs typeface="Arial"/>
+              <a:rPr lang="lv-LV" sz="2000" i="1" dirty="0" err="1">
+                <a:latin typeface="Arial" panose="020B0604020202020204" pitchFamily="34" charset="0"/>
+                <a:ea typeface="Arial"/>
+                <a:cs typeface="Arial" panose="020B0604020202020204" pitchFamily="34" charset="0"/>
                 <a:sym typeface="Arial"/>
               </a:rPr>
               <a:t>ipa-reader.xyz</a:t>
             </a:r>
             <a:r>
-              <a:rPr lang="lv-LV" sz="2400" dirty="0">
-                <a:latin typeface="Arial"/>
-                <a:ea typeface="Arial"/>
-                <a:cs typeface="Arial"/>
+              <a:rPr lang="lv-LV" sz="2000" dirty="0">
+                <a:latin typeface="Arial" panose="020B0604020202020204" pitchFamily="34" charset="0"/>
+                <a:ea typeface="Arial"/>
+                <a:cs typeface="Arial" panose="020B0604020202020204" pitchFamily="34" charset="0"/>
+                <a:sym typeface="Arial"/>
+              </a:rPr>
+              <a:t>), gan oriģinālvaloda-IPA (</a:t>
+            </a:r>
+            <a:r>
+              <a:rPr lang="lv-LV" sz="2000" dirty="0" err="1">
+                <a:latin typeface="Arial" panose="020B0604020202020204" pitchFamily="34" charset="0"/>
+                <a:ea typeface="Arial"/>
+                <a:cs typeface="Arial" panose="020B0604020202020204" pitchFamily="34" charset="0"/>
+                <a:sym typeface="Arial"/>
+              </a:rPr>
+              <a:t>epitran</a:t>
+            </a:r>
+            <a:r>
+              <a:rPr lang="lv-LV" sz="2000" dirty="0">
+                <a:latin typeface="Arial" panose="020B0604020202020204" pitchFamily="34" charset="0"/>
+                <a:ea typeface="Arial"/>
+                <a:cs typeface="Arial" panose="020B0604020202020204" pitchFamily="34" charset="0"/>
                 <a:sym typeface="Arial"/>
               </a:rPr>
               <a:t>), kā arī </a:t>
             </a:r>
             <a:r>
-              <a:rPr lang="lv-LV" sz="2400" i="1" dirty="0">
-                <a:latin typeface="Arial"/>
-                <a:ea typeface="Arial"/>
-                <a:cs typeface="Arial"/>
+              <a:rPr lang="lv-LV" sz="2000" i="1" dirty="0">
+                <a:latin typeface="Arial" panose="020B0604020202020204" pitchFamily="34" charset="0"/>
+                <a:ea typeface="Arial"/>
+                <a:cs typeface="Arial" panose="020B0604020202020204" pitchFamily="34" charset="0"/>
                 <a:sym typeface="Arial"/>
               </a:rPr>
               <a:t>personvarduatveide.lv</a:t>
             </a:r>
             <a:r>
-              <a:rPr lang="lv-LV" sz="2400" dirty="0">
-                <a:latin typeface="Arial"/>
-                <a:ea typeface="Arial"/>
-                <a:cs typeface="Arial"/>
+              <a:rPr lang="lv-LV" sz="2000" dirty="0">
+                <a:latin typeface="Arial" panose="020B0604020202020204" pitchFamily="34" charset="0"/>
+                <a:ea typeface="Arial"/>
+                <a:cs typeface="Arial" panose="020B0604020202020204" pitchFamily="34" charset="0"/>
                 <a:sym typeface="Arial"/>
               </a:rPr>
               <a:t> svešvalodu-latviešu personvārdu atveidei.</a:t>
             </a:r>
-            <a:endParaRPr lang="lv-LV" dirty="0"/>
+            <a:endParaRPr lang="lv-LV" sz="2000" dirty="0">
+              <a:latin typeface="Arial" panose="020B0604020202020204" pitchFamily="34" charset="0"/>
+              <a:cs typeface="Arial" panose="020B0604020202020204" pitchFamily="34" charset="0"/>
+            </a:endParaRPr>
           </a:p>
           <a:p>
             <a:pPr marL="0" lvl="0" indent="0" algn="l" rtl="0">
@@ -7072,15 +7093,18 @@
               <a:buNone/>
             </a:pPr>
             <a:r>
-              <a:rPr lang="lv-LV" sz="2400" dirty="0">
-                <a:latin typeface="Arial"/>
-                <a:ea typeface="Arial"/>
-                <a:cs typeface="Arial"/>
+              <a:rPr lang="lv-LV" sz="2000" dirty="0">
+                <a:latin typeface="Arial" panose="020B0604020202020204" pitchFamily="34" charset="0"/>
+                <a:ea typeface="Arial"/>
+                <a:cs typeface="Arial" panose="020B0604020202020204" pitchFamily="34" charset="0"/>
                 <a:sym typeface="Arial"/>
               </a:rPr>
               <a:t>Doto sistēmu ierobežojumi: </a:t>
             </a:r>
-            <a:endParaRPr lang="lv-LV" dirty="0"/>
+            <a:endParaRPr lang="lv-LV" sz="2000" dirty="0">
+              <a:latin typeface="Arial" panose="020B0604020202020204" pitchFamily="34" charset="0"/>
+              <a:cs typeface="Arial" panose="020B0604020202020204" pitchFamily="34" charset="0"/>
+            </a:endParaRPr>
           </a:p>
           <a:p>
             <a:pPr marL="355600" lvl="0" indent="-355600" algn="l" rtl="0">
@@ -7102,23 +7126,26 @@
             </a:pPr>
             <a:r>
               <a:rPr lang="lv-LV" sz="2000" dirty="0" err="1">
-                <a:latin typeface="Arial"/>
-                <a:ea typeface="Arial"/>
-                <a:cs typeface="Arial"/>
+                <a:latin typeface="Arial" panose="020B0604020202020204" pitchFamily="34" charset="0"/>
+                <a:ea typeface="Arial"/>
+                <a:cs typeface="Arial" panose="020B0604020202020204" pitchFamily="34" charset="0"/>
                 <a:sym typeface="Arial"/>
               </a:rPr>
               <a:t>ToPhonetics</a:t>
             </a:r>
             <a:r>
               <a:rPr lang="lv-LV" sz="2000" dirty="0">
-                <a:latin typeface="Arial"/>
-                <a:ea typeface="Arial"/>
-                <a:cs typeface="Arial"/>
+                <a:latin typeface="Arial" panose="020B0604020202020204" pitchFamily="34" charset="0"/>
+                <a:ea typeface="Arial"/>
+                <a:cs typeface="Arial" panose="020B0604020202020204" pitchFamily="34" charset="0"/>
                 <a:sym typeface="Arial"/>
               </a:rPr>
               <a:t> spēj atveidot vārdus tikai angļu kontekstā, tātad pareizā izruna no svešvalodas netiek ņemta vērā.</a:t>
             </a:r>
-            <a:endParaRPr lang="lv-LV" dirty="0"/>
+            <a:endParaRPr lang="lv-LV" sz="2000" dirty="0">
+              <a:latin typeface="Arial" panose="020B0604020202020204" pitchFamily="34" charset="0"/>
+              <a:cs typeface="Arial" panose="020B0604020202020204" pitchFamily="34" charset="0"/>
+            </a:endParaRPr>
           </a:p>
           <a:p>
             <a:pPr marL="355600" lvl="0" indent="-355600" algn="l" rtl="0">
@@ -7140,68 +7167,67 @@
             </a:pPr>
             <a:r>
               <a:rPr lang="lv-LV" sz="2000" dirty="0">
-                <a:latin typeface="Arial"/>
-                <a:ea typeface="Arial"/>
-                <a:cs typeface="Arial"/>
+                <a:latin typeface="Arial" panose="020B0604020202020204" pitchFamily="34" charset="0"/>
+                <a:ea typeface="Arial"/>
+                <a:cs typeface="Arial" panose="020B0604020202020204" pitchFamily="34" charset="0"/>
                 <a:sym typeface="Arial"/>
               </a:rPr>
               <a:t>IPA </a:t>
             </a:r>
             <a:r>
               <a:rPr lang="lv-LV" sz="2000" dirty="0" err="1">
-                <a:latin typeface="Arial"/>
-                <a:ea typeface="Arial"/>
-                <a:cs typeface="Arial"/>
+                <a:latin typeface="Arial" panose="020B0604020202020204" pitchFamily="34" charset="0"/>
+                <a:ea typeface="Arial"/>
+                <a:cs typeface="Arial" panose="020B0604020202020204" pitchFamily="34" charset="0"/>
                 <a:sym typeface="Arial"/>
               </a:rPr>
               <a:t>Reader</a:t>
             </a:r>
             <a:r>
               <a:rPr lang="lv-LV" sz="2000" dirty="0">
-                <a:latin typeface="Arial"/>
-                <a:ea typeface="Arial"/>
-                <a:cs typeface="Arial"/>
+                <a:latin typeface="Arial" panose="020B0604020202020204" pitchFamily="34" charset="0"/>
+                <a:ea typeface="Arial"/>
+                <a:cs typeface="Arial" panose="020B0604020202020204" pitchFamily="34" charset="0"/>
                 <a:sym typeface="Arial"/>
               </a:rPr>
               <a:t> ir TTS (</a:t>
             </a:r>
             <a:r>
               <a:rPr lang="lv-LV" sz="2000" dirty="0" err="1">
-                <a:latin typeface="Arial"/>
-                <a:ea typeface="Arial"/>
-                <a:cs typeface="Arial"/>
+                <a:latin typeface="Arial" panose="020B0604020202020204" pitchFamily="34" charset="0"/>
+                <a:ea typeface="Arial"/>
+                <a:cs typeface="Arial" panose="020B0604020202020204" pitchFamily="34" charset="0"/>
                 <a:sym typeface="Arial"/>
               </a:rPr>
               <a:t>text</a:t>
             </a:r>
             <a:r>
               <a:rPr lang="lv-LV" sz="2000" dirty="0">
-                <a:latin typeface="Arial"/>
-                <a:ea typeface="Arial"/>
-                <a:cs typeface="Arial"/>
+                <a:latin typeface="Arial" panose="020B0604020202020204" pitchFamily="34" charset="0"/>
+                <a:ea typeface="Arial"/>
+                <a:cs typeface="Arial" panose="020B0604020202020204" pitchFamily="34" charset="0"/>
                 <a:sym typeface="Arial"/>
               </a:rPr>
               <a:t>-to-</a:t>
             </a:r>
             <a:r>
               <a:rPr lang="lv-LV" sz="2000" dirty="0" err="1">
-                <a:latin typeface="Arial"/>
-                <a:ea typeface="Arial"/>
-                <a:cs typeface="Arial"/>
+                <a:latin typeface="Arial" panose="020B0604020202020204" pitchFamily="34" charset="0"/>
+                <a:ea typeface="Arial"/>
+                <a:cs typeface="Arial" panose="020B0604020202020204" pitchFamily="34" charset="0"/>
                 <a:sym typeface="Arial"/>
               </a:rPr>
               <a:t>speech</a:t>
             </a:r>
             <a:r>
               <a:rPr lang="lv-LV" sz="2000" dirty="0">
-                <a:latin typeface="Arial"/>
-                <a:ea typeface="Arial"/>
-                <a:cs typeface="Arial"/>
+                <a:latin typeface="Arial" panose="020B0604020202020204" pitchFamily="34" charset="0"/>
+                <a:ea typeface="Arial"/>
+                <a:cs typeface="Arial" panose="020B0604020202020204" pitchFamily="34" charset="0"/>
                 <a:sym typeface="Arial"/>
               </a:rPr>
               <a:t>) programma, un neizdod doto vārdu angļu ortogrāfijā.</a:t>
             </a:r>
-            <a:endParaRPr lang="lv-LV" dirty="0"/>
           </a:p>
           <a:p>
             <a:pPr marL="355600" lvl="0" indent="-355600" algn="l" rtl="0">
@@ -7223,23 +7249,59 @@
             </a:pPr>
             <a:r>
               <a:rPr lang="lv-LV" sz="2000" dirty="0" err="1">
-                <a:latin typeface="Arial"/>
-                <a:ea typeface="Arial"/>
-                <a:cs typeface="Arial"/>
+                <a:latin typeface="Arial" panose="020B0604020202020204" pitchFamily="34" charset="0"/>
+                <a:cs typeface="Arial" panose="020B0604020202020204" pitchFamily="34" charset="0"/>
+              </a:rPr>
+              <a:t>Epitran</a:t>
+            </a:r>
+            <a:r>
+              <a:rPr lang="lv-LV" sz="2000" dirty="0">
+                <a:latin typeface="Arial" panose="020B0604020202020204" pitchFamily="34" charset="0"/>
+                <a:cs typeface="Arial" panose="020B0604020202020204" pitchFamily="34" charset="0"/>
+              </a:rPr>
+              <a:t> spēj atveidot tikai no oriģinālās rakstības uz IPA, kas nozīmē, ka lietotājam ir jāzina oriģinālā vārda rakstība.</a:t>
+            </a:r>
+          </a:p>
+          <a:p>
+            <a:pPr marL="355600" lvl="0" indent="-355600" algn="l" rtl="0">
+              <a:lnSpc>
+                <a:spcPct val="90000"/>
+              </a:lnSpc>
+              <a:spcBef>
+                <a:spcPts val="1200"/>
+              </a:spcBef>
+              <a:spcAft>
+                <a:spcPts val="0"/>
+              </a:spcAft>
+              <a:buClr>
+                <a:srgbClr val="1B5089"/>
+              </a:buClr>
+              <a:buSzPts val="2400"/>
+              <a:buFont typeface="Noto Sans Symbols"/>
+              <a:buChar char="▪"/>
+            </a:pPr>
+            <a:r>
+              <a:rPr lang="lv-LV" sz="2000" dirty="0" err="1">
+                <a:latin typeface="Arial" panose="020B0604020202020204" pitchFamily="34" charset="0"/>
+                <a:ea typeface="Arial"/>
+                <a:cs typeface="Arial" panose="020B0604020202020204" pitchFamily="34" charset="0"/>
                 <a:sym typeface="Arial"/>
               </a:rPr>
               <a:t>PersonvarduAtveide</a:t>
             </a:r>
             <a:r>
               <a:rPr lang="lv-LV" sz="2000" dirty="0">
-                <a:latin typeface="Arial"/>
-                <a:ea typeface="Arial"/>
-                <a:cs typeface="Arial"/>
+                <a:latin typeface="Arial" panose="020B0604020202020204" pitchFamily="34" charset="0"/>
+                <a:ea typeface="Arial"/>
+                <a:cs typeface="Arial" panose="020B0604020202020204" pitchFamily="34" charset="0"/>
                 <a:sym typeface="Arial"/>
               </a:rPr>
               <a:t> ir nepilnīga, nestandartizēta datubāze, kā arī atveido tikai personvārdus (tātad neatveido pilsētu nosaukumus).</a:t>
             </a:r>
-            <a:endParaRPr lang="lv-LV" dirty="0"/>
+            <a:endParaRPr lang="lv-LV" sz="2000" dirty="0">
+              <a:latin typeface="Arial" panose="020B0604020202020204" pitchFamily="34" charset="0"/>
+              <a:cs typeface="Arial" panose="020B0604020202020204" pitchFamily="34" charset="0"/>
+            </a:endParaRPr>
           </a:p>
           <a:p>
             <a:pPr marL="0" lvl="0" indent="0" algn="l" rtl="0">
@@ -7258,10 +7320,10 @@
               <a:buSzPts val="2880"/>
               <a:buNone/>
             </a:pPr>
-            <a:endParaRPr lang="lv-LV" sz="2400" dirty="0">
-              <a:latin typeface="Arial"/>
+            <a:endParaRPr lang="lv-LV" sz="2000" dirty="0">
+              <a:latin typeface="Arial" panose="020B0604020202020204" pitchFamily="34" charset="0"/>
               <a:ea typeface="Arial"/>
-              <a:cs typeface="Arial"/>
+              <a:cs typeface="Arial" panose="020B0604020202020204" pitchFamily="34" charset="0"/>
               <a:sym typeface="Arial"/>
             </a:endParaRPr>
           </a:p>
@@ -7283,15 +7345,18 @@
               <a:buNone/>
             </a:pPr>
             <a:r>
-              <a:rPr lang="lv-LV" sz="2400" dirty="0">
-                <a:latin typeface="Arial"/>
-                <a:ea typeface="Arial"/>
-                <a:cs typeface="Arial"/>
+              <a:rPr lang="lv-LV" sz="2000" dirty="0">
+                <a:latin typeface="Arial" panose="020B0604020202020204" pitchFamily="34" charset="0"/>
+                <a:ea typeface="Arial"/>
+                <a:cs typeface="Arial" panose="020B0604020202020204" pitchFamily="34" charset="0"/>
                 <a:sym typeface="Arial"/>
               </a:rPr>
               <a:t>Latviešu-IPA transliterācijas jebkurā virzienā nav publiski pieejamas lielā apjomā.</a:t>
             </a:r>
-            <a:endParaRPr lang="lv-LV" dirty="0"/>
+            <a:endParaRPr lang="lv-LV" sz="2000" dirty="0">
+              <a:latin typeface="Arial" panose="020B0604020202020204" pitchFamily="34" charset="0"/>
+              <a:cs typeface="Arial" panose="020B0604020202020204" pitchFamily="34" charset="0"/>
+            </a:endParaRPr>
           </a:p>
         </p:txBody>
       </p:sp>
@@ -8077,7 +8142,23 @@
                 <a:cs typeface="Arial"/>
                 <a:sym typeface="Arial"/>
               </a:rPr>
-              <a:t>bs4 – HTML pārsēšanai,</a:t>
+              <a:t>bs4 – HTML </a:t>
+            </a:r>
+            <a:r>
+              <a:rPr lang="lv-LV" sz="2000" dirty="0" err="1">
+                <a:latin typeface="Arial"/>
+                <a:cs typeface="Arial"/>
+                <a:sym typeface="Arial"/>
+              </a:rPr>
+              <a:t>rasmošanai</a:t>
+            </a:r>
+            <a:r>
+              <a:rPr lang="lv-LV" sz="2000" dirty="0">
+                <a:latin typeface="Arial"/>
+                <a:cs typeface="Arial"/>
+                <a:sym typeface="Arial"/>
+              </a:rPr>
+              <a:t>,</a:t>
             </a:r>
           </a:p>
           <a:p>
@@ -8098,7 +8179,7 @@
                 <a:cs typeface="Arial"/>
                 <a:sym typeface="Arial"/>
               </a:rPr>
-              <a:t>re – Regulāro izteiksmju izmantošanai,</a:t>
+              <a:t>re – regulāro izteiksmju izmantošanai,</a:t>
             </a:r>
           </a:p>
           <a:p>
@@ -8177,7 +8258,7 @@
                 <a:cs typeface="Arial"/>
                 <a:sym typeface="Arial"/>
               </a:rPr>
-              <a:t>Ķīniešu, Franču, Ukraiņu, Japāņu, Vāciešu, Angļu </a:t>
+              <a:t>ķīniešu, franču, ukraiņu, japāņu, vāciešu, angļu </a:t>
             </a:r>
             <a:r>
               <a:rPr lang="lv-LV" sz="2000" dirty="0">
@@ -8649,7 +8730,7 @@
                 <a:cs typeface="Arial"/>
                 <a:sym typeface="Arial"/>
               </a:rPr>
-              <a:t>issues</a:t>
+              <a:t>Issues</a:t>
             </a:r>
             <a:r>
               <a:rPr lang="lv-LV" sz="2000" dirty="0">
@@ -9130,7 +9211,7 @@
                 <a:cs typeface="Arial"/>
                 <a:sym typeface="Arial"/>
               </a:rPr>
-              <a:t>Vācu-IPA:LV transliterācijas kartes</a:t>
+              <a:t>Vācu-IPA:LV daļēja transliterācijas karte</a:t>
             </a:r>
             <a:endParaRPr dirty="0">
               <a:solidFill>
@@ -9863,7 +9944,7 @@
                 <a:cs typeface="Arial"/>
                 <a:sym typeface="Arial"/>
               </a:rPr>
-              <a:t>, papildinot </a:t>
+              <a:t>, papildinot URL beigas ar «_</a:t>
             </a:r>
             <a:r>
               <a:rPr lang="lv-LV" dirty="0" err="1">
@@ -9872,7 +9953,7 @@
                 <a:cs typeface="Arial"/>
                 <a:sym typeface="Arial"/>
               </a:rPr>
-              <a:t>url</a:t>
+              <a:t>City</a:t>
             </a:r>
             <a:r>
               <a:rPr lang="lv-LV" dirty="0">
@@ -9881,25 +9962,7 @@
                 <a:cs typeface="Arial"/>
                 <a:sym typeface="Arial"/>
               </a:rPr>
-              <a:t> beigas ar «_</a:t>
-            </a:r>
-            <a:r>
-              <a:rPr lang="lv-LV" dirty="0" err="1">
-                <a:latin typeface="Arial"/>
-                <a:ea typeface="Arial"/>
-                <a:cs typeface="Arial"/>
-                <a:sym typeface="Arial"/>
-              </a:rPr>
-              <a:t>City</a:t>
-            </a:r>
-            <a:r>
-              <a:rPr lang="lv-LV" dirty="0">
-                <a:latin typeface="Arial"/>
-                <a:ea typeface="Arial"/>
-                <a:cs typeface="Arial"/>
-                <a:sym typeface="Arial"/>
-              </a:rPr>
-              <a:t>»</a:t>
+              <a:t>».</a:t>
             </a:r>
           </a:p>
           <a:p>
